--- a/document-object-model-presentation/Document Object Model.pptx
+++ b/document-object-model-presentation/Document Object Model.pptx
@@ -15,6 +15,17 @@
     <p:sldId id="264" r:id="rId9"/>
     <p:sldId id="265" r:id="rId10"/>
     <p:sldId id="266" r:id="rId11"/>
+    <p:sldId id="267" r:id="rId12"/>
+    <p:sldId id="268" r:id="rId13"/>
+    <p:sldId id="269" r:id="rId14"/>
+    <p:sldId id="270" r:id="rId15"/>
+    <p:sldId id="271" r:id="rId16"/>
+    <p:sldId id="272" r:id="rId17"/>
+    <p:sldId id="273" r:id="rId18"/>
+    <p:sldId id="274" r:id="rId19"/>
+    <p:sldId id="275" r:id="rId20"/>
+    <p:sldId id="276" r:id="rId21"/>
+    <p:sldId id="277" r:id="rId22"/>
   </p:sldIdLst>
   <p:sldSz cx="12192000" cy="6858000"/>
   <p:notesSz cx="6858000" cy="9144000"/>
@@ -132,6 +143,17 @@
             <p14:sldId id="264"/>
             <p14:sldId id="265"/>
             <p14:sldId id="266"/>
+            <p14:sldId id="267"/>
+            <p14:sldId id="268"/>
+            <p14:sldId id="269"/>
+            <p14:sldId id="270"/>
+            <p14:sldId id="271"/>
+            <p14:sldId id="272"/>
+            <p14:sldId id="273"/>
+            <p14:sldId id="274"/>
+            <p14:sldId id="275"/>
+            <p14:sldId id="276"/>
+            <p14:sldId id="277"/>
           </p14:sldIdLst>
         </p14:section>
       </p14:sectionLst>
@@ -6280,7 +6302,13 @@
                 <a:lumMod val="75000"/>
               </a:schemeClr>
             </a:gs>
-            <a:gs pos="100000">
+            <a:gs pos="74000">
+              <a:schemeClr val="accent1">
+                <a:lumMod val="45000"/>
+                <a:lumOff val="55000"/>
+              </a:schemeClr>
+            </a:gs>
+            <a:gs pos="83000">
               <a:schemeClr val="accent1">
                 <a:lumMod val="45000"/>
                 <a:lumOff val="55000"/>
@@ -6314,10 +6342,10 @@
       </p:grpSpPr>
       <p:sp>
         <p:nvSpPr>
-          <p:cNvPr id="7" name="Title 6">
+          <p:cNvPr id="2" name="Title 1">
             <a:extLst>
               <a:ext uri="{FF2B5EF4-FFF2-40B4-BE49-F238E27FC236}">
-                <a16:creationId xmlns:a16="http://schemas.microsoft.com/office/drawing/2014/main" id="{A3094A90-F73B-4992-8205-CC2334D9E9D8}"/>
+                <a16:creationId xmlns:a16="http://schemas.microsoft.com/office/drawing/2014/main" id="{36362683-110D-4D37-A0FD-449F37C1248A}"/>
               </a:ext>
             </a:extLst>
           </p:cNvPr>
@@ -6328,19 +6356,54 @@
             <p:ph type="title"/>
           </p:nvPr>
         </p:nvSpPr>
-        <p:spPr>
-          <a:xfrm>
-            <a:off x="1154954" y="1447799"/>
-            <a:ext cx="8825659" cy="3730487"/>
-          </a:xfrm>
-        </p:spPr>
+        <p:spPr/>
         <p:txBody>
           <a:bodyPr/>
           <a:lstStyle/>
           <a:p>
             <a:r>
-              <a:rPr lang="en-US" dirty="0"/>
-              <a:t>Why do we need to put the JavaScript &lt;script&gt; tag at the bottom of the body instead of in the &lt;head&gt; element?</a:t>
+              <a:rPr lang="en-US" sz="4000" dirty="0"/>
+              <a:t>Why do we need to put the &lt;script&gt; tag at the end of the body?</a:t>
+            </a:r>
+          </a:p>
+        </p:txBody>
+      </p:sp>
+      <p:sp>
+        <p:nvSpPr>
+          <p:cNvPr id="3" name="Content Placeholder 2">
+            <a:extLst>
+              <a:ext uri="{FF2B5EF4-FFF2-40B4-BE49-F238E27FC236}">
+                <a16:creationId xmlns:a16="http://schemas.microsoft.com/office/drawing/2014/main" id="{A7F12E94-8AA8-48AC-A1A5-AAB227FF9C61}"/>
+              </a:ext>
+            </a:extLst>
+          </p:cNvPr>
+          <p:cNvSpPr>
+            <a:spLocks noGrp="1"/>
+          </p:cNvSpPr>
+          <p:nvPr>
+            <p:ph idx="1"/>
+          </p:nvPr>
+        </p:nvSpPr>
+        <p:spPr/>
+        <p:txBody>
+          <a:bodyPr/>
+          <a:lstStyle/>
+          <a:p>
+            <a:r>
+              <a:rPr lang="en-US" dirty="0"/>
+              <a:t>The DOM gets constructed from the top down</a:t>
+            </a:r>
+          </a:p>
+          <a:p>
+            <a:r>
+              <a:rPr lang="en-US" dirty="0"/>
+              <a:t>If a &lt;script&gt; tag is in the &lt;head&gt; element, the script will most likely be loaded and run before the rest of the DOM is constructed</a:t>
+            </a:r>
+          </a:p>
+          <a:p>
+            <a:r>
+              <a:rPr lang="en-US" dirty="0"/>
+              <a:t>If that &lt;script&gt; tag refers to an element in the DOM, that element will not be there when the script is run</a:t>
             </a:r>
           </a:p>
         </p:txBody>
@@ -6348,7 +6411,1447 @@
     </p:spTree>
     <p:extLst>
       <p:ext uri="{BB962C8B-B14F-4D97-AF65-F5344CB8AC3E}">
-        <p14:creationId xmlns:p14="http://schemas.microsoft.com/office/powerpoint/2010/main" val="3504136801"/>
+        <p14:creationId xmlns:p14="http://schemas.microsoft.com/office/powerpoint/2010/main" val="2568367764"/>
+      </p:ext>
+    </p:extLst>
+  </p:cSld>
+  <p:clrMapOvr>
+    <a:masterClrMapping/>
+  </p:clrMapOvr>
+</p:sld>
+</file>
+
+<file path=ppt/slides/slide11.xml><?xml version="1.0" encoding="utf-8"?>
+<p:sld xmlns:a="http://schemas.openxmlformats.org/drawingml/2006/main" xmlns:r="http://schemas.openxmlformats.org/officeDocument/2006/relationships" xmlns:p="http://schemas.openxmlformats.org/presentationml/2006/main">
+  <p:cSld>
+    <p:bg>
+      <p:bgPr>
+        <a:gradFill>
+          <a:gsLst>
+            <a:gs pos="0">
+              <a:schemeClr val="accent1">
+                <a:lumMod val="75000"/>
+              </a:schemeClr>
+            </a:gs>
+            <a:gs pos="74000">
+              <a:schemeClr val="accent1">
+                <a:lumMod val="45000"/>
+                <a:lumOff val="55000"/>
+              </a:schemeClr>
+            </a:gs>
+            <a:gs pos="83000">
+              <a:schemeClr val="accent1">
+                <a:lumMod val="45000"/>
+                <a:lumOff val="55000"/>
+              </a:schemeClr>
+            </a:gs>
+            <a:gs pos="100000">
+              <a:schemeClr val="accent1">
+                <a:lumMod val="30000"/>
+                <a:lumOff val="70000"/>
+              </a:schemeClr>
+            </a:gs>
+          </a:gsLst>
+          <a:lin ang="5400000" scaled="1"/>
+        </a:gradFill>
+        <a:effectLst/>
+      </p:bgPr>
+    </p:bg>
+    <p:spTree>
+      <p:nvGrpSpPr>
+        <p:cNvPr id="1" name=""/>
+        <p:cNvGrpSpPr/>
+        <p:nvPr/>
+      </p:nvGrpSpPr>
+      <p:grpSpPr>
+        <a:xfrm>
+          <a:off x="0" y="0"/>
+          <a:ext cx="0" cy="0"/>
+          <a:chOff x="0" y="0"/>
+          <a:chExt cx="0" cy="0"/>
+        </a:xfrm>
+      </p:grpSpPr>
+      <p:sp>
+        <p:nvSpPr>
+          <p:cNvPr id="2" name="Title 1">
+            <a:extLst>
+              <a:ext uri="{FF2B5EF4-FFF2-40B4-BE49-F238E27FC236}">
+                <a16:creationId xmlns:a16="http://schemas.microsoft.com/office/drawing/2014/main" id="{9C4FCE38-7AB6-47FF-A501-A48552A67597}"/>
+              </a:ext>
+            </a:extLst>
+          </p:cNvPr>
+          <p:cNvSpPr>
+            <a:spLocks noGrp="1"/>
+          </p:cNvSpPr>
+          <p:nvPr>
+            <p:ph type="title"/>
+          </p:nvPr>
+        </p:nvSpPr>
+        <p:spPr>
+          <a:xfrm>
+            <a:off x="646111" y="452718"/>
+            <a:ext cx="9404723" cy="1116778"/>
+          </a:xfrm>
+        </p:spPr>
+        <p:txBody>
+          <a:bodyPr/>
+          <a:lstStyle/>
+          <a:p>
+            <a:r>
+              <a:rPr lang="en-US" dirty="0"/>
+              <a:t>Let’s test it! First in the head…</a:t>
+            </a:r>
+          </a:p>
+        </p:txBody>
+      </p:sp>
+      <p:pic>
+        <p:nvPicPr>
+          <p:cNvPr id="1028" name="Picture 4" descr="https://ucarecdn.com/7cf60a47-54e9-4b8d-9164-fbd3dbefeca9/">
+            <a:extLst>
+              <a:ext uri="{FF2B5EF4-FFF2-40B4-BE49-F238E27FC236}">
+                <a16:creationId xmlns:a16="http://schemas.microsoft.com/office/drawing/2014/main" id="{F9DAE6B9-282D-4A5C-9647-8FAE441E67C0}"/>
+              </a:ext>
+            </a:extLst>
+          </p:cNvPr>
+          <p:cNvPicPr>
+            <a:picLocks noGrp="1" noChangeAspect="1" noChangeArrowheads="1"/>
+          </p:cNvPicPr>
+          <p:nvPr>
+            <p:ph idx="1"/>
+          </p:nvPr>
+        </p:nvPicPr>
+        <p:blipFill>
+          <a:blip r:embed="rId2">
+            <a:extLst>
+              <a:ext uri="{28A0092B-C50C-407E-A947-70E740481C1C}">
+                <a14:useLocalDpi xmlns:a14="http://schemas.microsoft.com/office/drawing/2010/main" val="0"/>
+              </a:ext>
+            </a:extLst>
+          </a:blip>
+          <a:srcRect/>
+          <a:stretch>
+            <a:fillRect/>
+          </a:stretch>
+        </p:blipFill>
+        <p:spPr bwMode="auto">
+          <a:xfrm>
+            <a:off x="1103312" y="1569496"/>
+            <a:ext cx="7106409" cy="2836946"/>
+          </a:xfrm>
+          <a:prstGeom prst="rect">
+            <a:avLst/>
+          </a:prstGeom>
+          <a:noFill/>
+          <a:extLst>
+            <a:ext uri="{909E8E84-426E-40DD-AFC4-6F175D3DCCD1}">
+              <a14:hiddenFill xmlns:a14="http://schemas.microsoft.com/office/drawing/2010/main">
+                <a:solidFill>
+                  <a:srgbClr val="FFFFFF"/>
+                </a:solidFill>
+              </a14:hiddenFill>
+            </a:ext>
+          </a:extLst>
+        </p:spPr>
+      </p:pic>
+      <p:pic>
+        <p:nvPicPr>
+          <p:cNvPr id="9" name="Picture 8">
+            <a:extLst>
+              <a:ext uri="{FF2B5EF4-FFF2-40B4-BE49-F238E27FC236}">
+                <a16:creationId xmlns:a16="http://schemas.microsoft.com/office/drawing/2014/main" id="{37B5C956-6E7E-4D7E-A782-917FB53B58F0}"/>
+              </a:ext>
+            </a:extLst>
+          </p:cNvPr>
+          <p:cNvPicPr>
+            <a:picLocks noChangeAspect="1"/>
+          </p:cNvPicPr>
+          <p:nvPr/>
+        </p:nvPicPr>
+        <p:blipFill>
+          <a:blip r:embed="rId3"/>
+          <a:stretch>
+            <a:fillRect/>
+          </a:stretch>
+        </p:blipFill>
+        <p:spPr>
+          <a:xfrm>
+            <a:off x="1098377" y="4485955"/>
+            <a:ext cx="7106409" cy="1400530"/>
+          </a:xfrm>
+          <a:prstGeom prst="rect">
+            <a:avLst/>
+          </a:prstGeom>
+        </p:spPr>
+      </p:pic>
+    </p:spTree>
+    <p:extLst>
+      <p:ext uri="{BB962C8B-B14F-4D97-AF65-F5344CB8AC3E}">
+        <p14:creationId xmlns:p14="http://schemas.microsoft.com/office/powerpoint/2010/main" val="447977562"/>
+      </p:ext>
+    </p:extLst>
+  </p:cSld>
+  <p:clrMapOvr>
+    <a:masterClrMapping/>
+  </p:clrMapOvr>
+</p:sld>
+</file>
+
+<file path=ppt/slides/slide12.xml><?xml version="1.0" encoding="utf-8"?>
+<p:sld xmlns:a="http://schemas.openxmlformats.org/drawingml/2006/main" xmlns:r="http://schemas.openxmlformats.org/officeDocument/2006/relationships" xmlns:p="http://schemas.openxmlformats.org/presentationml/2006/main">
+  <p:cSld>
+    <p:bg>
+      <p:bgPr>
+        <a:gradFill>
+          <a:gsLst>
+            <a:gs pos="0">
+              <a:schemeClr val="accent1">
+                <a:lumMod val="75000"/>
+              </a:schemeClr>
+            </a:gs>
+            <a:gs pos="74000">
+              <a:schemeClr val="accent1">
+                <a:lumMod val="45000"/>
+                <a:lumOff val="55000"/>
+              </a:schemeClr>
+            </a:gs>
+            <a:gs pos="83000">
+              <a:schemeClr val="accent1">
+                <a:lumMod val="45000"/>
+                <a:lumOff val="55000"/>
+              </a:schemeClr>
+            </a:gs>
+            <a:gs pos="100000">
+              <a:schemeClr val="accent1">
+                <a:lumMod val="30000"/>
+                <a:lumOff val="70000"/>
+              </a:schemeClr>
+            </a:gs>
+          </a:gsLst>
+          <a:lin ang="5400000" scaled="1"/>
+        </a:gradFill>
+        <a:effectLst/>
+      </p:bgPr>
+    </p:bg>
+    <p:spTree>
+      <p:nvGrpSpPr>
+        <p:cNvPr id="1" name=""/>
+        <p:cNvGrpSpPr/>
+        <p:nvPr/>
+      </p:nvGrpSpPr>
+      <p:grpSpPr>
+        <a:xfrm>
+          <a:off x="0" y="0"/>
+          <a:ext cx="0" cy="0"/>
+          <a:chOff x="0" y="0"/>
+          <a:chExt cx="0" cy="0"/>
+        </a:xfrm>
+      </p:grpSpPr>
+      <p:sp>
+        <p:nvSpPr>
+          <p:cNvPr id="2" name="Title 1">
+            <a:extLst>
+              <a:ext uri="{FF2B5EF4-FFF2-40B4-BE49-F238E27FC236}">
+                <a16:creationId xmlns:a16="http://schemas.microsoft.com/office/drawing/2014/main" id="{B8B76384-E5EC-4B70-B6D1-CFF6871FCB73}"/>
+              </a:ext>
+            </a:extLst>
+          </p:cNvPr>
+          <p:cNvSpPr>
+            <a:spLocks noGrp="1"/>
+          </p:cNvSpPr>
+          <p:nvPr>
+            <p:ph type="title"/>
+          </p:nvPr>
+        </p:nvSpPr>
+        <p:spPr/>
+        <p:txBody>
+          <a:bodyPr/>
+          <a:lstStyle/>
+          <a:p>
+            <a:r>
+              <a:rPr lang="en-US" dirty="0"/>
+              <a:t>&lt;script&gt; tag in the head - result</a:t>
+            </a:r>
+          </a:p>
+        </p:txBody>
+      </p:sp>
+      <p:pic>
+        <p:nvPicPr>
+          <p:cNvPr id="2050" name="Picture 2" descr="https://ucarecdn.com/33509b0b-d105-4435-a850-0eda7a6b83b0/">
+            <a:extLst>
+              <a:ext uri="{FF2B5EF4-FFF2-40B4-BE49-F238E27FC236}">
+                <a16:creationId xmlns:a16="http://schemas.microsoft.com/office/drawing/2014/main" id="{96149D4B-C2C9-4E59-A8B1-233B68C23B38}"/>
+              </a:ext>
+            </a:extLst>
+          </p:cNvPr>
+          <p:cNvPicPr>
+            <a:picLocks noGrp="1" noChangeAspect="1" noChangeArrowheads="1"/>
+          </p:cNvPicPr>
+          <p:nvPr>
+            <p:ph idx="1"/>
+          </p:nvPr>
+        </p:nvPicPr>
+        <p:blipFill>
+          <a:blip r:embed="rId2">
+            <a:extLst>
+              <a:ext uri="{28A0092B-C50C-407E-A947-70E740481C1C}">
+                <a14:useLocalDpi xmlns:a14="http://schemas.microsoft.com/office/drawing/2010/main" val="0"/>
+              </a:ext>
+            </a:extLst>
+          </a:blip>
+          <a:srcRect/>
+          <a:stretch>
+            <a:fillRect/>
+          </a:stretch>
+        </p:blipFill>
+        <p:spPr bwMode="auto">
+          <a:xfrm>
+            <a:off x="2198514" y="3217021"/>
+            <a:ext cx="6756747" cy="1866996"/>
+          </a:xfrm>
+          <a:prstGeom prst="rect">
+            <a:avLst/>
+          </a:prstGeom>
+          <a:noFill/>
+          <a:extLst>
+            <a:ext uri="{909E8E84-426E-40DD-AFC4-6F175D3DCCD1}">
+              <a14:hiddenFill xmlns:a14="http://schemas.microsoft.com/office/drawing/2010/main">
+                <a:solidFill>
+                  <a:srgbClr val="FFFFFF"/>
+                </a:solidFill>
+              </a14:hiddenFill>
+            </a:ext>
+          </a:extLst>
+        </p:spPr>
+      </p:pic>
+    </p:spTree>
+    <p:extLst>
+      <p:ext uri="{BB962C8B-B14F-4D97-AF65-F5344CB8AC3E}">
+        <p14:creationId xmlns:p14="http://schemas.microsoft.com/office/powerpoint/2010/main" val="2134435941"/>
+      </p:ext>
+    </p:extLst>
+  </p:cSld>
+  <p:clrMapOvr>
+    <a:masterClrMapping/>
+  </p:clrMapOvr>
+</p:sld>
+</file>
+
+<file path=ppt/slides/slide13.xml><?xml version="1.0" encoding="utf-8"?>
+<p:sld xmlns:a="http://schemas.openxmlformats.org/drawingml/2006/main" xmlns:r="http://schemas.openxmlformats.org/officeDocument/2006/relationships" xmlns:p="http://schemas.openxmlformats.org/presentationml/2006/main">
+  <p:cSld>
+    <p:bg>
+      <p:bgPr>
+        <a:gradFill>
+          <a:gsLst>
+            <a:gs pos="0">
+              <a:schemeClr val="accent1">
+                <a:lumMod val="75000"/>
+              </a:schemeClr>
+            </a:gs>
+            <a:gs pos="74000">
+              <a:schemeClr val="accent1">
+                <a:lumMod val="45000"/>
+                <a:lumOff val="55000"/>
+              </a:schemeClr>
+            </a:gs>
+            <a:gs pos="83000">
+              <a:schemeClr val="accent1">
+                <a:lumMod val="45000"/>
+                <a:lumOff val="55000"/>
+              </a:schemeClr>
+            </a:gs>
+            <a:gs pos="100000">
+              <a:schemeClr val="accent1">
+                <a:lumMod val="30000"/>
+                <a:lumOff val="70000"/>
+              </a:schemeClr>
+            </a:gs>
+          </a:gsLst>
+          <a:lin ang="5400000" scaled="1"/>
+        </a:gradFill>
+        <a:effectLst/>
+      </p:bgPr>
+    </p:bg>
+    <p:spTree>
+      <p:nvGrpSpPr>
+        <p:cNvPr id="1" name=""/>
+        <p:cNvGrpSpPr/>
+        <p:nvPr/>
+      </p:nvGrpSpPr>
+      <p:grpSpPr>
+        <a:xfrm>
+          <a:off x="0" y="0"/>
+          <a:ext cx="0" cy="0"/>
+          <a:chOff x="0" y="0"/>
+          <a:chExt cx="0" cy="0"/>
+        </a:xfrm>
+      </p:grpSpPr>
+      <p:sp>
+        <p:nvSpPr>
+          <p:cNvPr id="2" name="Title 1">
+            <a:extLst>
+              <a:ext uri="{FF2B5EF4-FFF2-40B4-BE49-F238E27FC236}">
+                <a16:creationId xmlns:a16="http://schemas.microsoft.com/office/drawing/2014/main" id="{E62F0863-0ADB-4266-BB4D-366533A981DB}"/>
+              </a:ext>
+            </a:extLst>
+          </p:cNvPr>
+          <p:cNvSpPr>
+            <a:spLocks noGrp="1"/>
+          </p:cNvSpPr>
+          <p:nvPr>
+            <p:ph type="title"/>
+          </p:nvPr>
+        </p:nvSpPr>
+        <p:spPr/>
+        <p:txBody>
+          <a:bodyPr/>
+          <a:lstStyle/>
+          <a:p>
+            <a:r>
+              <a:rPr lang="en-US" dirty="0"/>
+              <a:t>Now let’s place it at the bottom of the body…</a:t>
+            </a:r>
+          </a:p>
+        </p:txBody>
+      </p:sp>
+      <p:pic>
+        <p:nvPicPr>
+          <p:cNvPr id="3074" name="Picture 2" descr="https://ucarecdn.com/35ff5be1-efe4-4171-bd19-52260a43407e/">
+            <a:extLst>
+              <a:ext uri="{FF2B5EF4-FFF2-40B4-BE49-F238E27FC236}">
+                <a16:creationId xmlns:a16="http://schemas.microsoft.com/office/drawing/2014/main" id="{DB0C6EA3-D6CE-4BC4-8F58-86B56C3540EA}"/>
+              </a:ext>
+            </a:extLst>
+          </p:cNvPr>
+          <p:cNvPicPr>
+            <a:picLocks noGrp="1" noChangeAspect="1" noChangeArrowheads="1"/>
+          </p:cNvPicPr>
+          <p:nvPr>
+            <p:ph idx="1"/>
+          </p:nvPr>
+        </p:nvPicPr>
+        <p:blipFill>
+          <a:blip r:embed="rId2">
+            <a:extLst>
+              <a:ext uri="{28A0092B-C50C-407E-A947-70E740481C1C}">
+                <a14:useLocalDpi xmlns:a14="http://schemas.microsoft.com/office/drawing/2010/main" val="0"/>
+              </a:ext>
+            </a:extLst>
+          </a:blip>
+          <a:srcRect/>
+          <a:stretch>
+            <a:fillRect/>
+          </a:stretch>
+        </p:blipFill>
+        <p:spPr bwMode="auto">
+          <a:xfrm>
+            <a:off x="1652386" y="2232720"/>
+            <a:ext cx="7849003" cy="3835597"/>
+          </a:xfrm>
+          <a:prstGeom prst="rect">
+            <a:avLst/>
+          </a:prstGeom>
+          <a:noFill/>
+          <a:extLst>
+            <a:ext uri="{909E8E84-426E-40DD-AFC4-6F175D3DCCD1}">
+              <a14:hiddenFill xmlns:a14="http://schemas.microsoft.com/office/drawing/2010/main">
+                <a:solidFill>
+                  <a:srgbClr val="FFFFFF"/>
+                </a:solidFill>
+              </a14:hiddenFill>
+            </a:ext>
+          </a:extLst>
+        </p:spPr>
+      </p:pic>
+    </p:spTree>
+    <p:extLst>
+      <p:ext uri="{BB962C8B-B14F-4D97-AF65-F5344CB8AC3E}">
+        <p14:creationId xmlns:p14="http://schemas.microsoft.com/office/powerpoint/2010/main" val="3399266301"/>
+      </p:ext>
+    </p:extLst>
+  </p:cSld>
+  <p:clrMapOvr>
+    <a:masterClrMapping/>
+  </p:clrMapOvr>
+</p:sld>
+</file>
+
+<file path=ppt/slides/slide14.xml><?xml version="1.0" encoding="utf-8"?>
+<p:sld xmlns:a="http://schemas.openxmlformats.org/drawingml/2006/main" xmlns:r="http://schemas.openxmlformats.org/officeDocument/2006/relationships" xmlns:p="http://schemas.openxmlformats.org/presentationml/2006/main">
+  <p:cSld>
+    <p:bg>
+      <p:bgPr>
+        <a:gradFill>
+          <a:gsLst>
+            <a:gs pos="0">
+              <a:schemeClr val="accent1">
+                <a:lumMod val="75000"/>
+              </a:schemeClr>
+            </a:gs>
+            <a:gs pos="74000">
+              <a:schemeClr val="accent1">
+                <a:lumMod val="45000"/>
+                <a:lumOff val="55000"/>
+              </a:schemeClr>
+            </a:gs>
+            <a:gs pos="83000">
+              <a:schemeClr val="accent1">
+                <a:lumMod val="45000"/>
+                <a:lumOff val="55000"/>
+              </a:schemeClr>
+            </a:gs>
+            <a:gs pos="100000">
+              <a:schemeClr val="accent1">
+                <a:lumMod val="30000"/>
+                <a:lumOff val="70000"/>
+              </a:schemeClr>
+            </a:gs>
+          </a:gsLst>
+          <a:lin ang="5400000" scaled="1"/>
+        </a:gradFill>
+        <a:effectLst/>
+      </p:bgPr>
+    </p:bg>
+    <p:spTree>
+      <p:nvGrpSpPr>
+        <p:cNvPr id="1" name=""/>
+        <p:cNvGrpSpPr/>
+        <p:nvPr/>
+      </p:nvGrpSpPr>
+      <p:grpSpPr>
+        <a:xfrm>
+          <a:off x="0" y="0"/>
+          <a:ext cx="0" cy="0"/>
+          <a:chOff x="0" y="0"/>
+          <a:chExt cx="0" cy="0"/>
+        </a:xfrm>
+      </p:grpSpPr>
+      <p:sp>
+        <p:nvSpPr>
+          <p:cNvPr id="2" name="Title 1">
+            <a:extLst>
+              <a:ext uri="{FF2B5EF4-FFF2-40B4-BE49-F238E27FC236}">
+                <a16:creationId xmlns:a16="http://schemas.microsoft.com/office/drawing/2014/main" id="{395AC3BB-B1F4-405D-B442-B8614CD2B218}"/>
+              </a:ext>
+            </a:extLst>
+          </p:cNvPr>
+          <p:cNvSpPr>
+            <a:spLocks noGrp="1"/>
+          </p:cNvSpPr>
+          <p:nvPr>
+            <p:ph type="title"/>
+          </p:nvPr>
+        </p:nvSpPr>
+        <p:spPr/>
+        <p:txBody>
+          <a:bodyPr/>
+          <a:lstStyle/>
+          <a:p>
+            <a:r>
+              <a:rPr lang="en-US" dirty="0"/>
+              <a:t>&lt;script&gt; tag at the bottom of the body - result</a:t>
+            </a:r>
+          </a:p>
+        </p:txBody>
+      </p:sp>
+      <p:sp>
+        <p:nvSpPr>
+          <p:cNvPr id="3" name="Content Placeholder 2">
+            <a:extLst>
+              <a:ext uri="{FF2B5EF4-FFF2-40B4-BE49-F238E27FC236}">
+                <a16:creationId xmlns:a16="http://schemas.microsoft.com/office/drawing/2014/main" id="{D3CE3DD4-8AFA-43DC-BF08-47040CDD82A5}"/>
+              </a:ext>
+            </a:extLst>
+          </p:cNvPr>
+          <p:cNvSpPr>
+            <a:spLocks noGrp="1"/>
+          </p:cNvSpPr>
+          <p:nvPr>
+            <p:ph idx="1"/>
+          </p:nvPr>
+        </p:nvSpPr>
+        <p:spPr/>
+        <p:txBody>
+          <a:bodyPr/>
+          <a:lstStyle/>
+          <a:p>
+            <a:endParaRPr lang="en-US" dirty="0"/>
+          </a:p>
+        </p:txBody>
+      </p:sp>
+      <p:pic>
+        <p:nvPicPr>
+          <p:cNvPr id="4" name="Picture 3">
+            <a:extLst>
+              <a:ext uri="{FF2B5EF4-FFF2-40B4-BE49-F238E27FC236}">
+                <a16:creationId xmlns:a16="http://schemas.microsoft.com/office/drawing/2014/main" id="{0E94FDCB-5992-41C8-A38D-62D119445DB1}"/>
+              </a:ext>
+            </a:extLst>
+          </p:cNvPr>
+          <p:cNvPicPr>
+            <a:picLocks noChangeAspect="1"/>
+          </p:cNvPicPr>
+          <p:nvPr/>
+        </p:nvPicPr>
+        <p:blipFill>
+          <a:blip r:embed="rId2"/>
+          <a:stretch>
+            <a:fillRect/>
+          </a:stretch>
+        </p:blipFill>
+        <p:spPr>
+          <a:xfrm>
+            <a:off x="1107833" y="3096526"/>
+            <a:ext cx="8942020" cy="2489265"/>
+          </a:xfrm>
+          <a:prstGeom prst="rect">
+            <a:avLst/>
+          </a:prstGeom>
+        </p:spPr>
+      </p:pic>
+    </p:spTree>
+    <p:extLst>
+      <p:ext uri="{BB962C8B-B14F-4D97-AF65-F5344CB8AC3E}">
+        <p14:creationId xmlns:p14="http://schemas.microsoft.com/office/powerpoint/2010/main" val="3213813706"/>
+      </p:ext>
+    </p:extLst>
+  </p:cSld>
+  <p:clrMapOvr>
+    <a:masterClrMapping/>
+  </p:clrMapOvr>
+</p:sld>
+</file>
+
+<file path=ppt/slides/slide15.xml><?xml version="1.0" encoding="utf-8"?>
+<p:sld xmlns:a="http://schemas.openxmlformats.org/drawingml/2006/main" xmlns:r="http://schemas.openxmlformats.org/officeDocument/2006/relationships" xmlns:p="http://schemas.openxmlformats.org/presentationml/2006/main">
+  <p:cSld>
+    <p:bg>
+      <p:bgPr>
+        <a:gradFill>
+          <a:gsLst>
+            <a:gs pos="0">
+              <a:schemeClr val="accent1">
+                <a:lumMod val="75000"/>
+              </a:schemeClr>
+            </a:gs>
+            <a:gs pos="74000">
+              <a:schemeClr val="accent1">
+                <a:lumMod val="45000"/>
+                <a:lumOff val="55000"/>
+              </a:schemeClr>
+            </a:gs>
+            <a:gs pos="83000">
+              <a:schemeClr val="accent1">
+                <a:lumMod val="45000"/>
+                <a:lumOff val="55000"/>
+              </a:schemeClr>
+            </a:gs>
+            <a:gs pos="100000">
+              <a:schemeClr val="accent1">
+                <a:lumMod val="30000"/>
+                <a:lumOff val="70000"/>
+              </a:schemeClr>
+            </a:gs>
+          </a:gsLst>
+          <a:lin ang="5400000" scaled="1"/>
+        </a:gradFill>
+        <a:effectLst/>
+      </p:bgPr>
+    </p:bg>
+    <p:spTree>
+      <p:nvGrpSpPr>
+        <p:cNvPr id="1" name=""/>
+        <p:cNvGrpSpPr/>
+        <p:nvPr/>
+      </p:nvGrpSpPr>
+      <p:grpSpPr>
+        <a:xfrm>
+          <a:off x="0" y="0"/>
+          <a:ext cx="0" cy="0"/>
+          <a:chOff x="0" y="0"/>
+          <a:chExt cx="0" cy="0"/>
+        </a:xfrm>
+      </p:grpSpPr>
+      <p:sp>
+        <p:nvSpPr>
+          <p:cNvPr id="2" name="Title 1">
+            <a:extLst>
+              <a:ext uri="{FF2B5EF4-FFF2-40B4-BE49-F238E27FC236}">
+                <a16:creationId xmlns:a16="http://schemas.microsoft.com/office/drawing/2014/main" id="{ABCA4F42-CFB6-43CF-9D40-44D32355C8CB}"/>
+              </a:ext>
+            </a:extLst>
+          </p:cNvPr>
+          <p:cNvSpPr>
+            <a:spLocks noGrp="1"/>
+          </p:cNvSpPr>
+          <p:nvPr>
+            <p:ph type="title"/>
+          </p:nvPr>
+        </p:nvSpPr>
+        <p:spPr/>
+        <p:txBody>
+          <a:bodyPr/>
+          <a:lstStyle/>
+          <a:p>
+            <a:r>
+              <a:rPr lang="en-US" dirty="0"/>
+              <a:t>DOM – Finding elements</a:t>
+            </a:r>
+          </a:p>
+        </p:txBody>
+      </p:sp>
+      <p:sp>
+        <p:nvSpPr>
+          <p:cNvPr id="3" name="Content Placeholder 2">
+            <a:extLst>
+              <a:ext uri="{FF2B5EF4-FFF2-40B4-BE49-F238E27FC236}">
+                <a16:creationId xmlns:a16="http://schemas.microsoft.com/office/drawing/2014/main" id="{7E91ED64-881A-401A-A7CB-3DF72ACB7FF6}"/>
+              </a:ext>
+            </a:extLst>
+          </p:cNvPr>
+          <p:cNvSpPr>
+            <a:spLocks noGrp="1"/>
+          </p:cNvSpPr>
+          <p:nvPr>
+            <p:ph idx="1"/>
+          </p:nvPr>
+        </p:nvSpPr>
+        <p:spPr/>
+        <p:txBody>
+          <a:bodyPr/>
+          <a:lstStyle/>
+          <a:p>
+            <a:r>
+              <a:rPr lang="en-US" dirty="0"/>
+              <a:t>Trying to find a specific node in the document by starting at </a:t>
+            </a:r>
+            <a:r>
+              <a:rPr lang="en-US" b="1" dirty="0" err="1">
+                <a:latin typeface="Courier New" panose="02070309020205020404" pitchFamily="49" charset="0"/>
+                <a:cs typeface="Courier New" panose="02070309020205020404" pitchFamily="49" charset="0"/>
+              </a:rPr>
+              <a:t>document.body</a:t>
+            </a:r>
+            <a:r>
+              <a:rPr lang="en-US" b="1" dirty="0">
+                <a:latin typeface="Courier New" panose="02070309020205020404" pitchFamily="49" charset="0"/>
+                <a:cs typeface="Courier New" panose="02070309020205020404" pitchFamily="49" charset="0"/>
+              </a:rPr>
+              <a:t> </a:t>
+            </a:r>
+            <a:r>
+              <a:rPr lang="en-US" dirty="0"/>
+              <a:t>and following a hard-coded path of links is a bad idea</a:t>
+            </a:r>
+          </a:p>
+          <a:p>
+            <a:pPr lvl="1"/>
+            <a:r>
+              <a:rPr lang="en-US" dirty="0"/>
+              <a:t>Bakes assumptions into our program about the precise structure of the document – a structure we may want to change later</a:t>
+            </a:r>
+          </a:p>
+          <a:p>
+            <a:pPr lvl="1"/>
+            <a:r>
+              <a:rPr lang="en-US" dirty="0"/>
+              <a:t>Another complicating factor – text nodes are created even for the whitespace between nodes</a:t>
+            </a:r>
+          </a:p>
+        </p:txBody>
+      </p:sp>
+    </p:spTree>
+    <p:extLst>
+      <p:ext uri="{BB962C8B-B14F-4D97-AF65-F5344CB8AC3E}">
+        <p14:creationId xmlns:p14="http://schemas.microsoft.com/office/powerpoint/2010/main" val="3765760707"/>
+      </p:ext>
+    </p:extLst>
+  </p:cSld>
+  <p:clrMapOvr>
+    <a:masterClrMapping/>
+  </p:clrMapOvr>
+</p:sld>
+</file>
+
+<file path=ppt/slides/slide16.xml><?xml version="1.0" encoding="utf-8"?>
+<p:sld xmlns:a="http://schemas.openxmlformats.org/drawingml/2006/main" xmlns:r="http://schemas.openxmlformats.org/officeDocument/2006/relationships" xmlns:p="http://schemas.openxmlformats.org/presentationml/2006/main">
+  <p:cSld>
+    <p:bg>
+      <p:bgPr>
+        <a:gradFill>
+          <a:gsLst>
+            <a:gs pos="0">
+              <a:schemeClr val="accent1">
+                <a:lumMod val="75000"/>
+              </a:schemeClr>
+            </a:gs>
+            <a:gs pos="74000">
+              <a:schemeClr val="accent1">
+                <a:lumMod val="45000"/>
+                <a:lumOff val="55000"/>
+              </a:schemeClr>
+            </a:gs>
+            <a:gs pos="83000">
+              <a:schemeClr val="accent1">
+                <a:lumMod val="45000"/>
+                <a:lumOff val="55000"/>
+              </a:schemeClr>
+            </a:gs>
+            <a:gs pos="100000">
+              <a:schemeClr val="accent1">
+                <a:lumMod val="30000"/>
+                <a:lumOff val="70000"/>
+              </a:schemeClr>
+            </a:gs>
+          </a:gsLst>
+          <a:lin ang="5400000" scaled="1"/>
+        </a:gradFill>
+        <a:effectLst/>
+      </p:bgPr>
+    </p:bg>
+    <p:spTree>
+      <p:nvGrpSpPr>
+        <p:cNvPr id="1" name=""/>
+        <p:cNvGrpSpPr/>
+        <p:nvPr/>
+      </p:nvGrpSpPr>
+      <p:grpSpPr>
+        <a:xfrm>
+          <a:off x="0" y="0"/>
+          <a:ext cx="0" cy="0"/>
+          <a:chOff x="0" y="0"/>
+          <a:chExt cx="0" cy="0"/>
+        </a:xfrm>
+      </p:grpSpPr>
+      <p:sp>
+        <p:nvSpPr>
+          <p:cNvPr id="2" name="Title 1">
+            <a:extLst>
+              <a:ext uri="{FF2B5EF4-FFF2-40B4-BE49-F238E27FC236}">
+                <a16:creationId xmlns:a16="http://schemas.microsoft.com/office/drawing/2014/main" id="{A5C8A9B4-430A-4DE8-9CC7-2E942E124B7E}"/>
+              </a:ext>
+            </a:extLst>
+          </p:cNvPr>
+          <p:cNvSpPr>
+            <a:spLocks noGrp="1"/>
+          </p:cNvSpPr>
+          <p:nvPr>
+            <p:ph type="title"/>
+          </p:nvPr>
+        </p:nvSpPr>
+        <p:spPr/>
+        <p:txBody>
+          <a:bodyPr/>
+          <a:lstStyle/>
+          <a:p>
+            <a:r>
+              <a:rPr lang="en-US" dirty="0"/>
+              <a:t>DOM – Finding elements (cont’d)</a:t>
+            </a:r>
+          </a:p>
+        </p:txBody>
+      </p:sp>
+      <p:pic>
+        <p:nvPicPr>
+          <p:cNvPr id="5" name="Content Placeholder 4">
+            <a:extLst>
+              <a:ext uri="{FF2B5EF4-FFF2-40B4-BE49-F238E27FC236}">
+                <a16:creationId xmlns:a16="http://schemas.microsoft.com/office/drawing/2014/main" id="{42DA0CBC-F5A1-4C49-AC0A-1FAEF0D29FFC}"/>
+              </a:ext>
+            </a:extLst>
+          </p:cNvPr>
+          <p:cNvPicPr>
+            <a:picLocks noGrp="1" noChangeAspect="1"/>
+          </p:cNvPicPr>
+          <p:nvPr>
+            <p:ph sz="half" idx="1"/>
+          </p:nvPr>
+        </p:nvPicPr>
+        <p:blipFill>
+          <a:blip r:embed="rId2"/>
+          <a:stretch>
+            <a:fillRect/>
+          </a:stretch>
+        </p:blipFill>
+        <p:spPr>
+          <a:xfrm>
+            <a:off x="1258706" y="2056092"/>
+            <a:ext cx="4395787" cy="1980445"/>
+          </a:xfrm>
+          <a:prstGeom prst="rect">
+            <a:avLst/>
+          </a:prstGeom>
+        </p:spPr>
+      </p:pic>
+      <p:sp>
+        <p:nvSpPr>
+          <p:cNvPr id="4" name="Text Placeholder 3">
+            <a:extLst>
+              <a:ext uri="{FF2B5EF4-FFF2-40B4-BE49-F238E27FC236}">
+                <a16:creationId xmlns:a16="http://schemas.microsoft.com/office/drawing/2014/main" id="{0D366AEC-D26E-4225-8231-D0B1CCABB1CB}"/>
+              </a:ext>
+            </a:extLst>
+          </p:cNvPr>
+          <p:cNvSpPr>
+            <a:spLocks noGrp="1"/>
+          </p:cNvSpPr>
+          <p:nvPr>
+            <p:ph sz="half" idx="2"/>
+          </p:nvPr>
+        </p:nvSpPr>
+        <p:spPr/>
+        <p:txBody>
+          <a:bodyPr/>
+          <a:lstStyle/>
+          <a:p>
+            <a:r>
+              <a:rPr lang="en-US" dirty="0"/>
+              <a:t>The &lt;body&gt; does not have just three children (the &lt;h1&gt; and two &lt;p&gt;) but actually has seven</a:t>
+            </a:r>
+          </a:p>
+          <a:p>
+            <a:r>
+              <a:rPr lang="en-US" dirty="0"/>
+              <a:t>- The &lt;h1&gt;, the two &lt;p&gt;, plus the spaces before, after and between them</a:t>
+            </a:r>
+          </a:p>
+          <a:p>
+            <a:r>
+              <a:rPr lang="en-US" dirty="0"/>
+              <a:t>- If we want to get the </a:t>
+            </a:r>
+            <a:r>
+              <a:rPr lang="en-US" dirty="0" err="1"/>
+              <a:t>href</a:t>
+            </a:r>
+            <a:r>
+              <a:rPr lang="en-US" dirty="0"/>
+              <a:t> attribute of the link, we don’t want to say, “get the second child of the sixth child of the document body.”</a:t>
+            </a:r>
+          </a:p>
+          <a:p>
+            <a:r>
+              <a:rPr lang="en-US" dirty="0"/>
+              <a:t>- better to say “get the first link in the document.” And we can.</a:t>
+            </a:r>
+          </a:p>
+        </p:txBody>
+      </p:sp>
+      <p:pic>
+        <p:nvPicPr>
+          <p:cNvPr id="6" name="Picture 5">
+            <a:extLst>
+              <a:ext uri="{FF2B5EF4-FFF2-40B4-BE49-F238E27FC236}">
+                <a16:creationId xmlns:a16="http://schemas.microsoft.com/office/drawing/2014/main" id="{F6AF1D4A-9992-4887-BB10-8CD699C21586}"/>
+              </a:ext>
+            </a:extLst>
+          </p:cNvPr>
+          <p:cNvPicPr>
+            <a:picLocks noChangeAspect="1"/>
+          </p:cNvPicPr>
+          <p:nvPr/>
+        </p:nvPicPr>
+        <p:blipFill>
+          <a:blip r:embed="rId3"/>
+          <a:stretch>
+            <a:fillRect/>
+          </a:stretch>
+        </p:blipFill>
+        <p:spPr>
+          <a:xfrm>
+            <a:off x="1258429" y="5565119"/>
+            <a:ext cx="4396342" cy="429771"/>
+          </a:xfrm>
+          <a:prstGeom prst="rect">
+            <a:avLst/>
+          </a:prstGeom>
+        </p:spPr>
+      </p:pic>
+    </p:spTree>
+    <p:extLst>
+      <p:ext uri="{BB962C8B-B14F-4D97-AF65-F5344CB8AC3E}">
+        <p14:creationId xmlns:p14="http://schemas.microsoft.com/office/powerpoint/2010/main" val="1195386289"/>
+      </p:ext>
+    </p:extLst>
+  </p:cSld>
+  <p:clrMapOvr>
+    <a:masterClrMapping/>
+  </p:clrMapOvr>
+</p:sld>
+</file>
+
+<file path=ppt/slides/slide17.xml><?xml version="1.0" encoding="utf-8"?>
+<p:sld xmlns:a="http://schemas.openxmlformats.org/drawingml/2006/main" xmlns:r="http://schemas.openxmlformats.org/officeDocument/2006/relationships" xmlns:p="http://schemas.openxmlformats.org/presentationml/2006/main">
+  <p:cSld>
+    <p:bg>
+      <p:bgPr>
+        <a:gradFill>
+          <a:gsLst>
+            <a:gs pos="0">
+              <a:schemeClr val="accent1">
+                <a:lumMod val="75000"/>
+              </a:schemeClr>
+            </a:gs>
+            <a:gs pos="74000">
+              <a:schemeClr val="accent1">
+                <a:lumMod val="45000"/>
+                <a:lumOff val="55000"/>
+              </a:schemeClr>
+            </a:gs>
+            <a:gs pos="83000">
+              <a:schemeClr val="accent1">
+                <a:lumMod val="45000"/>
+                <a:lumOff val="55000"/>
+              </a:schemeClr>
+            </a:gs>
+            <a:gs pos="100000">
+              <a:schemeClr val="accent1">
+                <a:lumMod val="30000"/>
+                <a:lumOff val="70000"/>
+              </a:schemeClr>
+            </a:gs>
+          </a:gsLst>
+          <a:lin ang="5400000" scaled="1"/>
+        </a:gradFill>
+        <a:effectLst/>
+      </p:bgPr>
+    </p:bg>
+    <p:spTree>
+      <p:nvGrpSpPr>
+        <p:cNvPr id="1" name=""/>
+        <p:cNvGrpSpPr/>
+        <p:nvPr/>
+      </p:nvGrpSpPr>
+      <p:grpSpPr>
+        <a:xfrm>
+          <a:off x="0" y="0"/>
+          <a:ext cx="0" cy="0"/>
+          <a:chOff x="0" y="0"/>
+          <a:chExt cx="0" cy="0"/>
+        </a:xfrm>
+      </p:grpSpPr>
+      <p:sp>
+        <p:nvSpPr>
+          <p:cNvPr id="2" name="Title 1">
+            <a:extLst>
+              <a:ext uri="{FF2B5EF4-FFF2-40B4-BE49-F238E27FC236}">
+                <a16:creationId xmlns:a16="http://schemas.microsoft.com/office/drawing/2014/main" id="{04D12538-A262-4B20-B8B7-D1E5ACA1A2BF}"/>
+              </a:ext>
+            </a:extLst>
+          </p:cNvPr>
+          <p:cNvSpPr>
+            <a:spLocks noGrp="1"/>
+          </p:cNvSpPr>
+          <p:nvPr>
+            <p:ph type="title"/>
+          </p:nvPr>
+        </p:nvSpPr>
+        <p:spPr/>
+        <p:txBody>
+          <a:bodyPr/>
+          <a:lstStyle/>
+          <a:p>
+            <a:r>
+              <a:rPr lang="en-US" dirty="0"/>
+              <a:t>Retrieving elements</a:t>
+            </a:r>
+          </a:p>
+        </p:txBody>
+      </p:sp>
+      <p:sp>
+        <p:nvSpPr>
+          <p:cNvPr id="3" name="Content Placeholder 2">
+            <a:extLst>
+              <a:ext uri="{FF2B5EF4-FFF2-40B4-BE49-F238E27FC236}">
+                <a16:creationId xmlns:a16="http://schemas.microsoft.com/office/drawing/2014/main" id="{702CF953-3036-4957-8583-97BABBAD0711}"/>
+              </a:ext>
+            </a:extLst>
+          </p:cNvPr>
+          <p:cNvSpPr>
+            <a:spLocks noGrp="1"/>
+          </p:cNvSpPr>
+          <p:nvPr>
+            <p:ph idx="1"/>
+          </p:nvPr>
+        </p:nvSpPr>
+        <p:spPr/>
+        <p:txBody>
+          <a:bodyPr/>
+          <a:lstStyle/>
+          <a:p>
+            <a:r>
+              <a:rPr lang="en-US" dirty="0"/>
+              <a:t>All element nodes have a </a:t>
+            </a:r>
+            <a:r>
+              <a:rPr lang="en-US" dirty="0" err="1"/>
+              <a:t>getElementsByTagName</a:t>
+            </a:r>
+            <a:r>
+              <a:rPr lang="en-US" dirty="0"/>
+              <a:t> method</a:t>
+            </a:r>
+          </a:p>
+          <a:p>
+            <a:pPr lvl="1"/>
+            <a:r>
+              <a:rPr lang="en-US" dirty="0"/>
+              <a:t>Collects all elements with the given tag name that are descendants of the give node</a:t>
+            </a:r>
+          </a:p>
+          <a:p>
+            <a:pPr lvl="1"/>
+            <a:r>
+              <a:rPr lang="en-US" dirty="0"/>
+              <a:t>Returns them as an array-like object</a:t>
+            </a:r>
+          </a:p>
+          <a:p>
+            <a:r>
+              <a:rPr lang="en-US" dirty="0"/>
+              <a:t>To find a specific single node, give it an id attribute and use </a:t>
+            </a:r>
+            <a:r>
+              <a:rPr lang="en-US" dirty="0" err="1"/>
+              <a:t>document.getElementById</a:t>
+            </a:r>
+            <a:endParaRPr lang="en-US" dirty="0"/>
+          </a:p>
+          <a:p>
+            <a:r>
+              <a:rPr lang="en-US" dirty="0"/>
+              <a:t>A similar method, </a:t>
+            </a:r>
+            <a:r>
+              <a:rPr lang="en-US" dirty="0" err="1"/>
+              <a:t>getElementsByClassName</a:t>
+            </a:r>
+            <a:r>
+              <a:rPr lang="en-US" dirty="0"/>
+              <a:t>, searches through all the contents of an element node and retrieves all elements that have the given string in their class attribute</a:t>
+            </a:r>
+          </a:p>
+        </p:txBody>
+      </p:sp>
+    </p:spTree>
+    <p:extLst>
+      <p:ext uri="{BB962C8B-B14F-4D97-AF65-F5344CB8AC3E}">
+        <p14:creationId xmlns:p14="http://schemas.microsoft.com/office/powerpoint/2010/main" val="2826258125"/>
+      </p:ext>
+    </p:extLst>
+  </p:cSld>
+  <p:clrMapOvr>
+    <a:masterClrMapping/>
+  </p:clrMapOvr>
+</p:sld>
+</file>
+
+<file path=ppt/slides/slide18.xml><?xml version="1.0" encoding="utf-8"?>
+<p:sld xmlns:a="http://schemas.openxmlformats.org/drawingml/2006/main" xmlns:r="http://schemas.openxmlformats.org/officeDocument/2006/relationships" xmlns:p="http://schemas.openxmlformats.org/presentationml/2006/main">
+  <p:cSld>
+    <p:bg>
+      <p:bgPr>
+        <a:gradFill>
+          <a:gsLst>
+            <a:gs pos="0">
+              <a:schemeClr val="accent1">
+                <a:lumMod val="75000"/>
+              </a:schemeClr>
+            </a:gs>
+            <a:gs pos="74000">
+              <a:schemeClr val="accent1">
+                <a:lumMod val="45000"/>
+                <a:lumOff val="55000"/>
+              </a:schemeClr>
+            </a:gs>
+            <a:gs pos="83000">
+              <a:schemeClr val="accent1">
+                <a:lumMod val="45000"/>
+                <a:lumOff val="55000"/>
+              </a:schemeClr>
+            </a:gs>
+            <a:gs pos="100000">
+              <a:schemeClr val="accent1">
+                <a:lumMod val="30000"/>
+                <a:lumOff val="70000"/>
+              </a:schemeClr>
+            </a:gs>
+          </a:gsLst>
+          <a:lin ang="5400000" scaled="1"/>
+        </a:gradFill>
+        <a:effectLst/>
+      </p:bgPr>
+    </p:bg>
+    <p:spTree>
+      <p:nvGrpSpPr>
+        <p:cNvPr id="1" name=""/>
+        <p:cNvGrpSpPr/>
+        <p:nvPr/>
+      </p:nvGrpSpPr>
+      <p:grpSpPr>
+        <a:xfrm>
+          <a:off x="0" y="0"/>
+          <a:ext cx="0" cy="0"/>
+          <a:chOff x="0" y="0"/>
+          <a:chExt cx="0" cy="0"/>
+        </a:xfrm>
+      </p:grpSpPr>
+      <p:sp>
+        <p:nvSpPr>
+          <p:cNvPr id="2" name="Title 1">
+            <a:extLst>
+              <a:ext uri="{FF2B5EF4-FFF2-40B4-BE49-F238E27FC236}">
+                <a16:creationId xmlns:a16="http://schemas.microsoft.com/office/drawing/2014/main" id="{E0F5DAF1-26D5-4BFD-AC73-C5EB9F6B2B6D}"/>
+              </a:ext>
+            </a:extLst>
+          </p:cNvPr>
+          <p:cNvSpPr>
+            <a:spLocks noGrp="1"/>
+          </p:cNvSpPr>
+          <p:nvPr>
+            <p:ph type="title"/>
+          </p:nvPr>
+        </p:nvSpPr>
+        <p:spPr/>
+        <p:txBody>
+          <a:bodyPr/>
+          <a:lstStyle/>
+          <a:p>
+            <a:r>
+              <a:rPr lang="en-US" dirty="0"/>
+              <a:t>What is the simplest way to get the </a:t>
+            </a:r>
+            <a:r>
+              <a:rPr lang="en-US" dirty="0" err="1"/>
+              <a:t>img</a:t>
+            </a:r>
+            <a:r>
+              <a:rPr lang="en-US" dirty="0"/>
+              <a:t> element from the HTML below?</a:t>
+            </a:r>
+          </a:p>
+        </p:txBody>
+      </p:sp>
+      <p:pic>
+        <p:nvPicPr>
+          <p:cNvPr id="4" name="Content Placeholder 3">
+            <a:extLst>
+              <a:ext uri="{FF2B5EF4-FFF2-40B4-BE49-F238E27FC236}">
+                <a16:creationId xmlns:a16="http://schemas.microsoft.com/office/drawing/2014/main" id="{4941A724-79C9-4F64-A7D9-3E05E8A5EC07}"/>
+              </a:ext>
+            </a:extLst>
+          </p:cNvPr>
+          <p:cNvPicPr>
+            <a:picLocks noGrp="1" noChangeAspect="1"/>
+          </p:cNvPicPr>
+          <p:nvPr>
+            <p:ph idx="1"/>
+          </p:nvPr>
+        </p:nvPicPr>
+        <p:blipFill>
+          <a:blip r:embed="rId2"/>
+          <a:stretch>
+            <a:fillRect/>
+          </a:stretch>
+        </p:blipFill>
+        <p:spPr>
+          <a:xfrm>
+            <a:off x="1103313" y="2934972"/>
+            <a:ext cx="8947150" cy="2431094"/>
+          </a:xfrm>
+          <a:prstGeom prst="rect">
+            <a:avLst/>
+          </a:prstGeom>
+        </p:spPr>
+      </p:pic>
+    </p:spTree>
+    <p:extLst>
+      <p:ext uri="{BB962C8B-B14F-4D97-AF65-F5344CB8AC3E}">
+        <p14:creationId xmlns:p14="http://schemas.microsoft.com/office/powerpoint/2010/main" val="1524887151"/>
+      </p:ext>
+    </p:extLst>
+  </p:cSld>
+  <p:clrMapOvr>
+    <a:masterClrMapping/>
+  </p:clrMapOvr>
+</p:sld>
+</file>
+
+<file path=ppt/slides/slide19.xml><?xml version="1.0" encoding="utf-8"?>
+<p:sld xmlns:a="http://schemas.openxmlformats.org/drawingml/2006/main" xmlns:r="http://schemas.openxmlformats.org/officeDocument/2006/relationships" xmlns:p="http://schemas.openxmlformats.org/presentationml/2006/main">
+  <p:cSld>
+    <p:bg>
+      <p:bgPr>
+        <a:gradFill>
+          <a:gsLst>
+            <a:gs pos="0">
+              <a:schemeClr val="accent1">
+                <a:lumMod val="75000"/>
+              </a:schemeClr>
+            </a:gs>
+            <a:gs pos="74000">
+              <a:schemeClr val="accent1">
+                <a:lumMod val="45000"/>
+                <a:lumOff val="55000"/>
+              </a:schemeClr>
+            </a:gs>
+            <a:gs pos="83000">
+              <a:schemeClr val="accent1">
+                <a:lumMod val="45000"/>
+                <a:lumOff val="55000"/>
+              </a:schemeClr>
+            </a:gs>
+            <a:gs pos="100000">
+              <a:schemeClr val="accent1">
+                <a:lumMod val="30000"/>
+                <a:lumOff val="70000"/>
+              </a:schemeClr>
+            </a:gs>
+          </a:gsLst>
+          <a:lin ang="5400000" scaled="1"/>
+        </a:gradFill>
+        <a:effectLst/>
+      </p:bgPr>
+    </p:bg>
+    <p:spTree>
+      <p:nvGrpSpPr>
+        <p:cNvPr id="1" name=""/>
+        <p:cNvGrpSpPr/>
+        <p:nvPr/>
+      </p:nvGrpSpPr>
+      <p:grpSpPr>
+        <a:xfrm>
+          <a:off x="0" y="0"/>
+          <a:ext cx="0" cy="0"/>
+          <a:chOff x="0" y="0"/>
+          <a:chExt cx="0" cy="0"/>
+        </a:xfrm>
+      </p:grpSpPr>
+      <p:sp>
+        <p:nvSpPr>
+          <p:cNvPr id="2" name="Title 1">
+            <a:extLst>
+              <a:ext uri="{FF2B5EF4-FFF2-40B4-BE49-F238E27FC236}">
+                <a16:creationId xmlns:a16="http://schemas.microsoft.com/office/drawing/2014/main" id="{CEC68151-F1DA-4F4B-A669-427A84586083}"/>
+              </a:ext>
+            </a:extLst>
+          </p:cNvPr>
+          <p:cNvSpPr>
+            <a:spLocks noGrp="1"/>
+          </p:cNvSpPr>
+          <p:nvPr>
+            <p:ph type="title"/>
+          </p:nvPr>
+        </p:nvSpPr>
+        <p:spPr/>
+        <p:txBody>
+          <a:bodyPr/>
+          <a:lstStyle/>
+          <a:p>
+            <a:r>
+              <a:rPr lang="en-US" dirty="0" err="1"/>
+              <a:t>querySelector</a:t>
+            </a:r>
+            <a:r>
+              <a:rPr lang="en-US" dirty="0"/>
+              <a:t> and </a:t>
+            </a:r>
+            <a:r>
+              <a:rPr lang="en-US" dirty="0" err="1"/>
+              <a:t>querySelectorAll</a:t>
+            </a:r>
+            <a:endParaRPr lang="en-US" dirty="0"/>
+          </a:p>
+        </p:txBody>
+      </p:sp>
+      <p:sp>
+        <p:nvSpPr>
+          <p:cNvPr id="3" name="Content Placeholder 2">
+            <a:extLst>
+              <a:ext uri="{FF2B5EF4-FFF2-40B4-BE49-F238E27FC236}">
+                <a16:creationId xmlns:a16="http://schemas.microsoft.com/office/drawing/2014/main" id="{644F532B-4ED7-4462-A32E-487FFBB0B029}"/>
+              </a:ext>
+            </a:extLst>
+          </p:cNvPr>
+          <p:cNvSpPr>
+            <a:spLocks noGrp="1"/>
+          </p:cNvSpPr>
+          <p:nvPr>
+            <p:ph idx="1"/>
+          </p:nvPr>
+        </p:nvSpPr>
+        <p:spPr/>
+        <p:txBody>
+          <a:bodyPr/>
+          <a:lstStyle/>
+          <a:p>
+            <a:r>
+              <a:rPr lang="en-US" dirty="0" err="1"/>
+              <a:t>querySelectorAll</a:t>
+            </a:r>
+            <a:r>
+              <a:rPr lang="en-US" dirty="0"/>
+              <a:t> is defined on both the document object and on element nodes</a:t>
+            </a:r>
+          </a:p>
+          <a:p>
+            <a:r>
+              <a:rPr lang="en-US" dirty="0"/>
+              <a:t>It takes a selector string and returns an array-like object containing all the elements that it matches</a:t>
+            </a:r>
+          </a:p>
+          <a:p>
+            <a:r>
+              <a:rPr lang="en-US" dirty="0"/>
+              <a:t>Unlike methods such as </a:t>
+            </a:r>
+            <a:r>
+              <a:rPr lang="en-US" dirty="0" err="1"/>
+              <a:t>getElementsByTagName</a:t>
+            </a:r>
+            <a:r>
+              <a:rPr lang="en-US" dirty="0"/>
+              <a:t>, the object returned by </a:t>
+            </a:r>
+            <a:r>
+              <a:rPr lang="en-US" dirty="0" err="1"/>
+              <a:t>querySelectorAll</a:t>
+            </a:r>
+            <a:r>
+              <a:rPr lang="en-US" dirty="0"/>
+              <a:t> is not live	</a:t>
+            </a:r>
+          </a:p>
+          <a:p>
+            <a:pPr lvl="1"/>
+            <a:r>
+              <a:rPr lang="en-US" dirty="0"/>
+              <a:t>It wont change when you change the document</a:t>
+            </a:r>
+          </a:p>
+          <a:p>
+            <a:r>
+              <a:rPr lang="en-US" dirty="0" err="1"/>
+              <a:t>querySelector</a:t>
+            </a:r>
+            <a:r>
+              <a:rPr lang="en-US" dirty="0"/>
+              <a:t> is similar, but it returns only the first matching element, or null if no elements match</a:t>
+            </a:r>
+          </a:p>
+          <a:p>
+            <a:pPr lvl="1"/>
+            <a:r>
+              <a:rPr lang="en-US" dirty="0"/>
+              <a:t>Useful if you want a specific, single element</a:t>
+            </a:r>
+          </a:p>
+        </p:txBody>
+      </p:sp>
+    </p:spTree>
+    <p:extLst>
+      <p:ext uri="{BB962C8B-B14F-4D97-AF65-F5344CB8AC3E}">
+        <p14:creationId xmlns:p14="http://schemas.microsoft.com/office/powerpoint/2010/main" val="4205989311"/>
       </p:ext>
     </p:extLst>
   </p:cSld>
@@ -6578,6 +8081,316 @@
     <p:extLst>
       <p:ext uri="{BB962C8B-B14F-4D97-AF65-F5344CB8AC3E}">
         <p14:creationId xmlns:p14="http://schemas.microsoft.com/office/powerpoint/2010/main" val="2120128148"/>
+      </p:ext>
+    </p:extLst>
+  </p:cSld>
+  <p:clrMapOvr>
+    <a:masterClrMapping/>
+  </p:clrMapOvr>
+</p:sld>
+</file>
+
+<file path=ppt/slides/slide20.xml><?xml version="1.0" encoding="utf-8"?>
+<p:sld xmlns:a="http://schemas.openxmlformats.org/drawingml/2006/main" xmlns:r="http://schemas.openxmlformats.org/officeDocument/2006/relationships" xmlns:p="http://schemas.openxmlformats.org/presentationml/2006/main">
+  <p:cSld>
+    <p:bg>
+      <p:bgPr>
+        <a:gradFill>
+          <a:gsLst>
+            <a:gs pos="0">
+              <a:schemeClr val="accent1">
+                <a:lumMod val="75000"/>
+              </a:schemeClr>
+            </a:gs>
+            <a:gs pos="74000">
+              <a:schemeClr val="accent1">
+                <a:lumMod val="45000"/>
+                <a:lumOff val="55000"/>
+              </a:schemeClr>
+            </a:gs>
+            <a:gs pos="83000">
+              <a:schemeClr val="accent1">
+                <a:lumMod val="45000"/>
+                <a:lumOff val="55000"/>
+              </a:schemeClr>
+            </a:gs>
+            <a:gs pos="100000">
+              <a:schemeClr val="accent1">
+                <a:lumMod val="30000"/>
+                <a:lumOff val="70000"/>
+              </a:schemeClr>
+            </a:gs>
+          </a:gsLst>
+          <a:lin ang="5400000" scaled="1"/>
+        </a:gradFill>
+        <a:effectLst/>
+      </p:bgPr>
+    </p:bg>
+    <p:spTree>
+      <p:nvGrpSpPr>
+        <p:cNvPr id="1" name=""/>
+        <p:cNvGrpSpPr/>
+        <p:nvPr/>
+      </p:nvGrpSpPr>
+      <p:grpSpPr>
+        <a:xfrm>
+          <a:off x="0" y="0"/>
+          <a:ext cx="0" cy="0"/>
+          <a:chOff x="0" y="0"/>
+          <a:chExt cx="0" cy="0"/>
+        </a:xfrm>
+      </p:grpSpPr>
+      <p:sp>
+        <p:nvSpPr>
+          <p:cNvPr id="2" name="Title 1">
+            <a:extLst>
+              <a:ext uri="{FF2B5EF4-FFF2-40B4-BE49-F238E27FC236}">
+                <a16:creationId xmlns:a16="http://schemas.microsoft.com/office/drawing/2014/main" id="{1D0E05F4-5DFA-4E86-9599-4C2823B57DDF}"/>
+              </a:ext>
+            </a:extLst>
+          </p:cNvPr>
+          <p:cNvSpPr>
+            <a:spLocks noGrp="1"/>
+          </p:cNvSpPr>
+          <p:nvPr>
+            <p:ph type="title"/>
+          </p:nvPr>
+        </p:nvSpPr>
+        <p:spPr/>
+        <p:txBody>
+          <a:bodyPr/>
+          <a:lstStyle/>
+          <a:p>
+            <a:r>
+              <a:rPr lang="en-US" dirty="0" err="1"/>
+              <a:t>querySelectorAll</a:t>
+            </a:r>
+            <a:r>
+              <a:rPr lang="en-US" dirty="0"/>
+              <a:t> - example</a:t>
+            </a:r>
+          </a:p>
+        </p:txBody>
+      </p:sp>
+      <p:pic>
+        <p:nvPicPr>
+          <p:cNvPr id="4" name="Content Placeholder 3">
+            <a:extLst>
+              <a:ext uri="{FF2B5EF4-FFF2-40B4-BE49-F238E27FC236}">
+                <a16:creationId xmlns:a16="http://schemas.microsoft.com/office/drawing/2014/main" id="{4C4E445A-BC94-4FDC-BA72-CB888B76C362}"/>
+              </a:ext>
+            </a:extLst>
+          </p:cNvPr>
+          <p:cNvPicPr>
+            <a:picLocks noGrp="1" noChangeAspect="1"/>
+          </p:cNvPicPr>
+          <p:nvPr>
+            <p:ph idx="1"/>
+          </p:nvPr>
+        </p:nvPicPr>
+        <p:blipFill>
+          <a:blip r:embed="rId2"/>
+          <a:stretch>
+            <a:fillRect/>
+          </a:stretch>
+        </p:blipFill>
+        <p:spPr>
+          <a:xfrm>
+            <a:off x="2651124" y="2052638"/>
+            <a:ext cx="5851527" cy="4195762"/>
+          </a:xfrm>
+          <a:prstGeom prst="rect">
+            <a:avLst/>
+          </a:prstGeom>
+        </p:spPr>
+      </p:pic>
+    </p:spTree>
+    <p:extLst>
+      <p:ext uri="{BB962C8B-B14F-4D97-AF65-F5344CB8AC3E}">
+        <p14:creationId xmlns:p14="http://schemas.microsoft.com/office/powerpoint/2010/main" val="2384717887"/>
+      </p:ext>
+    </p:extLst>
+  </p:cSld>
+  <p:clrMapOvr>
+    <a:masterClrMapping/>
+  </p:clrMapOvr>
+</p:sld>
+</file>
+
+<file path=ppt/slides/slide21.xml><?xml version="1.0" encoding="utf-8"?>
+<p:sld xmlns:a="http://schemas.openxmlformats.org/drawingml/2006/main" xmlns:r="http://schemas.openxmlformats.org/officeDocument/2006/relationships" xmlns:p="http://schemas.openxmlformats.org/presentationml/2006/main">
+  <p:cSld>
+    <p:bg>
+      <p:bgPr>
+        <a:gradFill>
+          <a:gsLst>
+            <a:gs pos="0">
+              <a:schemeClr val="accent1">
+                <a:lumMod val="75000"/>
+              </a:schemeClr>
+            </a:gs>
+            <a:gs pos="74000">
+              <a:schemeClr val="accent1">
+                <a:lumMod val="45000"/>
+                <a:lumOff val="55000"/>
+              </a:schemeClr>
+            </a:gs>
+            <a:gs pos="83000">
+              <a:schemeClr val="accent1">
+                <a:lumMod val="45000"/>
+                <a:lumOff val="55000"/>
+              </a:schemeClr>
+            </a:gs>
+            <a:gs pos="100000">
+              <a:schemeClr val="accent1">
+                <a:lumMod val="30000"/>
+                <a:lumOff val="70000"/>
+              </a:schemeClr>
+            </a:gs>
+          </a:gsLst>
+          <a:lin ang="5400000" scaled="1"/>
+        </a:gradFill>
+        <a:effectLst/>
+      </p:bgPr>
+    </p:bg>
+    <p:spTree>
+      <p:nvGrpSpPr>
+        <p:cNvPr id="1" name=""/>
+        <p:cNvGrpSpPr/>
+        <p:nvPr/>
+      </p:nvGrpSpPr>
+      <p:grpSpPr>
+        <a:xfrm>
+          <a:off x="0" y="0"/>
+          <a:ext cx="0" cy="0"/>
+          <a:chOff x="0" y="0"/>
+          <a:chExt cx="0" cy="0"/>
+        </a:xfrm>
+      </p:grpSpPr>
+      <p:sp>
+        <p:nvSpPr>
+          <p:cNvPr id="2" name="Title 1">
+            <a:extLst>
+              <a:ext uri="{FF2B5EF4-FFF2-40B4-BE49-F238E27FC236}">
+                <a16:creationId xmlns:a16="http://schemas.microsoft.com/office/drawing/2014/main" id="{59F292A3-DB51-4D2C-A132-2E2871ADCBE4}"/>
+              </a:ext>
+            </a:extLst>
+          </p:cNvPr>
+          <p:cNvSpPr>
+            <a:spLocks noGrp="1"/>
+          </p:cNvSpPr>
+          <p:nvPr>
+            <p:ph type="title"/>
+          </p:nvPr>
+        </p:nvSpPr>
+        <p:spPr/>
+        <p:txBody>
+          <a:bodyPr/>
+          <a:lstStyle/>
+          <a:p>
+            <a:r>
+              <a:rPr lang="en-US" dirty="0"/>
+              <a:t>Attributes and Text Content</a:t>
+            </a:r>
+          </a:p>
+        </p:txBody>
+      </p:sp>
+      <p:sp>
+        <p:nvSpPr>
+          <p:cNvPr id="3" name="Content Placeholder 2">
+            <a:extLst>
+              <a:ext uri="{FF2B5EF4-FFF2-40B4-BE49-F238E27FC236}">
+                <a16:creationId xmlns:a16="http://schemas.microsoft.com/office/drawing/2014/main" id="{A04FCB33-75E7-424D-AAFC-8D106A7568D2}"/>
+              </a:ext>
+            </a:extLst>
+          </p:cNvPr>
+          <p:cNvSpPr>
+            <a:spLocks noGrp="1"/>
+          </p:cNvSpPr>
+          <p:nvPr>
+            <p:ph idx="1"/>
+          </p:nvPr>
+        </p:nvSpPr>
+        <p:spPr/>
+        <p:txBody>
+          <a:bodyPr/>
+          <a:lstStyle/>
+          <a:p>
+            <a:r>
+              <a:rPr lang="en-US" dirty="0"/>
+              <a:t>Some element attributes, such as </a:t>
+            </a:r>
+            <a:r>
+              <a:rPr lang="en-US" dirty="0" err="1"/>
+              <a:t>href</a:t>
+            </a:r>
+            <a:r>
+              <a:rPr lang="en-US" dirty="0"/>
+              <a:t>, can be accessed through a property of the same name on the element’s DOM object</a:t>
+            </a:r>
+          </a:p>
+          <a:p>
+            <a:pPr lvl="1"/>
+            <a:r>
+              <a:rPr lang="en-US" dirty="0"/>
+              <a:t>True for a limited set of commonly used standard attributes</a:t>
+            </a:r>
+          </a:p>
+          <a:p>
+            <a:r>
+              <a:rPr lang="en-US" dirty="0"/>
+              <a:t>BUT HTML allows you to set any attribute you want on nodes</a:t>
+            </a:r>
+          </a:p>
+          <a:p>
+            <a:pPr lvl="1"/>
+            <a:r>
+              <a:rPr lang="en-US" dirty="0"/>
+              <a:t>This allows you to store extra information in a document</a:t>
+            </a:r>
+          </a:p>
+          <a:p>
+            <a:r>
+              <a:rPr lang="en-US" dirty="0"/>
+              <a:t>Made-up attributes will not be present as a property on the element’s node</a:t>
+            </a:r>
+          </a:p>
+          <a:p>
+            <a:pPr lvl="1"/>
+            <a:r>
+              <a:rPr lang="en-US" dirty="0"/>
+              <a:t>Use the </a:t>
+            </a:r>
+            <a:r>
+              <a:rPr lang="en-US" dirty="0" err="1"/>
+              <a:t>getAttribute</a:t>
+            </a:r>
+            <a:r>
+              <a:rPr lang="en-US" dirty="0"/>
+              <a:t> and </a:t>
+            </a:r>
+            <a:r>
+              <a:rPr lang="en-US" dirty="0" err="1"/>
+              <a:t>setAttribute</a:t>
+            </a:r>
+            <a:r>
+              <a:rPr lang="en-US" dirty="0"/>
+              <a:t> methods to work with them</a:t>
+            </a:r>
+          </a:p>
+          <a:p>
+            <a:pPr lvl="1"/>
+            <a:r>
+              <a:rPr lang="en-US" dirty="0"/>
+              <a:t>It is recommended to prefix such made-up attributes with data- to ensure they do not conflict with any other attributes</a:t>
+            </a:r>
+          </a:p>
+        </p:txBody>
+      </p:sp>
+    </p:spTree>
+    <p:extLst>
+      <p:ext uri="{BB962C8B-B14F-4D97-AF65-F5344CB8AC3E}">
+        <p14:creationId xmlns:p14="http://schemas.microsoft.com/office/powerpoint/2010/main" val="3984973136"/>
       </p:ext>
     </p:extLst>
   </p:cSld>

--- a/document-object-model-presentation/Document Object Model.pptx
+++ b/document-object-model-presentation/Document Object Model.pptx
@@ -6,26 +6,42 @@
   </p:sldMasterIdLst>
   <p:sldIdLst>
     <p:sldId id="256" r:id="rId2"/>
-    <p:sldId id="257" r:id="rId3"/>
-    <p:sldId id="258" r:id="rId4"/>
-    <p:sldId id="259" r:id="rId5"/>
-    <p:sldId id="260" r:id="rId6"/>
-    <p:sldId id="261" r:id="rId7"/>
-    <p:sldId id="262" r:id="rId8"/>
-    <p:sldId id="264" r:id="rId9"/>
-    <p:sldId id="265" r:id="rId10"/>
-    <p:sldId id="266" r:id="rId11"/>
-    <p:sldId id="267" r:id="rId12"/>
-    <p:sldId id="268" r:id="rId13"/>
-    <p:sldId id="269" r:id="rId14"/>
-    <p:sldId id="270" r:id="rId15"/>
-    <p:sldId id="271" r:id="rId16"/>
-    <p:sldId id="272" r:id="rId17"/>
-    <p:sldId id="273" r:id="rId18"/>
-    <p:sldId id="274" r:id="rId19"/>
-    <p:sldId id="275" r:id="rId20"/>
-    <p:sldId id="276" r:id="rId21"/>
-    <p:sldId id="277" r:id="rId22"/>
+    <p:sldId id="278" r:id="rId3"/>
+    <p:sldId id="257" r:id="rId4"/>
+    <p:sldId id="258" r:id="rId5"/>
+    <p:sldId id="259" r:id="rId6"/>
+    <p:sldId id="260" r:id="rId7"/>
+    <p:sldId id="261" r:id="rId8"/>
+    <p:sldId id="262" r:id="rId9"/>
+    <p:sldId id="264" r:id="rId10"/>
+    <p:sldId id="265" r:id="rId11"/>
+    <p:sldId id="266" r:id="rId12"/>
+    <p:sldId id="267" r:id="rId13"/>
+    <p:sldId id="268" r:id="rId14"/>
+    <p:sldId id="269" r:id="rId15"/>
+    <p:sldId id="270" r:id="rId16"/>
+    <p:sldId id="271" r:id="rId17"/>
+    <p:sldId id="272" r:id="rId18"/>
+    <p:sldId id="273" r:id="rId19"/>
+    <p:sldId id="274" r:id="rId20"/>
+    <p:sldId id="275" r:id="rId21"/>
+    <p:sldId id="276" r:id="rId22"/>
+    <p:sldId id="277" r:id="rId23"/>
+    <p:sldId id="279" r:id="rId24"/>
+    <p:sldId id="280" r:id="rId25"/>
+    <p:sldId id="281" r:id="rId26"/>
+    <p:sldId id="282" r:id="rId27"/>
+    <p:sldId id="283" r:id="rId28"/>
+    <p:sldId id="284" r:id="rId29"/>
+    <p:sldId id="285" r:id="rId30"/>
+    <p:sldId id="286" r:id="rId31"/>
+    <p:sldId id="287" r:id="rId32"/>
+    <p:sldId id="288" r:id="rId33"/>
+    <p:sldId id="289" r:id="rId34"/>
+    <p:sldId id="290" r:id="rId35"/>
+    <p:sldId id="291" r:id="rId36"/>
+    <p:sldId id="292" r:id="rId37"/>
+    <p:sldId id="293" r:id="rId38"/>
   </p:sldIdLst>
   <p:sldSz cx="12192000" cy="6858000"/>
   <p:notesSz cx="6858000" cy="9144000"/>
@@ -130,6 +146,7 @@
         <p14:section name="Default Section" id="{4C833B1C-FE68-4A44-A46D-9F1441D1B243}">
           <p14:sldIdLst>
             <p14:sldId id="256"/>
+            <p14:sldId id="278"/>
             <p14:sldId id="257"/>
             <p14:sldId id="258"/>
             <p14:sldId id="259"/>
@@ -154,6 +171,21 @@
             <p14:sldId id="275"/>
             <p14:sldId id="276"/>
             <p14:sldId id="277"/>
+            <p14:sldId id="279"/>
+            <p14:sldId id="280"/>
+            <p14:sldId id="281"/>
+            <p14:sldId id="282"/>
+            <p14:sldId id="283"/>
+            <p14:sldId id="284"/>
+            <p14:sldId id="285"/>
+            <p14:sldId id="286"/>
+            <p14:sldId id="287"/>
+            <p14:sldId id="288"/>
+            <p14:sldId id="289"/>
+            <p14:sldId id="290"/>
+            <p14:sldId id="291"/>
+            <p14:sldId id="292"/>
+            <p14:sldId id="293"/>
           </p14:sldIdLst>
         </p14:section>
       </p14:sectionLst>
@@ -351,7 +383,7 @@
           <a:p>
             <a:fld id="{3212B134-D57A-47B0-9FC8-42672359FFDA}" type="datetimeFigureOut">
               <a:rPr lang="en-US" smtClean="0"/>
-              <a:t>3/31/2022</a:t>
+              <a:t>4/5/22</a:t>
             </a:fld>
             <a:endParaRPr lang="en-US"/>
           </a:p>
@@ -626,7 +658,7 @@
           <a:p>
             <a:fld id="{3212B134-D57A-47B0-9FC8-42672359FFDA}" type="datetimeFigureOut">
               <a:rPr lang="en-US" smtClean="0"/>
-              <a:t>3/31/2022</a:t>
+              <a:t>4/5/22</a:t>
             </a:fld>
             <a:endParaRPr lang="en-US"/>
           </a:p>
@@ -820,7 +852,7 @@
           <a:p>
             <a:fld id="{3212B134-D57A-47B0-9FC8-42672359FFDA}" type="datetimeFigureOut">
               <a:rPr lang="en-US" smtClean="0"/>
-              <a:t>3/31/2022</a:t>
+              <a:t>4/5/22</a:t>
             </a:fld>
             <a:endParaRPr lang="en-US"/>
           </a:p>
@@ -1093,7 +1125,7 @@
           <a:p>
             <a:fld id="{3212B134-D57A-47B0-9FC8-42672359FFDA}" type="datetimeFigureOut">
               <a:rPr lang="en-US" smtClean="0"/>
-              <a:t>3/31/2022</a:t>
+              <a:t>4/5/22</a:t>
             </a:fld>
             <a:endParaRPr lang="en-US"/>
           </a:p>
@@ -1434,7 +1466,7 @@
           <a:p>
             <a:fld id="{3212B134-D57A-47B0-9FC8-42672359FFDA}" type="datetimeFigureOut">
               <a:rPr lang="en-US" smtClean="0"/>
-              <a:t>3/31/2022</a:t>
+              <a:t>4/5/22</a:t>
             </a:fld>
             <a:endParaRPr lang="en-US"/>
           </a:p>
@@ -2057,7 +2089,7 @@
           <a:p>
             <a:fld id="{3212B134-D57A-47B0-9FC8-42672359FFDA}" type="datetimeFigureOut">
               <a:rPr lang="en-US" smtClean="0"/>
-              <a:t>3/31/2022</a:t>
+              <a:t>4/5/22</a:t>
             </a:fld>
             <a:endParaRPr lang="en-US"/>
           </a:p>
@@ -2917,7 +2949,7 @@
           <a:p>
             <a:fld id="{3212B134-D57A-47B0-9FC8-42672359FFDA}" type="datetimeFigureOut">
               <a:rPr lang="en-US" smtClean="0"/>
-              <a:t>3/31/2022</a:t>
+              <a:t>4/5/22</a:t>
             </a:fld>
             <a:endParaRPr lang="en-US"/>
           </a:p>
@@ -3087,7 +3119,7 @@
           <a:p>
             <a:fld id="{3212B134-D57A-47B0-9FC8-42672359FFDA}" type="datetimeFigureOut">
               <a:rPr lang="en-US" smtClean="0"/>
-              <a:t>3/31/2022</a:t>
+              <a:t>4/5/22</a:t>
             </a:fld>
             <a:endParaRPr lang="en-US"/>
           </a:p>
@@ -3267,7 +3299,7 @@
           <a:p>
             <a:fld id="{3212B134-D57A-47B0-9FC8-42672359FFDA}" type="datetimeFigureOut">
               <a:rPr lang="en-US" smtClean="0"/>
-              <a:t>3/31/2022</a:t>
+              <a:t>4/5/22</a:t>
             </a:fld>
             <a:endParaRPr lang="en-US"/>
           </a:p>
@@ -3437,7 +3469,7 @@
           <a:p>
             <a:fld id="{3212B134-D57A-47B0-9FC8-42672359FFDA}" type="datetimeFigureOut">
               <a:rPr lang="en-US" smtClean="0"/>
-              <a:t>3/31/2022</a:t>
+              <a:t>4/5/22</a:t>
             </a:fld>
             <a:endParaRPr lang="en-US"/>
           </a:p>
@@ -3684,7 +3716,7 @@
           <a:p>
             <a:fld id="{3212B134-D57A-47B0-9FC8-42672359FFDA}" type="datetimeFigureOut">
               <a:rPr lang="en-US" smtClean="0"/>
-              <a:t>3/31/2022</a:t>
+              <a:t>4/5/22</a:t>
             </a:fld>
             <a:endParaRPr lang="en-US"/>
           </a:p>
@@ -3976,7 +4008,7 @@
           <a:p>
             <a:fld id="{3212B134-D57A-47B0-9FC8-42672359FFDA}" type="datetimeFigureOut">
               <a:rPr lang="en-US" smtClean="0"/>
-              <a:t>3/31/2022</a:t>
+              <a:t>4/5/22</a:t>
             </a:fld>
             <a:endParaRPr lang="en-US"/>
           </a:p>
@@ -4420,7 +4452,7 @@
           <a:p>
             <a:fld id="{3212B134-D57A-47B0-9FC8-42672359FFDA}" type="datetimeFigureOut">
               <a:rPr lang="en-US" smtClean="0"/>
-              <a:t>3/31/2022</a:t>
+              <a:t>4/5/22</a:t>
             </a:fld>
             <a:endParaRPr lang="en-US"/>
           </a:p>
@@ -4538,7 +4570,7 @@
           <a:p>
             <a:fld id="{3212B134-D57A-47B0-9FC8-42672359FFDA}" type="datetimeFigureOut">
               <a:rPr lang="en-US" smtClean="0"/>
-              <a:t>3/31/2022</a:t>
+              <a:t>4/5/22</a:t>
             </a:fld>
             <a:endParaRPr lang="en-US"/>
           </a:p>
@@ -4633,7 +4665,7 @@
           <a:p>
             <a:fld id="{3212B134-D57A-47B0-9FC8-42672359FFDA}" type="datetimeFigureOut">
               <a:rPr lang="en-US" smtClean="0"/>
-              <a:t>3/31/2022</a:t>
+              <a:t>4/5/22</a:t>
             </a:fld>
             <a:endParaRPr lang="en-US"/>
           </a:p>
@@ -4912,7 +4944,7 @@
           <a:p>
             <a:fld id="{3212B134-D57A-47B0-9FC8-42672359FFDA}" type="datetimeFigureOut">
               <a:rPr lang="en-US" smtClean="0"/>
-              <a:t>3/31/2022</a:t>
+              <a:t>4/5/22</a:t>
             </a:fld>
             <a:endParaRPr lang="en-US"/>
           </a:p>
@@ -5187,7 +5219,7 @@
           <a:p>
             <a:fld id="{3212B134-D57A-47B0-9FC8-42672359FFDA}" type="datetimeFigureOut">
               <a:rPr lang="en-US" smtClean="0"/>
-              <a:t>3/31/2022</a:t>
+              <a:t>4/5/22</a:t>
             </a:fld>
             <a:endParaRPr lang="en-US"/>
           </a:p>
@@ -5616,7 +5648,7 @@
           <a:p>
             <a:fld id="{3212B134-D57A-47B0-9FC8-42672359FFDA}" type="datetimeFigureOut">
               <a:rPr lang="en-US" smtClean="0"/>
-              <a:t>3/31/2022</a:t>
+              <a:t>4/5/22</a:t>
             </a:fld>
             <a:endParaRPr lang="en-US"/>
           </a:p>
@@ -6302,3356 +6334,6 @@
                 <a:lumMod val="75000"/>
               </a:schemeClr>
             </a:gs>
-            <a:gs pos="74000">
-              <a:schemeClr val="accent1">
-                <a:lumMod val="45000"/>
-                <a:lumOff val="55000"/>
-              </a:schemeClr>
-            </a:gs>
-            <a:gs pos="83000">
-              <a:schemeClr val="accent1">
-                <a:lumMod val="45000"/>
-                <a:lumOff val="55000"/>
-              </a:schemeClr>
-            </a:gs>
-            <a:gs pos="100000">
-              <a:schemeClr val="accent1">
-                <a:lumMod val="30000"/>
-                <a:lumOff val="70000"/>
-              </a:schemeClr>
-            </a:gs>
-          </a:gsLst>
-          <a:lin ang="5400000" scaled="1"/>
-        </a:gradFill>
-        <a:effectLst/>
-      </p:bgPr>
-    </p:bg>
-    <p:spTree>
-      <p:nvGrpSpPr>
-        <p:cNvPr id="1" name=""/>
-        <p:cNvGrpSpPr/>
-        <p:nvPr/>
-      </p:nvGrpSpPr>
-      <p:grpSpPr>
-        <a:xfrm>
-          <a:off x="0" y="0"/>
-          <a:ext cx="0" cy="0"/>
-          <a:chOff x="0" y="0"/>
-          <a:chExt cx="0" cy="0"/>
-        </a:xfrm>
-      </p:grpSpPr>
-      <p:sp>
-        <p:nvSpPr>
-          <p:cNvPr id="2" name="Title 1">
-            <a:extLst>
-              <a:ext uri="{FF2B5EF4-FFF2-40B4-BE49-F238E27FC236}">
-                <a16:creationId xmlns:a16="http://schemas.microsoft.com/office/drawing/2014/main" id="{36362683-110D-4D37-A0FD-449F37C1248A}"/>
-              </a:ext>
-            </a:extLst>
-          </p:cNvPr>
-          <p:cNvSpPr>
-            <a:spLocks noGrp="1"/>
-          </p:cNvSpPr>
-          <p:nvPr>
-            <p:ph type="title"/>
-          </p:nvPr>
-        </p:nvSpPr>
-        <p:spPr/>
-        <p:txBody>
-          <a:bodyPr/>
-          <a:lstStyle/>
-          <a:p>
-            <a:r>
-              <a:rPr lang="en-US" sz="4000" dirty="0"/>
-              <a:t>Why do we need to put the &lt;script&gt; tag at the end of the body?</a:t>
-            </a:r>
-          </a:p>
-        </p:txBody>
-      </p:sp>
-      <p:sp>
-        <p:nvSpPr>
-          <p:cNvPr id="3" name="Content Placeholder 2">
-            <a:extLst>
-              <a:ext uri="{FF2B5EF4-FFF2-40B4-BE49-F238E27FC236}">
-                <a16:creationId xmlns:a16="http://schemas.microsoft.com/office/drawing/2014/main" id="{A7F12E94-8AA8-48AC-A1A5-AAB227FF9C61}"/>
-              </a:ext>
-            </a:extLst>
-          </p:cNvPr>
-          <p:cNvSpPr>
-            <a:spLocks noGrp="1"/>
-          </p:cNvSpPr>
-          <p:nvPr>
-            <p:ph idx="1"/>
-          </p:nvPr>
-        </p:nvSpPr>
-        <p:spPr/>
-        <p:txBody>
-          <a:bodyPr/>
-          <a:lstStyle/>
-          <a:p>
-            <a:r>
-              <a:rPr lang="en-US" dirty="0"/>
-              <a:t>The DOM gets constructed from the top down</a:t>
-            </a:r>
-          </a:p>
-          <a:p>
-            <a:r>
-              <a:rPr lang="en-US" dirty="0"/>
-              <a:t>If a &lt;script&gt; tag is in the &lt;head&gt; element, the script will most likely be loaded and run before the rest of the DOM is constructed</a:t>
-            </a:r>
-          </a:p>
-          <a:p>
-            <a:r>
-              <a:rPr lang="en-US" dirty="0"/>
-              <a:t>If that &lt;script&gt; tag refers to an element in the DOM, that element will not be there when the script is run</a:t>
-            </a:r>
-          </a:p>
-        </p:txBody>
-      </p:sp>
-    </p:spTree>
-    <p:extLst>
-      <p:ext uri="{BB962C8B-B14F-4D97-AF65-F5344CB8AC3E}">
-        <p14:creationId xmlns:p14="http://schemas.microsoft.com/office/powerpoint/2010/main" val="2568367764"/>
-      </p:ext>
-    </p:extLst>
-  </p:cSld>
-  <p:clrMapOvr>
-    <a:masterClrMapping/>
-  </p:clrMapOvr>
-</p:sld>
-</file>
-
-<file path=ppt/slides/slide11.xml><?xml version="1.0" encoding="utf-8"?>
-<p:sld xmlns:a="http://schemas.openxmlformats.org/drawingml/2006/main" xmlns:r="http://schemas.openxmlformats.org/officeDocument/2006/relationships" xmlns:p="http://schemas.openxmlformats.org/presentationml/2006/main">
-  <p:cSld>
-    <p:bg>
-      <p:bgPr>
-        <a:gradFill>
-          <a:gsLst>
-            <a:gs pos="0">
-              <a:schemeClr val="accent1">
-                <a:lumMod val="75000"/>
-              </a:schemeClr>
-            </a:gs>
-            <a:gs pos="74000">
-              <a:schemeClr val="accent1">
-                <a:lumMod val="45000"/>
-                <a:lumOff val="55000"/>
-              </a:schemeClr>
-            </a:gs>
-            <a:gs pos="83000">
-              <a:schemeClr val="accent1">
-                <a:lumMod val="45000"/>
-                <a:lumOff val="55000"/>
-              </a:schemeClr>
-            </a:gs>
-            <a:gs pos="100000">
-              <a:schemeClr val="accent1">
-                <a:lumMod val="30000"/>
-                <a:lumOff val="70000"/>
-              </a:schemeClr>
-            </a:gs>
-          </a:gsLst>
-          <a:lin ang="5400000" scaled="1"/>
-        </a:gradFill>
-        <a:effectLst/>
-      </p:bgPr>
-    </p:bg>
-    <p:spTree>
-      <p:nvGrpSpPr>
-        <p:cNvPr id="1" name=""/>
-        <p:cNvGrpSpPr/>
-        <p:nvPr/>
-      </p:nvGrpSpPr>
-      <p:grpSpPr>
-        <a:xfrm>
-          <a:off x="0" y="0"/>
-          <a:ext cx="0" cy="0"/>
-          <a:chOff x="0" y="0"/>
-          <a:chExt cx="0" cy="0"/>
-        </a:xfrm>
-      </p:grpSpPr>
-      <p:sp>
-        <p:nvSpPr>
-          <p:cNvPr id="2" name="Title 1">
-            <a:extLst>
-              <a:ext uri="{FF2B5EF4-FFF2-40B4-BE49-F238E27FC236}">
-                <a16:creationId xmlns:a16="http://schemas.microsoft.com/office/drawing/2014/main" id="{9C4FCE38-7AB6-47FF-A501-A48552A67597}"/>
-              </a:ext>
-            </a:extLst>
-          </p:cNvPr>
-          <p:cNvSpPr>
-            <a:spLocks noGrp="1"/>
-          </p:cNvSpPr>
-          <p:nvPr>
-            <p:ph type="title"/>
-          </p:nvPr>
-        </p:nvSpPr>
-        <p:spPr>
-          <a:xfrm>
-            <a:off x="646111" y="452718"/>
-            <a:ext cx="9404723" cy="1116778"/>
-          </a:xfrm>
-        </p:spPr>
-        <p:txBody>
-          <a:bodyPr/>
-          <a:lstStyle/>
-          <a:p>
-            <a:r>
-              <a:rPr lang="en-US" dirty="0"/>
-              <a:t>Let’s test it! First in the head…</a:t>
-            </a:r>
-          </a:p>
-        </p:txBody>
-      </p:sp>
-      <p:pic>
-        <p:nvPicPr>
-          <p:cNvPr id="1028" name="Picture 4" descr="https://ucarecdn.com/7cf60a47-54e9-4b8d-9164-fbd3dbefeca9/">
-            <a:extLst>
-              <a:ext uri="{FF2B5EF4-FFF2-40B4-BE49-F238E27FC236}">
-                <a16:creationId xmlns:a16="http://schemas.microsoft.com/office/drawing/2014/main" id="{F9DAE6B9-282D-4A5C-9647-8FAE441E67C0}"/>
-              </a:ext>
-            </a:extLst>
-          </p:cNvPr>
-          <p:cNvPicPr>
-            <a:picLocks noGrp="1" noChangeAspect="1" noChangeArrowheads="1"/>
-          </p:cNvPicPr>
-          <p:nvPr>
-            <p:ph idx="1"/>
-          </p:nvPr>
-        </p:nvPicPr>
-        <p:blipFill>
-          <a:blip r:embed="rId2">
-            <a:extLst>
-              <a:ext uri="{28A0092B-C50C-407E-A947-70E740481C1C}">
-                <a14:useLocalDpi xmlns:a14="http://schemas.microsoft.com/office/drawing/2010/main" val="0"/>
-              </a:ext>
-            </a:extLst>
-          </a:blip>
-          <a:srcRect/>
-          <a:stretch>
-            <a:fillRect/>
-          </a:stretch>
-        </p:blipFill>
-        <p:spPr bwMode="auto">
-          <a:xfrm>
-            <a:off x="1103312" y="1569496"/>
-            <a:ext cx="7106409" cy="2836946"/>
-          </a:xfrm>
-          <a:prstGeom prst="rect">
-            <a:avLst/>
-          </a:prstGeom>
-          <a:noFill/>
-          <a:extLst>
-            <a:ext uri="{909E8E84-426E-40DD-AFC4-6F175D3DCCD1}">
-              <a14:hiddenFill xmlns:a14="http://schemas.microsoft.com/office/drawing/2010/main">
-                <a:solidFill>
-                  <a:srgbClr val="FFFFFF"/>
-                </a:solidFill>
-              </a14:hiddenFill>
-            </a:ext>
-          </a:extLst>
-        </p:spPr>
-      </p:pic>
-      <p:pic>
-        <p:nvPicPr>
-          <p:cNvPr id="9" name="Picture 8">
-            <a:extLst>
-              <a:ext uri="{FF2B5EF4-FFF2-40B4-BE49-F238E27FC236}">
-                <a16:creationId xmlns:a16="http://schemas.microsoft.com/office/drawing/2014/main" id="{37B5C956-6E7E-4D7E-A782-917FB53B58F0}"/>
-              </a:ext>
-            </a:extLst>
-          </p:cNvPr>
-          <p:cNvPicPr>
-            <a:picLocks noChangeAspect="1"/>
-          </p:cNvPicPr>
-          <p:nvPr/>
-        </p:nvPicPr>
-        <p:blipFill>
-          <a:blip r:embed="rId3"/>
-          <a:stretch>
-            <a:fillRect/>
-          </a:stretch>
-        </p:blipFill>
-        <p:spPr>
-          <a:xfrm>
-            <a:off x="1098377" y="4485955"/>
-            <a:ext cx="7106409" cy="1400530"/>
-          </a:xfrm>
-          <a:prstGeom prst="rect">
-            <a:avLst/>
-          </a:prstGeom>
-        </p:spPr>
-      </p:pic>
-    </p:spTree>
-    <p:extLst>
-      <p:ext uri="{BB962C8B-B14F-4D97-AF65-F5344CB8AC3E}">
-        <p14:creationId xmlns:p14="http://schemas.microsoft.com/office/powerpoint/2010/main" val="447977562"/>
-      </p:ext>
-    </p:extLst>
-  </p:cSld>
-  <p:clrMapOvr>
-    <a:masterClrMapping/>
-  </p:clrMapOvr>
-</p:sld>
-</file>
-
-<file path=ppt/slides/slide12.xml><?xml version="1.0" encoding="utf-8"?>
-<p:sld xmlns:a="http://schemas.openxmlformats.org/drawingml/2006/main" xmlns:r="http://schemas.openxmlformats.org/officeDocument/2006/relationships" xmlns:p="http://schemas.openxmlformats.org/presentationml/2006/main">
-  <p:cSld>
-    <p:bg>
-      <p:bgPr>
-        <a:gradFill>
-          <a:gsLst>
-            <a:gs pos="0">
-              <a:schemeClr val="accent1">
-                <a:lumMod val="75000"/>
-              </a:schemeClr>
-            </a:gs>
-            <a:gs pos="74000">
-              <a:schemeClr val="accent1">
-                <a:lumMod val="45000"/>
-                <a:lumOff val="55000"/>
-              </a:schemeClr>
-            </a:gs>
-            <a:gs pos="83000">
-              <a:schemeClr val="accent1">
-                <a:lumMod val="45000"/>
-                <a:lumOff val="55000"/>
-              </a:schemeClr>
-            </a:gs>
-            <a:gs pos="100000">
-              <a:schemeClr val="accent1">
-                <a:lumMod val="30000"/>
-                <a:lumOff val="70000"/>
-              </a:schemeClr>
-            </a:gs>
-          </a:gsLst>
-          <a:lin ang="5400000" scaled="1"/>
-        </a:gradFill>
-        <a:effectLst/>
-      </p:bgPr>
-    </p:bg>
-    <p:spTree>
-      <p:nvGrpSpPr>
-        <p:cNvPr id="1" name=""/>
-        <p:cNvGrpSpPr/>
-        <p:nvPr/>
-      </p:nvGrpSpPr>
-      <p:grpSpPr>
-        <a:xfrm>
-          <a:off x="0" y="0"/>
-          <a:ext cx="0" cy="0"/>
-          <a:chOff x="0" y="0"/>
-          <a:chExt cx="0" cy="0"/>
-        </a:xfrm>
-      </p:grpSpPr>
-      <p:sp>
-        <p:nvSpPr>
-          <p:cNvPr id="2" name="Title 1">
-            <a:extLst>
-              <a:ext uri="{FF2B5EF4-FFF2-40B4-BE49-F238E27FC236}">
-                <a16:creationId xmlns:a16="http://schemas.microsoft.com/office/drawing/2014/main" id="{B8B76384-E5EC-4B70-B6D1-CFF6871FCB73}"/>
-              </a:ext>
-            </a:extLst>
-          </p:cNvPr>
-          <p:cNvSpPr>
-            <a:spLocks noGrp="1"/>
-          </p:cNvSpPr>
-          <p:nvPr>
-            <p:ph type="title"/>
-          </p:nvPr>
-        </p:nvSpPr>
-        <p:spPr/>
-        <p:txBody>
-          <a:bodyPr/>
-          <a:lstStyle/>
-          <a:p>
-            <a:r>
-              <a:rPr lang="en-US" dirty="0"/>
-              <a:t>&lt;script&gt; tag in the head - result</a:t>
-            </a:r>
-          </a:p>
-        </p:txBody>
-      </p:sp>
-      <p:pic>
-        <p:nvPicPr>
-          <p:cNvPr id="2050" name="Picture 2" descr="https://ucarecdn.com/33509b0b-d105-4435-a850-0eda7a6b83b0/">
-            <a:extLst>
-              <a:ext uri="{FF2B5EF4-FFF2-40B4-BE49-F238E27FC236}">
-                <a16:creationId xmlns:a16="http://schemas.microsoft.com/office/drawing/2014/main" id="{96149D4B-C2C9-4E59-A8B1-233B68C23B38}"/>
-              </a:ext>
-            </a:extLst>
-          </p:cNvPr>
-          <p:cNvPicPr>
-            <a:picLocks noGrp="1" noChangeAspect="1" noChangeArrowheads="1"/>
-          </p:cNvPicPr>
-          <p:nvPr>
-            <p:ph idx="1"/>
-          </p:nvPr>
-        </p:nvPicPr>
-        <p:blipFill>
-          <a:blip r:embed="rId2">
-            <a:extLst>
-              <a:ext uri="{28A0092B-C50C-407E-A947-70E740481C1C}">
-                <a14:useLocalDpi xmlns:a14="http://schemas.microsoft.com/office/drawing/2010/main" val="0"/>
-              </a:ext>
-            </a:extLst>
-          </a:blip>
-          <a:srcRect/>
-          <a:stretch>
-            <a:fillRect/>
-          </a:stretch>
-        </p:blipFill>
-        <p:spPr bwMode="auto">
-          <a:xfrm>
-            <a:off x="2198514" y="3217021"/>
-            <a:ext cx="6756747" cy="1866996"/>
-          </a:xfrm>
-          <a:prstGeom prst="rect">
-            <a:avLst/>
-          </a:prstGeom>
-          <a:noFill/>
-          <a:extLst>
-            <a:ext uri="{909E8E84-426E-40DD-AFC4-6F175D3DCCD1}">
-              <a14:hiddenFill xmlns:a14="http://schemas.microsoft.com/office/drawing/2010/main">
-                <a:solidFill>
-                  <a:srgbClr val="FFFFFF"/>
-                </a:solidFill>
-              </a14:hiddenFill>
-            </a:ext>
-          </a:extLst>
-        </p:spPr>
-      </p:pic>
-    </p:spTree>
-    <p:extLst>
-      <p:ext uri="{BB962C8B-B14F-4D97-AF65-F5344CB8AC3E}">
-        <p14:creationId xmlns:p14="http://schemas.microsoft.com/office/powerpoint/2010/main" val="2134435941"/>
-      </p:ext>
-    </p:extLst>
-  </p:cSld>
-  <p:clrMapOvr>
-    <a:masterClrMapping/>
-  </p:clrMapOvr>
-</p:sld>
-</file>
-
-<file path=ppt/slides/slide13.xml><?xml version="1.0" encoding="utf-8"?>
-<p:sld xmlns:a="http://schemas.openxmlformats.org/drawingml/2006/main" xmlns:r="http://schemas.openxmlformats.org/officeDocument/2006/relationships" xmlns:p="http://schemas.openxmlformats.org/presentationml/2006/main">
-  <p:cSld>
-    <p:bg>
-      <p:bgPr>
-        <a:gradFill>
-          <a:gsLst>
-            <a:gs pos="0">
-              <a:schemeClr val="accent1">
-                <a:lumMod val="75000"/>
-              </a:schemeClr>
-            </a:gs>
-            <a:gs pos="74000">
-              <a:schemeClr val="accent1">
-                <a:lumMod val="45000"/>
-                <a:lumOff val="55000"/>
-              </a:schemeClr>
-            </a:gs>
-            <a:gs pos="83000">
-              <a:schemeClr val="accent1">
-                <a:lumMod val="45000"/>
-                <a:lumOff val="55000"/>
-              </a:schemeClr>
-            </a:gs>
-            <a:gs pos="100000">
-              <a:schemeClr val="accent1">
-                <a:lumMod val="30000"/>
-                <a:lumOff val="70000"/>
-              </a:schemeClr>
-            </a:gs>
-          </a:gsLst>
-          <a:lin ang="5400000" scaled="1"/>
-        </a:gradFill>
-        <a:effectLst/>
-      </p:bgPr>
-    </p:bg>
-    <p:spTree>
-      <p:nvGrpSpPr>
-        <p:cNvPr id="1" name=""/>
-        <p:cNvGrpSpPr/>
-        <p:nvPr/>
-      </p:nvGrpSpPr>
-      <p:grpSpPr>
-        <a:xfrm>
-          <a:off x="0" y="0"/>
-          <a:ext cx="0" cy="0"/>
-          <a:chOff x="0" y="0"/>
-          <a:chExt cx="0" cy="0"/>
-        </a:xfrm>
-      </p:grpSpPr>
-      <p:sp>
-        <p:nvSpPr>
-          <p:cNvPr id="2" name="Title 1">
-            <a:extLst>
-              <a:ext uri="{FF2B5EF4-FFF2-40B4-BE49-F238E27FC236}">
-                <a16:creationId xmlns:a16="http://schemas.microsoft.com/office/drawing/2014/main" id="{E62F0863-0ADB-4266-BB4D-366533A981DB}"/>
-              </a:ext>
-            </a:extLst>
-          </p:cNvPr>
-          <p:cNvSpPr>
-            <a:spLocks noGrp="1"/>
-          </p:cNvSpPr>
-          <p:nvPr>
-            <p:ph type="title"/>
-          </p:nvPr>
-        </p:nvSpPr>
-        <p:spPr/>
-        <p:txBody>
-          <a:bodyPr/>
-          <a:lstStyle/>
-          <a:p>
-            <a:r>
-              <a:rPr lang="en-US" dirty="0"/>
-              <a:t>Now let’s place it at the bottom of the body…</a:t>
-            </a:r>
-          </a:p>
-        </p:txBody>
-      </p:sp>
-      <p:pic>
-        <p:nvPicPr>
-          <p:cNvPr id="3074" name="Picture 2" descr="https://ucarecdn.com/35ff5be1-efe4-4171-bd19-52260a43407e/">
-            <a:extLst>
-              <a:ext uri="{FF2B5EF4-FFF2-40B4-BE49-F238E27FC236}">
-                <a16:creationId xmlns:a16="http://schemas.microsoft.com/office/drawing/2014/main" id="{DB0C6EA3-D6CE-4BC4-8F58-86B56C3540EA}"/>
-              </a:ext>
-            </a:extLst>
-          </p:cNvPr>
-          <p:cNvPicPr>
-            <a:picLocks noGrp="1" noChangeAspect="1" noChangeArrowheads="1"/>
-          </p:cNvPicPr>
-          <p:nvPr>
-            <p:ph idx="1"/>
-          </p:nvPr>
-        </p:nvPicPr>
-        <p:blipFill>
-          <a:blip r:embed="rId2">
-            <a:extLst>
-              <a:ext uri="{28A0092B-C50C-407E-A947-70E740481C1C}">
-                <a14:useLocalDpi xmlns:a14="http://schemas.microsoft.com/office/drawing/2010/main" val="0"/>
-              </a:ext>
-            </a:extLst>
-          </a:blip>
-          <a:srcRect/>
-          <a:stretch>
-            <a:fillRect/>
-          </a:stretch>
-        </p:blipFill>
-        <p:spPr bwMode="auto">
-          <a:xfrm>
-            <a:off x="1652386" y="2232720"/>
-            <a:ext cx="7849003" cy="3835597"/>
-          </a:xfrm>
-          <a:prstGeom prst="rect">
-            <a:avLst/>
-          </a:prstGeom>
-          <a:noFill/>
-          <a:extLst>
-            <a:ext uri="{909E8E84-426E-40DD-AFC4-6F175D3DCCD1}">
-              <a14:hiddenFill xmlns:a14="http://schemas.microsoft.com/office/drawing/2010/main">
-                <a:solidFill>
-                  <a:srgbClr val="FFFFFF"/>
-                </a:solidFill>
-              </a14:hiddenFill>
-            </a:ext>
-          </a:extLst>
-        </p:spPr>
-      </p:pic>
-    </p:spTree>
-    <p:extLst>
-      <p:ext uri="{BB962C8B-B14F-4D97-AF65-F5344CB8AC3E}">
-        <p14:creationId xmlns:p14="http://schemas.microsoft.com/office/powerpoint/2010/main" val="3399266301"/>
-      </p:ext>
-    </p:extLst>
-  </p:cSld>
-  <p:clrMapOvr>
-    <a:masterClrMapping/>
-  </p:clrMapOvr>
-</p:sld>
-</file>
-
-<file path=ppt/slides/slide14.xml><?xml version="1.0" encoding="utf-8"?>
-<p:sld xmlns:a="http://schemas.openxmlformats.org/drawingml/2006/main" xmlns:r="http://schemas.openxmlformats.org/officeDocument/2006/relationships" xmlns:p="http://schemas.openxmlformats.org/presentationml/2006/main">
-  <p:cSld>
-    <p:bg>
-      <p:bgPr>
-        <a:gradFill>
-          <a:gsLst>
-            <a:gs pos="0">
-              <a:schemeClr val="accent1">
-                <a:lumMod val="75000"/>
-              </a:schemeClr>
-            </a:gs>
-            <a:gs pos="74000">
-              <a:schemeClr val="accent1">
-                <a:lumMod val="45000"/>
-                <a:lumOff val="55000"/>
-              </a:schemeClr>
-            </a:gs>
-            <a:gs pos="83000">
-              <a:schemeClr val="accent1">
-                <a:lumMod val="45000"/>
-                <a:lumOff val="55000"/>
-              </a:schemeClr>
-            </a:gs>
-            <a:gs pos="100000">
-              <a:schemeClr val="accent1">
-                <a:lumMod val="30000"/>
-                <a:lumOff val="70000"/>
-              </a:schemeClr>
-            </a:gs>
-          </a:gsLst>
-          <a:lin ang="5400000" scaled="1"/>
-        </a:gradFill>
-        <a:effectLst/>
-      </p:bgPr>
-    </p:bg>
-    <p:spTree>
-      <p:nvGrpSpPr>
-        <p:cNvPr id="1" name=""/>
-        <p:cNvGrpSpPr/>
-        <p:nvPr/>
-      </p:nvGrpSpPr>
-      <p:grpSpPr>
-        <a:xfrm>
-          <a:off x="0" y="0"/>
-          <a:ext cx="0" cy="0"/>
-          <a:chOff x="0" y="0"/>
-          <a:chExt cx="0" cy="0"/>
-        </a:xfrm>
-      </p:grpSpPr>
-      <p:sp>
-        <p:nvSpPr>
-          <p:cNvPr id="2" name="Title 1">
-            <a:extLst>
-              <a:ext uri="{FF2B5EF4-FFF2-40B4-BE49-F238E27FC236}">
-                <a16:creationId xmlns:a16="http://schemas.microsoft.com/office/drawing/2014/main" id="{395AC3BB-B1F4-405D-B442-B8614CD2B218}"/>
-              </a:ext>
-            </a:extLst>
-          </p:cNvPr>
-          <p:cNvSpPr>
-            <a:spLocks noGrp="1"/>
-          </p:cNvSpPr>
-          <p:nvPr>
-            <p:ph type="title"/>
-          </p:nvPr>
-        </p:nvSpPr>
-        <p:spPr/>
-        <p:txBody>
-          <a:bodyPr/>
-          <a:lstStyle/>
-          <a:p>
-            <a:r>
-              <a:rPr lang="en-US" dirty="0"/>
-              <a:t>&lt;script&gt; tag at the bottom of the body - result</a:t>
-            </a:r>
-          </a:p>
-        </p:txBody>
-      </p:sp>
-      <p:sp>
-        <p:nvSpPr>
-          <p:cNvPr id="3" name="Content Placeholder 2">
-            <a:extLst>
-              <a:ext uri="{FF2B5EF4-FFF2-40B4-BE49-F238E27FC236}">
-                <a16:creationId xmlns:a16="http://schemas.microsoft.com/office/drawing/2014/main" id="{D3CE3DD4-8AFA-43DC-BF08-47040CDD82A5}"/>
-              </a:ext>
-            </a:extLst>
-          </p:cNvPr>
-          <p:cNvSpPr>
-            <a:spLocks noGrp="1"/>
-          </p:cNvSpPr>
-          <p:nvPr>
-            <p:ph idx="1"/>
-          </p:nvPr>
-        </p:nvSpPr>
-        <p:spPr/>
-        <p:txBody>
-          <a:bodyPr/>
-          <a:lstStyle/>
-          <a:p>
-            <a:endParaRPr lang="en-US" dirty="0"/>
-          </a:p>
-        </p:txBody>
-      </p:sp>
-      <p:pic>
-        <p:nvPicPr>
-          <p:cNvPr id="4" name="Picture 3">
-            <a:extLst>
-              <a:ext uri="{FF2B5EF4-FFF2-40B4-BE49-F238E27FC236}">
-                <a16:creationId xmlns:a16="http://schemas.microsoft.com/office/drawing/2014/main" id="{0E94FDCB-5992-41C8-A38D-62D119445DB1}"/>
-              </a:ext>
-            </a:extLst>
-          </p:cNvPr>
-          <p:cNvPicPr>
-            <a:picLocks noChangeAspect="1"/>
-          </p:cNvPicPr>
-          <p:nvPr/>
-        </p:nvPicPr>
-        <p:blipFill>
-          <a:blip r:embed="rId2"/>
-          <a:stretch>
-            <a:fillRect/>
-          </a:stretch>
-        </p:blipFill>
-        <p:spPr>
-          <a:xfrm>
-            <a:off x="1107833" y="3096526"/>
-            <a:ext cx="8942020" cy="2489265"/>
-          </a:xfrm>
-          <a:prstGeom prst="rect">
-            <a:avLst/>
-          </a:prstGeom>
-        </p:spPr>
-      </p:pic>
-    </p:spTree>
-    <p:extLst>
-      <p:ext uri="{BB962C8B-B14F-4D97-AF65-F5344CB8AC3E}">
-        <p14:creationId xmlns:p14="http://schemas.microsoft.com/office/powerpoint/2010/main" val="3213813706"/>
-      </p:ext>
-    </p:extLst>
-  </p:cSld>
-  <p:clrMapOvr>
-    <a:masterClrMapping/>
-  </p:clrMapOvr>
-</p:sld>
-</file>
-
-<file path=ppt/slides/slide15.xml><?xml version="1.0" encoding="utf-8"?>
-<p:sld xmlns:a="http://schemas.openxmlformats.org/drawingml/2006/main" xmlns:r="http://schemas.openxmlformats.org/officeDocument/2006/relationships" xmlns:p="http://schemas.openxmlformats.org/presentationml/2006/main">
-  <p:cSld>
-    <p:bg>
-      <p:bgPr>
-        <a:gradFill>
-          <a:gsLst>
-            <a:gs pos="0">
-              <a:schemeClr val="accent1">
-                <a:lumMod val="75000"/>
-              </a:schemeClr>
-            </a:gs>
-            <a:gs pos="74000">
-              <a:schemeClr val="accent1">
-                <a:lumMod val="45000"/>
-                <a:lumOff val="55000"/>
-              </a:schemeClr>
-            </a:gs>
-            <a:gs pos="83000">
-              <a:schemeClr val="accent1">
-                <a:lumMod val="45000"/>
-                <a:lumOff val="55000"/>
-              </a:schemeClr>
-            </a:gs>
-            <a:gs pos="100000">
-              <a:schemeClr val="accent1">
-                <a:lumMod val="30000"/>
-                <a:lumOff val="70000"/>
-              </a:schemeClr>
-            </a:gs>
-          </a:gsLst>
-          <a:lin ang="5400000" scaled="1"/>
-        </a:gradFill>
-        <a:effectLst/>
-      </p:bgPr>
-    </p:bg>
-    <p:spTree>
-      <p:nvGrpSpPr>
-        <p:cNvPr id="1" name=""/>
-        <p:cNvGrpSpPr/>
-        <p:nvPr/>
-      </p:nvGrpSpPr>
-      <p:grpSpPr>
-        <a:xfrm>
-          <a:off x="0" y="0"/>
-          <a:ext cx="0" cy="0"/>
-          <a:chOff x="0" y="0"/>
-          <a:chExt cx="0" cy="0"/>
-        </a:xfrm>
-      </p:grpSpPr>
-      <p:sp>
-        <p:nvSpPr>
-          <p:cNvPr id="2" name="Title 1">
-            <a:extLst>
-              <a:ext uri="{FF2B5EF4-FFF2-40B4-BE49-F238E27FC236}">
-                <a16:creationId xmlns:a16="http://schemas.microsoft.com/office/drawing/2014/main" id="{ABCA4F42-CFB6-43CF-9D40-44D32355C8CB}"/>
-              </a:ext>
-            </a:extLst>
-          </p:cNvPr>
-          <p:cNvSpPr>
-            <a:spLocks noGrp="1"/>
-          </p:cNvSpPr>
-          <p:nvPr>
-            <p:ph type="title"/>
-          </p:nvPr>
-        </p:nvSpPr>
-        <p:spPr/>
-        <p:txBody>
-          <a:bodyPr/>
-          <a:lstStyle/>
-          <a:p>
-            <a:r>
-              <a:rPr lang="en-US" dirty="0"/>
-              <a:t>DOM – Finding elements</a:t>
-            </a:r>
-          </a:p>
-        </p:txBody>
-      </p:sp>
-      <p:sp>
-        <p:nvSpPr>
-          <p:cNvPr id="3" name="Content Placeholder 2">
-            <a:extLst>
-              <a:ext uri="{FF2B5EF4-FFF2-40B4-BE49-F238E27FC236}">
-                <a16:creationId xmlns:a16="http://schemas.microsoft.com/office/drawing/2014/main" id="{7E91ED64-881A-401A-A7CB-3DF72ACB7FF6}"/>
-              </a:ext>
-            </a:extLst>
-          </p:cNvPr>
-          <p:cNvSpPr>
-            <a:spLocks noGrp="1"/>
-          </p:cNvSpPr>
-          <p:nvPr>
-            <p:ph idx="1"/>
-          </p:nvPr>
-        </p:nvSpPr>
-        <p:spPr/>
-        <p:txBody>
-          <a:bodyPr/>
-          <a:lstStyle/>
-          <a:p>
-            <a:r>
-              <a:rPr lang="en-US" dirty="0"/>
-              <a:t>Trying to find a specific node in the document by starting at </a:t>
-            </a:r>
-            <a:r>
-              <a:rPr lang="en-US" b="1" dirty="0" err="1">
-                <a:latin typeface="Courier New" panose="02070309020205020404" pitchFamily="49" charset="0"/>
-                <a:cs typeface="Courier New" panose="02070309020205020404" pitchFamily="49" charset="0"/>
-              </a:rPr>
-              <a:t>document.body</a:t>
-            </a:r>
-            <a:r>
-              <a:rPr lang="en-US" b="1" dirty="0">
-                <a:latin typeface="Courier New" panose="02070309020205020404" pitchFamily="49" charset="0"/>
-                <a:cs typeface="Courier New" panose="02070309020205020404" pitchFamily="49" charset="0"/>
-              </a:rPr>
-              <a:t> </a:t>
-            </a:r>
-            <a:r>
-              <a:rPr lang="en-US" dirty="0"/>
-              <a:t>and following a hard-coded path of links is a bad idea</a:t>
-            </a:r>
-          </a:p>
-          <a:p>
-            <a:pPr lvl="1"/>
-            <a:r>
-              <a:rPr lang="en-US" dirty="0"/>
-              <a:t>Bakes assumptions into our program about the precise structure of the document – a structure we may want to change later</a:t>
-            </a:r>
-          </a:p>
-          <a:p>
-            <a:pPr lvl="1"/>
-            <a:r>
-              <a:rPr lang="en-US" dirty="0"/>
-              <a:t>Another complicating factor – text nodes are created even for the whitespace between nodes</a:t>
-            </a:r>
-          </a:p>
-        </p:txBody>
-      </p:sp>
-    </p:spTree>
-    <p:extLst>
-      <p:ext uri="{BB962C8B-B14F-4D97-AF65-F5344CB8AC3E}">
-        <p14:creationId xmlns:p14="http://schemas.microsoft.com/office/powerpoint/2010/main" val="3765760707"/>
-      </p:ext>
-    </p:extLst>
-  </p:cSld>
-  <p:clrMapOvr>
-    <a:masterClrMapping/>
-  </p:clrMapOvr>
-</p:sld>
-</file>
-
-<file path=ppt/slides/slide16.xml><?xml version="1.0" encoding="utf-8"?>
-<p:sld xmlns:a="http://schemas.openxmlformats.org/drawingml/2006/main" xmlns:r="http://schemas.openxmlformats.org/officeDocument/2006/relationships" xmlns:p="http://schemas.openxmlformats.org/presentationml/2006/main">
-  <p:cSld>
-    <p:bg>
-      <p:bgPr>
-        <a:gradFill>
-          <a:gsLst>
-            <a:gs pos="0">
-              <a:schemeClr val="accent1">
-                <a:lumMod val="75000"/>
-              </a:schemeClr>
-            </a:gs>
-            <a:gs pos="74000">
-              <a:schemeClr val="accent1">
-                <a:lumMod val="45000"/>
-                <a:lumOff val="55000"/>
-              </a:schemeClr>
-            </a:gs>
-            <a:gs pos="83000">
-              <a:schemeClr val="accent1">
-                <a:lumMod val="45000"/>
-                <a:lumOff val="55000"/>
-              </a:schemeClr>
-            </a:gs>
-            <a:gs pos="100000">
-              <a:schemeClr val="accent1">
-                <a:lumMod val="30000"/>
-                <a:lumOff val="70000"/>
-              </a:schemeClr>
-            </a:gs>
-          </a:gsLst>
-          <a:lin ang="5400000" scaled="1"/>
-        </a:gradFill>
-        <a:effectLst/>
-      </p:bgPr>
-    </p:bg>
-    <p:spTree>
-      <p:nvGrpSpPr>
-        <p:cNvPr id="1" name=""/>
-        <p:cNvGrpSpPr/>
-        <p:nvPr/>
-      </p:nvGrpSpPr>
-      <p:grpSpPr>
-        <a:xfrm>
-          <a:off x="0" y="0"/>
-          <a:ext cx="0" cy="0"/>
-          <a:chOff x="0" y="0"/>
-          <a:chExt cx="0" cy="0"/>
-        </a:xfrm>
-      </p:grpSpPr>
-      <p:sp>
-        <p:nvSpPr>
-          <p:cNvPr id="2" name="Title 1">
-            <a:extLst>
-              <a:ext uri="{FF2B5EF4-FFF2-40B4-BE49-F238E27FC236}">
-                <a16:creationId xmlns:a16="http://schemas.microsoft.com/office/drawing/2014/main" id="{A5C8A9B4-430A-4DE8-9CC7-2E942E124B7E}"/>
-              </a:ext>
-            </a:extLst>
-          </p:cNvPr>
-          <p:cNvSpPr>
-            <a:spLocks noGrp="1"/>
-          </p:cNvSpPr>
-          <p:nvPr>
-            <p:ph type="title"/>
-          </p:nvPr>
-        </p:nvSpPr>
-        <p:spPr/>
-        <p:txBody>
-          <a:bodyPr/>
-          <a:lstStyle/>
-          <a:p>
-            <a:r>
-              <a:rPr lang="en-US" dirty="0"/>
-              <a:t>DOM – Finding elements (cont’d)</a:t>
-            </a:r>
-          </a:p>
-        </p:txBody>
-      </p:sp>
-      <p:pic>
-        <p:nvPicPr>
-          <p:cNvPr id="5" name="Content Placeholder 4">
-            <a:extLst>
-              <a:ext uri="{FF2B5EF4-FFF2-40B4-BE49-F238E27FC236}">
-                <a16:creationId xmlns:a16="http://schemas.microsoft.com/office/drawing/2014/main" id="{42DA0CBC-F5A1-4C49-AC0A-1FAEF0D29FFC}"/>
-              </a:ext>
-            </a:extLst>
-          </p:cNvPr>
-          <p:cNvPicPr>
-            <a:picLocks noGrp="1" noChangeAspect="1"/>
-          </p:cNvPicPr>
-          <p:nvPr>
-            <p:ph sz="half" idx="1"/>
-          </p:nvPr>
-        </p:nvPicPr>
-        <p:blipFill>
-          <a:blip r:embed="rId2"/>
-          <a:stretch>
-            <a:fillRect/>
-          </a:stretch>
-        </p:blipFill>
-        <p:spPr>
-          <a:xfrm>
-            <a:off x="1258706" y="2056092"/>
-            <a:ext cx="4395787" cy="1980445"/>
-          </a:xfrm>
-          <a:prstGeom prst="rect">
-            <a:avLst/>
-          </a:prstGeom>
-        </p:spPr>
-      </p:pic>
-      <p:sp>
-        <p:nvSpPr>
-          <p:cNvPr id="4" name="Text Placeholder 3">
-            <a:extLst>
-              <a:ext uri="{FF2B5EF4-FFF2-40B4-BE49-F238E27FC236}">
-                <a16:creationId xmlns:a16="http://schemas.microsoft.com/office/drawing/2014/main" id="{0D366AEC-D26E-4225-8231-D0B1CCABB1CB}"/>
-              </a:ext>
-            </a:extLst>
-          </p:cNvPr>
-          <p:cNvSpPr>
-            <a:spLocks noGrp="1"/>
-          </p:cNvSpPr>
-          <p:nvPr>
-            <p:ph sz="half" idx="2"/>
-          </p:nvPr>
-        </p:nvSpPr>
-        <p:spPr/>
-        <p:txBody>
-          <a:bodyPr/>
-          <a:lstStyle/>
-          <a:p>
-            <a:r>
-              <a:rPr lang="en-US" dirty="0"/>
-              <a:t>The &lt;body&gt; does not have just three children (the &lt;h1&gt; and two &lt;p&gt;) but actually has seven</a:t>
-            </a:r>
-          </a:p>
-          <a:p>
-            <a:r>
-              <a:rPr lang="en-US" dirty="0"/>
-              <a:t>- The &lt;h1&gt;, the two &lt;p&gt;, plus the spaces before, after and between them</a:t>
-            </a:r>
-          </a:p>
-          <a:p>
-            <a:r>
-              <a:rPr lang="en-US" dirty="0"/>
-              <a:t>- If we want to get the </a:t>
-            </a:r>
-            <a:r>
-              <a:rPr lang="en-US" dirty="0" err="1"/>
-              <a:t>href</a:t>
-            </a:r>
-            <a:r>
-              <a:rPr lang="en-US" dirty="0"/>
-              <a:t> attribute of the link, we don’t want to say, “get the second child of the sixth child of the document body.”</a:t>
-            </a:r>
-          </a:p>
-          <a:p>
-            <a:r>
-              <a:rPr lang="en-US" dirty="0"/>
-              <a:t>- better to say “get the first link in the document.” And we can.</a:t>
-            </a:r>
-          </a:p>
-        </p:txBody>
-      </p:sp>
-      <p:pic>
-        <p:nvPicPr>
-          <p:cNvPr id="6" name="Picture 5">
-            <a:extLst>
-              <a:ext uri="{FF2B5EF4-FFF2-40B4-BE49-F238E27FC236}">
-                <a16:creationId xmlns:a16="http://schemas.microsoft.com/office/drawing/2014/main" id="{F6AF1D4A-9992-4887-BB10-8CD699C21586}"/>
-              </a:ext>
-            </a:extLst>
-          </p:cNvPr>
-          <p:cNvPicPr>
-            <a:picLocks noChangeAspect="1"/>
-          </p:cNvPicPr>
-          <p:nvPr/>
-        </p:nvPicPr>
-        <p:blipFill>
-          <a:blip r:embed="rId3"/>
-          <a:stretch>
-            <a:fillRect/>
-          </a:stretch>
-        </p:blipFill>
-        <p:spPr>
-          <a:xfrm>
-            <a:off x="1258429" y="5565119"/>
-            <a:ext cx="4396342" cy="429771"/>
-          </a:xfrm>
-          <a:prstGeom prst="rect">
-            <a:avLst/>
-          </a:prstGeom>
-        </p:spPr>
-      </p:pic>
-    </p:spTree>
-    <p:extLst>
-      <p:ext uri="{BB962C8B-B14F-4D97-AF65-F5344CB8AC3E}">
-        <p14:creationId xmlns:p14="http://schemas.microsoft.com/office/powerpoint/2010/main" val="1195386289"/>
-      </p:ext>
-    </p:extLst>
-  </p:cSld>
-  <p:clrMapOvr>
-    <a:masterClrMapping/>
-  </p:clrMapOvr>
-</p:sld>
-</file>
-
-<file path=ppt/slides/slide17.xml><?xml version="1.0" encoding="utf-8"?>
-<p:sld xmlns:a="http://schemas.openxmlformats.org/drawingml/2006/main" xmlns:r="http://schemas.openxmlformats.org/officeDocument/2006/relationships" xmlns:p="http://schemas.openxmlformats.org/presentationml/2006/main">
-  <p:cSld>
-    <p:bg>
-      <p:bgPr>
-        <a:gradFill>
-          <a:gsLst>
-            <a:gs pos="0">
-              <a:schemeClr val="accent1">
-                <a:lumMod val="75000"/>
-              </a:schemeClr>
-            </a:gs>
-            <a:gs pos="74000">
-              <a:schemeClr val="accent1">
-                <a:lumMod val="45000"/>
-                <a:lumOff val="55000"/>
-              </a:schemeClr>
-            </a:gs>
-            <a:gs pos="83000">
-              <a:schemeClr val="accent1">
-                <a:lumMod val="45000"/>
-                <a:lumOff val="55000"/>
-              </a:schemeClr>
-            </a:gs>
-            <a:gs pos="100000">
-              <a:schemeClr val="accent1">
-                <a:lumMod val="30000"/>
-                <a:lumOff val="70000"/>
-              </a:schemeClr>
-            </a:gs>
-          </a:gsLst>
-          <a:lin ang="5400000" scaled="1"/>
-        </a:gradFill>
-        <a:effectLst/>
-      </p:bgPr>
-    </p:bg>
-    <p:spTree>
-      <p:nvGrpSpPr>
-        <p:cNvPr id="1" name=""/>
-        <p:cNvGrpSpPr/>
-        <p:nvPr/>
-      </p:nvGrpSpPr>
-      <p:grpSpPr>
-        <a:xfrm>
-          <a:off x="0" y="0"/>
-          <a:ext cx="0" cy="0"/>
-          <a:chOff x="0" y="0"/>
-          <a:chExt cx="0" cy="0"/>
-        </a:xfrm>
-      </p:grpSpPr>
-      <p:sp>
-        <p:nvSpPr>
-          <p:cNvPr id="2" name="Title 1">
-            <a:extLst>
-              <a:ext uri="{FF2B5EF4-FFF2-40B4-BE49-F238E27FC236}">
-                <a16:creationId xmlns:a16="http://schemas.microsoft.com/office/drawing/2014/main" id="{04D12538-A262-4B20-B8B7-D1E5ACA1A2BF}"/>
-              </a:ext>
-            </a:extLst>
-          </p:cNvPr>
-          <p:cNvSpPr>
-            <a:spLocks noGrp="1"/>
-          </p:cNvSpPr>
-          <p:nvPr>
-            <p:ph type="title"/>
-          </p:nvPr>
-        </p:nvSpPr>
-        <p:spPr/>
-        <p:txBody>
-          <a:bodyPr/>
-          <a:lstStyle/>
-          <a:p>
-            <a:r>
-              <a:rPr lang="en-US" dirty="0"/>
-              <a:t>Retrieving elements</a:t>
-            </a:r>
-          </a:p>
-        </p:txBody>
-      </p:sp>
-      <p:sp>
-        <p:nvSpPr>
-          <p:cNvPr id="3" name="Content Placeholder 2">
-            <a:extLst>
-              <a:ext uri="{FF2B5EF4-FFF2-40B4-BE49-F238E27FC236}">
-                <a16:creationId xmlns:a16="http://schemas.microsoft.com/office/drawing/2014/main" id="{702CF953-3036-4957-8583-97BABBAD0711}"/>
-              </a:ext>
-            </a:extLst>
-          </p:cNvPr>
-          <p:cNvSpPr>
-            <a:spLocks noGrp="1"/>
-          </p:cNvSpPr>
-          <p:nvPr>
-            <p:ph idx="1"/>
-          </p:nvPr>
-        </p:nvSpPr>
-        <p:spPr/>
-        <p:txBody>
-          <a:bodyPr/>
-          <a:lstStyle/>
-          <a:p>
-            <a:r>
-              <a:rPr lang="en-US" dirty="0"/>
-              <a:t>All element nodes have a </a:t>
-            </a:r>
-            <a:r>
-              <a:rPr lang="en-US" dirty="0" err="1"/>
-              <a:t>getElementsByTagName</a:t>
-            </a:r>
-            <a:r>
-              <a:rPr lang="en-US" dirty="0"/>
-              <a:t> method</a:t>
-            </a:r>
-          </a:p>
-          <a:p>
-            <a:pPr lvl="1"/>
-            <a:r>
-              <a:rPr lang="en-US" dirty="0"/>
-              <a:t>Collects all elements with the given tag name that are descendants of the give node</a:t>
-            </a:r>
-          </a:p>
-          <a:p>
-            <a:pPr lvl="1"/>
-            <a:r>
-              <a:rPr lang="en-US" dirty="0"/>
-              <a:t>Returns them as an array-like object</a:t>
-            </a:r>
-          </a:p>
-          <a:p>
-            <a:r>
-              <a:rPr lang="en-US" dirty="0"/>
-              <a:t>To find a specific single node, give it an id attribute and use </a:t>
-            </a:r>
-            <a:r>
-              <a:rPr lang="en-US" dirty="0" err="1"/>
-              <a:t>document.getElementById</a:t>
-            </a:r>
-            <a:endParaRPr lang="en-US" dirty="0"/>
-          </a:p>
-          <a:p>
-            <a:r>
-              <a:rPr lang="en-US" dirty="0"/>
-              <a:t>A similar method, </a:t>
-            </a:r>
-            <a:r>
-              <a:rPr lang="en-US" dirty="0" err="1"/>
-              <a:t>getElementsByClassName</a:t>
-            </a:r>
-            <a:r>
-              <a:rPr lang="en-US" dirty="0"/>
-              <a:t>, searches through all the contents of an element node and retrieves all elements that have the given string in their class attribute</a:t>
-            </a:r>
-          </a:p>
-        </p:txBody>
-      </p:sp>
-    </p:spTree>
-    <p:extLst>
-      <p:ext uri="{BB962C8B-B14F-4D97-AF65-F5344CB8AC3E}">
-        <p14:creationId xmlns:p14="http://schemas.microsoft.com/office/powerpoint/2010/main" val="2826258125"/>
-      </p:ext>
-    </p:extLst>
-  </p:cSld>
-  <p:clrMapOvr>
-    <a:masterClrMapping/>
-  </p:clrMapOvr>
-</p:sld>
-</file>
-
-<file path=ppt/slides/slide18.xml><?xml version="1.0" encoding="utf-8"?>
-<p:sld xmlns:a="http://schemas.openxmlformats.org/drawingml/2006/main" xmlns:r="http://schemas.openxmlformats.org/officeDocument/2006/relationships" xmlns:p="http://schemas.openxmlformats.org/presentationml/2006/main">
-  <p:cSld>
-    <p:bg>
-      <p:bgPr>
-        <a:gradFill>
-          <a:gsLst>
-            <a:gs pos="0">
-              <a:schemeClr val="accent1">
-                <a:lumMod val="75000"/>
-              </a:schemeClr>
-            </a:gs>
-            <a:gs pos="74000">
-              <a:schemeClr val="accent1">
-                <a:lumMod val="45000"/>
-                <a:lumOff val="55000"/>
-              </a:schemeClr>
-            </a:gs>
-            <a:gs pos="83000">
-              <a:schemeClr val="accent1">
-                <a:lumMod val="45000"/>
-                <a:lumOff val="55000"/>
-              </a:schemeClr>
-            </a:gs>
-            <a:gs pos="100000">
-              <a:schemeClr val="accent1">
-                <a:lumMod val="30000"/>
-                <a:lumOff val="70000"/>
-              </a:schemeClr>
-            </a:gs>
-          </a:gsLst>
-          <a:lin ang="5400000" scaled="1"/>
-        </a:gradFill>
-        <a:effectLst/>
-      </p:bgPr>
-    </p:bg>
-    <p:spTree>
-      <p:nvGrpSpPr>
-        <p:cNvPr id="1" name=""/>
-        <p:cNvGrpSpPr/>
-        <p:nvPr/>
-      </p:nvGrpSpPr>
-      <p:grpSpPr>
-        <a:xfrm>
-          <a:off x="0" y="0"/>
-          <a:ext cx="0" cy="0"/>
-          <a:chOff x="0" y="0"/>
-          <a:chExt cx="0" cy="0"/>
-        </a:xfrm>
-      </p:grpSpPr>
-      <p:sp>
-        <p:nvSpPr>
-          <p:cNvPr id="2" name="Title 1">
-            <a:extLst>
-              <a:ext uri="{FF2B5EF4-FFF2-40B4-BE49-F238E27FC236}">
-                <a16:creationId xmlns:a16="http://schemas.microsoft.com/office/drawing/2014/main" id="{E0F5DAF1-26D5-4BFD-AC73-C5EB9F6B2B6D}"/>
-              </a:ext>
-            </a:extLst>
-          </p:cNvPr>
-          <p:cNvSpPr>
-            <a:spLocks noGrp="1"/>
-          </p:cNvSpPr>
-          <p:nvPr>
-            <p:ph type="title"/>
-          </p:nvPr>
-        </p:nvSpPr>
-        <p:spPr/>
-        <p:txBody>
-          <a:bodyPr/>
-          <a:lstStyle/>
-          <a:p>
-            <a:r>
-              <a:rPr lang="en-US" dirty="0"/>
-              <a:t>What is the simplest way to get the </a:t>
-            </a:r>
-            <a:r>
-              <a:rPr lang="en-US" dirty="0" err="1"/>
-              <a:t>img</a:t>
-            </a:r>
-            <a:r>
-              <a:rPr lang="en-US" dirty="0"/>
-              <a:t> element from the HTML below?</a:t>
-            </a:r>
-          </a:p>
-        </p:txBody>
-      </p:sp>
-      <p:pic>
-        <p:nvPicPr>
-          <p:cNvPr id="4" name="Content Placeholder 3">
-            <a:extLst>
-              <a:ext uri="{FF2B5EF4-FFF2-40B4-BE49-F238E27FC236}">
-                <a16:creationId xmlns:a16="http://schemas.microsoft.com/office/drawing/2014/main" id="{4941A724-79C9-4F64-A7D9-3E05E8A5EC07}"/>
-              </a:ext>
-            </a:extLst>
-          </p:cNvPr>
-          <p:cNvPicPr>
-            <a:picLocks noGrp="1" noChangeAspect="1"/>
-          </p:cNvPicPr>
-          <p:nvPr>
-            <p:ph idx="1"/>
-          </p:nvPr>
-        </p:nvPicPr>
-        <p:blipFill>
-          <a:blip r:embed="rId2"/>
-          <a:stretch>
-            <a:fillRect/>
-          </a:stretch>
-        </p:blipFill>
-        <p:spPr>
-          <a:xfrm>
-            <a:off x="1103313" y="2934972"/>
-            <a:ext cx="8947150" cy="2431094"/>
-          </a:xfrm>
-          <a:prstGeom prst="rect">
-            <a:avLst/>
-          </a:prstGeom>
-        </p:spPr>
-      </p:pic>
-    </p:spTree>
-    <p:extLst>
-      <p:ext uri="{BB962C8B-B14F-4D97-AF65-F5344CB8AC3E}">
-        <p14:creationId xmlns:p14="http://schemas.microsoft.com/office/powerpoint/2010/main" val="1524887151"/>
-      </p:ext>
-    </p:extLst>
-  </p:cSld>
-  <p:clrMapOvr>
-    <a:masterClrMapping/>
-  </p:clrMapOvr>
-</p:sld>
-</file>
-
-<file path=ppt/slides/slide19.xml><?xml version="1.0" encoding="utf-8"?>
-<p:sld xmlns:a="http://schemas.openxmlformats.org/drawingml/2006/main" xmlns:r="http://schemas.openxmlformats.org/officeDocument/2006/relationships" xmlns:p="http://schemas.openxmlformats.org/presentationml/2006/main">
-  <p:cSld>
-    <p:bg>
-      <p:bgPr>
-        <a:gradFill>
-          <a:gsLst>
-            <a:gs pos="0">
-              <a:schemeClr val="accent1">
-                <a:lumMod val="75000"/>
-              </a:schemeClr>
-            </a:gs>
-            <a:gs pos="74000">
-              <a:schemeClr val="accent1">
-                <a:lumMod val="45000"/>
-                <a:lumOff val="55000"/>
-              </a:schemeClr>
-            </a:gs>
-            <a:gs pos="83000">
-              <a:schemeClr val="accent1">
-                <a:lumMod val="45000"/>
-                <a:lumOff val="55000"/>
-              </a:schemeClr>
-            </a:gs>
-            <a:gs pos="100000">
-              <a:schemeClr val="accent1">
-                <a:lumMod val="30000"/>
-                <a:lumOff val="70000"/>
-              </a:schemeClr>
-            </a:gs>
-          </a:gsLst>
-          <a:lin ang="5400000" scaled="1"/>
-        </a:gradFill>
-        <a:effectLst/>
-      </p:bgPr>
-    </p:bg>
-    <p:spTree>
-      <p:nvGrpSpPr>
-        <p:cNvPr id="1" name=""/>
-        <p:cNvGrpSpPr/>
-        <p:nvPr/>
-      </p:nvGrpSpPr>
-      <p:grpSpPr>
-        <a:xfrm>
-          <a:off x="0" y="0"/>
-          <a:ext cx="0" cy="0"/>
-          <a:chOff x="0" y="0"/>
-          <a:chExt cx="0" cy="0"/>
-        </a:xfrm>
-      </p:grpSpPr>
-      <p:sp>
-        <p:nvSpPr>
-          <p:cNvPr id="2" name="Title 1">
-            <a:extLst>
-              <a:ext uri="{FF2B5EF4-FFF2-40B4-BE49-F238E27FC236}">
-                <a16:creationId xmlns:a16="http://schemas.microsoft.com/office/drawing/2014/main" id="{CEC68151-F1DA-4F4B-A669-427A84586083}"/>
-              </a:ext>
-            </a:extLst>
-          </p:cNvPr>
-          <p:cNvSpPr>
-            <a:spLocks noGrp="1"/>
-          </p:cNvSpPr>
-          <p:nvPr>
-            <p:ph type="title"/>
-          </p:nvPr>
-        </p:nvSpPr>
-        <p:spPr/>
-        <p:txBody>
-          <a:bodyPr/>
-          <a:lstStyle/>
-          <a:p>
-            <a:r>
-              <a:rPr lang="en-US" dirty="0" err="1"/>
-              <a:t>querySelector</a:t>
-            </a:r>
-            <a:r>
-              <a:rPr lang="en-US" dirty="0"/>
-              <a:t> and </a:t>
-            </a:r>
-            <a:r>
-              <a:rPr lang="en-US" dirty="0" err="1"/>
-              <a:t>querySelectorAll</a:t>
-            </a:r>
-            <a:endParaRPr lang="en-US" dirty="0"/>
-          </a:p>
-        </p:txBody>
-      </p:sp>
-      <p:sp>
-        <p:nvSpPr>
-          <p:cNvPr id="3" name="Content Placeholder 2">
-            <a:extLst>
-              <a:ext uri="{FF2B5EF4-FFF2-40B4-BE49-F238E27FC236}">
-                <a16:creationId xmlns:a16="http://schemas.microsoft.com/office/drawing/2014/main" id="{644F532B-4ED7-4462-A32E-487FFBB0B029}"/>
-              </a:ext>
-            </a:extLst>
-          </p:cNvPr>
-          <p:cNvSpPr>
-            <a:spLocks noGrp="1"/>
-          </p:cNvSpPr>
-          <p:nvPr>
-            <p:ph idx="1"/>
-          </p:nvPr>
-        </p:nvSpPr>
-        <p:spPr/>
-        <p:txBody>
-          <a:bodyPr/>
-          <a:lstStyle/>
-          <a:p>
-            <a:r>
-              <a:rPr lang="en-US" dirty="0" err="1"/>
-              <a:t>querySelectorAll</a:t>
-            </a:r>
-            <a:r>
-              <a:rPr lang="en-US" dirty="0"/>
-              <a:t> is defined on both the document object and on element nodes</a:t>
-            </a:r>
-          </a:p>
-          <a:p>
-            <a:r>
-              <a:rPr lang="en-US" dirty="0"/>
-              <a:t>It takes a selector string and returns an array-like object containing all the elements that it matches</a:t>
-            </a:r>
-          </a:p>
-          <a:p>
-            <a:r>
-              <a:rPr lang="en-US" dirty="0"/>
-              <a:t>Unlike methods such as </a:t>
-            </a:r>
-            <a:r>
-              <a:rPr lang="en-US" dirty="0" err="1"/>
-              <a:t>getElementsByTagName</a:t>
-            </a:r>
-            <a:r>
-              <a:rPr lang="en-US" dirty="0"/>
-              <a:t>, the object returned by </a:t>
-            </a:r>
-            <a:r>
-              <a:rPr lang="en-US" dirty="0" err="1"/>
-              <a:t>querySelectorAll</a:t>
-            </a:r>
-            <a:r>
-              <a:rPr lang="en-US" dirty="0"/>
-              <a:t> is not live	</a:t>
-            </a:r>
-          </a:p>
-          <a:p>
-            <a:pPr lvl="1"/>
-            <a:r>
-              <a:rPr lang="en-US" dirty="0"/>
-              <a:t>It wont change when you change the document</a:t>
-            </a:r>
-          </a:p>
-          <a:p>
-            <a:r>
-              <a:rPr lang="en-US" dirty="0" err="1"/>
-              <a:t>querySelector</a:t>
-            </a:r>
-            <a:r>
-              <a:rPr lang="en-US" dirty="0"/>
-              <a:t> is similar, but it returns only the first matching element, or null if no elements match</a:t>
-            </a:r>
-          </a:p>
-          <a:p>
-            <a:pPr lvl="1"/>
-            <a:r>
-              <a:rPr lang="en-US" dirty="0"/>
-              <a:t>Useful if you want a specific, single element</a:t>
-            </a:r>
-          </a:p>
-        </p:txBody>
-      </p:sp>
-    </p:spTree>
-    <p:extLst>
-      <p:ext uri="{BB962C8B-B14F-4D97-AF65-F5344CB8AC3E}">
-        <p14:creationId xmlns:p14="http://schemas.microsoft.com/office/powerpoint/2010/main" val="4205989311"/>
-      </p:ext>
-    </p:extLst>
-  </p:cSld>
-  <p:clrMapOvr>
-    <a:masterClrMapping/>
-  </p:clrMapOvr>
-</p:sld>
-</file>
-
-<file path=ppt/slides/slide2.xml><?xml version="1.0" encoding="utf-8"?>
-<p:sld xmlns:a="http://schemas.openxmlformats.org/drawingml/2006/main" xmlns:r="http://schemas.openxmlformats.org/officeDocument/2006/relationships" xmlns:p="http://schemas.openxmlformats.org/presentationml/2006/main">
-  <p:cSld>
-    <p:bg>
-      <p:bgPr>
-        <a:gradFill>
-          <a:gsLst>
-            <a:gs pos="0">
-              <a:schemeClr val="accent1">
-                <a:lumMod val="75000"/>
-              </a:schemeClr>
-            </a:gs>
-            <a:gs pos="97000">
-              <a:schemeClr val="accent1">
-                <a:lumMod val="45000"/>
-                <a:lumOff val="55000"/>
-              </a:schemeClr>
-            </a:gs>
-            <a:gs pos="100000">
-              <a:schemeClr val="accent1">
-                <a:lumMod val="45000"/>
-                <a:lumOff val="55000"/>
-              </a:schemeClr>
-            </a:gs>
-            <a:gs pos="100000">
-              <a:schemeClr val="accent1">
-                <a:lumMod val="30000"/>
-                <a:lumOff val="70000"/>
-              </a:schemeClr>
-            </a:gs>
-          </a:gsLst>
-          <a:lin ang="5400000" scaled="1"/>
-        </a:gradFill>
-        <a:effectLst/>
-      </p:bgPr>
-    </p:bg>
-    <p:spTree>
-      <p:nvGrpSpPr>
-        <p:cNvPr id="1" name=""/>
-        <p:cNvGrpSpPr/>
-        <p:nvPr/>
-      </p:nvGrpSpPr>
-      <p:grpSpPr>
-        <a:xfrm>
-          <a:off x="0" y="0"/>
-          <a:ext cx="0" cy="0"/>
-          <a:chOff x="0" y="0"/>
-          <a:chExt cx="0" cy="0"/>
-        </a:xfrm>
-      </p:grpSpPr>
-      <p:sp>
-        <p:nvSpPr>
-          <p:cNvPr id="2" name="Title 1">
-            <a:extLst>
-              <a:ext uri="{FF2B5EF4-FFF2-40B4-BE49-F238E27FC236}">
-                <a16:creationId xmlns:a16="http://schemas.microsoft.com/office/drawing/2014/main" id="{49DBAFF7-C5F7-4D23-9ADE-41CA0B19D918}"/>
-              </a:ext>
-            </a:extLst>
-          </p:cNvPr>
-          <p:cNvSpPr>
-            <a:spLocks noGrp="1"/>
-          </p:cNvSpPr>
-          <p:nvPr>
-            <p:ph type="title"/>
-          </p:nvPr>
-        </p:nvSpPr>
-        <p:spPr/>
-        <p:txBody>
-          <a:bodyPr/>
-          <a:lstStyle/>
-          <a:p>
-            <a:r>
-              <a:rPr lang="en-US" dirty="0">
-                <a:solidFill>
-                  <a:schemeClr val="tx1"/>
-                </a:solidFill>
-                <a:effectLst>
-                  <a:outerShdw blurRad="50800" dist="38100" dir="2700000" algn="tl" rotWithShape="0">
-                    <a:prstClr val="black">
-                      <a:alpha val="40000"/>
-                    </a:prstClr>
-                  </a:outerShdw>
-                </a:effectLst>
-              </a:rPr>
-              <a:t>What is the Document Object Model (DOM)?</a:t>
-            </a:r>
-          </a:p>
-        </p:txBody>
-      </p:sp>
-      <p:sp>
-        <p:nvSpPr>
-          <p:cNvPr id="3" name="Content Placeholder 2">
-            <a:extLst>
-              <a:ext uri="{FF2B5EF4-FFF2-40B4-BE49-F238E27FC236}">
-                <a16:creationId xmlns:a16="http://schemas.microsoft.com/office/drawing/2014/main" id="{3E67B693-50FA-420C-B136-F7D4BE11EFF7}"/>
-              </a:ext>
-            </a:extLst>
-          </p:cNvPr>
-          <p:cNvSpPr>
-            <a:spLocks noGrp="1"/>
-          </p:cNvSpPr>
-          <p:nvPr>
-            <p:ph idx="1"/>
-          </p:nvPr>
-        </p:nvSpPr>
-        <p:spPr>
-          <a:xfrm>
-            <a:off x="645130" y="2052918"/>
-            <a:ext cx="10476526" cy="4195481"/>
-          </a:xfrm>
-        </p:spPr>
-        <p:txBody>
-          <a:bodyPr>
-            <a:normAutofit fontScale="92500" lnSpcReduction="10000"/>
-          </a:bodyPr>
-          <a:lstStyle/>
-          <a:p>
-            <a:r>
-              <a:rPr lang="en-US" dirty="0">
-                <a:effectLst/>
-              </a:rPr>
-              <a:t>It is a representation of the HTML that makes up the web page</a:t>
-            </a:r>
-          </a:p>
-          <a:p>
-            <a:r>
-              <a:rPr lang="en-US" dirty="0">
-                <a:effectLst/>
-              </a:rPr>
-              <a:t>When a web page is loaded, the following happens:</a:t>
-            </a:r>
-          </a:p>
-          <a:p>
-            <a:pPr lvl="1"/>
-            <a:r>
-              <a:rPr lang="en-US" dirty="0">
-                <a:effectLst/>
-              </a:rPr>
-              <a:t>The JavaScript engine analyzes the HTML</a:t>
-            </a:r>
-          </a:p>
-          <a:p>
-            <a:pPr lvl="1"/>
-            <a:r>
-              <a:rPr lang="en-US" dirty="0">
-                <a:effectLst/>
-              </a:rPr>
-              <a:t>The JavaScript converts the HTML into an internal format</a:t>
-            </a:r>
-            <a:br>
-              <a:rPr lang="en-US" dirty="0">
-                <a:effectLst/>
-              </a:rPr>
-            </a:br>
-            <a:r>
-              <a:rPr lang="en-US" dirty="0">
-                <a:effectLst/>
-              </a:rPr>
-              <a:t>that the runtime environment can actually run.</a:t>
-            </a:r>
-          </a:p>
-          <a:p>
-            <a:pPr lvl="2"/>
-            <a:r>
-              <a:rPr lang="en-US" dirty="0">
-                <a:effectLst/>
-              </a:rPr>
-              <a:t>This internal format is called the DOM tree. </a:t>
-            </a:r>
-          </a:p>
-          <a:p>
-            <a:pPr lvl="2"/>
-            <a:r>
-              <a:rPr lang="en-US" dirty="0">
-                <a:effectLst/>
-              </a:rPr>
-              <a:t>The act of analyzing and converting is called parsing the document.</a:t>
-            </a:r>
-          </a:p>
-          <a:p>
-            <a:pPr lvl="1"/>
-            <a:r>
-              <a:rPr lang="en-US" dirty="0">
-                <a:effectLst/>
-              </a:rPr>
-              <a:t>The browser then builds up a model of the document’s structure</a:t>
-            </a:r>
-          </a:p>
-          <a:p>
-            <a:pPr lvl="1"/>
-            <a:r>
-              <a:rPr lang="en-US" dirty="0">
-                <a:effectLst/>
-              </a:rPr>
-              <a:t>The browser then uses the model to draw the page on the screen</a:t>
-            </a:r>
-          </a:p>
-          <a:p>
-            <a:r>
-              <a:rPr lang="en-US" dirty="0">
-                <a:effectLst/>
-              </a:rPr>
-              <a:t>The model of the document is a live data structure that you can read from and change</a:t>
-            </a:r>
-          </a:p>
-          <a:p>
-            <a:pPr lvl="1"/>
-            <a:r>
-              <a:rPr lang="en-US" dirty="0">
-                <a:effectLst/>
-              </a:rPr>
-              <a:t>When it is modified, the page on the screen is updated to reflect the changes</a:t>
-            </a:r>
-          </a:p>
-        </p:txBody>
-      </p:sp>
-    </p:spTree>
-    <p:extLst>
-      <p:ext uri="{BB962C8B-B14F-4D97-AF65-F5344CB8AC3E}">
-        <p14:creationId xmlns:p14="http://schemas.microsoft.com/office/powerpoint/2010/main" val="2120128148"/>
-      </p:ext>
-    </p:extLst>
-  </p:cSld>
-  <p:clrMapOvr>
-    <a:masterClrMapping/>
-  </p:clrMapOvr>
-</p:sld>
-</file>
-
-<file path=ppt/slides/slide20.xml><?xml version="1.0" encoding="utf-8"?>
-<p:sld xmlns:a="http://schemas.openxmlformats.org/drawingml/2006/main" xmlns:r="http://schemas.openxmlformats.org/officeDocument/2006/relationships" xmlns:p="http://schemas.openxmlformats.org/presentationml/2006/main">
-  <p:cSld>
-    <p:bg>
-      <p:bgPr>
-        <a:gradFill>
-          <a:gsLst>
-            <a:gs pos="0">
-              <a:schemeClr val="accent1">
-                <a:lumMod val="75000"/>
-              </a:schemeClr>
-            </a:gs>
-            <a:gs pos="74000">
-              <a:schemeClr val="accent1">
-                <a:lumMod val="45000"/>
-                <a:lumOff val="55000"/>
-              </a:schemeClr>
-            </a:gs>
-            <a:gs pos="83000">
-              <a:schemeClr val="accent1">
-                <a:lumMod val="45000"/>
-                <a:lumOff val="55000"/>
-              </a:schemeClr>
-            </a:gs>
-            <a:gs pos="100000">
-              <a:schemeClr val="accent1">
-                <a:lumMod val="30000"/>
-                <a:lumOff val="70000"/>
-              </a:schemeClr>
-            </a:gs>
-          </a:gsLst>
-          <a:lin ang="5400000" scaled="1"/>
-        </a:gradFill>
-        <a:effectLst/>
-      </p:bgPr>
-    </p:bg>
-    <p:spTree>
-      <p:nvGrpSpPr>
-        <p:cNvPr id="1" name=""/>
-        <p:cNvGrpSpPr/>
-        <p:nvPr/>
-      </p:nvGrpSpPr>
-      <p:grpSpPr>
-        <a:xfrm>
-          <a:off x="0" y="0"/>
-          <a:ext cx="0" cy="0"/>
-          <a:chOff x="0" y="0"/>
-          <a:chExt cx="0" cy="0"/>
-        </a:xfrm>
-      </p:grpSpPr>
-      <p:sp>
-        <p:nvSpPr>
-          <p:cNvPr id="2" name="Title 1">
-            <a:extLst>
-              <a:ext uri="{FF2B5EF4-FFF2-40B4-BE49-F238E27FC236}">
-                <a16:creationId xmlns:a16="http://schemas.microsoft.com/office/drawing/2014/main" id="{1D0E05F4-5DFA-4E86-9599-4C2823B57DDF}"/>
-              </a:ext>
-            </a:extLst>
-          </p:cNvPr>
-          <p:cNvSpPr>
-            <a:spLocks noGrp="1"/>
-          </p:cNvSpPr>
-          <p:nvPr>
-            <p:ph type="title"/>
-          </p:nvPr>
-        </p:nvSpPr>
-        <p:spPr/>
-        <p:txBody>
-          <a:bodyPr/>
-          <a:lstStyle/>
-          <a:p>
-            <a:r>
-              <a:rPr lang="en-US" dirty="0" err="1"/>
-              <a:t>querySelectorAll</a:t>
-            </a:r>
-            <a:r>
-              <a:rPr lang="en-US" dirty="0"/>
-              <a:t> - example</a:t>
-            </a:r>
-          </a:p>
-        </p:txBody>
-      </p:sp>
-      <p:pic>
-        <p:nvPicPr>
-          <p:cNvPr id="4" name="Content Placeholder 3">
-            <a:extLst>
-              <a:ext uri="{FF2B5EF4-FFF2-40B4-BE49-F238E27FC236}">
-                <a16:creationId xmlns:a16="http://schemas.microsoft.com/office/drawing/2014/main" id="{4C4E445A-BC94-4FDC-BA72-CB888B76C362}"/>
-              </a:ext>
-            </a:extLst>
-          </p:cNvPr>
-          <p:cNvPicPr>
-            <a:picLocks noGrp="1" noChangeAspect="1"/>
-          </p:cNvPicPr>
-          <p:nvPr>
-            <p:ph idx="1"/>
-          </p:nvPr>
-        </p:nvPicPr>
-        <p:blipFill>
-          <a:blip r:embed="rId2"/>
-          <a:stretch>
-            <a:fillRect/>
-          </a:stretch>
-        </p:blipFill>
-        <p:spPr>
-          <a:xfrm>
-            <a:off x="2651124" y="2052638"/>
-            <a:ext cx="5851527" cy="4195762"/>
-          </a:xfrm>
-          <a:prstGeom prst="rect">
-            <a:avLst/>
-          </a:prstGeom>
-        </p:spPr>
-      </p:pic>
-    </p:spTree>
-    <p:extLst>
-      <p:ext uri="{BB962C8B-B14F-4D97-AF65-F5344CB8AC3E}">
-        <p14:creationId xmlns:p14="http://schemas.microsoft.com/office/powerpoint/2010/main" val="2384717887"/>
-      </p:ext>
-    </p:extLst>
-  </p:cSld>
-  <p:clrMapOvr>
-    <a:masterClrMapping/>
-  </p:clrMapOvr>
-</p:sld>
-</file>
-
-<file path=ppt/slides/slide21.xml><?xml version="1.0" encoding="utf-8"?>
-<p:sld xmlns:a="http://schemas.openxmlformats.org/drawingml/2006/main" xmlns:r="http://schemas.openxmlformats.org/officeDocument/2006/relationships" xmlns:p="http://schemas.openxmlformats.org/presentationml/2006/main">
-  <p:cSld>
-    <p:bg>
-      <p:bgPr>
-        <a:gradFill>
-          <a:gsLst>
-            <a:gs pos="0">
-              <a:schemeClr val="accent1">
-                <a:lumMod val="75000"/>
-              </a:schemeClr>
-            </a:gs>
-            <a:gs pos="74000">
-              <a:schemeClr val="accent1">
-                <a:lumMod val="45000"/>
-                <a:lumOff val="55000"/>
-              </a:schemeClr>
-            </a:gs>
-            <a:gs pos="83000">
-              <a:schemeClr val="accent1">
-                <a:lumMod val="45000"/>
-                <a:lumOff val="55000"/>
-              </a:schemeClr>
-            </a:gs>
-            <a:gs pos="100000">
-              <a:schemeClr val="accent1">
-                <a:lumMod val="30000"/>
-                <a:lumOff val="70000"/>
-              </a:schemeClr>
-            </a:gs>
-          </a:gsLst>
-          <a:lin ang="5400000" scaled="1"/>
-        </a:gradFill>
-        <a:effectLst/>
-      </p:bgPr>
-    </p:bg>
-    <p:spTree>
-      <p:nvGrpSpPr>
-        <p:cNvPr id="1" name=""/>
-        <p:cNvGrpSpPr/>
-        <p:nvPr/>
-      </p:nvGrpSpPr>
-      <p:grpSpPr>
-        <a:xfrm>
-          <a:off x="0" y="0"/>
-          <a:ext cx="0" cy="0"/>
-          <a:chOff x="0" y="0"/>
-          <a:chExt cx="0" cy="0"/>
-        </a:xfrm>
-      </p:grpSpPr>
-      <p:sp>
-        <p:nvSpPr>
-          <p:cNvPr id="2" name="Title 1">
-            <a:extLst>
-              <a:ext uri="{FF2B5EF4-FFF2-40B4-BE49-F238E27FC236}">
-                <a16:creationId xmlns:a16="http://schemas.microsoft.com/office/drawing/2014/main" id="{59F292A3-DB51-4D2C-A132-2E2871ADCBE4}"/>
-              </a:ext>
-            </a:extLst>
-          </p:cNvPr>
-          <p:cNvSpPr>
-            <a:spLocks noGrp="1"/>
-          </p:cNvSpPr>
-          <p:nvPr>
-            <p:ph type="title"/>
-          </p:nvPr>
-        </p:nvSpPr>
-        <p:spPr/>
-        <p:txBody>
-          <a:bodyPr/>
-          <a:lstStyle/>
-          <a:p>
-            <a:r>
-              <a:rPr lang="en-US" dirty="0"/>
-              <a:t>Attributes and Text Content</a:t>
-            </a:r>
-          </a:p>
-        </p:txBody>
-      </p:sp>
-      <p:sp>
-        <p:nvSpPr>
-          <p:cNvPr id="3" name="Content Placeholder 2">
-            <a:extLst>
-              <a:ext uri="{FF2B5EF4-FFF2-40B4-BE49-F238E27FC236}">
-                <a16:creationId xmlns:a16="http://schemas.microsoft.com/office/drawing/2014/main" id="{A04FCB33-75E7-424D-AAFC-8D106A7568D2}"/>
-              </a:ext>
-            </a:extLst>
-          </p:cNvPr>
-          <p:cNvSpPr>
-            <a:spLocks noGrp="1"/>
-          </p:cNvSpPr>
-          <p:nvPr>
-            <p:ph idx="1"/>
-          </p:nvPr>
-        </p:nvSpPr>
-        <p:spPr/>
-        <p:txBody>
-          <a:bodyPr/>
-          <a:lstStyle/>
-          <a:p>
-            <a:r>
-              <a:rPr lang="en-US" dirty="0"/>
-              <a:t>Some element attributes, such as </a:t>
-            </a:r>
-            <a:r>
-              <a:rPr lang="en-US" dirty="0" err="1"/>
-              <a:t>href</a:t>
-            </a:r>
-            <a:r>
-              <a:rPr lang="en-US" dirty="0"/>
-              <a:t>, can be accessed through a property of the same name on the element’s DOM object</a:t>
-            </a:r>
-          </a:p>
-          <a:p>
-            <a:pPr lvl="1"/>
-            <a:r>
-              <a:rPr lang="en-US" dirty="0"/>
-              <a:t>True for a limited set of commonly used standard attributes</a:t>
-            </a:r>
-          </a:p>
-          <a:p>
-            <a:r>
-              <a:rPr lang="en-US" dirty="0"/>
-              <a:t>BUT HTML allows you to set any attribute you want on nodes</a:t>
-            </a:r>
-          </a:p>
-          <a:p>
-            <a:pPr lvl="1"/>
-            <a:r>
-              <a:rPr lang="en-US" dirty="0"/>
-              <a:t>This allows you to store extra information in a document</a:t>
-            </a:r>
-          </a:p>
-          <a:p>
-            <a:r>
-              <a:rPr lang="en-US" dirty="0"/>
-              <a:t>Made-up attributes will not be present as a property on the element’s node</a:t>
-            </a:r>
-          </a:p>
-          <a:p>
-            <a:pPr lvl="1"/>
-            <a:r>
-              <a:rPr lang="en-US" dirty="0"/>
-              <a:t>Use the </a:t>
-            </a:r>
-            <a:r>
-              <a:rPr lang="en-US" dirty="0" err="1"/>
-              <a:t>getAttribute</a:t>
-            </a:r>
-            <a:r>
-              <a:rPr lang="en-US" dirty="0"/>
-              <a:t> and </a:t>
-            </a:r>
-            <a:r>
-              <a:rPr lang="en-US" dirty="0" err="1"/>
-              <a:t>setAttribute</a:t>
-            </a:r>
-            <a:r>
-              <a:rPr lang="en-US" dirty="0"/>
-              <a:t> methods to work with them</a:t>
-            </a:r>
-          </a:p>
-          <a:p>
-            <a:pPr lvl="1"/>
-            <a:r>
-              <a:rPr lang="en-US" dirty="0"/>
-              <a:t>It is recommended to prefix such made-up attributes with data- to ensure they do not conflict with any other attributes</a:t>
-            </a:r>
-          </a:p>
-        </p:txBody>
-      </p:sp>
-    </p:spTree>
-    <p:extLst>
-      <p:ext uri="{BB962C8B-B14F-4D97-AF65-F5344CB8AC3E}">
-        <p14:creationId xmlns:p14="http://schemas.microsoft.com/office/powerpoint/2010/main" val="3984973136"/>
-      </p:ext>
-    </p:extLst>
-  </p:cSld>
-  <p:clrMapOvr>
-    <a:masterClrMapping/>
-  </p:clrMapOvr>
-</p:sld>
-</file>
-
-<file path=ppt/slides/slide3.xml><?xml version="1.0" encoding="utf-8"?>
-<p:sld xmlns:a="http://schemas.openxmlformats.org/drawingml/2006/main" xmlns:r="http://schemas.openxmlformats.org/officeDocument/2006/relationships" xmlns:p="http://schemas.openxmlformats.org/presentationml/2006/main">
-  <p:cSld>
-    <p:bg>
-      <p:bgPr>
-        <a:gradFill>
-          <a:gsLst>
-            <a:gs pos="0">
-              <a:schemeClr val="accent1">
-                <a:lumMod val="75000"/>
-              </a:schemeClr>
-            </a:gs>
-            <a:gs pos="97000">
-              <a:schemeClr val="accent1">
-                <a:lumMod val="45000"/>
-                <a:lumOff val="55000"/>
-              </a:schemeClr>
-            </a:gs>
-            <a:gs pos="100000">
-              <a:schemeClr val="accent1">
-                <a:lumMod val="45000"/>
-                <a:lumOff val="55000"/>
-              </a:schemeClr>
-            </a:gs>
-            <a:gs pos="100000">
-              <a:schemeClr val="accent1">
-                <a:lumMod val="30000"/>
-                <a:lumOff val="70000"/>
-              </a:schemeClr>
-            </a:gs>
-          </a:gsLst>
-          <a:lin ang="5400000" scaled="1"/>
-        </a:gradFill>
-        <a:effectLst/>
-      </p:bgPr>
-    </p:bg>
-    <p:spTree>
-      <p:nvGrpSpPr>
-        <p:cNvPr id="1" name=""/>
-        <p:cNvGrpSpPr/>
-        <p:nvPr/>
-      </p:nvGrpSpPr>
-      <p:grpSpPr>
-        <a:xfrm>
-          <a:off x="0" y="0"/>
-          <a:ext cx="0" cy="0"/>
-          <a:chOff x="0" y="0"/>
-          <a:chExt cx="0" cy="0"/>
-        </a:xfrm>
-      </p:grpSpPr>
-      <p:sp>
-        <p:nvSpPr>
-          <p:cNvPr id="2" name="Title 1">
-            <a:extLst>
-              <a:ext uri="{FF2B5EF4-FFF2-40B4-BE49-F238E27FC236}">
-                <a16:creationId xmlns:a16="http://schemas.microsoft.com/office/drawing/2014/main" id="{B0B14238-9C7F-4FA2-B830-8AFD28B8C674}"/>
-              </a:ext>
-            </a:extLst>
-          </p:cNvPr>
-          <p:cNvSpPr>
-            <a:spLocks noGrp="1"/>
-          </p:cNvSpPr>
-          <p:nvPr>
-            <p:ph type="title"/>
-          </p:nvPr>
-        </p:nvSpPr>
-        <p:spPr>
-          <a:xfrm>
-            <a:off x="1145980" y="1143000"/>
-            <a:ext cx="5092906" cy="1866014"/>
-          </a:xfrm>
-        </p:spPr>
-        <p:txBody>
-          <a:bodyPr>
-            <a:normAutofit fontScale="90000"/>
-          </a:bodyPr>
-          <a:lstStyle/>
-          <a:p>
-            <a:r>
-              <a:rPr lang="en-US" sz="2400" dirty="0"/>
-              <a:t>An HTML document is like a series of nested boxes. Tags such as &lt;body&gt; and &lt;/body&gt; enclose other tags, which in turn contain other tags or text.</a:t>
-            </a:r>
-          </a:p>
-        </p:txBody>
-      </p:sp>
-      <p:pic>
-        <p:nvPicPr>
-          <p:cNvPr id="12" name="Picture Placeholder 11">
-            <a:extLst>
-              <a:ext uri="{FF2B5EF4-FFF2-40B4-BE49-F238E27FC236}">
-                <a16:creationId xmlns:a16="http://schemas.microsoft.com/office/drawing/2014/main" id="{806BF373-8AC6-44F7-85BE-A3F642888CBC}"/>
-              </a:ext>
-            </a:extLst>
-          </p:cNvPr>
-          <p:cNvPicPr>
-            <a:picLocks noGrp="1" noChangeAspect="1"/>
-          </p:cNvPicPr>
-          <p:nvPr>
-            <p:ph type="pic" idx="1"/>
-          </p:nvPr>
-        </p:nvPicPr>
-        <p:blipFill>
-          <a:blip r:embed="rId2"/>
-          <a:srcRect l="313" r="313"/>
-          <a:stretch>
-            <a:fillRect/>
-          </a:stretch>
-        </p:blipFill>
-        <p:spPr>
-          <a:xfrm>
-            <a:off x="6950075" y="1143000"/>
-            <a:ext cx="4095750" cy="4572000"/>
-          </a:xfrm>
-          <a:prstGeom prst="rect">
-            <a:avLst/>
-          </a:prstGeom>
-        </p:spPr>
-      </p:pic>
-      <p:pic>
-        <p:nvPicPr>
-          <p:cNvPr id="5" name="Picture 4">
-            <a:extLst>
-              <a:ext uri="{FF2B5EF4-FFF2-40B4-BE49-F238E27FC236}">
-                <a16:creationId xmlns:a16="http://schemas.microsoft.com/office/drawing/2014/main" id="{62BC1D03-AA72-45B4-BD6D-75526F4A4EA7}"/>
-              </a:ext>
-            </a:extLst>
-          </p:cNvPr>
-          <p:cNvPicPr>
-            <a:picLocks noChangeAspect="1"/>
-          </p:cNvPicPr>
-          <p:nvPr/>
-        </p:nvPicPr>
-        <p:blipFill>
-          <a:blip r:embed="rId3"/>
-          <a:stretch>
-            <a:fillRect/>
-          </a:stretch>
-        </p:blipFill>
-        <p:spPr>
-          <a:xfrm>
-            <a:off x="1379907" y="3657600"/>
-            <a:ext cx="4556158" cy="2057400"/>
-          </a:xfrm>
-          <a:prstGeom prst="rect">
-            <a:avLst/>
-          </a:prstGeom>
-        </p:spPr>
-      </p:pic>
-      <p:sp>
-        <p:nvSpPr>
-          <p:cNvPr id="4" name="Text Placeholder 3">
-            <a:extLst>
-              <a:ext uri="{FF2B5EF4-FFF2-40B4-BE49-F238E27FC236}">
-                <a16:creationId xmlns:a16="http://schemas.microsoft.com/office/drawing/2014/main" id="{EB87F9A1-9D24-4F40-A93A-F5CD85B84267}"/>
-              </a:ext>
-            </a:extLst>
-          </p:cNvPr>
-          <p:cNvSpPr>
-            <a:spLocks noGrp="1"/>
-          </p:cNvSpPr>
-          <p:nvPr>
-            <p:ph type="body" sz="half" idx="2"/>
-          </p:nvPr>
-        </p:nvSpPr>
-        <p:spPr>
-          <a:xfrm>
-            <a:off x="1145980" y="3636335"/>
-            <a:ext cx="5084979" cy="2057400"/>
-          </a:xfrm>
-        </p:spPr>
-        <p:txBody>
-          <a:bodyPr/>
-          <a:lstStyle/>
-          <a:p>
-            <a:endParaRPr lang="en-US" dirty="0"/>
-          </a:p>
-        </p:txBody>
-      </p:sp>
-    </p:spTree>
-    <p:extLst>
-      <p:ext uri="{BB962C8B-B14F-4D97-AF65-F5344CB8AC3E}">
-        <p14:creationId xmlns:p14="http://schemas.microsoft.com/office/powerpoint/2010/main" val="220680698"/>
-      </p:ext>
-    </p:extLst>
-  </p:cSld>
-  <p:clrMapOvr>
-    <a:masterClrMapping/>
-  </p:clrMapOvr>
-</p:sld>
-</file>
-
-<file path=ppt/slides/slide4.xml><?xml version="1.0" encoding="utf-8"?>
-<p:sld xmlns:a="http://schemas.openxmlformats.org/drawingml/2006/main" xmlns:r="http://schemas.openxmlformats.org/officeDocument/2006/relationships" xmlns:p="http://schemas.openxmlformats.org/presentationml/2006/main">
-  <p:cSld>
-    <p:bg>
-      <p:bgPr>
-        <a:gradFill>
-          <a:gsLst>
-            <a:gs pos="0">
-              <a:schemeClr val="accent1">
-                <a:lumMod val="75000"/>
-              </a:schemeClr>
-            </a:gs>
-            <a:gs pos="97000">
-              <a:schemeClr val="accent1">
-                <a:lumMod val="45000"/>
-                <a:lumOff val="55000"/>
-              </a:schemeClr>
-            </a:gs>
-            <a:gs pos="100000">
-              <a:schemeClr val="accent1">
-                <a:lumMod val="45000"/>
-                <a:lumOff val="55000"/>
-              </a:schemeClr>
-            </a:gs>
-            <a:gs pos="100000">
-              <a:schemeClr val="accent1">
-                <a:lumMod val="30000"/>
-                <a:lumOff val="70000"/>
-              </a:schemeClr>
-            </a:gs>
-          </a:gsLst>
-          <a:lin ang="5400000" scaled="1"/>
-        </a:gradFill>
-        <a:effectLst/>
-      </p:bgPr>
-    </p:bg>
-    <p:spTree>
-      <p:nvGrpSpPr>
-        <p:cNvPr id="1" name=""/>
-        <p:cNvGrpSpPr/>
-        <p:nvPr/>
-      </p:nvGrpSpPr>
-      <p:grpSpPr>
-        <a:xfrm>
-          <a:off x="0" y="0"/>
-          <a:ext cx="0" cy="0"/>
-          <a:chOff x="0" y="0"/>
-          <a:chExt cx="0" cy="0"/>
-        </a:xfrm>
-      </p:grpSpPr>
-      <p:sp>
-        <p:nvSpPr>
-          <p:cNvPr id="2" name="Title 1">
-            <a:extLst>
-              <a:ext uri="{FF2B5EF4-FFF2-40B4-BE49-F238E27FC236}">
-                <a16:creationId xmlns:a16="http://schemas.microsoft.com/office/drawing/2014/main" id="{433C1B78-F334-442C-9331-24E3E236AF4A}"/>
-              </a:ext>
-            </a:extLst>
-          </p:cNvPr>
-          <p:cNvSpPr>
-            <a:spLocks noGrp="1"/>
-          </p:cNvSpPr>
-          <p:nvPr>
-            <p:ph type="title"/>
-          </p:nvPr>
-        </p:nvSpPr>
-        <p:spPr/>
-        <p:txBody>
-          <a:bodyPr/>
-          <a:lstStyle/>
-          <a:p>
-            <a:r>
-              <a:rPr lang="en-US" dirty="0"/>
-              <a:t>What is the Document Object Model (DOM)? (cont’d)</a:t>
-            </a:r>
-          </a:p>
-        </p:txBody>
-      </p:sp>
-      <p:sp>
-        <p:nvSpPr>
-          <p:cNvPr id="3" name="Content Placeholder 2">
-            <a:extLst>
-              <a:ext uri="{FF2B5EF4-FFF2-40B4-BE49-F238E27FC236}">
-                <a16:creationId xmlns:a16="http://schemas.microsoft.com/office/drawing/2014/main" id="{D07E4ED4-F70C-48BB-B4AE-E3092B97912D}"/>
-              </a:ext>
-            </a:extLst>
-          </p:cNvPr>
-          <p:cNvSpPr>
-            <a:spLocks noGrp="1"/>
-          </p:cNvSpPr>
-          <p:nvPr>
-            <p:ph idx="1"/>
-          </p:nvPr>
-        </p:nvSpPr>
-        <p:spPr>
-          <a:xfrm>
-            <a:off x="645130" y="2052918"/>
-            <a:ext cx="10444628" cy="4195481"/>
-          </a:xfrm>
-        </p:spPr>
-        <p:txBody>
-          <a:bodyPr/>
-          <a:lstStyle/>
-          <a:p>
-            <a:r>
-              <a:rPr lang="en-US" dirty="0"/>
-              <a:t>The data structure the browser uses to represent the HTML document follows this nested box shape</a:t>
-            </a:r>
-          </a:p>
-          <a:p>
-            <a:r>
-              <a:rPr lang="en-US" dirty="0"/>
-              <a:t>For each box, there is an object with which we can interact to find out things such as:</a:t>
-            </a:r>
-          </a:p>
-          <a:p>
-            <a:pPr lvl="1"/>
-            <a:r>
-              <a:rPr lang="en-US" dirty="0"/>
-              <a:t>What HTML tag it represents</a:t>
-            </a:r>
-          </a:p>
-          <a:p>
-            <a:pPr lvl="1"/>
-            <a:r>
-              <a:rPr lang="en-US" dirty="0"/>
-              <a:t>Which boxes and text it contains</a:t>
-            </a:r>
-          </a:p>
-          <a:p>
-            <a:r>
-              <a:rPr lang="en-US" dirty="0"/>
-              <a:t>This representation is called the Document Object Model, or DOM, for short</a:t>
-            </a:r>
-          </a:p>
-          <a:p>
-            <a:r>
-              <a:rPr lang="en-US" dirty="0"/>
-              <a:t>The global variable </a:t>
-            </a:r>
-            <a:r>
-              <a:rPr lang="en-US" dirty="0">
-                <a:solidFill>
-                  <a:schemeClr val="bg1"/>
-                </a:solidFill>
-                <a:highlight>
-                  <a:srgbClr val="C0C0C0"/>
-                </a:highlight>
-              </a:rPr>
-              <a:t>document</a:t>
-            </a:r>
-            <a:r>
-              <a:rPr lang="en-US" dirty="0"/>
-              <a:t> gives us access to these objects</a:t>
-            </a:r>
-          </a:p>
-          <a:p>
-            <a:pPr lvl="1"/>
-            <a:r>
-              <a:rPr lang="en-US" dirty="0"/>
-              <a:t>Its </a:t>
-            </a:r>
-            <a:r>
-              <a:rPr lang="en-US" dirty="0" err="1">
-                <a:solidFill>
-                  <a:schemeClr val="bg1"/>
-                </a:solidFill>
-                <a:highlight>
-                  <a:srgbClr val="C0C0C0"/>
-                </a:highlight>
-              </a:rPr>
-              <a:t>documentElement</a:t>
-            </a:r>
-            <a:r>
-              <a:rPr lang="en-US" dirty="0"/>
-              <a:t> property refers to the object representing the HTML tag</a:t>
-            </a:r>
-          </a:p>
-          <a:p>
-            <a:pPr lvl="1"/>
-            <a:r>
-              <a:rPr lang="en-US" dirty="0"/>
-              <a:t>It also provides the properties </a:t>
-            </a:r>
-            <a:r>
-              <a:rPr lang="en-US" dirty="0">
-                <a:solidFill>
-                  <a:schemeClr val="bg1"/>
-                </a:solidFill>
-                <a:highlight>
-                  <a:srgbClr val="C0C0C0"/>
-                </a:highlight>
-              </a:rPr>
-              <a:t>head</a:t>
-            </a:r>
-            <a:r>
-              <a:rPr lang="en-US" dirty="0"/>
-              <a:t> and </a:t>
-            </a:r>
-            <a:r>
-              <a:rPr lang="en-US" dirty="0">
-                <a:solidFill>
-                  <a:schemeClr val="bg1"/>
-                </a:solidFill>
-                <a:highlight>
-                  <a:srgbClr val="C0C0C0"/>
-                </a:highlight>
-              </a:rPr>
-              <a:t>body</a:t>
-            </a:r>
-            <a:r>
-              <a:rPr lang="en-US" dirty="0"/>
-              <a:t>, which hold the objects for those elements</a:t>
-            </a:r>
-          </a:p>
-        </p:txBody>
-      </p:sp>
-    </p:spTree>
-    <p:extLst>
-      <p:ext uri="{BB962C8B-B14F-4D97-AF65-F5344CB8AC3E}">
-        <p14:creationId xmlns:p14="http://schemas.microsoft.com/office/powerpoint/2010/main" val="135501056"/>
-      </p:ext>
-    </p:extLst>
-  </p:cSld>
-  <p:clrMapOvr>
-    <a:masterClrMapping/>
-  </p:clrMapOvr>
-</p:sld>
-</file>
-
-<file path=ppt/slides/slide5.xml><?xml version="1.0" encoding="utf-8"?>
-<p:sld xmlns:a="http://schemas.openxmlformats.org/drawingml/2006/main" xmlns:r="http://schemas.openxmlformats.org/officeDocument/2006/relationships" xmlns:p="http://schemas.openxmlformats.org/presentationml/2006/main">
-  <p:cSld>
-    <p:bg>
-      <p:bgPr>
-        <a:gradFill>
-          <a:gsLst>
-            <a:gs pos="0">
-              <a:schemeClr val="accent1">
-                <a:lumMod val="75000"/>
-              </a:schemeClr>
-            </a:gs>
-            <a:gs pos="97000">
-              <a:schemeClr val="accent1">
-                <a:lumMod val="45000"/>
-                <a:lumOff val="55000"/>
-              </a:schemeClr>
-            </a:gs>
-            <a:gs pos="100000">
-              <a:schemeClr val="accent1">
-                <a:lumMod val="45000"/>
-                <a:lumOff val="55000"/>
-              </a:schemeClr>
-            </a:gs>
-            <a:gs pos="100000">
-              <a:schemeClr val="accent1">
-                <a:lumMod val="30000"/>
-                <a:lumOff val="70000"/>
-              </a:schemeClr>
-            </a:gs>
-          </a:gsLst>
-          <a:lin ang="5400000" scaled="1"/>
-        </a:gradFill>
-        <a:effectLst/>
-      </p:bgPr>
-    </p:bg>
-    <p:spTree>
-      <p:nvGrpSpPr>
-        <p:cNvPr id="1" name=""/>
-        <p:cNvGrpSpPr/>
-        <p:nvPr/>
-      </p:nvGrpSpPr>
-      <p:grpSpPr>
-        <a:xfrm>
-          <a:off x="0" y="0"/>
-          <a:ext cx="0" cy="0"/>
-          <a:chOff x="0" y="0"/>
-          <a:chExt cx="0" cy="0"/>
-        </a:xfrm>
-      </p:grpSpPr>
-      <p:sp>
-        <p:nvSpPr>
-          <p:cNvPr id="2" name="Title 1">
-            <a:extLst>
-              <a:ext uri="{FF2B5EF4-FFF2-40B4-BE49-F238E27FC236}">
-                <a16:creationId xmlns:a16="http://schemas.microsoft.com/office/drawing/2014/main" id="{BEB40535-72A7-4FE0-908A-6FA4DF4DD2B8}"/>
-              </a:ext>
-            </a:extLst>
-          </p:cNvPr>
-          <p:cNvSpPr>
-            <a:spLocks noGrp="1"/>
-          </p:cNvSpPr>
-          <p:nvPr>
-            <p:ph type="title"/>
-          </p:nvPr>
-        </p:nvSpPr>
-        <p:spPr/>
-        <p:txBody>
-          <a:bodyPr/>
-          <a:lstStyle/>
-          <a:p>
-            <a:r>
-              <a:rPr lang="en-US" dirty="0"/>
-              <a:t>Trees</a:t>
-            </a:r>
-          </a:p>
-        </p:txBody>
-      </p:sp>
-      <p:sp>
-        <p:nvSpPr>
-          <p:cNvPr id="3" name="Content Placeholder 2">
-            <a:extLst>
-              <a:ext uri="{FF2B5EF4-FFF2-40B4-BE49-F238E27FC236}">
-                <a16:creationId xmlns:a16="http://schemas.microsoft.com/office/drawing/2014/main" id="{C4286D64-92C4-4843-A46B-C845B0A5B354}"/>
-              </a:ext>
-            </a:extLst>
-          </p:cNvPr>
-          <p:cNvSpPr>
-            <a:spLocks noGrp="1"/>
-          </p:cNvSpPr>
-          <p:nvPr>
-            <p:ph idx="1"/>
-          </p:nvPr>
-        </p:nvSpPr>
-        <p:spPr/>
-        <p:txBody>
-          <a:bodyPr/>
-          <a:lstStyle/>
-          <a:p>
-            <a:r>
-              <a:rPr lang="en-US" dirty="0"/>
-              <a:t>A DOM is like a tree in that it is composed of many branches</a:t>
-            </a:r>
-          </a:p>
-          <a:p>
-            <a:pPr lvl="1"/>
-            <a:r>
-              <a:rPr lang="en-US" dirty="0"/>
-              <a:t>Each element is referred to as a node</a:t>
-            </a:r>
-          </a:p>
-          <a:p>
-            <a:pPr lvl="1"/>
-            <a:r>
-              <a:rPr lang="en-US" dirty="0"/>
-              <a:t>Each node may refer to other nodes, referred to as children, which in turn may have their own children</a:t>
-            </a:r>
-          </a:p>
-          <a:p>
-            <a:r>
-              <a:rPr lang="en-US" dirty="0"/>
-              <a:t>For a data structure to be a tree, it must have the following:</a:t>
-            </a:r>
-          </a:p>
-          <a:p>
-            <a:pPr lvl="1"/>
-            <a:r>
-              <a:rPr lang="en-US" dirty="0"/>
-              <a:t>A branching structure</a:t>
-            </a:r>
-          </a:p>
-          <a:p>
-            <a:pPr lvl="1"/>
-            <a:r>
-              <a:rPr lang="en-US" dirty="0"/>
-              <a:t>No cycles (a node may not contain itself, directly or indirectly)</a:t>
-            </a:r>
-          </a:p>
-          <a:p>
-            <a:pPr lvl="1"/>
-            <a:r>
-              <a:rPr lang="en-US" dirty="0"/>
-              <a:t>A single, well-defined root (the root of the DOM is </a:t>
-            </a:r>
-            <a:br>
-              <a:rPr lang="en-US" dirty="0"/>
-            </a:br>
-            <a:r>
-              <a:rPr lang="en-US" dirty="0" err="1">
-                <a:solidFill>
-                  <a:schemeClr val="bg1"/>
-                </a:solidFill>
-                <a:highlight>
-                  <a:srgbClr val="C0C0C0"/>
-                </a:highlight>
-              </a:rPr>
-              <a:t>document.documentElement</a:t>
-            </a:r>
-            <a:endParaRPr lang="en-US" dirty="0">
-              <a:solidFill>
-                <a:schemeClr val="bg1"/>
-              </a:solidFill>
-              <a:highlight>
-                <a:srgbClr val="C0C0C0"/>
-              </a:highlight>
-            </a:endParaRPr>
-          </a:p>
-        </p:txBody>
-      </p:sp>
-    </p:spTree>
-    <p:extLst>
-      <p:ext uri="{BB962C8B-B14F-4D97-AF65-F5344CB8AC3E}">
-        <p14:creationId xmlns:p14="http://schemas.microsoft.com/office/powerpoint/2010/main" val="616886538"/>
-      </p:ext>
-    </p:extLst>
-  </p:cSld>
-  <p:clrMapOvr>
-    <a:masterClrMapping/>
-  </p:clrMapOvr>
-</p:sld>
-</file>
-
-<file path=ppt/slides/slide6.xml><?xml version="1.0" encoding="utf-8"?>
-<p:sld xmlns:a="http://schemas.openxmlformats.org/drawingml/2006/main" xmlns:r="http://schemas.openxmlformats.org/officeDocument/2006/relationships" xmlns:p="http://schemas.openxmlformats.org/presentationml/2006/main">
-  <p:cSld>
-    <p:bg>
-      <p:bgPr>
-        <a:gradFill>
-          <a:gsLst>
-            <a:gs pos="0">
-              <a:schemeClr val="accent1">
-                <a:lumMod val="75000"/>
-              </a:schemeClr>
-            </a:gs>
-            <a:gs pos="97000">
-              <a:schemeClr val="accent1">
-                <a:lumMod val="45000"/>
-                <a:lumOff val="55000"/>
-              </a:schemeClr>
-            </a:gs>
-            <a:gs pos="100000">
-              <a:schemeClr val="accent1">
-                <a:lumMod val="45000"/>
-                <a:lumOff val="55000"/>
-              </a:schemeClr>
-            </a:gs>
-            <a:gs pos="100000">
-              <a:schemeClr val="accent1">
-                <a:lumMod val="30000"/>
-                <a:lumOff val="70000"/>
-              </a:schemeClr>
-            </a:gs>
-          </a:gsLst>
-          <a:lin ang="5400000" scaled="1"/>
-        </a:gradFill>
-        <a:effectLst/>
-      </p:bgPr>
-    </p:bg>
-    <p:spTree>
-      <p:nvGrpSpPr>
-        <p:cNvPr id="1" name=""/>
-        <p:cNvGrpSpPr/>
-        <p:nvPr/>
-      </p:nvGrpSpPr>
-      <p:grpSpPr>
-        <a:xfrm>
-          <a:off x="0" y="0"/>
-          <a:ext cx="0" cy="0"/>
-          <a:chOff x="0" y="0"/>
-          <a:chExt cx="0" cy="0"/>
-        </a:xfrm>
-      </p:grpSpPr>
-      <p:sp>
-        <p:nvSpPr>
-          <p:cNvPr id="2" name="Title 1">
-            <a:extLst>
-              <a:ext uri="{FF2B5EF4-FFF2-40B4-BE49-F238E27FC236}">
-                <a16:creationId xmlns:a16="http://schemas.microsoft.com/office/drawing/2014/main" id="{C6E4371E-D99F-43BE-9734-E137760C7A83}"/>
-              </a:ext>
-            </a:extLst>
-          </p:cNvPr>
-          <p:cNvSpPr>
-            <a:spLocks noGrp="1"/>
-          </p:cNvSpPr>
-          <p:nvPr>
-            <p:ph type="title"/>
-          </p:nvPr>
-        </p:nvSpPr>
-        <p:spPr/>
-        <p:txBody>
-          <a:bodyPr/>
-          <a:lstStyle/>
-          <a:p>
-            <a:r>
-              <a:rPr lang="en-US" dirty="0"/>
-              <a:t>Trees (cont’d)</a:t>
-            </a:r>
-          </a:p>
-        </p:txBody>
-      </p:sp>
-      <p:sp>
-        <p:nvSpPr>
-          <p:cNvPr id="3" name="Content Placeholder 2">
-            <a:extLst>
-              <a:ext uri="{FF2B5EF4-FFF2-40B4-BE49-F238E27FC236}">
-                <a16:creationId xmlns:a16="http://schemas.microsoft.com/office/drawing/2014/main" id="{487D44D3-97BD-43C1-9549-FFC5519B057F}"/>
-              </a:ext>
-            </a:extLst>
-          </p:cNvPr>
-          <p:cNvSpPr>
-            <a:spLocks noGrp="1"/>
-          </p:cNvSpPr>
-          <p:nvPr>
-            <p:ph sz="half" idx="1"/>
-          </p:nvPr>
-        </p:nvSpPr>
-        <p:spPr/>
-        <p:txBody>
-          <a:bodyPr/>
-          <a:lstStyle/>
-          <a:p>
-            <a:r>
-              <a:rPr lang="en-US" dirty="0"/>
-              <a:t>Nodes for regular elements, which represent HTML tags, determine the structure of the document</a:t>
-            </a:r>
-          </a:p>
-          <a:p>
-            <a:r>
-              <a:rPr lang="en-US" dirty="0"/>
-              <a:t>Those nodes can have child nodes. An example is </a:t>
-            </a:r>
-            <a:r>
-              <a:rPr lang="en-US" dirty="0" err="1">
-                <a:solidFill>
-                  <a:schemeClr val="bg1"/>
-                </a:solidFill>
-                <a:highlight>
-                  <a:srgbClr val="C0C0C0"/>
-                </a:highlight>
-              </a:rPr>
-              <a:t>document.body</a:t>
-            </a:r>
-            <a:endParaRPr lang="en-US" dirty="0">
-              <a:solidFill>
-                <a:schemeClr val="bg1"/>
-              </a:solidFill>
-              <a:highlight>
-                <a:srgbClr val="C0C0C0"/>
-              </a:highlight>
-            </a:endParaRPr>
-          </a:p>
-          <a:p>
-            <a:r>
-              <a:rPr lang="en-US" dirty="0"/>
-              <a:t>Some child nodes can be leaf nodes containing pieces of text or HTML comments</a:t>
-            </a:r>
-          </a:p>
-          <a:p>
-            <a:r>
-              <a:rPr lang="en-US" dirty="0"/>
-              <a:t>In the picture, the leaves are text nodes, and the arrows indicate parent-child relationships between nodes</a:t>
-            </a:r>
-          </a:p>
-        </p:txBody>
-      </p:sp>
-      <p:pic>
-        <p:nvPicPr>
-          <p:cNvPr id="5" name="Content Placeholder 4">
-            <a:extLst>
-              <a:ext uri="{FF2B5EF4-FFF2-40B4-BE49-F238E27FC236}">
-                <a16:creationId xmlns:a16="http://schemas.microsoft.com/office/drawing/2014/main" id="{F353E70E-F42F-469C-B7DD-EF4325B6A5D7}"/>
-              </a:ext>
-            </a:extLst>
-          </p:cNvPr>
-          <p:cNvPicPr>
-            <a:picLocks noGrp="1" noChangeAspect="1"/>
-          </p:cNvPicPr>
-          <p:nvPr>
-            <p:ph sz="half" idx="2"/>
-          </p:nvPr>
-        </p:nvPicPr>
-        <p:blipFill>
-          <a:blip r:embed="rId2"/>
-          <a:stretch>
-            <a:fillRect/>
-          </a:stretch>
-        </p:blipFill>
-        <p:spPr>
-          <a:xfrm>
-            <a:off x="5724953" y="2663720"/>
-            <a:ext cx="4395788" cy="2691760"/>
-          </a:xfrm>
-          <a:prstGeom prst="rect">
-            <a:avLst/>
-          </a:prstGeom>
-        </p:spPr>
-      </p:pic>
-    </p:spTree>
-    <p:extLst>
-      <p:ext uri="{BB962C8B-B14F-4D97-AF65-F5344CB8AC3E}">
-        <p14:creationId xmlns:p14="http://schemas.microsoft.com/office/powerpoint/2010/main" val="3727558411"/>
-      </p:ext>
-    </p:extLst>
-  </p:cSld>
-  <p:clrMapOvr>
-    <a:masterClrMapping/>
-  </p:clrMapOvr>
-</p:sld>
-</file>
-
-<file path=ppt/slides/slide7.xml><?xml version="1.0" encoding="utf-8"?>
-<p:sld xmlns:a="http://schemas.openxmlformats.org/drawingml/2006/main" xmlns:r="http://schemas.openxmlformats.org/officeDocument/2006/relationships" xmlns:p="http://schemas.openxmlformats.org/presentationml/2006/main">
-  <p:cSld>
-    <p:bg>
-      <p:bgPr>
-        <a:gradFill>
-          <a:gsLst>
-            <a:gs pos="0">
-              <a:schemeClr val="accent1">
-                <a:lumMod val="75000"/>
-              </a:schemeClr>
-            </a:gs>
-            <a:gs pos="97000">
-              <a:schemeClr val="accent1">
-                <a:lumMod val="45000"/>
-                <a:lumOff val="55000"/>
-              </a:schemeClr>
-            </a:gs>
-            <a:gs pos="100000">
-              <a:schemeClr val="accent1">
-                <a:lumMod val="45000"/>
-                <a:lumOff val="55000"/>
-              </a:schemeClr>
-            </a:gs>
-            <a:gs pos="100000">
-              <a:schemeClr val="accent1">
-                <a:lumMod val="30000"/>
-                <a:lumOff val="70000"/>
-              </a:schemeClr>
-            </a:gs>
-          </a:gsLst>
-          <a:lin ang="5400000" scaled="1"/>
-        </a:gradFill>
-        <a:effectLst/>
-      </p:bgPr>
-    </p:bg>
-    <p:spTree>
-      <p:nvGrpSpPr>
-        <p:cNvPr id="1" name=""/>
-        <p:cNvGrpSpPr/>
-        <p:nvPr/>
-      </p:nvGrpSpPr>
-      <p:grpSpPr>
-        <a:xfrm>
-          <a:off x="0" y="0"/>
-          <a:ext cx="0" cy="0"/>
-          <a:chOff x="0" y="0"/>
-          <a:chExt cx="0" cy="0"/>
-        </a:xfrm>
-      </p:grpSpPr>
-      <p:sp>
-        <p:nvSpPr>
-          <p:cNvPr id="2" name="Title 1">
-            <a:extLst>
-              <a:ext uri="{FF2B5EF4-FFF2-40B4-BE49-F238E27FC236}">
-                <a16:creationId xmlns:a16="http://schemas.microsoft.com/office/drawing/2014/main" id="{345E8175-EFF7-42FA-82B2-916DEBE8E8C5}"/>
-              </a:ext>
-            </a:extLst>
-          </p:cNvPr>
-          <p:cNvSpPr>
-            <a:spLocks noGrp="1"/>
-          </p:cNvSpPr>
-          <p:nvPr>
-            <p:ph type="title"/>
-          </p:nvPr>
-        </p:nvSpPr>
-        <p:spPr>
-          <a:xfrm>
-            <a:off x="646111" y="452718"/>
-            <a:ext cx="9404723" cy="759394"/>
-          </a:xfrm>
-        </p:spPr>
-        <p:txBody>
-          <a:bodyPr/>
-          <a:lstStyle/>
-          <a:p>
-            <a:r>
-              <a:rPr lang="en-US" dirty="0"/>
-              <a:t>Quiz Time!!!</a:t>
-            </a:r>
-          </a:p>
-        </p:txBody>
-      </p:sp>
-      <p:pic>
-        <p:nvPicPr>
-          <p:cNvPr id="9" name="Content Placeholder 8">
-            <a:extLst>
-              <a:ext uri="{FF2B5EF4-FFF2-40B4-BE49-F238E27FC236}">
-                <a16:creationId xmlns:a16="http://schemas.microsoft.com/office/drawing/2014/main" id="{305C1D8C-BCE8-4671-B6B0-3E78415AA552}"/>
-              </a:ext>
-            </a:extLst>
-          </p:cNvPr>
-          <p:cNvPicPr>
-            <a:picLocks noGrp="1" noChangeAspect="1"/>
-          </p:cNvPicPr>
-          <p:nvPr>
-            <p:ph idx="1"/>
-          </p:nvPr>
-        </p:nvPicPr>
-        <p:blipFill>
-          <a:blip r:embed="rId2"/>
-          <a:stretch>
-            <a:fillRect/>
-          </a:stretch>
-        </p:blipFill>
-        <p:spPr>
-          <a:xfrm>
-            <a:off x="1011800" y="1212850"/>
-            <a:ext cx="8672976" cy="2419350"/>
-          </a:xfrm>
-          <a:prstGeom prst="rect">
-            <a:avLst/>
-          </a:prstGeom>
-        </p:spPr>
-      </p:pic>
-      <p:sp>
-        <p:nvSpPr>
-          <p:cNvPr id="10" name="TextBox 9">
-            <a:extLst>
-              <a:ext uri="{FF2B5EF4-FFF2-40B4-BE49-F238E27FC236}">
-                <a16:creationId xmlns:a16="http://schemas.microsoft.com/office/drawing/2014/main" id="{DA07C276-87A2-4240-B21F-999CF9BA3FDD}"/>
-              </a:ext>
-            </a:extLst>
-          </p:cNvPr>
-          <p:cNvSpPr txBox="1"/>
-          <p:nvPr/>
-        </p:nvSpPr>
-        <p:spPr>
-          <a:xfrm>
-            <a:off x="1011800" y="3632200"/>
-            <a:ext cx="8672975" cy="2031325"/>
-          </a:xfrm>
-          <a:prstGeom prst="rect">
-            <a:avLst/>
-          </a:prstGeom>
-          <a:noFill/>
-        </p:spPr>
-        <p:txBody>
-          <a:bodyPr wrap="square" rtlCol="0">
-            <a:spAutoFit/>
-          </a:bodyPr>
-          <a:lstStyle/>
-          <a:p>
-            <a:endParaRPr lang="en-US" dirty="0"/>
-          </a:p>
-          <a:p>
-            <a:r>
-              <a:rPr lang="en-US" dirty="0"/>
-              <a:t>How many children does the body have?</a:t>
-            </a:r>
-          </a:p>
-          <a:p>
-            <a:r>
-              <a:rPr lang="en-US" dirty="0"/>
-              <a:t>How many root nodes are there?</a:t>
-            </a:r>
-          </a:p>
-          <a:p>
-            <a:r>
-              <a:rPr lang="en-US" dirty="0"/>
-              <a:t>Is DOCTYPE the root element?</a:t>
-            </a:r>
-          </a:p>
-          <a:p>
-            <a:r>
-              <a:rPr lang="en-US" dirty="0"/>
-              <a:t>Is the </a:t>
-            </a:r>
-            <a:r>
-              <a:rPr lang="en-US" dirty="0" err="1"/>
-              <a:t>img</a:t>
-            </a:r>
-            <a:r>
-              <a:rPr lang="en-US" dirty="0"/>
-              <a:t> element a node, given that it’s self closing?</a:t>
-            </a:r>
-          </a:p>
-          <a:p>
-            <a:r>
-              <a:rPr lang="en-US" dirty="0"/>
-              <a:t>Is the a node a child of anyone? If so, who?</a:t>
-            </a:r>
-          </a:p>
-          <a:p>
-            <a:r>
-              <a:rPr lang="en-US" dirty="0"/>
-              <a:t>How many total nodes are there in the tree?</a:t>
-            </a:r>
-          </a:p>
-        </p:txBody>
-      </p:sp>
-    </p:spTree>
-    <p:extLst>
-      <p:ext uri="{BB962C8B-B14F-4D97-AF65-F5344CB8AC3E}">
-        <p14:creationId xmlns:p14="http://schemas.microsoft.com/office/powerpoint/2010/main" val="3497845698"/>
-      </p:ext>
-    </p:extLst>
-  </p:cSld>
-  <p:clrMapOvr>
-    <a:masterClrMapping/>
-  </p:clrMapOvr>
-</p:sld>
-</file>
-
-<file path=ppt/slides/slide8.xml><?xml version="1.0" encoding="utf-8"?>
-<p:sld xmlns:a="http://schemas.openxmlformats.org/drawingml/2006/main" xmlns:r="http://schemas.openxmlformats.org/officeDocument/2006/relationships" xmlns:p="http://schemas.openxmlformats.org/presentationml/2006/main">
-  <p:cSld>
-    <p:bg>
-      <p:bgPr>
-        <a:gradFill>
-          <a:gsLst>
-            <a:gs pos="0">
-              <a:schemeClr val="accent1">
-                <a:lumMod val="75000"/>
-              </a:schemeClr>
-            </a:gs>
-            <a:gs pos="97000">
-              <a:schemeClr val="accent1">
-                <a:lumMod val="45000"/>
-                <a:lumOff val="55000"/>
-              </a:schemeClr>
-            </a:gs>
-            <a:gs pos="100000">
-              <a:schemeClr val="accent1">
-                <a:lumMod val="45000"/>
-                <a:lumOff val="55000"/>
-              </a:schemeClr>
-            </a:gs>
-            <a:gs pos="100000">
-              <a:schemeClr val="accent1">
-                <a:lumMod val="30000"/>
-                <a:lumOff val="70000"/>
-              </a:schemeClr>
-            </a:gs>
-          </a:gsLst>
-          <a:lin ang="5400000" scaled="1"/>
-        </a:gradFill>
-        <a:effectLst/>
-      </p:bgPr>
-    </p:bg>
-    <p:spTree>
-      <p:nvGrpSpPr>
-        <p:cNvPr id="1" name=""/>
-        <p:cNvGrpSpPr/>
-        <p:nvPr/>
-      </p:nvGrpSpPr>
-      <p:grpSpPr>
-        <a:xfrm>
-          <a:off x="0" y="0"/>
-          <a:ext cx="0" cy="0"/>
-          <a:chOff x="0" y="0"/>
-          <a:chExt cx="0" cy="0"/>
-        </a:xfrm>
-      </p:grpSpPr>
-      <p:sp>
-        <p:nvSpPr>
-          <p:cNvPr id="2" name="Title 1">
-            <a:extLst>
-              <a:ext uri="{FF2B5EF4-FFF2-40B4-BE49-F238E27FC236}">
-                <a16:creationId xmlns:a16="http://schemas.microsoft.com/office/drawing/2014/main" id="{A0720861-641D-4807-8777-B0120BA5D55B}"/>
-              </a:ext>
-            </a:extLst>
-          </p:cNvPr>
-          <p:cNvSpPr>
-            <a:spLocks noGrp="1"/>
-          </p:cNvSpPr>
-          <p:nvPr>
-            <p:ph type="title"/>
-          </p:nvPr>
-        </p:nvSpPr>
-        <p:spPr/>
-        <p:txBody>
-          <a:bodyPr/>
-          <a:lstStyle/>
-          <a:p>
-            <a:r>
-              <a:rPr lang="en-US" dirty="0"/>
-              <a:t>DOM Construction Order</a:t>
-            </a:r>
-          </a:p>
-        </p:txBody>
-      </p:sp>
-      <p:sp>
-        <p:nvSpPr>
-          <p:cNvPr id="3" name="Content Placeholder 2">
-            <a:extLst>
-              <a:ext uri="{FF2B5EF4-FFF2-40B4-BE49-F238E27FC236}">
-                <a16:creationId xmlns:a16="http://schemas.microsoft.com/office/drawing/2014/main" id="{81AB9AE7-38E5-4994-AA32-2A26BE6043DB}"/>
-              </a:ext>
-            </a:extLst>
-          </p:cNvPr>
-          <p:cNvSpPr>
-            <a:spLocks noGrp="1"/>
-          </p:cNvSpPr>
-          <p:nvPr>
-            <p:ph idx="1"/>
-          </p:nvPr>
-        </p:nvSpPr>
-        <p:spPr>
-          <a:xfrm>
-            <a:off x="1103312" y="2052919"/>
-            <a:ext cx="8946541" cy="1478222"/>
-          </a:xfrm>
-        </p:spPr>
-        <p:txBody>
-          <a:bodyPr/>
-          <a:lstStyle/>
-          <a:p>
-            <a:r>
-              <a:rPr lang="en-US" dirty="0"/>
-              <a:t>Once the HTML is parsed in the browser, the DOM gets constructed </a:t>
-            </a:r>
-            <a:r>
-              <a:rPr lang="en-US" i="1" dirty="0"/>
-              <a:t>depth first</a:t>
-            </a:r>
-            <a:r>
-              <a:rPr lang="en-US" dirty="0"/>
-              <a:t> from top to bottom</a:t>
-            </a:r>
-          </a:p>
-          <a:p>
-            <a:r>
-              <a:rPr lang="en-US" dirty="0"/>
-              <a:t>This means the browser starts at the top, then includes elements down and deeper into nested elements before going down</a:t>
-            </a:r>
-          </a:p>
-        </p:txBody>
-      </p:sp>
-      <p:pic>
-        <p:nvPicPr>
-          <p:cNvPr id="5" name="Picture 4">
-            <a:extLst>
-              <a:ext uri="{FF2B5EF4-FFF2-40B4-BE49-F238E27FC236}">
-                <a16:creationId xmlns:a16="http://schemas.microsoft.com/office/drawing/2014/main" id="{742BEB23-F960-4282-8800-223000DF3302}"/>
-              </a:ext>
-            </a:extLst>
-          </p:cNvPr>
-          <p:cNvPicPr>
-            <a:picLocks noChangeAspect="1"/>
-          </p:cNvPicPr>
-          <p:nvPr/>
-        </p:nvPicPr>
-        <p:blipFill>
-          <a:blip r:embed="rId2"/>
-          <a:stretch>
-            <a:fillRect/>
-          </a:stretch>
-        </p:blipFill>
-        <p:spPr>
-          <a:xfrm>
-            <a:off x="1103313" y="3654155"/>
-            <a:ext cx="4992688" cy="2253799"/>
-          </a:xfrm>
-          <a:prstGeom prst="rect">
-            <a:avLst/>
-          </a:prstGeom>
-        </p:spPr>
-      </p:pic>
-      <p:sp>
-        <p:nvSpPr>
-          <p:cNvPr id="6" name="TextBox 5">
-            <a:extLst>
-              <a:ext uri="{FF2B5EF4-FFF2-40B4-BE49-F238E27FC236}">
-                <a16:creationId xmlns:a16="http://schemas.microsoft.com/office/drawing/2014/main" id="{9F0924CA-3A16-4725-9014-E91F113DC942}"/>
-              </a:ext>
-            </a:extLst>
-          </p:cNvPr>
-          <p:cNvSpPr txBox="1"/>
-          <p:nvPr/>
-        </p:nvSpPr>
-        <p:spPr>
-          <a:xfrm>
-            <a:off x="6760723" y="3628417"/>
-            <a:ext cx="2898843" cy="2308324"/>
-          </a:xfrm>
-          <a:prstGeom prst="rect">
-            <a:avLst/>
-          </a:prstGeom>
-          <a:noFill/>
-        </p:spPr>
-        <p:txBody>
-          <a:bodyPr wrap="square" rtlCol="0">
-            <a:spAutoFit/>
-          </a:bodyPr>
-          <a:lstStyle/>
-          <a:p>
-            <a:r>
-              <a:rPr lang="en-US" dirty="0"/>
-              <a:t>html</a:t>
-            </a:r>
-          </a:p>
-          <a:p>
-            <a:r>
-              <a:rPr lang="en-US" dirty="0"/>
-              <a:t>--head</a:t>
-            </a:r>
-          </a:p>
-          <a:p>
-            <a:r>
-              <a:rPr lang="en-US" dirty="0"/>
-              <a:t>----title</a:t>
-            </a:r>
-          </a:p>
-          <a:p>
-            <a:r>
-              <a:rPr lang="en-US" dirty="0"/>
-              <a:t>--body</a:t>
-            </a:r>
-          </a:p>
-          <a:p>
-            <a:r>
-              <a:rPr lang="en-US" dirty="0"/>
-              <a:t>----h1</a:t>
-            </a:r>
-          </a:p>
-          <a:p>
-            <a:r>
-              <a:rPr lang="en-US" dirty="0"/>
-              <a:t>----p (first one)</a:t>
-            </a:r>
-          </a:p>
-          <a:p>
-            <a:r>
-              <a:rPr lang="en-US" dirty="0"/>
-              <a:t>----p (second one)</a:t>
-            </a:r>
-          </a:p>
-          <a:p>
-            <a:r>
-              <a:rPr lang="en-US" dirty="0"/>
-              <a:t>------a</a:t>
-            </a:r>
-          </a:p>
-        </p:txBody>
-      </p:sp>
-    </p:spTree>
-    <p:extLst>
-      <p:ext uri="{BB962C8B-B14F-4D97-AF65-F5344CB8AC3E}">
-        <p14:creationId xmlns:p14="http://schemas.microsoft.com/office/powerpoint/2010/main" val="3836352291"/>
-      </p:ext>
-    </p:extLst>
-  </p:cSld>
-  <p:clrMapOvr>
-    <a:masterClrMapping/>
-  </p:clrMapOvr>
-</p:sld>
-</file>
-
-<file path=ppt/slides/slide9.xml><?xml version="1.0" encoding="utf-8"?>
-<p:sld xmlns:a="http://schemas.openxmlformats.org/drawingml/2006/main" xmlns:r="http://schemas.openxmlformats.org/officeDocument/2006/relationships" xmlns:p="http://schemas.openxmlformats.org/presentationml/2006/main">
-  <p:cSld>
-    <p:bg>
-      <p:bgPr>
-        <a:gradFill>
-          <a:gsLst>
-            <a:gs pos="0">
-              <a:schemeClr val="accent1">
-                <a:lumMod val="75000"/>
-              </a:schemeClr>
-            </a:gs>
             <a:gs pos="97000">
               <a:schemeClr val="accent1">
                 <a:lumMod val="45000"/>
@@ -10247,6 +6929,6064 @@
 </p:sld>
 </file>
 
+<file path=ppt/slides/slide11.xml><?xml version="1.0" encoding="utf-8"?>
+<p:sld xmlns:a="http://schemas.openxmlformats.org/drawingml/2006/main" xmlns:r="http://schemas.openxmlformats.org/officeDocument/2006/relationships" xmlns:p="http://schemas.openxmlformats.org/presentationml/2006/main">
+  <p:cSld>
+    <p:bg>
+      <p:bgPr>
+        <a:gradFill>
+          <a:gsLst>
+            <a:gs pos="0">
+              <a:schemeClr val="accent1">
+                <a:lumMod val="75000"/>
+              </a:schemeClr>
+            </a:gs>
+            <a:gs pos="74000">
+              <a:schemeClr val="accent1">
+                <a:lumMod val="45000"/>
+                <a:lumOff val="55000"/>
+              </a:schemeClr>
+            </a:gs>
+            <a:gs pos="83000">
+              <a:schemeClr val="accent1">
+                <a:lumMod val="45000"/>
+                <a:lumOff val="55000"/>
+              </a:schemeClr>
+            </a:gs>
+            <a:gs pos="100000">
+              <a:schemeClr val="accent1">
+                <a:lumMod val="30000"/>
+                <a:lumOff val="70000"/>
+              </a:schemeClr>
+            </a:gs>
+          </a:gsLst>
+          <a:lin ang="5400000" scaled="1"/>
+        </a:gradFill>
+        <a:effectLst/>
+      </p:bgPr>
+    </p:bg>
+    <p:spTree>
+      <p:nvGrpSpPr>
+        <p:cNvPr id="1" name=""/>
+        <p:cNvGrpSpPr/>
+        <p:nvPr/>
+      </p:nvGrpSpPr>
+      <p:grpSpPr>
+        <a:xfrm>
+          <a:off x="0" y="0"/>
+          <a:ext cx="0" cy="0"/>
+          <a:chOff x="0" y="0"/>
+          <a:chExt cx="0" cy="0"/>
+        </a:xfrm>
+      </p:grpSpPr>
+      <p:sp>
+        <p:nvSpPr>
+          <p:cNvPr id="2" name="Title 1">
+            <a:extLst>
+              <a:ext uri="{FF2B5EF4-FFF2-40B4-BE49-F238E27FC236}">
+                <a16:creationId xmlns:a16="http://schemas.microsoft.com/office/drawing/2014/main" id="{36362683-110D-4D37-A0FD-449F37C1248A}"/>
+              </a:ext>
+            </a:extLst>
+          </p:cNvPr>
+          <p:cNvSpPr>
+            <a:spLocks noGrp="1"/>
+          </p:cNvSpPr>
+          <p:nvPr>
+            <p:ph type="title"/>
+          </p:nvPr>
+        </p:nvSpPr>
+        <p:spPr/>
+        <p:txBody>
+          <a:bodyPr/>
+          <a:lstStyle/>
+          <a:p>
+            <a:r>
+              <a:rPr lang="en-US" sz="4000" dirty="0"/>
+              <a:t>Why do we need to put the &lt;script&gt; tag at the end of the body?</a:t>
+            </a:r>
+          </a:p>
+        </p:txBody>
+      </p:sp>
+      <p:sp>
+        <p:nvSpPr>
+          <p:cNvPr id="3" name="Content Placeholder 2">
+            <a:extLst>
+              <a:ext uri="{FF2B5EF4-FFF2-40B4-BE49-F238E27FC236}">
+                <a16:creationId xmlns:a16="http://schemas.microsoft.com/office/drawing/2014/main" id="{A7F12E94-8AA8-48AC-A1A5-AAB227FF9C61}"/>
+              </a:ext>
+            </a:extLst>
+          </p:cNvPr>
+          <p:cNvSpPr>
+            <a:spLocks noGrp="1"/>
+          </p:cNvSpPr>
+          <p:nvPr>
+            <p:ph idx="1"/>
+          </p:nvPr>
+        </p:nvSpPr>
+        <p:spPr/>
+        <p:txBody>
+          <a:bodyPr/>
+          <a:lstStyle/>
+          <a:p>
+            <a:r>
+              <a:rPr lang="en-US" dirty="0"/>
+              <a:t>The DOM gets constructed from the top down</a:t>
+            </a:r>
+          </a:p>
+          <a:p>
+            <a:r>
+              <a:rPr lang="en-US" dirty="0"/>
+              <a:t>If a &lt;script&gt; tag is in the &lt;head&gt; element, the script will most likely be loaded and run before the rest of the DOM is constructed</a:t>
+            </a:r>
+          </a:p>
+          <a:p>
+            <a:r>
+              <a:rPr lang="en-US" dirty="0"/>
+              <a:t>If that &lt;script&gt; tag refers to an element in the DOM, that element will not be there when the script is run</a:t>
+            </a:r>
+          </a:p>
+        </p:txBody>
+      </p:sp>
+    </p:spTree>
+    <p:extLst>
+      <p:ext uri="{BB962C8B-B14F-4D97-AF65-F5344CB8AC3E}">
+        <p14:creationId xmlns:p14="http://schemas.microsoft.com/office/powerpoint/2010/main" val="2568367764"/>
+      </p:ext>
+    </p:extLst>
+  </p:cSld>
+  <p:clrMapOvr>
+    <a:masterClrMapping/>
+  </p:clrMapOvr>
+</p:sld>
+</file>
+
+<file path=ppt/slides/slide12.xml><?xml version="1.0" encoding="utf-8"?>
+<p:sld xmlns:a="http://schemas.openxmlformats.org/drawingml/2006/main" xmlns:r="http://schemas.openxmlformats.org/officeDocument/2006/relationships" xmlns:p="http://schemas.openxmlformats.org/presentationml/2006/main">
+  <p:cSld>
+    <p:bg>
+      <p:bgPr>
+        <a:gradFill>
+          <a:gsLst>
+            <a:gs pos="0">
+              <a:schemeClr val="accent1">
+                <a:lumMod val="75000"/>
+              </a:schemeClr>
+            </a:gs>
+            <a:gs pos="74000">
+              <a:schemeClr val="accent1">
+                <a:lumMod val="45000"/>
+                <a:lumOff val="55000"/>
+              </a:schemeClr>
+            </a:gs>
+            <a:gs pos="83000">
+              <a:schemeClr val="accent1">
+                <a:lumMod val="45000"/>
+                <a:lumOff val="55000"/>
+              </a:schemeClr>
+            </a:gs>
+            <a:gs pos="100000">
+              <a:schemeClr val="accent1">
+                <a:lumMod val="30000"/>
+                <a:lumOff val="70000"/>
+              </a:schemeClr>
+            </a:gs>
+          </a:gsLst>
+          <a:lin ang="5400000" scaled="1"/>
+        </a:gradFill>
+        <a:effectLst/>
+      </p:bgPr>
+    </p:bg>
+    <p:spTree>
+      <p:nvGrpSpPr>
+        <p:cNvPr id="1" name=""/>
+        <p:cNvGrpSpPr/>
+        <p:nvPr/>
+      </p:nvGrpSpPr>
+      <p:grpSpPr>
+        <a:xfrm>
+          <a:off x="0" y="0"/>
+          <a:ext cx="0" cy="0"/>
+          <a:chOff x="0" y="0"/>
+          <a:chExt cx="0" cy="0"/>
+        </a:xfrm>
+      </p:grpSpPr>
+      <p:sp>
+        <p:nvSpPr>
+          <p:cNvPr id="2" name="Title 1">
+            <a:extLst>
+              <a:ext uri="{FF2B5EF4-FFF2-40B4-BE49-F238E27FC236}">
+                <a16:creationId xmlns:a16="http://schemas.microsoft.com/office/drawing/2014/main" id="{9C4FCE38-7AB6-47FF-A501-A48552A67597}"/>
+              </a:ext>
+            </a:extLst>
+          </p:cNvPr>
+          <p:cNvSpPr>
+            <a:spLocks noGrp="1"/>
+          </p:cNvSpPr>
+          <p:nvPr>
+            <p:ph type="title"/>
+          </p:nvPr>
+        </p:nvSpPr>
+        <p:spPr>
+          <a:xfrm>
+            <a:off x="646111" y="452718"/>
+            <a:ext cx="9404723" cy="1116778"/>
+          </a:xfrm>
+        </p:spPr>
+        <p:txBody>
+          <a:bodyPr/>
+          <a:lstStyle/>
+          <a:p>
+            <a:r>
+              <a:rPr lang="en-US" dirty="0"/>
+              <a:t>Let’s test it! First in the head…</a:t>
+            </a:r>
+          </a:p>
+        </p:txBody>
+      </p:sp>
+      <p:pic>
+        <p:nvPicPr>
+          <p:cNvPr id="1028" name="Picture 4" descr="https://ucarecdn.com/7cf60a47-54e9-4b8d-9164-fbd3dbefeca9/">
+            <a:extLst>
+              <a:ext uri="{FF2B5EF4-FFF2-40B4-BE49-F238E27FC236}">
+                <a16:creationId xmlns:a16="http://schemas.microsoft.com/office/drawing/2014/main" id="{F9DAE6B9-282D-4A5C-9647-8FAE441E67C0}"/>
+              </a:ext>
+            </a:extLst>
+          </p:cNvPr>
+          <p:cNvPicPr>
+            <a:picLocks noGrp="1" noChangeAspect="1" noChangeArrowheads="1"/>
+          </p:cNvPicPr>
+          <p:nvPr>
+            <p:ph idx="1"/>
+          </p:nvPr>
+        </p:nvPicPr>
+        <p:blipFill>
+          <a:blip r:embed="rId2">
+            <a:extLst>
+              <a:ext uri="{28A0092B-C50C-407E-A947-70E740481C1C}">
+                <a14:useLocalDpi xmlns:a14="http://schemas.microsoft.com/office/drawing/2010/main" val="0"/>
+              </a:ext>
+            </a:extLst>
+          </a:blip>
+          <a:srcRect/>
+          <a:stretch>
+            <a:fillRect/>
+          </a:stretch>
+        </p:blipFill>
+        <p:spPr bwMode="auto">
+          <a:xfrm>
+            <a:off x="1103312" y="1569496"/>
+            <a:ext cx="7106409" cy="2836946"/>
+          </a:xfrm>
+          <a:prstGeom prst="rect">
+            <a:avLst/>
+          </a:prstGeom>
+          <a:noFill/>
+          <a:extLst>
+            <a:ext uri="{909E8E84-426E-40DD-AFC4-6F175D3DCCD1}">
+              <a14:hiddenFill xmlns:a14="http://schemas.microsoft.com/office/drawing/2010/main">
+                <a:solidFill>
+                  <a:srgbClr val="FFFFFF"/>
+                </a:solidFill>
+              </a14:hiddenFill>
+            </a:ext>
+          </a:extLst>
+        </p:spPr>
+      </p:pic>
+      <p:pic>
+        <p:nvPicPr>
+          <p:cNvPr id="9" name="Picture 8">
+            <a:extLst>
+              <a:ext uri="{FF2B5EF4-FFF2-40B4-BE49-F238E27FC236}">
+                <a16:creationId xmlns:a16="http://schemas.microsoft.com/office/drawing/2014/main" id="{37B5C956-6E7E-4D7E-A782-917FB53B58F0}"/>
+              </a:ext>
+            </a:extLst>
+          </p:cNvPr>
+          <p:cNvPicPr>
+            <a:picLocks noChangeAspect="1"/>
+          </p:cNvPicPr>
+          <p:nvPr/>
+        </p:nvPicPr>
+        <p:blipFill>
+          <a:blip r:embed="rId3"/>
+          <a:stretch>
+            <a:fillRect/>
+          </a:stretch>
+        </p:blipFill>
+        <p:spPr>
+          <a:xfrm>
+            <a:off x="1098377" y="4485955"/>
+            <a:ext cx="7106409" cy="1400530"/>
+          </a:xfrm>
+          <a:prstGeom prst="rect">
+            <a:avLst/>
+          </a:prstGeom>
+        </p:spPr>
+      </p:pic>
+    </p:spTree>
+    <p:extLst>
+      <p:ext uri="{BB962C8B-B14F-4D97-AF65-F5344CB8AC3E}">
+        <p14:creationId xmlns:p14="http://schemas.microsoft.com/office/powerpoint/2010/main" val="447977562"/>
+      </p:ext>
+    </p:extLst>
+  </p:cSld>
+  <p:clrMapOvr>
+    <a:masterClrMapping/>
+  </p:clrMapOvr>
+</p:sld>
+</file>
+
+<file path=ppt/slides/slide13.xml><?xml version="1.0" encoding="utf-8"?>
+<p:sld xmlns:a="http://schemas.openxmlformats.org/drawingml/2006/main" xmlns:r="http://schemas.openxmlformats.org/officeDocument/2006/relationships" xmlns:p="http://schemas.openxmlformats.org/presentationml/2006/main">
+  <p:cSld>
+    <p:bg>
+      <p:bgPr>
+        <a:gradFill>
+          <a:gsLst>
+            <a:gs pos="0">
+              <a:schemeClr val="accent1">
+                <a:lumMod val="75000"/>
+              </a:schemeClr>
+            </a:gs>
+            <a:gs pos="74000">
+              <a:schemeClr val="accent1">
+                <a:lumMod val="45000"/>
+                <a:lumOff val="55000"/>
+              </a:schemeClr>
+            </a:gs>
+            <a:gs pos="83000">
+              <a:schemeClr val="accent1">
+                <a:lumMod val="45000"/>
+                <a:lumOff val="55000"/>
+              </a:schemeClr>
+            </a:gs>
+            <a:gs pos="100000">
+              <a:schemeClr val="accent1">
+                <a:lumMod val="30000"/>
+                <a:lumOff val="70000"/>
+              </a:schemeClr>
+            </a:gs>
+          </a:gsLst>
+          <a:lin ang="5400000" scaled="1"/>
+        </a:gradFill>
+        <a:effectLst/>
+      </p:bgPr>
+    </p:bg>
+    <p:spTree>
+      <p:nvGrpSpPr>
+        <p:cNvPr id="1" name=""/>
+        <p:cNvGrpSpPr/>
+        <p:nvPr/>
+      </p:nvGrpSpPr>
+      <p:grpSpPr>
+        <a:xfrm>
+          <a:off x="0" y="0"/>
+          <a:ext cx="0" cy="0"/>
+          <a:chOff x="0" y="0"/>
+          <a:chExt cx="0" cy="0"/>
+        </a:xfrm>
+      </p:grpSpPr>
+      <p:sp>
+        <p:nvSpPr>
+          <p:cNvPr id="2" name="Title 1">
+            <a:extLst>
+              <a:ext uri="{FF2B5EF4-FFF2-40B4-BE49-F238E27FC236}">
+                <a16:creationId xmlns:a16="http://schemas.microsoft.com/office/drawing/2014/main" id="{B8B76384-E5EC-4B70-B6D1-CFF6871FCB73}"/>
+              </a:ext>
+            </a:extLst>
+          </p:cNvPr>
+          <p:cNvSpPr>
+            <a:spLocks noGrp="1"/>
+          </p:cNvSpPr>
+          <p:nvPr>
+            <p:ph type="title"/>
+          </p:nvPr>
+        </p:nvSpPr>
+        <p:spPr/>
+        <p:txBody>
+          <a:bodyPr/>
+          <a:lstStyle/>
+          <a:p>
+            <a:r>
+              <a:rPr lang="en-US" dirty="0"/>
+              <a:t>&lt;script&gt; tag in the head - result</a:t>
+            </a:r>
+          </a:p>
+        </p:txBody>
+      </p:sp>
+      <p:pic>
+        <p:nvPicPr>
+          <p:cNvPr id="2050" name="Picture 2" descr="https://ucarecdn.com/33509b0b-d105-4435-a850-0eda7a6b83b0/">
+            <a:extLst>
+              <a:ext uri="{FF2B5EF4-FFF2-40B4-BE49-F238E27FC236}">
+                <a16:creationId xmlns:a16="http://schemas.microsoft.com/office/drawing/2014/main" id="{96149D4B-C2C9-4E59-A8B1-233B68C23B38}"/>
+              </a:ext>
+            </a:extLst>
+          </p:cNvPr>
+          <p:cNvPicPr>
+            <a:picLocks noGrp="1" noChangeAspect="1" noChangeArrowheads="1"/>
+          </p:cNvPicPr>
+          <p:nvPr>
+            <p:ph idx="1"/>
+          </p:nvPr>
+        </p:nvPicPr>
+        <p:blipFill>
+          <a:blip r:embed="rId2">
+            <a:extLst>
+              <a:ext uri="{28A0092B-C50C-407E-A947-70E740481C1C}">
+                <a14:useLocalDpi xmlns:a14="http://schemas.microsoft.com/office/drawing/2010/main" val="0"/>
+              </a:ext>
+            </a:extLst>
+          </a:blip>
+          <a:srcRect/>
+          <a:stretch>
+            <a:fillRect/>
+          </a:stretch>
+        </p:blipFill>
+        <p:spPr bwMode="auto">
+          <a:xfrm>
+            <a:off x="2198514" y="3217021"/>
+            <a:ext cx="6756747" cy="1866996"/>
+          </a:xfrm>
+          <a:prstGeom prst="rect">
+            <a:avLst/>
+          </a:prstGeom>
+          <a:noFill/>
+          <a:extLst>
+            <a:ext uri="{909E8E84-426E-40DD-AFC4-6F175D3DCCD1}">
+              <a14:hiddenFill xmlns:a14="http://schemas.microsoft.com/office/drawing/2010/main">
+                <a:solidFill>
+                  <a:srgbClr val="FFFFFF"/>
+                </a:solidFill>
+              </a14:hiddenFill>
+            </a:ext>
+          </a:extLst>
+        </p:spPr>
+      </p:pic>
+    </p:spTree>
+    <p:extLst>
+      <p:ext uri="{BB962C8B-B14F-4D97-AF65-F5344CB8AC3E}">
+        <p14:creationId xmlns:p14="http://schemas.microsoft.com/office/powerpoint/2010/main" val="2134435941"/>
+      </p:ext>
+    </p:extLst>
+  </p:cSld>
+  <p:clrMapOvr>
+    <a:masterClrMapping/>
+  </p:clrMapOvr>
+</p:sld>
+</file>
+
+<file path=ppt/slides/slide14.xml><?xml version="1.0" encoding="utf-8"?>
+<p:sld xmlns:a="http://schemas.openxmlformats.org/drawingml/2006/main" xmlns:r="http://schemas.openxmlformats.org/officeDocument/2006/relationships" xmlns:p="http://schemas.openxmlformats.org/presentationml/2006/main">
+  <p:cSld>
+    <p:bg>
+      <p:bgPr>
+        <a:gradFill>
+          <a:gsLst>
+            <a:gs pos="0">
+              <a:schemeClr val="accent1">
+                <a:lumMod val="75000"/>
+              </a:schemeClr>
+            </a:gs>
+            <a:gs pos="74000">
+              <a:schemeClr val="accent1">
+                <a:lumMod val="45000"/>
+                <a:lumOff val="55000"/>
+              </a:schemeClr>
+            </a:gs>
+            <a:gs pos="83000">
+              <a:schemeClr val="accent1">
+                <a:lumMod val="45000"/>
+                <a:lumOff val="55000"/>
+              </a:schemeClr>
+            </a:gs>
+            <a:gs pos="100000">
+              <a:schemeClr val="accent1">
+                <a:lumMod val="30000"/>
+                <a:lumOff val="70000"/>
+              </a:schemeClr>
+            </a:gs>
+          </a:gsLst>
+          <a:lin ang="5400000" scaled="1"/>
+        </a:gradFill>
+        <a:effectLst/>
+      </p:bgPr>
+    </p:bg>
+    <p:spTree>
+      <p:nvGrpSpPr>
+        <p:cNvPr id="1" name=""/>
+        <p:cNvGrpSpPr/>
+        <p:nvPr/>
+      </p:nvGrpSpPr>
+      <p:grpSpPr>
+        <a:xfrm>
+          <a:off x="0" y="0"/>
+          <a:ext cx="0" cy="0"/>
+          <a:chOff x="0" y="0"/>
+          <a:chExt cx="0" cy="0"/>
+        </a:xfrm>
+      </p:grpSpPr>
+      <p:sp>
+        <p:nvSpPr>
+          <p:cNvPr id="2" name="Title 1">
+            <a:extLst>
+              <a:ext uri="{FF2B5EF4-FFF2-40B4-BE49-F238E27FC236}">
+                <a16:creationId xmlns:a16="http://schemas.microsoft.com/office/drawing/2014/main" id="{E62F0863-0ADB-4266-BB4D-366533A981DB}"/>
+              </a:ext>
+            </a:extLst>
+          </p:cNvPr>
+          <p:cNvSpPr>
+            <a:spLocks noGrp="1"/>
+          </p:cNvSpPr>
+          <p:nvPr>
+            <p:ph type="title"/>
+          </p:nvPr>
+        </p:nvSpPr>
+        <p:spPr/>
+        <p:txBody>
+          <a:bodyPr/>
+          <a:lstStyle/>
+          <a:p>
+            <a:r>
+              <a:rPr lang="en-US" dirty="0"/>
+              <a:t>Now let’s place it at the bottom of the body…</a:t>
+            </a:r>
+          </a:p>
+        </p:txBody>
+      </p:sp>
+      <p:pic>
+        <p:nvPicPr>
+          <p:cNvPr id="3074" name="Picture 2" descr="https://ucarecdn.com/35ff5be1-efe4-4171-bd19-52260a43407e/">
+            <a:extLst>
+              <a:ext uri="{FF2B5EF4-FFF2-40B4-BE49-F238E27FC236}">
+                <a16:creationId xmlns:a16="http://schemas.microsoft.com/office/drawing/2014/main" id="{DB0C6EA3-D6CE-4BC4-8F58-86B56C3540EA}"/>
+              </a:ext>
+            </a:extLst>
+          </p:cNvPr>
+          <p:cNvPicPr>
+            <a:picLocks noGrp="1" noChangeAspect="1" noChangeArrowheads="1"/>
+          </p:cNvPicPr>
+          <p:nvPr>
+            <p:ph idx="1"/>
+          </p:nvPr>
+        </p:nvPicPr>
+        <p:blipFill>
+          <a:blip r:embed="rId2">
+            <a:extLst>
+              <a:ext uri="{28A0092B-C50C-407E-A947-70E740481C1C}">
+                <a14:useLocalDpi xmlns:a14="http://schemas.microsoft.com/office/drawing/2010/main" val="0"/>
+              </a:ext>
+            </a:extLst>
+          </a:blip>
+          <a:srcRect/>
+          <a:stretch>
+            <a:fillRect/>
+          </a:stretch>
+        </p:blipFill>
+        <p:spPr bwMode="auto">
+          <a:xfrm>
+            <a:off x="1652386" y="2232720"/>
+            <a:ext cx="7849003" cy="3835597"/>
+          </a:xfrm>
+          <a:prstGeom prst="rect">
+            <a:avLst/>
+          </a:prstGeom>
+          <a:noFill/>
+          <a:extLst>
+            <a:ext uri="{909E8E84-426E-40DD-AFC4-6F175D3DCCD1}">
+              <a14:hiddenFill xmlns:a14="http://schemas.microsoft.com/office/drawing/2010/main">
+                <a:solidFill>
+                  <a:srgbClr val="FFFFFF"/>
+                </a:solidFill>
+              </a14:hiddenFill>
+            </a:ext>
+          </a:extLst>
+        </p:spPr>
+      </p:pic>
+    </p:spTree>
+    <p:extLst>
+      <p:ext uri="{BB962C8B-B14F-4D97-AF65-F5344CB8AC3E}">
+        <p14:creationId xmlns:p14="http://schemas.microsoft.com/office/powerpoint/2010/main" val="3399266301"/>
+      </p:ext>
+    </p:extLst>
+  </p:cSld>
+  <p:clrMapOvr>
+    <a:masterClrMapping/>
+  </p:clrMapOvr>
+</p:sld>
+</file>
+
+<file path=ppt/slides/slide15.xml><?xml version="1.0" encoding="utf-8"?>
+<p:sld xmlns:a="http://schemas.openxmlformats.org/drawingml/2006/main" xmlns:r="http://schemas.openxmlformats.org/officeDocument/2006/relationships" xmlns:p="http://schemas.openxmlformats.org/presentationml/2006/main">
+  <p:cSld>
+    <p:bg>
+      <p:bgPr>
+        <a:gradFill>
+          <a:gsLst>
+            <a:gs pos="0">
+              <a:schemeClr val="accent1">
+                <a:lumMod val="75000"/>
+              </a:schemeClr>
+            </a:gs>
+            <a:gs pos="74000">
+              <a:schemeClr val="accent1">
+                <a:lumMod val="45000"/>
+                <a:lumOff val="55000"/>
+              </a:schemeClr>
+            </a:gs>
+            <a:gs pos="83000">
+              <a:schemeClr val="accent1">
+                <a:lumMod val="45000"/>
+                <a:lumOff val="55000"/>
+              </a:schemeClr>
+            </a:gs>
+            <a:gs pos="100000">
+              <a:schemeClr val="accent1">
+                <a:lumMod val="30000"/>
+                <a:lumOff val="70000"/>
+              </a:schemeClr>
+            </a:gs>
+          </a:gsLst>
+          <a:lin ang="5400000" scaled="1"/>
+        </a:gradFill>
+        <a:effectLst/>
+      </p:bgPr>
+    </p:bg>
+    <p:spTree>
+      <p:nvGrpSpPr>
+        <p:cNvPr id="1" name=""/>
+        <p:cNvGrpSpPr/>
+        <p:nvPr/>
+      </p:nvGrpSpPr>
+      <p:grpSpPr>
+        <a:xfrm>
+          <a:off x="0" y="0"/>
+          <a:ext cx="0" cy="0"/>
+          <a:chOff x="0" y="0"/>
+          <a:chExt cx="0" cy="0"/>
+        </a:xfrm>
+      </p:grpSpPr>
+      <p:sp>
+        <p:nvSpPr>
+          <p:cNvPr id="2" name="Title 1">
+            <a:extLst>
+              <a:ext uri="{FF2B5EF4-FFF2-40B4-BE49-F238E27FC236}">
+                <a16:creationId xmlns:a16="http://schemas.microsoft.com/office/drawing/2014/main" id="{395AC3BB-B1F4-405D-B442-B8614CD2B218}"/>
+              </a:ext>
+            </a:extLst>
+          </p:cNvPr>
+          <p:cNvSpPr>
+            <a:spLocks noGrp="1"/>
+          </p:cNvSpPr>
+          <p:nvPr>
+            <p:ph type="title"/>
+          </p:nvPr>
+        </p:nvSpPr>
+        <p:spPr/>
+        <p:txBody>
+          <a:bodyPr/>
+          <a:lstStyle/>
+          <a:p>
+            <a:r>
+              <a:rPr lang="en-US" dirty="0"/>
+              <a:t>&lt;script&gt; tag at the bottom of the body - result</a:t>
+            </a:r>
+          </a:p>
+        </p:txBody>
+      </p:sp>
+      <p:sp>
+        <p:nvSpPr>
+          <p:cNvPr id="3" name="Content Placeholder 2">
+            <a:extLst>
+              <a:ext uri="{FF2B5EF4-FFF2-40B4-BE49-F238E27FC236}">
+                <a16:creationId xmlns:a16="http://schemas.microsoft.com/office/drawing/2014/main" id="{D3CE3DD4-8AFA-43DC-BF08-47040CDD82A5}"/>
+              </a:ext>
+            </a:extLst>
+          </p:cNvPr>
+          <p:cNvSpPr>
+            <a:spLocks noGrp="1"/>
+          </p:cNvSpPr>
+          <p:nvPr>
+            <p:ph idx="1"/>
+          </p:nvPr>
+        </p:nvSpPr>
+        <p:spPr/>
+        <p:txBody>
+          <a:bodyPr/>
+          <a:lstStyle/>
+          <a:p>
+            <a:endParaRPr lang="en-US" dirty="0"/>
+          </a:p>
+        </p:txBody>
+      </p:sp>
+      <p:pic>
+        <p:nvPicPr>
+          <p:cNvPr id="4" name="Picture 3">
+            <a:extLst>
+              <a:ext uri="{FF2B5EF4-FFF2-40B4-BE49-F238E27FC236}">
+                <a16:creationId xmlns:a16="http://schemas.microsoft.com/office/drawing/2014/main" id="{0E94FDCB-5992-41C8-A38D-62D119445DB1}"/>
+              </a:ext>
+            </a:extLst>
+          </p:cNvPr>
+          <p:cNvPicPr>
+            <a:picLocks noChangeAspect="1"/>
+          </p:cNvPicPr>
+          <p:nvPr/>
+        </p:nvPicPr>
+        <p:blipFill>
+          <a:blip r:embed="rId2"/>
+          <a:stretch>
+            <a:fillRect/>
+          </a:stretch>
+        </p:blipFill>
+        <p:spPr>
+          <a:xfrm>
+            <a:off x="1107833" y="3096526"/>
+            <a:ext cx="8942020" cy="2489265"/>
+          </a:xfrm>
+          <a:prstGeom prst="rect">
+            <a:avLst/>
+          </a:prstGeom>
+        </p:spPr>
+      </p:pic>
+    </p:spTree>
+    <p:extLst>
+      <p:ext uri="{BB962C8B-B14F-4D97-AF65-F5344CB8AC3E}">
+        <p14:creationId xmlns:p14="http://schemas.microsoft.com/office/powerpoint/2010/main" val="3213813706"/>
+      </p:ext>
+    </p:extLst>
+  </p:cSld>
+  <p:clrMapOvr>
+    <a:masterClrMapping/>
+  </p:clrMapOvr>
+</p:sld>
+</file>
+
+<file path=ppt/slides/slide16.xml><?xml version="1.0" encoding="utf-8"?>
+<p:sld xmlns:a="http://schemas.openxmlformats.org/drawingml/2006/main" xmlns:r="http://schemas.openxmlformats.org/officeDocument/2006/relationships" xmlns:p="http://schemas.openxmlformats.org/presentationml/2006/main">
+  <p:cSld>
+    <p:bg>
+      <p:bgPr>
+        <a:gradFill>
+          <a:gsLst>
+            <a:gs pos="0">
+              <a:schemeClr val="accent1">
+                <a:lumMod val="75000"/>
+              </a:schemeClr>
+            </a:gs>
+            <a:gs pos="74000">
+              <a:schemeClr val="accent1">
+                <a:lumMod val="45000"/>
+                <a:lumOff val="55000"/>
+              </a:schemeClr>
+            </a:gs>
+            <a:gs pos="83000">
+              <a:schemeClr val="accent1">
+                <a:lumMod val="45000"/>
+                <a:lumOff val="55000"/>
+              </a:schemeClr>
+            </a:gs>
+            <a:gs pos="100000">
+              <a:schemeClr val="accent1">
+                <a:lumMod val="30000"/>
+                <a:lumOff val="70000"/>
+              </a:schemeClr>
+            </a:gs>
+          </a:gsLst>
+          <a:lin ang="5400000" scaled="1"/>
+        </a:gradFill>
+        <a:effectLst/>
+      </p:bgPr>
+    </p:bg>
+    <p:spTree>
+      <p:nvGrpSpPr>
+        <p:cNvPr id="1" name=""/>
+        <p:cNvGrpSpPr/>
+        <p:nvPr/>
+      </p:nvGrpSpPr>
+      <p:grpSpPr>
+        <a:xfrm>
+          <a:off x="0" y="0"/>
+          <a:ext cx="0" cy="0"/>
+          <a:chOff x="0" y="0"/>
+          <a:chExt cx="0" cy="0"/>
+        </a:xfrm>
+      </p:grpSpPr>
+      <p:sp>
+        <p:nvSpPr>
+          <p:cNvPr id="2" name="Title 1">
+            <a:extLst>
+              <a:ext uri="{FF2B5EF4-FFF2-40B4-BE49-F238E27FC236}">
+                <a16:creationId xmlns:a16="http://schemas.microsoft.com/office/drawing/2014/main" id="{ABCA4F42-CFB6-43CF-9D40-44D32355C8CB}"/>
+              </a:ext>
+            </a:extLst>
+          </p:cNvPr>
+          <p:cNvSpPr>
+            <a:spLocks noGrp="1"/>
+          </p:cNvSpPr>
+          <p:nvPr>
+            <p:ph type="title"/>
+          </p:nvPr>
+        </p:nvSpPr>
+        <p:spPr/>
+        <p:txBody>
+          <a:bodyPr/>
+          <a:lstStyle/>
+          <a:p>
+            <a:r>
+              <a:rPr lang="en-US" dirty="0"/>
+              <a:t>DOM – Finding elements</a:t>
+            </a:r>
+          </a:p>
+        </p:txBody>
+      </p:sp>
+      <p:sp>
+        <p:nvSpPr>
+          <p:cNvPr id="3" name="Content Placeholder 2">
+            <a:extLst>
+              <a:ext uri="{FF2B5EF4-FFF2-40B4-BE49-F238E27FC236}">
+                <a16:creationId xmlns:a16="http://schemas.microsoft.com/office/drawing/2014/main" id="{7E91ED64-881A-401A-A7CB-3DF72ACB7FF6}"/>
+              </a:ext>
+            </a:extLst>
+          </p:cNvPr>
+          <p:cNvSpPr>
+            <a:spLocks noGrp="1"/>
+          </p:cNvSpPr>
+          <p:nvPr>
+            <p:ph idx="1"/>
+          </p:nvPr>
+        </p:nvSpPr>
+        <p:spPr/>
+        <p:txBody>
+          <a:bodyPr/>
+          <a:lstStyle/>
+          <a:p>
+            <a:r>
+              <a:rPr lang="en-US" dirty="0"/>
+              <a:t>Trying to find a specific node in the document by starting at </a:t>
+            </a:r>
+            <a:r>
+              <a:rPr lang="en-US" b="1" dirty="0" err="1">
+                <a:latin typeface="Courier New" panose="02070309020205020404" pitchFamily="49" charset="0"/>
+                <a:cs typeface="Courier New" panose="02070309020205020404" pitchFamily="49" charset="0"/>
+              </a:rPr>
+              <a:t>document.body</a:t>
+            </a:r>
+            <a:r>
+              <a:rPr lang="en-US" b="1" dirty="0">
+                <a:latin typeface="Courier New" panose="02070309020205020404" pitchFamily="49" charset="0"/>
+                <a:cs typeface="Courier New" panose="02070309020205020404" pitchFamily="49" charset="0"/>
+              </a:rPr>
+              <a:t> </a:t>
+            </a:r>
+            <a:r>
+              <a:rPr lang="en-US" dirty="0"/>
+              <a:t>and following a hard-coded path of links is a bad idea</a:t>
+            </a:r>
+          </a:p>
+          <a:p>
+            <a:pPr lvl="1"/>
+            <a:r>
+              <a:rPr lang="en-US" dirty="0"/>
+              <a:t>Bakes assumptions into our program about the precise structure of the document – a structure we may want to change later</a:t>
+            </a:r>
+          </a:p>
+          <a:p>
+            <a:pPr lvl="1"/>
+            <a:r>
+              <a:rPr lang="en-US" dirty="0"/>
+              <a:t>Another complicating factor – text nodes are created even for the whitespace between nodes</a:t>
+            </a:r>
+          </a:p>
+        </p:txBody>
+      </p:sp>
+    </p:spTree>
+    <p:extLst>
+      <p:ext uri="{BB962C8B-B14F-4D97-AF65-F5344CB8AC3E}">
+        <p14:creationId xmlns:p14="http://schemas.microsoft.com/office/powerpoint/2010/main" val="3765760707"/>
+      </p:ext>
+    </p:extLst>
+  </p:cSld>
+  <p:clrMapOvr>
+    <a:masterClrMapping/>
+  </p:clrMapOvr>
+</p:sld>
+</file>
+
+<file path=ppt/slides/slide17.xml><?xml version="1.0" encoding="utf-8"?>
+<p:sld xmlns:a="http://schemas.openxmlformats.org/drawingml/2006/main" xmlns:r="http://schemas.openxmlformats.org/officeDocument/2006/relationships" xmlns:p="http://schemas.openxmlformats.org/presentationml/2006/main">
+  <p:cSld>
+    <p:bg>
+      <p:bgPr>
+        <a:gradFill>
+          <a:gsLst>
+            <a:gs pos="0">
+              <a:schemeClr val="accent1">
+                <a:lumMod val="75000"/>
+              </a:schemeClr>
+            </a:gs>
+            <a:gs pos="74000">
+              <a:schemeClr val="accent1">
+                <a:lumMod val="45000"/>
+                <a:lumOff val="55000"/>
+              </a:schemeClr>
+            </a:gs>
+            <a:gs pos="83000">
+              <a:schemeClr val="accent1">
+                <a:lumMod val="45000"/>
+                <a:lumOff val="55000"/>
+              </a:schemeClr>
+            </a:gs>
+            <a:gs pos="100000">
+              <a:schemeClr val="accent1">
+                <a:lumMod val="30000"/>
+                <a:lumOff val="70000"/>
+              </a:schemeClr>
+            </a:gs>
+          </a:gsLst>
+          <a:lin ang="5400000" scaled="1"/>
+        </a:gradFill>
+        <a:effectLst/>
+      </p:bgPr>
+    </p:bg>
+    <p:spTree>
+      <p:nvGrpSpPr>
+        <p:cNvPr id="1" name=""/>
+        <p:cNvGrpSpPr/>
+        <p:nvPr/>
+      </p:nvGrpSpPr>
+      <p:grpSpPr>
+        <a:xfrm>
+          <a:off x="0" y="0"/>
+          <a:ext cx="0" cy="0"/>
+          <a:chOff x="0" y="0"/>
+          <a:chExt cx="0" cy="0"/>
+        </a:xfrm>
+      </p:grpSpPr>
+      <p:sp>
+        <p:nvSpPr>
+          <p:cNvPr id="2" name="Title 1">
+            <a:extLst>
+              <a:ext uri="{FF2B5EF4-FFF2-40B4-BE49-F238E27FC236}">
+                <a16:creationId xmlns:a16="http://schemas.microsoft.com/office/drawing/2014/main" id="{A5C8A9B4-430A-4DE8-9CC7-2E942E124B7E}"/>
+              </a:ext>
+            </a:extLst>
+          </p:cNvPr>
+          <p:cNvSpPr>
+            <a:spLocks noGrp="1"/>
+          </p:cNvSpPr>
+          <p:nvPr>
+            <p:ph type="title"/>
+          </p:nvPr>
+        </p:nvSpPr>
+        <p:spPr/>
+        <p:txBody>
+          <a:bodyPr/>
+          <a:lstStyle/>
+          <a:p>
+            <a:r>
+              <a:rPr lang="en-US" dirty="0"/>
+              <a:t>DOM – Finding elements (cont’d)</a:t>
+            </a:r>
+          </a:p>
+        </p:txBody>
+      </p:sp>
+      <p:pic>
+        <p:nvPicPr>
+          <p:cNvPr id="5" name="Content Placeholder 4">
+            <a:extLst>
+              <a:ext uri="{FF2B5EF4-FFF2-40B4-BE49-F238E27FC236}">
+                <a16:creationId xmlns:a16="http://schemas.microsoft.com/office/drawing/2014/main" id="{42DA0CBC-F5A1-4C49-AC0A-1FAEF0D29FFC}"/>
+              </a:ext>
+            </a:extLst>
+          </p:cNvPr>
+          <p:cNvPicPr>
+            <a:picLocks noGrp="1" noChangeAspect="1"/>
+          </p:cNvPicPr>
+          <p:nvPr>
+            <p:ph sz="half" idx="1"/>
+          </p:nvPr>
+        </p:nvPicPr>
+        <p:blipFill>
+          <a:blip r:embed="rId2"/>
+          <a:stretch>
+            <a:fillRect/>
+          </a:stretch>
+        </p:blipFill>
+        <p:spPr>
+          <a:xfrm>
+            <a:off x="1258706" y="2056092"/>
+            <a:ext cx="4395787" cy="1980445"/>
+          </a:xfrm>
+          <a:prstGeom prst="rect">
+            <a:avLst/>
+          </a:prstGeom>
+        </p:spPr>
+      </p:pic>
+      <p:sp>
+        <p:nvSpPr>
+          <p:cNvPr id="4" name="Text Placeholder 3">
+            <a:extLst>
+              <a:ext uri="{FF2B5EF4-FFF2-40B4-BE49-F238E27FC236}">
+                <a16:creationId xmlns:a16="http://schemas.microsoft.com/office/drawing/2014/main" id="{0D366AEC-D26E-4225-8231-D0B1CCABB1CB}"/>
+              </a:ext>
+            </a:extLst>
+          </p:cNvPr>
+          <p:cNvSpPr>
+            <a:spLocks noGrp="1"/>
+          </p:cNvSpPr>
+          <p:nvPr>
+            <p:ph sz="half" idx="2"/>
+          </p:nvPr>
+        </p:nvSpPr>
+        <p:spPr/>
+        <p:txBody>
+          <a:bodyPr/>
+          <a:lstStyle/>
+          <a:p>
+            <a:r>
+              <a:rPr lang="en-US" dirty="0"/>
+              <a:t>The &lt;body&gt; does not have just three children (the &lt;h1&gt; and two &lt;p&gt;) but actually has seven</a:t>
+            </a:r>
+          </a:p>
+          <a:p>
+            <a:r>
+              <a:rPr lang="en-US" dirty="0"/>
+              <a:t>- The &lt;h1&gt;, the two &lt;p&gt;, plus the spaces before, after and between them</a:t>
+            </a:r>
+          </a:p>
+          <a:p>
+            <a:r>
+              <a:rPr lang="en-US" dirty="0"/>
+              <a:t>- If we want to get the </a:t>
+            </a:r>
+            <a:r>
+              <a:rPr lang="en-US" dirty="0" err="1"/>
+              <a:t>href</a:t>
+            </a:r>
+            <a:r>
+              <a:rPr lang="en-US" dirty="0"/>
+              <a:t> attribute of the link, we don’t want to say, “get the second child of the sixth child of the document body.”</a:t>
+            </a:r>
+          </a:p>
+          <a:p>
+            <a:r>
+              <a:rPr lang="en-US" dirty="0"/>
+              <a:t>- better to say “get the first link in the document.” And we can.</a:t>
+            </a:r>
+          </a:p>
+        </p:txBody>
+      </p:sp>
+      <p:pic>
+        <p:nvPicPr>
+          <p:cNvPr id="6" name="Picture 5">
+            <a:extLst>
+              <a:ext uri="{FF2B5EF4-FFF2-40B4-BE49-F238E27FC236}">
+                <a16:creationId xmlns:a16="http://schemas.microsoft.com/office/drawing/2014/main" id="{F6AF1D4A-9992-4887-BB10-8CD699C21586}"/>
+              </a:ext>
+            </a:extLst>
+          </p:cNvPr>
+          <p:cNvPicPr>
+            <a:picLocks noChangeAspect="1"/>
+          </p:cNvPicPr>
+          <p:nvPr/>
+        </p:nvPicPr>
+        <p:blipFill>
+          <a:blip r:embed="rId3"/>
+          <a:stretch>
+            <a:fillRect/>
+          </a:stretch>
+        </p:blipFill>
+        <p:spPr>
+          <a:xfrm>
+            <a:off x="1258429" y="5565119"/>
+            <a:ext cx="4396342" cy="429771"/>
+          </a:xfrm>
+          <a:prstGeom prst="rect">
+            <a:avLst/>
+          </a:prstGeom>
+        </p:spPr>
+      </p:pic>
+    </p:spTree>
+    <p:extLst>
+      <p:ext uri="{BB962C8B-B14F-4D97-AF65-F5344CB8AC3E}">
+        <p14:creationId xmlns:p14="http://schemas.microsoft.com/office/powerpoint/2010/main" val="1195386289"/>
+      </p:ext>
+    </p:extLst>
+  </p:cSld>
+  <p:clrMapOvr>
+    <a:masterClrMapping/>
+  </p:clrMapOvr>
+</p:sld>
+</file>
+
+<file path=ppt/slides/slide18.xml><?xml version="1.0" encoding="utf-8"?>
+<p:sld xmlns:a="http://schemas.openxmlformats.org/drawingml/2006/main" xmlns:r="http://schemas.openxmlformats.org/officeDocument/2006/relationships" xmlns:p="http://schemas.openxmlformats.org/presentationml/2006/main">
+  <p:cSld>
+    <p:bg>
+      <p:bgPr>
+        <a:gradFill>
+          <a:gsLst>
+            <a:gs pos="0">
+              <a:schemeClr val="accent1">
+                <a:lumMod val="75000"/>
+              </a:schemeClr>
+            </a:gs>
+            <a:gs pos="74000">
+              <a:schemeClr val="accent1">
+                <a:lumMod val="45000"/>
+                <a:lumOff val="55000"/>
+              </a:schemeClr>
+            </a:gs>
+            <a:gs pos="83000">
+              <a:schemeClr val="accent1">
+                <a:lumMod val="45000"/>
+                <a:lumOff val="55000"/>
+              </a:schemeClr>
+            </a:gs>
+            <a:gs pos="100000">
+              <a:schemeClr val="accent1">
+                <a:lumMod val="30000"/>
+                <a:lumOff val="70000"/>
+              </a:schemeClr>
+            </a:gs>
+          </a:gsLst>
+          <a:lin ang="5400000" scaled="1"/>
+        </a:gradFill>
+        <a:effectLst/>
+      </p:bgPr>
+    </p:bg>
+    <p:spTree>
+      <p:nvGrpSpPr>
+        <p:cNvPr id="1" name=""/>
+        <p:cNvGrpSpPr/>
+        <p:nvPr/>
+      </p:nvGrpSpPr>
+      <p:grpSpPr>
+        <a:xfrm>
+          <a:off x="0" y="0"/>
+          <a:ext cx="0" cy="0"/>
+          <a:chOff x="0" y="0"/>
+          <a:chExt cx="0" cy="0"/>
+        </a:xfrm>
+      </p:grpSpPr>
+      <p:sp>
+        <p:nvSpPr>
+          <p:cNvPr id="2" name="Title 1">
+            <a:extLst>
+              <a:ext uri="{FF2B5EF4-FFF2-40B4-BE49-F238E27FC236}">
+                <a16:creationId xmlns:a16="http://schemas.microsoft.com/office/drawing/2014/main" id="{04D12538-A262-4B20-B8B7-D1E5ACA1A2BF}"/>
+              </a:ext>
+            </a:extLst>
+          </p:cNvPr>
+          <p:cNvSpPr>
+            <a:spLocks noGrp="1"/>
+          </p:cNvSpPr>
+          <p:nvPr>
+            <p:ph type="title"/>
+          </p:nvPr>
+        </p:nvSpPr>
+        <p:spPr/>
+        <p:txBody>
+          <a:bodyPr/>
+          <a:lstStyle/>
+          <a:p>
+            <a:r>
+              <a:rPr lang="en-US" dirty="0"/>
+              <a:t>Retrieving elements</a:t>
+            </a:r>
+          </a:p>
+        </p:txBody>
+      </p:sp>
+      <p:sp>
+        <p:nvSpPr>
+          <p:cNvPr id="3" name="Content Placeholder 2">
+            <a:extLst>
+              <a:ext uri="{FF2B5EF4-FFF2-40B4-BE49-F238E27FC236}">
+                <a16:creationId xmlns:a16="http://schemas.microsoft.com/office/drawing/2014/main" id="{702CF953-3036-4957-8583-97BABBAD0711}"/>
+              </a:ext>
+            </a:extLst>
+          </p:cNvPr>
+          <p:cNvSpPr>
+            <a:spLocks noGrp="1"/>
+          </p:cNvSpPr>
+          <p:nvPr>
+            <p:ph idx="1"/>
+          </p:nvPr>
+        </p:nvSpPr>
+        <p:spPr/>
+        <p:txBody>
+          <a:bodyPr/>
+          <a:lstStyle/>
+          <a:p>
+            <a:r>
+              <a:rPr lang="en-US" dirty="0"/>
+              <a:t>All element nodes have a </a:t>
+            </a:r>
+            <a:r>
+              <a:rPr lang="en-US" dirty="0" err="1"/>
+              <a:t>getElementsByTagName</a:t>
+            </a:r>
+            <a:r>
+              <a:rPr lang="en-US" dirty="0"/>
+              <a:t> method</a:t>
+            </a:r>
+          </a:p>
+          <a:p>
+            <a:pPr lvl="1"/>
+            <a:r>
+              <a:rPr lang="en-US" dirty="0"/>
+              <a:t>Collects all elements with the given tag name that are descendants of the give node</a:t>
+            </a:r>
+          </a:p>
+          <a:p>
+            <a:pPr lvl="1"/>
+            <a:r>
+              <a:rPr lang="en-US" dirty="0"/>
+              <a:t>Returns them as an array-like object</a:t>
+            </a:r>
+          </a:p>
+          <a:p>
+            <a:r>
+              <a:rPr lang="en-US" dirty="0"/>
+              <a:t>To find a specific single node, give it an id attribute and use </a:t>
+            </a:r>
+            <a:r>
+              <a:rPr lang="en-US" dirty="0" err="1"/>
+              <a:t>document.getElementById</a:t>
+            </a:r>
+            <a:endParaRPr lang="en-US" dirty="0"/>
+          </a:p>
+          <a:p>
+            <a:r>
+              <a:rPr lang="en-US" dirty="0"/>
+              <a:t>A similar method, </a:t>
+            </a:r>
+            <a:r>
+              <a:rPr lang="en-US" dirty="0" err="1"/>
+              <a:t>getElementsByClassName</a:t>
+            </a:r>
+            <a:r>
+              <a:rPr lang="en-US" dirty="0"/>
+              <a:t>, searches through all the contents of an element node and retrieves all elements that have the given string in their class attribute</a:t>
+            </a:r>
+          </a:p>
+        </p:txBody>
+      </p:sp>
+    </p:spTree>
+    <p:extLst>
+      <p:ext uri="{BB962C8B-B14F-4D97-AF65-F5344CB8AC3E}">
+        <p14:creationId xmlns:p14="http://schemas.microsoft.com/office/powerpoint/2010/main" val="2826258125"/>
+      </p:ext>
+    </p:extLst>
+  </p:cSld>
+  <p:clrMapOvr>
+    <a:masterClrMapping/>
+  </p:clrMapOvr>
+</p:sld>
+</file>
+
+<file path=ppt/slides/slide19.xml><?xml version="1.0" encoding="utf-8"?>
+<p:sld xmlns:a="http://schemas.openxmlformats.org/drawingml/2006/main" xmlns:r="http://schemas.openxmlformats.org/officeDocument/2006/relationships" xmlns:p="http://schemas.openxmlformats.org/presentationml/2006/main">
+  <p:cSld>
+    <p:bg>
+      <p:bgPr>
+        <a:gradFill>
+          <a:gsLst>
+            <a:gs pos="0">
+              <a:schemeClr val="accent1">
+                <a:lumMod val="75000"/>
+              </a:schemeClr>
+            </a:gs>
+            <a:gs pos="74000">
+              <a:schemeClr val="accent1">
+                <a:lumMod val="45000"/>
+                <a:lumOff val="55000"/>
+              </a:schemeClr>
+            </a:gs>
+            <a:gs pos="83000">
+              <a:schemeClr val="accent1">
+                <a:lumMod val="45000"/>
+                <a:lumOff val="55000"/>
+              </a:schemeClr>
+            </a:gs>
+            <a:gs pos="100000">
+              <a:schemeClr val="accent1">
+                <a:lumMod val="30000"/>
+                <a:lumOff val="70000"/>
+              </a:schemeClr>
+            </a:gs>
+          </a:gsLst>
+          <a:lin ang="5400000" scaled="1"/>
+        </a:gradFill>
+        <a:effectLst/>
+      </p:bgPr>
+    </p:bg>
+    <p:spTree>
+      <p:nvGrpSpPr>
+        <p:cNvPr id="1" name=""/>
+        <p:cNvGrpSpPr/>
+        <p:nvPr/>
+      </p:nvGrpSpPr>
+      <p:grpSpPr>
+        <a:xfrm>
+          <a:off x="0" y="0"/>
+          <a:ext cx="0" cy="0"/>
+          <a:chOff x="0" y="0"/>
+          <a:chExt cx="0" cy="0"/>
+        </a:xfrm>
+      </p:grpSpPr>
+      <p:sp>
+        <p:nvSpPr>
+          <p:cNvPr id="2" name="Title 1">
+            <a:extLst>
+              <a:ext uri="{FF2B5EF4-FFF2-40B4-BE49-F238E27FC236}">
+                <a16:creationId xmlns:a16="http://schemas.microsoft.com/office/drawing/2014/main" id="{E0F5DAF1-26D5-4BFD-AC73-C5EB9F6B2B6D}"/>
+              </a:ext>
+            </a:extLst>
+          </p:cNvPr>
+          <p:cNvSpPr>
+            <a:spLocks noGrp="1"/>
+          </p:cNvSpPr>
+          <p:nvPr>
+            <p:ph type="title"/>
+          </p:nvPr>
+        </p:nvSpPr>
+        <p:spPr/>
+        <p:txBody>
+          <a:bodyPr/>
+          <a:lstStyle/>
+          <a:p>
+            <a:r>
+              <a:rPr lang="en-US" dirty="0"/>
+              <a:t>What is the simplest way to get the </a:t>
+            </a:r>
+            <a:r>
+              <a:rPr lang="en-US" dirty="0" err="1"/>
+              <a:t>img</a:t>
+            </a:r>
+            <a:r>
+              <a:rPr lang="en-US" dirty="0"/>
+              <a:t> element from the HTML below?</a:t>
+            </a:r>
+          </a:p>
+        </p:txBody>
+      </p:sp>
+      <p:pic>
+        <p:nvPicPr>
+          <p:cNvPr id="4" name="Content Placeholder 3">
+            <a:extLst>
+              <a:ext uri="{FF2B5EF4-FFF2-40B4-BE49-F238E27FC236}">
+                <a16:creationId xmlns:a16="http://schemas.microsoft.com/office/drawing/2014/main" id="{4941A724-79C9-4F64-A7D9-3E05E8A5EC07}"/>
+              </a:ext>
+            </a:extLst>
+          </p:cNvPr>
+          <p:cNvPicPr>
+            <a:picLocks noGrp="1" noChangeAspect="1"/>
+          </p:cNvPicPr>
+          <p:nvPr>
+            <p:ph idx="1"/>
+          </p:nvPr>
+        </p:nvPicPr>
+        <p:blipFill>
+          <a:blip r:embed="rId2"/>
+          <a:stretch>
+            <a:fillRect/>
+          </a:stretch>
+        </p:blipFill>
+        <p:spPr>
+          <a:xfrm>
+            <a:off x="1103313" y="2934972"/>
+            <a:ext cx="8947150" cy="2431094"/>
+          </a:xfrm>
+          <a:prstGeom prst="rect">
+            <a:avLst/>
+          </a:prstGeom>
+        </p:spPr>
+      </p:pic>
+    </p:spTree>
+    <p:extLst>
+      <p:ext uri="{BB962C8B-B14F-4D97-AF65-F5344CB8AC3E}">
+        <p14:creationId xmlns:p14="http://schemas.microsoft.com/office/powerpoint/2010/main" val="1524887151"/>
+      </p:ext>
+    </p:extLst>
+  </p:cSld>
+  <p:clrMapOvr>
+    <a:masterClrMapping/>
+  </p:clrMapOvr>
+</p:sld>
+</file>
+
+<file path=ppt/slides/slide2.xml><?xml version="1.0" encoding="utf-8"?>
+<p:sld xmlns:a="http://schemas.openxmlformats.org/drawingml/2006/main" xmlns:r="http://schemas.openxmlformats.org/officeDocument/2006/relationships" xmlns:p="http://schemas.openxmlformats.org/presentationml/2006/main">
+  <p:cSld>
+    <p:bg>
+      <p:bgPr>
+        <a:gradFill>
+          <a:gsLst>
+            <a:gs pos="0">
+              <a:schemeClr val="accent1">
+                <a:lumMod val="75000"/>
+              </a:schemeClr>
+            </a:gs>
+            <a:gs pos="100000">
+              <a:schemeClr val="accent1">
+                <a:lumMod val="45000"/>
+                <a:lumOff val="55000"/>
+              </a:schemeClr>
+            </a:gs>
+            <a:gs pos="100000">
+              <a:schemeClr val="accent1">
+                <a:lumMod val="75000"/>
+              </a:schemeClr>
+            </a:gs>
+            <a:gs pos="100000">
+              <a:schemeClr val="accent1">
+                <a:lumMod val="30000"/>
+                <a:lumOff val="70000"/>
+              </a:schemeClr>
+            </a:gs>
+          </a:gsLst>
+          <a:lin ang="5400000" scaled="1"/>
+        </a:gradFill>
+        <a:effectLst/>
+      </p:bgPr>
+    </p:bg>
+    <p:spTree>
+      <p:nvGrpSpPr>
+        <p:cNvPr id="1" name=""/>
+        <p:cNvGrpSpPr/>
+        <p:nvPr/>
+      </p:nvGrpSpPr>
+      <p:grpSpPr>
+        <a:xfrm>
+          <a:off x="0" y="0"/>
+          <a:ext cx="0" cy="0"/>
+          <a:chOff x="0" y="0"/>
+          <a:chExt cx="0" cy="0"/>
+        </a:xfrm>
+      </p:grpSpPr>
+      <p:sp>
+        <p:nvSpPr>
+          <p:cNvPr id="2" name="Title 1">
+            <a:extLst>
+              <a:ext uri="{FF2B5EF4-FFF2-40B4-BE49-F238E27FC236}">
+                <a16:creationId xmlns:a16="http://schemas.microsoft.com/office/drawing/2014/main" id="{AF5CBE7F-5D84-EF4E-9644-1B20D960DB40}"/>
+              </a:ext>
+            </a:extLst>
+          </p:cNvPr>
+          <p:cNvSpPr>
+            <a:spLocks noGrp="1"/>
+          </p:cNvSpPr>
+          <p:nvPr>
+            <p:ph type="title"/>
+          </p:nvPr>
+        </p:nvSpPr>
+        <p:spPr/>
+        <p:txBody>
+          <a:bodyPr/>
+          <a:lstStyle/>
+          <a:p>
+            <a:r>
+              <a:rPr lang="en-US" dirty="0" err="1"/>
+              <a:t>textContent</a:t>
+            </a:r>
+            <a:endParaRPr lang="en-US" dirty="0"/>
+          </a:p>
+        </p:txBody>
+      </p:sp>
+      <p:sp>
+        <p:nvSpPr>
+          <p:cNvPr id="6" name="Content Placeholder 5">
+            <a:extLst>
+              <a:ext uri="{FF2B5EF4-FFF2-40B4-BE49-F238E27FC236}">
+                <a16:creationId xmlns:a16="http://schemas.microsoft.com/office/drawing/2014/main" id="{5613C475-A4DC-FE4D-8259-47FD495F1779}"/>
+              </a:ext>
+            </a:extLst>
+          </p:cNvPr>
+          <p:cNvSpPr>
+            <a:spLocks noGrp="1"/>
+          </p:cNvSpPr>
+          <p:nvPr>
+            <p:ph idx="1"/>
+          </p:nvPr>
+        </p:nvSpPr>
+        <p:spPr/>
+        <p:txBody>
+          <a:bodyPr/>
+          <a:lstStyle/>
+          <a:p>
+            <a:r>
+              <a:rPr lang="en-US" dirty="0"/>
+              <a:t>The </a:t>
+            </a:r>
+            <a:r>
+              <a:rPr lang="en-US" dirty="0" err="1"/>
+              <a:t>textContent</a:t>
+            </a:r>
+            <a:r>
+              <a:rPr lang="en-US" dirty="0"/>
+              <a:t> property can be used to get all the text in the node</a:t>
+            </a:r>
+          </a:p>
+          <a:p>
+            <a:r>
+              <a:rPr lang="en-US" dirty="0"/>
+              <a:t>Setting it to an empty string empties the contents of the node</a:t>
+            </a:r>
+          </a:p>
+          <a:p>
+            <a:endParaRPr lang="en-US" dirty="0"/>
+          </a:p>
+        </p:txBody>
+      </p:sp>
+      <p:pic>
+        <p:nvPicPr>
+          <p:cNvPr id="7" name="Picture 6">
+            <a:extLst>
+              <a:ext uri="{FF2B5EF4-FFF2-40B4-BE49-F238E27FC236}">
+                <a16:creationId xmlns:a16="http://schemas.microsoft.com/office/drawing/2014/main" id="{F424FAF8-E385-3849-9D11-B112A72C9ECB}"/>
+              </a:ext>
+            </a:extLst>
+          </p:cNvPr>
+          <p:cNvPicPr>
+            <a:picLocks noChangeAspect="1"/>
+          </p:cNvPicPr>
+          <p:nvPr/>
+        </p:nvPicPr>
+        <p:blipFill>
+          <a:blip r:embed="rId2"/>
+          <a:stretch>
+            <a:fillRect/>
+          </a:stretch>
+        </p:blipFill>
+        <p:spPr>
+          <a:xfrm>
+            <a:off x="2039280" y="3261359"/>
+            <a:ext cx="7074603" cy="2819399"/>
+          </a:xfrm>
+          <a:prstGeom prst="rect">
+            <a:avLst/>
+          </a:prstGeom>
+        </p:spPr>
+      </p:pic>
+    </p:spTree>
+    <p:extLst>
+      <p:ext uri="{BB962C8B-B14F-4D97-AF65-F5344CB8AC3E}">
+        <p14:creationId xmlns:p14="http://schemas.microsoft.com/office/powerpoint/2010/main" val="1920727902"/>
+      </p:ext>
+    </p:extLst>
+  </p:cSld>
+  <p:clrMapOvr>
+    <a:masterClrMapping/>
+  </p:clrMapOvr>
+</p:sld>
+</file>
+
+<file path=ppt/slides/slide20.xml><?xml version="1.0" encoding="utf-8"?>
+<p:sld xmlns:a="http://schemas.openxmlformats.org/drawingml/2006/main" xmlns:r="http://schemas.openxmlformats.org/officeDocument/2006/relationships" xmlns:p="http://schemas.openxmlformats.org/presentationml/2006/main">
+  <p:cSld>
+    <p:bg>
+      <p:bgPr>
+        <a:gradFill>
+          <a:gsLst>
+            <a:gs pos="0">
+              <a:schemeClr val="accent1">
+                <a:lumMod val="75000"/>
+              </a:schemeClr>
+            </a:gs>
+            <a:gs pos="74000">
+              <a:schemeClr val="accent1">
+                <a:lumMod val="45000"/>
+                <a:lumOff val="55000"/>
+              </a:schemeClr>
+            </a:gs>
+            <a:gs pos="83000">
+              <a:schemeClr val="accent1">
+                <a:lumMod val="45000"/>
+                <a:lumOff val="55000"/>
+              </a:schemeClr>
+            </a:gs>
+            <a:gs pos="100000">
+              <a:schemeClr val="accent1">
+                <a:lumMod val="30000"/>
+                <a:lumOff val="70000"/>
+              </a:schemeClr>
+            </a:gs>
+          </a:gsLst>
+          <a:lin ang="5400000" scaled="1"/>
+        </a:gradFill>
+        <a:effectLst/>
+      </p:bgPr>
+    </p:bg>
+    <p:spTree>
+      <p:nvGrpSpPr>
+        <p:cNvPr id="1" name=""/>
+        <p:cNvGrpSpPr/>
+        <p:nvPr/>
+      </p:nvGrpSpPr>
+      <p:grpSpPr>
+        <a:xfrm>
+          <a:off x="0" y="0"/>
+          <a:ext cx="0" cy="0"/>
+          <a:chOff x="0" y="0"/>
+          <a:chExt cx="0" cy="0"/>
+        </a:xfrm>
+      </p:grpSpPr>
+      <p:sp>
+        <p:nvSpPr>
+          <p:cNvPr id="2" name="Title 1">
+            <a:extLst>
+              <a:ext uri="{FF2B5EF4-FFF2-40B4-BE49-F238E27FC236}">
+                <a16:creationId xmlns:a16="http://schemas.microsoft.com/office/drawing/2014/main" id="{CEC68151-F1DA-4F4B-A669-427A84586083}"/>
+              </a:ext>
+            </a:extLst>
+          </p:cNvPr>
+          <p:cNvSpPr>
+            <a:spLocks noGrp="1"/>
+          </p:cNvSpPr>
+          <p:nvPr>
+            <p:ph type="title"/>
+          </p:nvPr>
+        </p:nvSpPr>
+        <p:spPr/>
+        <p:txBody>
+          <a:bodyPr/>
+          <a:lstStyle/>
+          <a:p>
+            <a:r>
+              <a:rPr lang="en-US" dirty="0" err="1"/>
+              <a:t>querySelector</a:t>
+            </a:r>
+            <a:r>
+              <a:rPr lang="en-US" dirty="0"/>
+              <a:t> and </a:t>
+            </a:r>
+            <a:r>
+              <a:rPr lang="en-US" dirty="0" err="1"/>
+              <a:t>querySelectorAll</a:t>
+            </a:r>
+            <a:endParaRPr lang="en-US" dirty="0"/>
+          </a:p>
+        </p:txBody>
+      </p:sp>
+      <p:sp>
+        <p:nvSpPr>
+          <p:cNvPr id="3" name="Content Placeholder 2">
+            <a:extLst>
+              <a:ext uri="{FF2B5EF4-FFF2-40B4-BE49-F238E27FC236}">
+                <a16:creationId xmlns:a16="http://schemas.microsoft.com/office/drawing/2014/main" id="{644F532B-4ED7-4462-A32E-487FFBB0B029}"/>
+              </a:ext>
+            </a:extLst>
+          </p:cNvPr>
+          <p:cNvSpPr>
+            <a:spLocks noGrp="1"/>
+          </p:cNvSpPr>
+          <p:nvPr>
+            <p:ph idx="1"/>
+          </p:nvPr>
+        </p:nvSpPr>
+        <p:spPr/>
+        <p:txBody>
+          <a:bodyPr/>
+          <a:lstStyle/>
+          <a:p>
+            <a:r>
+              <a:rPr lang="en-US" dirty="0" err="1"/>
+              <a:t>querySelectorAll</a:t>
+            </a:r>
+            <a:r>
+              <a:rPr lang="en-US" dirty="0"/>
+              <a:t> is defined on both the document object and on element nodes</a:t>
+            </a:r>
+          </a:p>
+          <a:p>
+            <a:r>
+              <a:rPr lang="en-US" dirty="0"/>
+              <a:t>It takes a selector string and returns an array-like object containing all the elements that it matches</a:t>
+            </a:r>
+          </a:p>
+          <a:p>
+            <a:r>
+              <a:rPr lang="en-US" dirty="0"/>
+              <a:t>Unlike methods such as </a:t>
+            </a:r>
+            <a:r>
+              <a:rPr lang="en-US" dirty="0" err="1"/>
+              <a:t>getElementsByTagName</a:t>
+            </a:r>
+            <a:r>
+              <a:rPr lang="en-US" dirty="0"/>
+              <a:t>, the object returned by </a:t>
+            </a:r>
+            <a:r>
+              <a:rPr lang="en-US" dirty="0" err="1"/>
+              <a:t>querySelectorAll</a:t>
+            </a:r>
+            <a:r>
+              <a:rPr lang="en-US" dirty="0"/>
+              <a:t> is not live	</a:t>
+            </a:r>
+          </a:p>
+          <a:p>
+            <a:pPr lvl="1"/>
+            <a:r>
+              <a:rPr lang="en-US" dirty="0"/>
+              <a:t>It wont change when you change the document</a:t>
+            </a:r>
+          </a:p>
+          <a:p>
+            <a:r>
+              <a:rPr lang="en-US" dirty="0" err="1"/>
+              <a:t>querySelector</a:t>
+            </a:r>
+            <a:r>
+              <a:rPr lang="en-US" dirty="0"/>
+              <a:t> is similar, but it returns only the first matching element, or null if no elements match</a:t>
+            </a:r>
+          </a:p>
+          <a:p>
+            <a:pPr lvl="1"/>
+            <a:r>
+              <a:rPr lang="en-US" dirty="0"/>
+              <a:t>Useful if you want a specific, single element</a:t>
+            </a:r>
+          </a:p>
+        </p:txBody>
+      </p:sp>
+    </p:spTree>
+    <p:extLst>
+      <p:ext uri="{BB962C8B-B14F-4D97-AF65-F5344CB8AC3E}">
+        <p14:creationId xmlns:p14="http://schemas.microsoft.com/office/powerpoint/2010/main" val="4205989311"/>
+      </p:ext>
+    </p:extLst>
+  </p:cSld>
+  <p:clrMapOvr>
+    <a:masterClrMapping/>
+  </p:clrMapOvr>
+</p:sld>
+</file>
+
+<file path=ppt/slides/slide21.xml><?xml version="1.0" encoding="utf-8"?>
+<p:sld xmlns:a="http://schemas.openxmlformats.org/drawingml/2006/main" xmlns:r="http://schemas.openxmlformats.org/officeDocument/2006/relationships" xmlns:p="http://schemas.openxmlformats.org/presentationml/2006/main">
+  <p:cSld>
+    <p:bg>
+      <p:bgPr>
+        <a:gradFill>
+          <a:gsLst>
+            <a:gs pos="0">
+              <a:schemeClr val="accent1">
+                <a:lumMod val="75000"/>
+              </a:schemeClr>
+            </a:gs>
+            <a:gs pos="100000">
+              <a:schemeClr val="accent1">
+                <a:lumMod val="45000"/>
+                <a:lumOff val="55000"/>
+              </a:schemeClr>
+            </a:gs>
+            <a:gs pos="100000">
+              <a:schemeClr val="accent1">
+                <a:lumMod val="45000"/>
+                <a:lumOff val="55000"/>
+              </a:schemeClr>
+            </a:gs>
+            <a:gs pos="100000">
+              <a:schemeClr val="accent1">
+                <a:lumMod val="30000"/>
+                <a:lumOff val="70000"/>
+              </a:schemeClr>
+            </a:gs>
+          </a:gsLst>
+          <a:lin ang="5400000" scaled="1"/>
+        </a:gradFill>
+        <a:effectLst/>
+      </p:bgPr>
+    </p:bg>
+    <p:spTree>
+      <p:nvGrpSpPr>
+        <p:cNvPr id="1" name=""/>
+        <p:cNvGrpSpPr/>
+        <p:nvPr/>
+      </p:nvGrpSpPr>
+      <p:grpSpPr>
+        <a:xfrm>
+          <a:off x="0" y="0"/>
+          <a:ext cx="0" cy="0"/>
+          <a:chOff x="0" y="0"/>
+          <a:chExt cx="0" cy="0"/>
+        </a:xfrm>
+      </p:grpSpPr>
+      <p:sp>
+        <p:nvSpPr>
+          <p:cNvPr id="2" name="Title 1">
+            <a:extLst>
+              <a:ext uri="{FF2B5EF4-FFF2-40B4-BE49-F238E27FC236}">
+                <a16:creationId xmlns:a16="http://schemas.microsoft.com/office/drawing/2014/main" id="{1D0E05F4-5DFA-4E86-9599-4C2823B57DDF}"/>
+              </a:ext>
+            </a:extLst>
+          </p:cNvPr>
+          <p:cNvSpPr>
+            <a:spLocks noGrp="1"/>
+          </p:cNvSpPr>
+          <p:nvPr>
+            <p:ph type="title"/>
+          </p:nvPr>
+        </p:nvSpPr>
+        <p:spPr/>
+        <p:txBody>
+          <a:bodyPr/>
+          <a:lstStyle/>
+          <a:p>
+            <a:r>
+              <a:rPr lang="en-US" dirty="0" err="1"/>
+              <a:t>querySelectorAll</a:t>
+            </a:r>
+            <a:r>
+              <a:rPr lang="en-US" dirty="0"/>
+              <a:t> - example</a:t>
+            </a:r>
+          </a:p>
+        </p:txBody>
+      </p:sp>
+      <p:pic>
+        <p:nvPicPr>
+          <p:cNvPr id="4" name="Content Placeholder 3">
+            <a:extLst>
+              <a:ext uri="{FF2B5EF4-FFF2-40B4-BE49-F238E27FC236}">
+                <a16:creationId xmlns:a16="http://schemas.microsoft.com/office/drawing/2014/main" id="{4C4E445A-BC94-4FDC-BA72-CB888B76C362}"/>
+              </a:ext>
+            </a:extLst>
+          </p:cNvPr>
+          <p:cNvPicPr>
+            <a:picLocks noGrp="1" noChangeAspect="1"/>
+          </p:cNvPicPr>
+          <p:nvPr>
+            <p:ph idx="1"/>
+          </p:nvPr>
+        </p:nvPicPr>
+        <p:blipFill>
+          <a:blip r:embed="rId2"/>
+          <a:stretch>
+            <a:fillRect/>
+          </a:stretch>
+        </p:blipFill>
+        <p:spPr>
+          <a:xfrm>
+            <a:off x="2651124" y="2052638"/>
+            <a:ext cx="5851527" cy="4195762"/>
+          </a:xfrm>
+          <a:prstGeom prst="rect">
+            <a:avLst/>
+          </a:prstGeom>
+        </p:spPr>
+      </p:pic>
+    </p:spTree>
+    <p:extLst>
+      <p:ext uri="{BB962C8B-B14F-4D97-AF65-F5344CB8AC3E}">
+        <p14:creationId xmlns:p14="http://schemas.microsoft.com/office/powerpoint/2010/main" val="2384717887"/>
+      </p:ext>
+    </p:extLst>
+  </p:cSld>
+  <p:clrMapOvr>
+    <a:masterClrMapping/>
+  </p:clrMapOvr>
+</p:sld>
+</file>
+
+<file path=ppt/slides/slide22.xml><?xml version="1.0" encoding="utf-8"?>
+<p:sld xmlns:a="http://schemas.openxmlformats.org/drawingml/2006/main" xmlns:r="http://schemas.openxmlformats.org/officeDocument/2006/relationships" xmlns:p="http://schemas.openxmlformats.org/presentationml/2006/main">
+  <p:cSld>
+    <p:bg>
+      <p:bgPr>
+        <a:gradFill>
+          <a:gsLst>
+            <a:gs pos="0">
+              <a:schemeClr val="accent1">
+                <a:lumMod val="75000"/>
+              </a:schemeClr>
+            </a:gs>
+            <a:gs pos="100000">
+              <a:schemeClr val="accent1">
+                <a:lumMod val="45000"/>
+                <a:lumOff val="55000"/>
+              </a:schemeClr>
+            </a:gs>
+            <a:gs pos="100000">
+              <a:schemeClr val="accent1">
+                <a:lumMod val="45000"/>
+                <a:lumOff val="55000"/>
+              </a:schemeClr>
+            </a:gs>
+            <a:gs pos="100000">
+              <a:schemeClr val="accent1">
+                <a:lumMod val="30000"/>
+                <a:lumOff val="70000"/>
+              </a:schemeClr>
+            </a:gs>
+          </a:gsLst>
+          <a:lin ang="5400000" scaled="1"/>
+        </a:gradFill>
+        <a:effectLst/>
+      </p:bgPr>
+    </p:bg>
+    <p:spTree>
+      <p:nvGrpSpPr>
+        <p:cNvPr id="1" name=""/>
+        <p:cNvGrpSpPr/>
+        <p:nvPr/>
+      </p:nvGrpSpPr>
+      <p:grpSpPr>
+        <a:xfrm>
+          <a:off x="0" y="0"/>
+          <a:ext cx="0" cy="0"/>
+          <a:chOff x="0" y="0"/>
+          <a:chExt cx="0" cy="0"/>
+        </a:xfrm>
+      </p:grpSpPr>
+      <p:sp>
+        <p:nvSpPr>
+          <p:cNvPr id="2" name="Title 1">
+            <a:extLst>
+              <a:ext uri="{FF2B5EF4-FFF2-40B4-BE49-F238E27FC236}">
+                <a16:creationId xmlns:a16="http://schemas.microsoft.com/office/drawing/2014/main" id="{59F292A3-DB51-4D2C-A132-2E2871ADCBE4}"/>
+              </a:ext>
+            </a:extLst>
+          </p:cNvPr>
+          <p:cNvSpPr>
+            <a:spLocks noGrp="1"/>
+          </p:cNvSpPr>
+          <p:nvPr>
+            <p:ph type="title"/>
+          </p:nvPr>
+        </p:nvSpPr>
+        <p:spPr>
+          <a:xfrm>
+            <a:off x="646111" y="452718"/>
+            <a:ext cx="9404723" cy="812202"/>
+          </a:xfrm>
+        </p:spPr>
+        <p:txBody>
+          <a:bodyPr/>
+          <a:lstStyle/>
+          <a:p>
+            <a:r>
+              <a:rPr lang="en-US" dirty="0"/>
+              <a:t>Attributes</a:t>
+            </a:r>
+          </a:p>
+        </p:txBody>
+      </p:sp>
+      <p:sp>
+        <p:nvSpPr>
+          <p:cNvPr id="3" name="Content Placeholder 2">
+            <a:extLst>
+              <a:ext uri="{FF2B5EF4-FFF2-40B4-BE49-F238E27FC236}">
+                <a16:creationId xmlns:a16="http://schemas.microsoft.com/office/drawing/2014/main" id="{A04FCB33-75E7-424D-AAFC-8D106A7568D2}"/>
+              </a:ext>
+            </a:extLst>
+          </p:cNvPr>
+          <p:cNvSpPr>
+            <a:spLocks noGrp="1"/>
+          </p:cNvSpPr>
+          <p:nvPr>
+            <p:ph idx="1"/>
+          </p:nvPr>
+        </p:nvSpPr>
+        <p:spPr>
+          <a:xfrm>
+            <a:off x="1103312" y="2209800"/>
+            <a:ext cx="8946541" cy="4038599"/>
+          </a:xfrm>
+        </p:spPr>
+        <p:txBody>
+          <a:bodyPr/>
+          <a:lstStyle/>
+          <a:p>
+            <a:r>
+              <a:rPr lang="en-US" dirty="0"/>
+              <a:t>Some element attributes, such as </a:t>
+            </a:r>
+            <a:r>
+              <a:rPr lang="en-US" dirty="0" err="1"/>
+              <a:t>href</a:t>
+            </a:r>
+            <a:r>
+              <a:rPr lang="en-US" dirty="0"/>
+              <a:t>, can be accessed through a property of the same name on the element’s DOM object</a:t>
+            </a:r>
+          </a:p>
+          <a:p>
+            <a:pPr lvl="1"/>
+            <a:r>
+              <a:rPr lang="en-US" dirty="0"/>
+              <a:t>True for a limited set of commonly used standard attributes</a:t>
+            </a:r>
+          </a:p>
+          <a:p>
+            <a:r>
+              <a:rPr lang="en-US" dirty="0"/>
+              <a:t>BUT HTML allows you to set any attribute you want on nodes</a:t>
+            </a:r>
+          </a:p>
+          <a:p>
+            <a:pPr lvl="1"/>
+            <a:r>
+              <a:rPr lang="en-US" dirty="0"/>
+              <a:t>This allows you to store extra information in a document</a:t>
+            </a:r>
+          </a:p>
+          <a:p>
+            <a:r>
+              <a:rPr lang="en-US" dirty="0"/>
+              <a:t>Made-up attributes will not be present as a property on the element’s node</a:t>
+            </a:r>
+          </a:p>
+        </p:txBody>
+      </p:sp>
+    </p:spTree>
+    <p:extLst>
+      <p:ext uri="{BB962C8B-B14F-4D97-AF65-F5344CB8AC3E}">
+        <p14:creationId xmlns:p14="http://schemas.microsoft.com/office/powerpoint/2010/main" val="3984973136"/>
+      </p:ext>
+    </p:extLst>
+  </p:cSld>
+  <p:clrMapOvr>
+    <a:masterClrMapping/>
+  </p:clrMapOvr>
+</p:sld>
+</file>
+
+<file path=ppt/slides/slide23.xml><?xml version="1.0" encoding="utf-8"?>
+<p:sld xmlns:a="http://schemas.openxmlformats.org/drawingml/2006/main" xmlns:r="http://schemas.openxmlformats.org/officeDocument/2006/relationships" xmlns:p="http://schemas.openxmlformats.org/presentationml/2006/main">
+  <p:cSld>
+    <p:bg>
+      <p:bgPr>
+        <a:gradFill>
+          <a:gsLst>
+            <a:gs pos="0">
+              <a:schemeClr val="accent1">
+                <a:lumMod val="75000"/>
+              </a:schemeClr>
+            </a:gs>
+            <a:gs pos="100000">
+              <a:schemeClr val="accent1">
+                <a:lumMod val="45000"/>
+                <a:lumOff val="55000"/>
+              </a:schemeClr>
+            </a:gs>
+            <a:gs pos="100000">
+              <a:schemeClr val="accent1">
+                <a:lumMod val="45000"/>
+                <a:lumOff val="55000"/>
+              </a:schemeClr>
+            </a:gs>
+            <a:gs pos="100000">
+              <a:schemeClr val="accent1">
+                <a:lumMod val="30000"/>
+                <a:lumOff val="70000"/>
+              </a:schemeClr>
+            </a:gs>
+          </a:gsLst>
+          <a:lin ang="5400000" scaled="1"/>
+        </a:gradFill>
+        <a:effectLst/>
+      </p:bgPr>
+    </p:bg>
+    <p:spTree>
+      <p:nvGrpSpPr>
+        <p:cNvPr id="1" name=""/>
+        <p:cNvGrpSpPr/>
+        <p:nvPr/>
+      </p:nvGrpSpPr>
+      <p:grpSpPr>
+        <a:xfrm>
+          <a:off x="0" y="0"/>
+          <a:ext cx="0" cy="0"/>
+          <a:chOff x="0" y="0"/>
+          <a:chExt cx="0" cy="0"/>
+        </a:xfrm>
+      </p:grpSpPr>
+      <p:sp>
+        <p:nvSpPr>
+          <p:cNvPr id="2" name="Title 1">
+            <a:extLst>
+              <a:ext uri="{FF2B5EF4-FFF2-40B4-BE49-F238E27FC236}">
+                <a16:creationId xmlns:a16="http://schemas.microsoft.com/office/drawing/2014/main" id="{355ACB8F-8237-7E4E-826E-5FA10E75B431}"/>
+              </a:ext>
+            </a:extLst>
+          </p:cNvPr>
+          <p:cNvSpPr>
+            <a:spLocks noGrp="1"/>
+          </p:cNvSpPr>
+          <p:nvPr>
+            <p:ph type="title"/>
+          </p:nvPr>
+        </p:nvSpPr>
+        <p:spPr/>
+        <p:txBody>
+          <a:bodyPr/>
+          <a:lstStyle/>
+          <a:p>
+            <a:r>
+              <a:rPr lang="en-US" dirty="0" err="1"/>
+              <a:t>getAttribute</a:t>
+            </a:r>
+            <a:r>
+              <a:rPr lang="en-US" dirty="0"/>
+              <a:t> and </a:t>
+            </a:r>
+            <a:r>
+              <a:rPr lang="en-US" dirty="0" err="1"/>
+              <a:t>setAttribute</a:t>
+            </a:r>
+            <a:endParaRPr lang="en-US" dirty="0"/>
+          </a:p>
+        </p:txBody>
+      </p:sp>
+      <p:sp>
+        <p:nvSpPr>
+          <p:cNvPr id="3" name="Content Placeholder 2">
+            <a:extLst>
+              <a:ext uri="{FF2B5EF4-FFF2-40B4-BE49-F238E27FC236}">
+                <a16:creationId xmlns:a16="http://schemas.microsoft.com/office/drawing/2014/main" id="{C63990BF-0D83-6E4E-96E5-19146B5DDADB}"/>
+              </a:ext>
+            </a:extLst>
+          </p:cNvPr>
+          <p:cNvSpPr>
+            <a:spLocks noGrp="1"/>
+          </p:cNvSpPr>
+          <p:nvPr>
+            <p:ph idx="1"/>
+          </p:nvPr>
+        </p:nvSpPr>
+        <p:spPr/>
+        <p:txBody>
+          <a:bodyPr/>
+          <a:lstStyle/>
+          <a:p>
+            <a:r>
+              <a:rPr lang="en-US" dirty="0"/>
+              <a:t>The </a:t>
+            </a:r>
+            <a:r>
+              <a:rPr lang="en-US" dirty="0" err="1"/>
+              <a:t>getAttribute</a:t>
+            </a:r>
+            <a:r>
+              <a:rPr lang="en-US" dirty="0"/>
+              <a:t> and </a:t>
+            </a:r>
+            <a:r>
+              <a:rPr lang="en-US" dirty="0" err="1"/>
+              <a:t>setAttribute</a:t>
+            </a:r>
+            <a:r>
+              <a:rPr lang="en-US" dirty="0"/>
+              <a:t> methods can be used to work with made-up elements</a:t>
+            </a:r>
+          </a:p>
+          <a:p>
+            <a:r>
+              <a:rPr lang="en-US" dirty="0"/>
+              <a:t>It is recommended to prefix such made-up attributes with data- to ensure they do not conflict with any other attributes</a:t>
+            </a:r>
+          </a:p>
+          <a:p>
+            <a:r>
+              <a:rPr lang="en-US" dirty="0"/>
+              <a:t>The </a:t>
+            </a:r>
+            <a:r>
+              <a:rPr lang="en-US" dirty="0" err="1"/>
+              <a:t>getAttribute</a:t>
+            </a:r>
+            <a:r>
+              <a:rPr lang="en-US" dirty="0"/>
+              <a:t> method accepts a string and produces the value</a:t>
+            </a:r>
+          </a:p>
+          <a:p>
+            <a:r>
+              <a:rPr lang="en-US" dirty="0"/>
+              <a:t>The </a:t>
+            </a:r>
+            <a:r>
+              <a:rPr lang="en-US" dirty="0" err="1"/>
+              <a:t>setAttribute</a:t>
+            </a:r>
+            <a:r>
+              <a:rPr lang="en-US" dirty="0"/>
+              <a:t> method is used as follows:</a:t>
+            </a:r>
+          </a:p>
+          <a:p>
+            <a:pPr lvl="1"/>
+            <a:r>
+              <a:rPr lang="en-US" dirty="0" err="1"/>
+              <a:t>element.setAttribute</a:t>
+            </a:r>
+            <a:r>
+              <a:rPr lang="en-US" dirty="0"/>
+              <a:t>(</a:t>
+            </a:r>
+            <a:r>
+              <a:rPr lang="en-US" dirty="0" err="1"/>
+              <a:t>attributeName</a:t>
+            </a:r>
+            <a:r>
+              <a:rPr lang="en-US" dirty="0"/>
+              <a:t>, </a:t>
+            </a:r>
+            <a:r>
+              <a:rPr lang="en-US" dirty="0" err="1"/>
+              <a:t>attributeValue</a:t>
+            </a:r>
+            <a:r>
+              <a:rPr lang="en-US" dirty="0"/>
+              <a:t>)</a:t>
+            </a:r>
+          </a:p>
+          <a:p>
+            <a:pPr lvl="1"/>
+            <a:r>
+              <a:rPr lang="en-US" dirty="0"/>
+              <a:t>To set the attribute “data-hello” equal to “world” in an element called </a:t>
+            </a:r>
+            <a:r>
+              <a:rPr lang="en-US" dirty="0" err="1"/>
+              <a:t>myElement</a:t>
+            </a:r>
+            <a:r>
+              <a:rPr lang="en-US" dirty="0"/>
+              <a:t>, you would write:</a:t>
+            </a:r>
+          </a:p>
+          <a:p>
+            <a:pPr lvl="2"/>
+            <a:r>
+              <a:rPr lang="en-US" dirty="0" err="1"/>
+              <a:t>myElement.setAttribute</a:t>
+            </a:r>
+            <a:r>
+              <a:rPr lang="en-US" dirty="0"/>
+              <a:t>(“data-hello”, “world”);</a:t>
+            </a:r>
+          </a:p>
+          <a:p>
+            <a:endParaRPr lang="en-US" dirty="0"/>
+          </a:p>
+        </p:txBody>
+      </p:sp>
+    </p:spTree>
+    <p:extLst>
+      <p:ext uri="{BB962C8B-B14F-4D97-AF65-F5344CB8AC3E}">
+        <p14:creationId xmlns:p14="http://schemas.microsoft.com/office/powerpoint/2010/main" val="1514099665"/>
+      </p:ext>
+    </p:extLst>
+  </p:cSld>
+  <p:clrMapOvr>
+    <a:masterClrMapping/>
+  </p:clrMapOvr>
+</p:sld>
+</file>
+
+<file path=ppt/slides/slide24.xml><?xml version="1.0" encoding="utf-8"?>
+<p:sld xmlns:a="http://schemas.openxmlformats.org/drawingml/2006/main" xmlns:r="http://schemas.openxmlformats.org/officeDocument/2006/relationships" xmlns:p="http://schemas.openxmlformats.org/presentationml/2006/main">
+  <p:cSld>
+    <p:bg>
+      <p:bgPr>
+        <a:gradFill>
+          <a:gsLst>
+            <a:gs pos="0">
+              <a:schemeClr val="accent1">
+                <a:lumMod val="75000"/>
+              </a:schemeClr>
+            </a:gs>
+            <a:gs pos="100000">
+              <a:schemeClr val="accent1">
+                <a:lumMod val="45000"/>
+                <a:lumOff val="55000"/>
+              </a:schemeClr>
+            </a:gs>
+            <a:gs pos="100000">
+              <a:schemeClr val="accent1">
+                <a:lumMod val="45000"/>
+                <a:lumOff val="55000"/>
+              </a:schemeClr>
+            </a:gs>
+            <a:gs pos="100000">
+              <a:schemeClr val="accent1">
+                <a:lumMod val="30000"/>
+                <a:lumOff val="70000"/>
+              </a:schemeClr>
+            </a:gs>
+          </a:gsLst>
+          <a:lin ang="5400000" scaled="1"/>
+        </a:gradFill>
+        <a:effectLst/>
+      </p:bgPr>
+    </p:bg>
+    <p:spTree>
+      <p:nvGrpSpPr>
+        <p:cNvPr id="1" name=""/>
+        <p:cNvGrpSpPr/>
+        <p:nvPr/>
+      </p:nvGrpSpPr>
+      <p:grpSpPr>
+        <a:xfrm>
+          <a:off x="0" y="0"/>
+          <a:ext cx="0" cy="0"/>
+          <a:chOff x="0" y="0"/>
+          <a:chExt cx="0" cy="0"/>
+        </a:xfrm>
+      </p:grpSpPr>
+      <p:sp>
+        <p:nvSpPr>
+          <p:cNvPr id="2" name="Title 1">
+            <a:extLst>
+              <a:ext uri="{FF2B5EF4-FFF2-40B4-BE49-F238E27FC236}">
+                <a16:creationId xmlns:a16="http://schemas.microsoft.com/office/drawing/2014/main" id="{99DC761D-E6DE-3B4A-A7FC-1D143967484F}"/>
+              </a:ext>
+            </a:extLst>
+          </p:cNvPr>
+          <p:cNvSpPr>
+            <a:spLocks noGrp="1"/>
+          </p:cNvSpPr>
+          <p:nvPr>
+            <p:ph type="title"/>
+          </p:nvPr>
+        </p:nvSpPr>
+        <p:spPr/>
+        <p:txBody>
+          <a:bodyPr/>
+          <a:lstStyle/>
+          <a:p>
+            <a:r>
+              <a:rPr lang="en-US" dirty="0" err="1"/>
+              <a:t>textContent</a:t>
+            </a:r>
+            <a:endParaRPr lang="en-US" dirty="0"/>
+          </a:p>
+        </p:txBody>
+      </p:sp>
+      <p:sp>
+        <p:nvSpPr>
+          <p:cNvPr id="3" name="Content Placeholder 2">
+            <a:extLst>
+              <a:ext uri="{FF2B5EF4-FFF2-40B4-BE49-F238E27FC236}">
+                <a16:creationId xmlns:a16="http://schemas.microsoft.com/office/drawing/2014/main" id="{4F38DB71-91C8-314D-ADDC-3FD99B35DE04}"/>
+              </a:ext>
+            </a:extLst>
+          </p:cNvPr>
+          <p:cNvSpPr>
+            <a:spLocks noGrp="1"/>
+          </p:cNvSpPr>
+          <p:nvPr>
+            <p:ph idx="1"/>
+          </p:nvPr>
+        </p:nvSpPr>
+        <p:spPr/>
+        <p:txBody>
+          <a:bodyPr/>
+          <a:lstStyle/>
+          <a:p>
+            <a:r>
+              <a:rPr lang="en-US" dirty="0"/>
+              <a:t>The </a:t>
+            </a:r>
+            <a:r>
+              <a:rPr lang="en-US" dirty="0" err="1"/>
+              <a:t>textContent</a:t>
+            </a:r>
+            <a:r>
+              <a:rPr lang="en-US" dirty="0"/>
+              <a:t> property can be used to get all the text in the node</a:t>
+            </a:r>
+          </a:p>
+          <a:p>
+            <a:r>
+              <a:rPr lang="en-US" dirty="0"/>
+              <a:t>Setting it to an empty string empties the contents of the node</a:t>
+            </a:r>
+          </a:p>
+          <a:p>
+            <a:endParaRPr lang="en-US" dirty="0"/>
+          </a:p>
+        </p:txBody>
+      </p:sp>
+      <p:pic>
+        <p:nvPicPr>
+          <p:cNvPr id="4" name="Picture 3">
+            <a:extLst>
+              <a:ext uri="{FF2B5EF4-FFF2-40B4-BE49-F238E27FC236}">
+                <a16:creationId xmlns:a16="http://schemas.microsoft.com/office/drawing/2014/main" id="{69E22BD9-1CE5-F14F-8E91-3616470DFF5D}"/>
+              </a:ext>
+            </a:extLst>
+          </p:cNvPr>
+          <p:cNvPicPr>
+            <a:picLocks noChangeAspect="1"/>
+          </p:cNvPicPr>
+          <p:nvPr/>
+        </p:nvPicPr>
+        <p:blipFill>
+          <a:blip r:embed="rId2"/>
+          <a:stretch>
+            <a:fillRect/>
+          </a:stretch>
+        </p:blipFill>
+        <p:spPr>
+          <a:xfrm>
+            <a:off x="2566682" y="3276600"/>
+            <a:ext cx="6019800" cy="2407920"/>
+          </a:xfrm>
+          <a:prstGeom prst="rect">
+            <a:avLst/>
+          </a:prstGeom>
+        </p:spPr>
+      </p:pic>
+    </p:spTree>
+    <p:extLst>
+      <p:ext uri="{BB962C8B-B14F-4D97-AF65-F5344CB8AC3E}">
+        <p14:creationId xmlns:p14="http://schemas.microsoft.com/office/powerpoint/2010/main" val="2338070568"/>
+      </p:ext>
+    </p:extLst>
+  </p:cSld>
+  <p:clrMapOvr>
+    <a:masterClrMapping/>
+  </p:clrMapOvr>
+</p:sld>
+</file>
+
+<file path=ppt/slides/slide25.xml><?xml version="1.0" encoding="utf-8"?>
+<p:sld xmlns:a="http://schemas.openxmlformats.org/drawingml/2006/main" xmlns:r="http://schemas.openxmlformats.org/officeDocument/2006/relationships" xmlns:p="http://schemas.openxmlformats.org/presentationml/2006/main">
+  <p:cSld>
+    <p:bg>
+      <p:bgPr>
+        <a:gradFill>
+          <a:gsLst>
+            <a:gs pos="0">
+              <a:schemeClr val="accent1">
+                <a:lumMod val="75000"/>
+              </a:schemeClr>
+            </a:gs>
+            <a:gs pos="100000">
+              <a:schemeClr val="accent1">
+                <a:lumMod val="45000"/>
+                <a:lumOff val="55000"/>
+              </a:schemeClr>
+            </a:gs>
+            <a:gs pos="100000">
+              <a:schemeClr val="accent1">
+                <a:lumMod val="45000"/>
+                <a:lumOff val="55000"/>
+              </a:schemeClr>
+            </a:gs>
+            <a:gs pos="100000">
+              <a:schemeClr val="accent1">
+                <a:lumMod val="30000"/>
+                <a:lumOff val="70000"/>
+              </a:schemeClr>
+            </a:gs>
+          </a:gsLst>
+          <a:lin ang="5400000" scaled="1"/>
+        </a:gradFill>
+        <a:effectLst/>
+      </p:bgPr>
+    </p:bg>
+    <p:spTree>
+      <p:nvGrpSpPr>
+        <p:cNvPr id="1" name=""/>
+        <p:cNvGrpSpPr/>
+        <p:nvPr/>
+      </p:nvGrpSpPr>
+      <p:grpSpPr>
+        <a:xfrm>
+          <a:off x="0" y="0"/>
+          <a:ext cx="0" cy="0"/>
+          <a:chOff x="0" y="0"/>
+          <a:chExt cx="0" cy="0"/>
+        </a:xfrm>
+      </p:grpSpPr>
+      <p:sp>
+        <p:nvSpPr>
+          <p:cNvPr id="2" name="Title 1">
+            <a:extLst>
+              <a:ext uri="{FF2B5EF4-FFF2-40B4-BE49-F238E27FC236}">
+                <a16:creationId xmlns:a16="http://schemas.microsoft.com/office/drawing/2014/main" id="{3396677A-5E72-7D45-AA0A-B94EB840DDB2}"/>
+              </a:ext>
+            </a:extLst>
+          </p:cNvPr>
+          <p:cNvSpPr>
+            <a:spLocks noGrp="1"/>
+          </p:cNvSpPr>
+          <p:nvPr>
+            <p:ph type="title"/>
+          </p:nvPr>
+        </p:nvSpPr>
+        <p:spPr/>
+        <p:txBody>
+          <a:bodyPr/>
+          <a:lstStyle/>
+          <a:p>
+            <a:r>
+              <a:rPr lang="en-US" dirty="0"/>
+              <a:t>Updating styles</a:t>
+            </a:r>
+          </a:p>
+        </p:txBody>
+      </p:sp>
+      <p:sp>
+        <p:nvSpPr>
+          <p:cNvPr id="3" name="Content Placeholder 2">
+            <a:extLst>
+              <a:ext uri="{FF2B5EF4-FFF2-40B4-BE49-F238E27FC236}">
+                <a16:creationId xmlns:a16="http://schemas.microsoft.com/office/drawing/2014/main" id="{471EC6E4-3FC1-344D-AD6B-93C35BD052E9}"/>
+              </a:ext>
+            </a:extLst>
+          </p:cNvPr>
+          <p:cNvSpPr>
+            <a:spLocks noGrp="1"/>
+          </p:cNvSpPr>
+          <p:nvPr>
+            <p:ph idx="1"/>
+          </p:nvPr>
+        </p:nvSpPr>
+        <p:spPr/>
+        <p:txBody>
+          <a:bodyPr/>
+          <a:lstStyle/>
+          <a:p>
+            <a:r>
+              <a:rPr lang="en-US" dirty="0"/>
+              <a:t>The style of an element can be directly manipulated via JavaScript through the node’s style property</a:t>
+            </a:r>
+          </a:p>
+          <a:p>
+            <a:pPr lvl="1"/>
+            <a:r>
+              <a:rPr lang="en-US" dirty="0"/>
+              <a:t>This property holds an object that has properties for all possible style properties</a:t>
+            </a:r>
+          </a:p>
+          <a:p>
+            <a:pPr lvl="1"/>
+            <a:r>
+              <a:rPr lang="en-US" dirty="0"/>
+              <a:t>The values of these properties are strings, which we can write to change a particular aspect of an element’s style</a:t>
+            </a:r>
+          </a:p>
+          <a:p>
+            <a:pPr lvl="1"/>
+            <a:endParaRPr lang="en-US" dirty="0"/>
+          </a:p>
+        </p:txBody>
+      </p:sp>
+      <p:pic>
+        <p:nvPicPr>
+          <p:cNvPr id="5" name="Picture 4">
+            <a:extLst>
+              <a:ext uri="{FF2B5EF4-FFF2-40B4-BE49-F238E27FC236}">
+                <a16:creationId xmlns:a16="http://schemas.microsoft.com/office/drawing/2014/main" id="{90D3BA5F-4B3D-9241-AE0D-8C0FDF223077}"/>
+              </a:ext>
+            </a:extLst>
+          </p:cNvPr>
+          <p:cNvPicPr>
+            <a:picLocks noChangeAspect="1"/>
+          </p:cNvPicPr>
+          <p:nvPr/>
+        </p:nvPicPr>
+        <p:blipFill>
+          <a:blip r:embed="rId2"/>
+          <a:stretch>
+            <a:fillRect/>
+          </a:stretch>
+        </p:blipFill>
+        <p:spPr>
+          <a:xfrm>
+            <a:off x="3271229" y="4281747"/>
+            <a:ext cx="4610706" cy="1966652"/>
+          </a:xfrm>
+          <a:prstGeom prst="rect">
+            <a:avLst/>
+          </a:prstGeom>
+        </p:spPr>
+      </p:pic>
+    </p:spTree>
+    <p:extLst>
+      <p:ext uri="{BB962C8B-B14F-4D97-AF65-F5344CB8AC3E}">
+        <p14:creationId xmlns:p14="http://schemas.microsoft.com/office/powerpoint/2010/main" val="4052433497"/>
+      </p:ext>
+    </p:extLst>
+  </p:cSld>
+  <p:clrMapOvr>
+    <a:masterClrMapping/>
+  </p:clrMapOvr>
+</p:sld>
+</file>
+
+<file path=ppt/slides/slide26.xml><?xml version="1.0" encoding="utf-8"?>
+<p:sld xmlns:a="http://schemas.openxmlformats.org/drawingml/2006/main" xmlns:r="http://schemas.openxmlformats.org/officeDocument/2006/relationships" xmlns:p="http://schemas.openxmlformats.org/presentationml/2006/main">
+  <p:cSld>
+    <p:bg>
+      <p:bgPr>
+        <a:gradFill>
+          <a:gsLst>
+            <a:gs pos="0">
+              <a:schemeClr val="accent1">
+                <a:lumMod val="75000"/>
+              </a:schemeClr>
+            </a:gs>
+            <a:gs pos="100000">
+              <a:schemeClr val="accent1">
+                <a:lumMod val="45000"/>
+                <a:lumOff val="55000"/>
+              </a:schemeClr>
+            </a:gs>
+            <a:gs pos="100000">
+              <a:schemeClr val="accent1">
+                <a:lumMod val="45000"/>
+                <a:lumOff val="55000"/>
+              </a:schemeClr>
+            </a:gs>
+            <a:gs pos="100000">
+              <a:schemeClr val="accent1">
+                <a:lumMod val="30000"/>
+                <a:lumOff val="70000"/>
+              </a:schemeClr>
+            </a:gs>
+          </a:gsLst>
+          <a:lin ang="5400000" scaled="1"/>
+        </a:gradFill>
+        <a:effectLst/>
+      </p:bgPr>
+    </p:bg>
+    <p:spTree>
+      <p:nvGrpSpPr>
+        <p:cNvPr id="1" name=""/>
+        <p:cNvGrpSpPr/>
+        <p:nvPr/>
+      </p:nvGrpSpPr>
+      <p:grpSpPr>
+        <a:xfrm>
+          <a:off x="0" y="0"/>
+          <a:ext cx="0" cy="0"/>
+          <a:chOff x="0" y="0"/>
+          <a:chExt cx="0" cy="0"/>
+        </a:xfrm>
+      </p:grpSpPr>
+      <p:sp>
+        <p:nvSpPr>
+          <p:cNvPr id="2" name="Title 1">
+            <a:extLst>
+              <a:ext uri="{FF2B5EF4-FFF2-40B4-BE49-F238E27FC236}">
+                <a16:creationId xmlns:a16="http://schemas.microsoft.com/office/drawing/2014/main" id="{13329238-4A20-2E40-A3EB-76A22A5E79E2}"/>
+              </a:ext>
+            </a:extLst>
+          </p:cNvPr>
+          <p:cNvSpPr>
+            <a:spLocks noGrp="1"/>
+          </p:cNvSpPr>
+          <p:nvPr>
+            <p:ph type="title"/>
+          </p:nvPr>
+        </p:nvSpPr>
+        <p:spPr/>
+        <p:txBody>
+          <a:bodyPr/>
+          <a:lstStyle/>
+          <a:p>
+            <a:r>
+              <a:rPr lang="en-US" dirty="0"/>
+              <a:t>Updating styles (cont’d)</a:t>
+            </a:r>
+          </a:p>
+        </p:txBody>
+      </p:sp>
+      <p:sp>
+        <p:nvSpPr>
+          <p:cNvPr id="3" name="Content Placeholder 2">
+            <a:extLst>
+              <a:ext uri="{FF2B5EF4-FFF2-40B4-BE49-F238E27FC236}">
+                <a16:creationId xmlns:a16="http://schemas.microsoft.com/office/drawing/2014/main" id="{AF964619-7AFC-9841-A474-ED5D912065A7}"/>
+              </a:ext>
+            </a:extLst>
+          </p:cNvPr>
+          <p:cNvSpPr>
+            <a:spLocks noGrp="1"/>
+          </p:cNvSpPr>
+          <p:nvPr>
+            <p:ph idx="1"/>
+          </p:nvPr>
+        </p:nvSpPr>
+        <p:spPr/>
+        <p:txBody>
+          <a:bodyPr/>
+          <a:lstStyle/>
+          <a:p>
+            <a:r>
+              <a:rPr lang="en-US" dirty="0"/>
+              <a:t>Some style properties contain dashes, such as font-family. When working with them in JavaScript, the dashes are removed and the property name uses camelCase (ex: </a:t>
+            </a:r>
+            <a:r>
+              <a:rPr lang="en-US" dirty="0" err="1"/>
+              <a:t>fontFamily</a:t>
+            </a:r>
+            <a:r>
+              <a:rPr lang="en-US" dirty="0"/>
+              <a:t>).</a:t>
+            </a:r>
+          </a:p>
+          <a:p>
+            <a:r>
+              <a:rPr lang="en-US" dirty="0"/>
+              <a:t>A better idea is to add and remove classes with the styles you want to update by using the </a:t>
+            </a:r>
+            <a:r>
+              <a:rPr lang="en-US" dirty="0" err="1"/>
+              <a:t>className</a:t>
+            </a:r>
+            <a:r>
+              <a:rPr lang="en-US" dirty="0"/>
+              <a:t> property on a DOM element</a:t>
+            </a:r>
+          </a:p>
+          <a:p>
+            <a:pPr lvl="1"/>
+            <a:r>
+              <a:rPr lang="en-US" dirty="0"/>
+              <a:t>Remember class names are separated by spaces</a:t>
+            </a:r>
+          </a:p>
+          <a:p>
+            <a:endParaRPr lang="en-US" dirty="0"/>
+          </a:p>
+        </p:txBody>
+      </p:sp>
+      <p:pic>
+        <p:nvPicPr>
+          <p:cNvPr id="4" name="Picture 3">
+            <a:extLst>
+              <a:ext uri="{FF2B5EF4-FFF2-40B4-BE49-F238E27FC236}">
+                <a16:creationId xmlns:a16="http://schemas.microsoft.com/office/drawing/2014/main" id="{F909ECA3-FF0F-D948-93C2-ECCFE939FE2C}"/>
+              </a:ext>
+            </a:extLst>
+          </p:cNvPr>
+          <p:cNvPicPr>
+            <a:picLocks noChangeAspect="1"/>
+          </p:cNvPicPr>
+          <p:nvPr/>
+        </p:nvPicPr>
+        <p:blipFill>
+          <a:blip r:embed="rId2"/>
+          <a:stretch>
+            <a:fillRect/>
+          </a:stretch>
+        </p:blipFill>
+        <p:spPr>
+          <a:xfrm>
+            <a:off x="3126600" y="4242829"/>
+            <a:ext cx="4443743" cy="1710737"/>
+          </a:xfrm>
+          <a:prstGeom prst="rect">
+            <a:avLst/>
+          </a:prstGeom>
+        </p:spPr>
+      </p:pic>
+    </p:spTree>
+    <p:extLst>
+      <p:ext uri="{BB962C8B-B14F-4D97-AF65-F5344CB8AC3E}">
+        <p14:creationId xmlns:p14="http://schemas.microsoft.com/office/powerpoint/2010/main" val="4079077742"/>
+      </p:ext>
+    </p:extLst>
+  </p:cSld>
+  <p:clrMapOvr>
+    <a:masterClrMapping/>
+  </p:clrMapOvr>
+</p:sld>
+</file>
+
+<file path=ppt/slides/slide27.xml><?xml version="1.0" encoding="utf-8"?>
+<p:sld xmlns:a="http://schemas.openxmlformats.org/drawingml/2006/main" xmlns:r="http://schemas.openxmlformats.org/officeDocument/2006/relationships" xmlns:p="http://schemas.openxmlformats.org/presentationml/2006/main">
+  <p:cSld>
+    <p:bg>
+      <p:bgPr>
+        <a:gradFill>
+          <a:gsLst>
+            <a:gs pos="0">
+              <a:schemeClr val="accent1">
+                <a:lumMod val="75000"/>
+              </a:schemeClr>
+            </a:gs>
+            <a:gs pos="100000">
+              <a:schemeClr val="accent1">
+                <a:lumMod val="45000"/>
+                <a:lumOff val="55000"/>
+              </a:schemeClr>
+            </a:gs>
+            <a:gs pos="100000">
+              <a:schemeClr val="accent1">
+                <a:lumMod val="45000"/>
+                <a:lumOff val="55000"/>
+              </a:schemeClr>
+            </a:gs>
+            <a:gs pos="100000">
+              <a:schemeClr val="accent1">
+                <a:lumMod val="30000"/>
+                <a:lumOff val="70000"/>
+              </a:schemeClr>
+            </a:gs>
+          </a:gsLst>
+          <a:lin ang="5400000" scaled="1"/>
+        </a:gradFill>
+        <a:effectLst/>
+      </p:bgPr>
+    </p:bg>
+    <p:spTree>
+      <p:nvGrpSpPr>
+        <p:cNvPr id="1" name=""/>
+        <p:cNvGrpSpPr/>
+        <p:nvPr/>
+      </p:nvGrpSpPr>
+      <p:grpSpPr>
+        <a:xfrm>
+          <a:off x="0" y="0"/>
+          <a:ext cx="0" cy="0"/>
+          <a:chOff x="0" y="0"/>
+          <a:chExt cx="0" cy="0"/>
+        </a:xfrm>
+      </p:grpSpPr>
+      <p:sp>
+        <p:nvSpPr>
+          <p:cNvPr id="2" name="Title 1">
+            <a:extLst>
+              <a:ext uri="{FF2B5EF4-FFF2-40B4-BE49-F238E27FC236}">
+                <a16:creationId xmlns:a16="http://schemas.microsoft.com/office/drawing/2014/main" id="{DA65B45F-C4C1-8A40-BDA1-0B2000763E7F}"/>
+              </a:ext>
+            </a:extLst>
+          </p:cNvPr>
+          <p:cNvSpPr>
+            <a:spLocks noGrp="1"/>
+          </p:cNvSpPr>
+          <p:nvPr>
+            <p:ph type="title"/>
+          </p:nvPr>
+        </p:nvSpPr>
+        <p:spPr>
+          <a:xfrm>
+            <a:off x="1154955" y="1180749"/>
+            <a:ext cx="4086226" cy="1003651"/>
+          </a:xfrm>
+        </p:spPr>
+        <p:txBody>
+          <a:bodyPr>
+            <a:normAutofit/>
+          </a:bodyPr>
+          <a:lstStyle/>
+          <a:p>
+            <a:r>
+              <a:rPr lang="en-US" sz="2800" dirty="0"/>
+              <a:t>Moving through the tree</a:t>
+            </a:r>
+          </a:p>
+        </p:txBody>
+      </p:sp>
+      <p:sp>
+        <p:nvSpPr>
+          <p:cNvPr id="4" name="Text Placeholder 3">
+            <a:extLst>
+              <a:ext uri="{FF2B5EF4-FFF2-40B4-BE49-F238E27FC236}">
+                <a16:creationId xmlns:a16="http://schemas.microsoft.com/office/drawing/2014/main" id="{DFB772E5-9254-C243-9E2C-F455C2755A0F}"/>
+              </a:ext>
+            </a:extLst>
+          </p:cNvPr>
+          <p:cNvSpPr>
+            <a:spLocks noGrp="1"/>
+          </p:cNvSpPr>
+          <p:nvPr>
+            <p:ph type="body" sz="half" idx="2"/>
+          </p:nvPr>
+        </p:nvSpPr>
+        <p:spPr>
+          <a:xfrm>
+            <a:off x="1154955" y="2489200"/>
+            <a:ext cx="4086224" cy="3188051"/>
+          </a:xfrm>
+        </p:spPr>
+        <p:txBody>
+          <a:bodyPr>
+            <a:noAutofit/>
+          </a:bodyPr>
+          <a:lstStyle/>
+          <a:p>
+            <a:r>
+              <a:rPr lang="en-US" sz="1800" dirty="0"/>
+              <a:t>DOM nodes contain a wealth of links to other nearby nodes, as shown in the diagram</a:t>
+            </a:r>
+          </a:p>
+          <a:p>
+            <a:r>
+              <a:rPr lang="en-US" sz="1800" dirty="0"/>
+              <a:t>Every node has a parentNode property that points to its containing node</a:t>
+            </a:r>
+          </a:p>
+          <a:p>
+            <a:r>
+              <a:rPr lang="en-US" sz="1800" dirty="0"/>
+              <a:t>Every element node (node type 1) has a childNodes property that points to an array-like object holding its children</a:t>
+            </a:r>
+          </a:p>
+        </p:txBody>
+      </p:sp>
+      <p:pic>
+        <p:nvPicPr>
+          <p:cNvPr id="11" name="Picture Placeholder 10">
+            <a:extLst>
+              <a:ext uri="{FF2B5EF4-FFF2-40B4-BE49-F238E27FC236}">
+                <a16:creationId xmlns:a16="http://schemas.microsoft.com/office/drawing/2014/main" id="{7973DEA7-65E5-4745-9236-BF6DBBA1FE94}"/>
+              </a:ext>
+            </a:extLst>
+          </p:cNvPr>
+          <p:cNvPicPr>
+            <a:picLocks noGrp="1" noChangeAspect="1"/>
+          </p:cNvPicPr>
+          <p:nvPr>
+            <p:ph type="pic" idx="1"/>
+          </p:nvPr>
+        </p:nvPicPr>
+        <p:blipFill>
+          <a:blip r:embed="rId2"/>
+          <a:srcRect l="2208" r="2208"/>
+          <a:stretch>
+            <a:fillRect/>
+          </a:stretch>
+        </p:blipFill>
+        <p:spPr>
+          <a:xfrm>
+            <a:off x="5880100" y="1143000"/>
+            <a:ext cx="5054600" cy="4572000"/>
+          </a:xfrm>
+          <a:prstGeom prst="rect">
+            <a:avLst/>
+          </a:prstGeom>
+        </p:spPr>
+      </p:pic>
+    </p:spTree>
+    <p:extLst>
+      <p:ext uri="{BB962C8B-B14F-4D97-AF65-F5344CB8AC3E}">
+        <p14:creationId xmlns:p14="http://schemas.microsoft.com/office/powerpoint/2010/main" val="1969390629"/>
+      </p:ext>
+    </p:extLst>
+  </p:cSld>
+  <p:clrMapOvr>
+    <a:masterClrMapping/>
+  </p:clrMapOvr>
+</p:sld>
+</file>
+
+<file path=ppt/slides/slide28.xml><?xml version="1.0" encoding="utf-8"?>
+<p:sld xmlns:a="http://schemas.openxmlformats.org/drawingml/2006/main" xmlns:r="http://schemas.openxmlformats.org/officeDocument/2006/relationships" xmlns:p="http://schemas.openxmlformats.org/presentationml/2006/main">
+  <p:cSld>
+    <p:bg>
+      <p:bgPr>
+        <a:gradFill>
+          <a:gsLst>
+            <a:gs pos="0">
+              <a:schemeClr val="accent1">
+                <a:lumMod val="75000"/>
+              </a:schemeClr>
+            </a:gs>
+            <a:gs pos="100000">
+              <a:schemeClr val="accent1">
+                <a:lumMod val="45000"/>
+                <a:lumOff val="55000"/>
+              </a:schemeClr>
+            </a:gs>
+            <a:gs pos="100000">
+              <a:schemeClr val="accent1">
+                <a:lumMod val="45000"/>
+                <a:lumOff val="55000"/>
+              </a:schemeClr>
+            </a:gs>
+            <a:gs pos="100000">
+              <a:schemeClr val="accent1">
+                <a:lumMod val="30000"/>
+                <a:lumOff val="70000"/>
+              </a:schemeClr>
+            </a:gs>
+          </a:gsLst>
+          <a:lin ang="5400000" scaled="1"/>
+        </a:gradFill>
+        <a:effectLst/>
+      </p:bgPr>
+    </p:bg>
+    <p:spTree>
+      <p:nvGrpSpPr>
+        <p:cNvPr id="1" name=""/>
+        <p:cNvGrpSpPr/>
+        <p:nvPr/>
+      </p:nvGrpSpPr>
+      <p:grpSpPr>
+        <a:xfrm>
+          <a:off x="0" y="0"/>
+          <a:ext cx="0" cy="0"/>
+          <a:chOff x="0" y="0"/>
+          <a:chExt cx="0" cy="0"/>
+        </a:xfrm>
+      </p:grpSpPr>
+      <p:sp>
+        <p:nvSpPr>
+          <p:cNvPr id="2" name="Title 1">
+            <a:extLst>
+              <a:ext uri="{FF2B5EF4-FFF2-40B4-BE49-F238E27FC236}">
+                <a16:creationId xmlns:a16="http://schemas.microsoft.com/office/drawing/2014/main" id="{A540F9FA-08C5-A543-ACB8-B2856541D581}"/>
+              </a:ext>
+            </a:extLst>
+          </p:cNvPr>
+          <p:cNvSpPr>
+            <a:spLocks noGrp="1"/>
+          </p:cNvSpPr>
+          <p:nvPr>
+            <p:ph type="title"/>
+          </p:nvPr>
+        </p:nvSpPr>
+        <p:spPr/>
+        <p:txBody>
+          <a:bodyPr/>
+          <a:lstStyle/>
+          <a:p>
+            <a:r>
+              <a:rPr lang="en-US" dirty="0"/>
+              <a:t>Moving through the tree (cont’d)</a:t>
+            </a:r>
+          </a:p>
+        </p:txBody>
+      </p:sp>
+      <p:sp>
+        <p:nvSpPr>
+          <p:cNvPr id="3" name="Content Placeholder 2">
+            <a:extLst>
+              <a:ext uri="{FF2B5EF4-FFF2-40B4-BE49-F238E27FC236}">
+                <a16:creationId xmlns:a16="http://schemas.microsoft.com/office/drawing/2014/main" id="{C7BF2994-09F6-4B41-894F-EFBBEB4E56A8}"/>
+              </a:ext>
+            </a:extLst>
+          </p:cNvPr>
+          <p:cNvSpPr>
+            <a:spLocks noGrp="1"/>
+          </p:cNvSpPr>
+          <p:nvPr>
+            <p:ph idx="1"/>
+          </p:nvPr>
+        </p:nvSpPr>
+        <p:spPr/>
+        <p:txBody>
+          <a:bodyPr/>
+          <a:lstStyle/>
+          <a:p>
+            <a:r>
+              <a:rPr lang="en-US" dirty="0"/>
+              <a:t>You can move anywhere in the tree using just parent and child links, but JavaScript also gives you access to a number of additional convenience links</a:t>
+            </a:r>
+          </a:p>
+          <a:p>
+            <a:pPr lvl="1"/>
+            <a:r>
+              <a:rPr lang="en-US" dirty="0"/>
+              <a:t>The </a:t>
+            </a:r>
+            <a:r>
+              <a:rPr lang="en-US" dirty="0" err="1"/>
+              <a:t>firstChild</a:t>
+            </a:r>
+            <a:r>
+              <a:rPr lang="en-US" dirty="0"/>
+              <a:t> and </a:t>
+            </a:r>
+            <a:r>
+              <a:rPr lang="en-US" dirty="0" err="1"/>
+              <a:t>lastChild</a:t>
+            </a:r>
+            <a:r>
+              <a:rPr lang="en-US" dirty="0"/>
+              <a:t> properties point to the first and last child elements or have the value null for nodes without children</a:t>
+            </a:r>
+          </a:p>
+          <a:p>
+            <a:pPr lvl="1"/>
+            <a:r>
+              <a:rPr lang="en-US" dirty="0" err="1"/>
+              <a:t>previousSibling</a:t>
+            </a:r>
+            <a:r>
+              <a:rPr lang="en-US" dirty="0"/>
+              <a:t> and </a:t>
+            </a:r>
+            <a:r>
+              <a:rPr lang="en-US" dirty="0" err="1"/>
+              <a:t>nexSibling</a:t>
+            </a:r>
+            <a:r>
+              <a:rPr lang="en-US" dirty="0"/>
+              <a:t> point to adjacent nodes (nodes that have the same parent that appear immediately before or after the node itself)</a:t>
+            </a:r>
+          </a:p>
+          <a:p>
+            <a:pPr lvl="2"/>
+            <a:r>
+              <a:rPr lang="en-US" dirty="0"/>
+              <a:t>For a first child, </a:t>
+            </a:r>
+            <a:r>
+              <a:rPr lang="en-US" dirty="0" err="1"/>
+              <a:t>previousSibling</a:t>
+            </a:r>
+            <a:r>
+              <a:rPr lang="en-US" dirty="0"/>
+              <a:t> will be null, and for a last child, </a:t>
+            </a:r>
+            <a:r>
+              <a:rPr lang="en-US" dirty="0" err="1"/>
+              <a:t>nextSibling</a:t>
+            </a:r>
+            <a:r>
+              <a:rPr lang="en-US" dirty="0"/>
+              <a:t> will be null</a:t>
+            </a:r>
+          </a:p>
+        </p:txBody>
+      </p:sp>
+    </p:spTree>
+    <p:extLst>
+      <p:ext uri="{BB962C8B-B14F-4D97-AF65-F5344CB8AC3E}">
+        <p14:creationId xmlns:p14="http://schemas.microsoft.com/office/powerpoint/2010/main" val="1668203667"/>
+      </p:ext>
+    </p:extLst>
+  </p:cSld>
+  <p:clrMapOvr>
+    <a:masterClrMapping/>
+  </p:clrMapOvr>
+</p:sld>
+</file>
+
+<file path=ppt/slides/slide29.xml><?xml version="1.0" encoding="utf-8"?>
+<p:sld xmlns:a="http://schemas.openxmlformats.org/drawingml/2006/main" xmlns:r="http://schemas.openxmlformats.org/officeDocument/2006/relationships" xmlns:p="http://schemas.openxmlformats.org/presentationml/2006/main">
+  <p:cSld>
+    <p:bg>
+      <p:bgPr>
+        <a:gradFill>
+          <a:gsLst>
+            <a:gs pos="0">
+              <a:schemeClr val="accent1">
+                <a:lumMod val="75000"/>
+              </a:schemeClr>
+            </a:gs>
+            <a:gs pos="100000">
+              <a:schemeClr val="accent1">
+                <a:lumMod val="45000"/>
+                <a:lumOff val="55000"/>
+              </a:schemeClr>
+            </a:gs>
+            <a:gs pos="100000">
+              <a:schemeClr val="accent1">
+                <a:lumMod val="45000"/>
+                <a:lumOff val="55000"/>
+              </a:schemeClr>
+            </a:gs>
+            <a:gs pos="100000">
+              <a:schemeClr val="accent1">
+                <a:lumMod val="30000"/>
+                <a:lumOff val="70000"/>
+              </a:schemeClr>
+            </a:gs>
+          </a:gsLst>
+          <a:lin ang="5400000" scaled="1"/>
+        </a:gradFill>
+        <a:effectLst/>
+      </p:bgPr>
+    </p:bg>
+    <p:spTree>
+      <p:nvGrpSpPr>
+        <p:cNvPr id="1" name=""/>
+        <p:cNvGrpSpPr/>
+        <p:nvPr/>
+      </p:nvGrpSpPr>
+      <p:grpSpPr>
+        <a:xfrm>
+          <a:off x="0" y="0"/>
+          <a:ext cx="0" cy="0"/>
+          <a:chOff x="0" y="0"/>
+          <a:chExt cx="0" cy="0"/>
+        </a:xfrm>
+      </p:grpSpPr>
+      <p:sp>
+        <p:nvSpPr>
+          <p:cNvPr id="2" name="Title 1">
+            <a:extLst>
+              <a:ext uri="{FF2B5EF4-FFF2-40B4-BE49-F238E27FC236}">
+                <a16:creationId xmlns:a16="http://schemas.microsoft.com/office/drawing/2014/main" id="{07C6C0D8-9185-FB45-B5E2-BAB9274CDF05}"/>
+              </a:ext>
+            </a:extLst>
+          </p:cNvPr>
+          <p:cNvSpPr>
+            <a:spLocks noGrp="1"/>
+          </p:cNvSpPr>
+          <p:nvPr>
+            <p:ph type="title"/>
+          </p:nvPr>
+        </p:nvSpPr>
+        <p:spPr/>
+        <p:txBody>
+          <a:bodyPr/>
+          <a:lstStyle/>
+          <a:p>
+            <a:r>
+              <a:rPr lang="en-US" dirty="0"/>
+              <a:t>Moving through the tree (cont’d)</a:t>
+            </a:r>
+          </a:p>
+        </p:txBody>
+      </p:sp>
+      <p:sp>
+        <p:nvSpPr>
+          <p:cNvPr id="3" name="Content Placeholder 2">
+            <a:extLst>
+              <a:ext uri="{FF2B5EF4-FFF2-40B4-BE49-F238E27FC236}">
+                <a16:creationId xmlns:a16="http://schemas.microsoft.com/office/drawing/2014/main" id="{7F1F5B33-A595-5C49-8829-3D6945DA7CD4}"/>
+              </a:ext>
+            </a:extLst>
+          </p:cNvPr>
+          <p:cNvSpPr>
+            <a:spLocks noGrp="1"/>
+          </p:cNvSpPr>
+          <p:nvPr>
+            <p:ph idx="1"/>
+          </p:nvPr>
+        </p:nvSpPr>
+        <p:spPr/>
+        <p:txBody>
+          <a:bodyPr/>
+          <a:lstStyle/>
+          <a:p>
+            <a:r>
+              <a:rPr lang="en-US" dirty="0"/>
+              <a:t>When dealing with a nested data structure, recursive functions are often useful. The following recursive function scans a document for text nodes containing a given string and returns true when it has found one.</a:t>
+            </a:r>
+          </a:p>
+          <a:p>
+            <a:r>
+              <a:rPr lang="en-US" dirty="0"/>
+              <a:t>The </a:t>
+            </a:r>
+            <a:r>
+              <a:rPr lang="en-US" dirty="0" err="1"/>
+              <a:t>nodeValue</a:t>
+            </a:r>
+            <a:r>
+              <a:rPr lang="en-US" dirty="0"/>
+              <a:t> property of a text node refers to the string of text that it represents</a:t>
+            </a:r>
+          </a:p>
+          <a:p>
+            <a:endParaRPr lang="en-US" dirty="0"/>
+          </a:p>
+        </p:txBody>
+      </p:sp>
+      <p:pic>
+        <p:nvPicPr>
+          <p:cNvPr id="5" name="Picture 4">
+            <a:extLst>
+              <a:ext uri="{FF2B5EF4-FFF2-40B4-BE49-F238E27FC236}">
+                <a16:creationId xmlns:a16="http://schemas.microsoft.com/office/drawing/2014/main" id="{19454377-E0DC-3047-BC67-6A4E1FBA0353}"/>
+              </a:ext>
+            </a:extLst>
+          </p:cNvPr>
+          <p:cNvPicPr>
+            <a:picLocks noChangeAspect="1"/>
+          </p:cNvPicPr>
+          <p:nvPr/>
+        </p:nvPicPr>
+        <p:blipFill>
+          <a:blip r:embed="rId2"/>
+          <a:stretch>
+            <a:fillRect/>
+          </a:stretch>
+        </p:blipFill>
+        <p:spPr>
+          <a:xfrm>
+            <a:off x="3653345" y="4150658"/>
+            <a:ext cx="3846473" cy="2073613"/>
+          </a:xfrm>
+          <a:prstGeom prst="rect">
+            <a:avLst/>
+          </a:prstGeom>
+        </p:spPr>
+      </p:pic>
+    </p:spTree>
+    <p:extLst>
+      <p:ext uri="{BB962C8B-B14F-4D97-AF65-F5344CB8AC3E}">
+        <p14:creationId xmlns:p14="http://schemas.microsoft.com/office/powerpoint/2010/main" val="2659214782"/>
+      </p:ext>
+    </p:extLst>
+  </p:cSld>
+  <p:clrMapOvr>
+    <a:masterClrMapping/>
+  </p:clrMapOvr>
+</p:sld>
+</file>
+
+<file path=ppt/slides/slide3.xml><?xml version="1.0" encoding="utf-8"?>
+<p:sld xmlns:a="http://schemas.openxmlformats.org/drawingml/2006/main" xmlns:r="http://schemas.openxmlformats.org/officeDocument/2006/relationships" xmlns:p="http://schemas.openxmlformats.org/presentationml/2006/main">
+  <p:cSld>
+    <p:bg>
+      <p:bgPr>
+        <a:gradFill>
+          <a:gsLst>
+            <a:gs pos="0">
+              <a:schemeClr val="accent1">
+                <a:lumMod val="75000"/>
+              </a:schemeClr>
+            </a:gs>
+            <a:gs pos="97000">
+              <a:schemeClr val="accent1">
+                <a:lumMod val="45000"/>
+                <a:lumOff val="55000"/>
+              </a:schemeClr>
+            </a:gs>
+            <a:gs pos="100000">
+              <a:schemeClr val="accent1">
+                <a:lumMod val="45000"/>
+                <a:lumOff val="55000"/>
+              </a:schemeClr>
+            </a:gs>
+            <a:gs pos="100000">
+              <a:schemeClr val="accent1">
+                <a:lumMod val="30000"/>
+                <a:lumOff val="70000"/>
+              </a:schemeClr>
+            </a:gs>
+          </a:gsLst>
+          <a:lin ang="5400000" scaled="1"/>
+        </a:gradFill>
+        <a:effectLst/>
+      </p:bgPr>
+    </p:bg>
+    <p:spTree>
+      <p:nvGrpSpPr>
+        <p:cNvPr id="1" name=""/>
+        <p:cNvGrpSpPr/>
+        <p:nvPr/>
+      </p:nvGrpSpPr>
+      <p:grpSpPr>
+        <a:xfrm>
+          <a:off x="0" y="0"/>
+          <a:ext cx="0" cy="0"/>
+          <a:chOff x="0" y="0"/>
+          <a:chExt cx="0" cy="0"/>
+        </a:xfrm>
+      </p:grpSpPr>
+      <p:sp>
+        <p:nvSpPr>
+          <p:cNvPr id="2" name="Title 1">
+            <a:extLst>
+              <a:ext uri="{FF2B5EF4-FFF2-40B4-BE49-F238E27FC236}">
+                <a16:creationId xmlns:a16="http://schemas.microsoft.com/office/drawing/2014/main" id="{49DBAFF7-C5F7-4D23-9ADE-41CA0B19D918}"/>
+              </a:ext>
+            </a:extLst>
+          </p:cNvPr>
+          <p:cNvSpPr>
+            <a:spLocks noGrp="1"/>
+          </p:cNvSpPr>
+          <p:nvPr>
+            <p:ph type="title"/>
+          </p:nvPr>
+        </p:nvSpPr>
+        <p:spPr/>
+        <p:txBody>
+          <a:bodyPr/>
+          <a:lstStyle/>
+          <a:p>
+            <a:r>
+              <a:rPr lang="en-US" dirty="0">
+                <a:solidFill>
+                  <a:schemeClr val="tx1"/>
+                </a:solidFill>
+                <a:effectLst>
+                  <a:outerShdw blurRad="50800" dist="38100" dir="2700000" algn="tl" rotWithShape="0">
+                    <a:prstClr val="black">
+                      <a:alpha val="40000"/>
+                    </a:prstClr>
+                  </a:outerShdw>
+                </a:effectLst>
+              </a:rPr>
+              <a:t>What is the Document Object Model (DOM)?</a:t>
+            </a:r>
+          </a:p>
+        </p:txBody>
+      </p:sp>
+      <p:sp>
+        <p:nvSpPr>
+          <p:cNvPr id="3" name="Content Placeholder 2">
+            <a:extLst>
+              <a:ext uri="{FF2B5EF4-FFF2-40B4-BE49-F238E27FC236}">
+                <a16:creationId xmlns:a16="http://schemas.microsoft.com/office/drawing/2014/main" id="{3E67B693-50FA-420C-B136-F7D4BE11EFF7}"/>
+              </a:ext>
+            </a:extLst>
+          </p:cNvPr>
+          <p:cNvSpPr>
+            <a:spLocks noGrp="1"/>
+          </p:cNvSpPr>
+          <p:nvPr>
+            <p:ph idx="1"/>
+          </p:nvPr>
+        </p:nvSpPr>
+        <p:spPr>
+          <a:xfrm>
+            <a:off x="645130" y="2052918"/>
+            <a:ext cx="10476526" cy="4195481"/>
+          </a:xfrm>
+        </p:spPr>
+        <p:txBody>
+          <a:bodyPr>
+            <a:normAutofit fontScale="92500" lnSpcReduction="10000"/>
+          </a:bodyPr>
+          <a:lstStyle/>
+          <a:p>
+            <a:r>
+              <a:rPr lang="en-US" dirty="0">
+                <a:effectLst/>
+              </a:rPr>
+              <a:t>It is a representation of the HTML that makes up the web page</a:t>
+            </a:r>
+          </a:p>
+          <a:p>
+            <a:r>
+              <a:rPr lang="en-US" dirty="0">
+                <a:effectLst/>
+              </a:rPr>
+              <a:t>When a web page is loaded, the following happens:</a:t>
+            </a:r>
+          </a:p>
+          <a:p>
+            <a:pPr lvl="1"/>
+            <a:r>
+              <a:rPr lang="en-US" dirty="0">
+                <a:effectLst/>
+              </a:rPr>
+              <a:t>The JavaScript engine analyzes the HTML</a:t>
+            </a:r>
+          </a:p>
+          <a:p>
+            <a:pPr lvl="1"/>
+            <a:r>
+              <a:rPr lang="en-US" dirty="0">
+                <a:effectLst/>
+              </a:rPr>
+              <a:t>The JavaScript converts the HTML into an internal format</a:t>
+            </a:r>
+            <a:br>
+              <a:rPr lang="en-US" dirty="0">
+                <a:effectLst/>
+              </a:rPr>
+            </a:br>
+            <a:r>
+              <a:rPr lang="en-US" dirty="0">
+                <a:effectLst/>
+              </a:rPr>
+              <a:t>that the runtime environment can actually run.</a:t>
+            </a:r>
+          </a:p>
+          <a:p>
+            <a:pPr lvl="2"/>
+            <a:r>
+              <a:rPr lang="en-US" dirty="0">
+                <a:effectLst/>
+              </a:rPr>
+              <a:t>This internal format is called the DOM tree. </a:t>
+            </a:r>
+          </a:p>
+          <a:p>
+            <a:pPr lvl="2"/>
+            <a:r>
+              <a:rPr lang="en-US" dirty="0">
+                <a:effectLst/>
+              </a:rPr>
+              <a:t>The act of analyzing and converting is called parsing the document.</a:t>
+            </a:r>
+          </a:p>
+          <a:p>
+            <a:pPr lvl="1"/>
+            <a:r>
+              <a:rPr lang="en-US" dirty="0">
+                <a:effectLst/>
+              </a:rPr>
+              <a:t>The browser then builds up a model of the document’s structure</a:t>
+            </a:r>
+          </a:p>
+          <a:p>
+            <a:pPr lvl="1"/>
+            <a:r>
+              <a:rPr lang="en-US" dirty="0">
+                <a:effectLst/>
+              </a:rPr>
+              <a:t>The browser then uses the model to draw the page on the screen</a:t>
+            </a:r>
+          </a:p>
+          <a:p>
+            <a:r>
+              <a:rPr lang="en-US" dirty="0">
+                <a:effectLst/>
+              </a:rPr>
+              <a:t>The model of the document is a live data structure that you can read from and change</a:t>
+            </a:r>
+          </a:p>
+          <a:p>
+            <a:pPr lvl="1"/>
+            <a:r>
+              <a:rPr lang="en-US" dirty="0">
+                <a:effectLst/>
+              </a:rPr>
+              <a:t>When it is modified, the page on the screen is updated to reflect the changes</a:t>
+            </a:r>
+          </a:p>
+        </p:txBody>
+      </p:sp>
+    </p:spTree>
+    <p:extLst>
+      <p:ext uri="{BB962C8B-B14F-4D97-AF65-F5344CB8AC3E}">
+        <p14:creationId xmlns:p14="http://schemas.microsoft.com/office/powerpoint/2010/main" val="2120128148"/>
+      </p:ext>
+    </p:extLst>
+  </p:cSld>
+  <p:clrMapOvr>
+    <a:masterClrMapping/>
+  </p:clrMapOvr>
+</p:sld>
+</file>
+
+<file path=ppt/slides/slide30.xml><?xml version="1.0" encoding="utf-8"?>
+<p:sld xmlns:a="http://schemas.openxmlformats.org/drawingml/2006/main" xmlns:r="http://schemas.openxmlformats.org/officeDocument/2006/relationships" xmlns:p="http://schemas.openxmlformats.org/presentationml/2006/main">
+  <p:cSld>
+    <p:bg>
+      <p:bgPr>
+        <a:gradFill>
+          <a:gsLst>
+            <a:gs pos="0">
+              <a:schemeClr val="accent1">
+                <a:lumMod val="75000"/>
+              </a:schemeClr>
+            </a:gs>
+            <a:gs pos="100000">
+              <a:schemeClr val="accent1">
+                <a:lumMod val="45000"/>
+                <a:lumOff val="55000"/>
+              </a:schemeClr>
+            </a:gs>
+            <a:gs pos="100000">
+              <a:schemeClr val="accent1">
+                <a:lumMod val="45000"/>
+                <a:lumOff val="55000"/>
+              </a:schemeClr>
+            </a:gs>
+            <a:gs pos="100000">
+              <a:schemeClr val="accent1">
+                <a:lumMod val="30000"/>
+                <a:lumOff val="70000"/>
+              </a:schemeClr>
+            </a:gs>
+          </a:gsLst>
+          <a:lin ang="5400000" scaled="1"/>
+        </a:gradFill>
+        <a:effectLst/>
+      </p:bgPr>
+    </p:bg>
+    <p:spTree>
+      <p:nvGrpSpPr>
+        <p:cNvPr id="1" name=""/>
+        <p:cNvGrpSpPr/>
+        <p:nvPr/>
+      </p:nvGrpSpPr>
+      <p:grpSpPr>
+        <a:xfrm>
+          <a:off x="0" y="0"/>
+          <a:ext cx="0" cy="0"/>
+          <a:chOff x="0" y="0"/>
+          <a:chExt cx="0" cy="0"/>
+        </a:xfrm>
+      </p:grpSpPr>
+      <p:sp>
+        <p:nvSpPr>
+          <p:cNvPr id="2" name="Title 1">
+            <a:extLst>
+              <a:ext uri="{FF2B5EF4-FFF2-40B4-BE49-F238E27FC236}">
+                <a16:creationId xmlns:a16="http://schemas.microsoft.com/office/drawing/2014/main" id="{B9CA288E-71EB-6D42-A16C-00048A0BE48F}"/>
+              </a:ext>
+            </a:extLst>
+          </p:cNvPr>
+          <p:cNvSpPr>
+            <a:spLocks noGrp="1"/>
+          </p:cNvSpPr>
+          <p:nvPr>
+            <p:ph type="title"/>
+          </p:nvPr>
+        </p:nvSpPr>
+        <p:spPr/>
+        <p:txBody>
+          <a:bodyPr/>
+          <a:lstStyle/>
+          <a:p>
+            <a:r>
+              <a:rPr lang="en-US" dirty="0"/>
+              <a:t>Changing the document</a:t>
+            </a:r>
+          </a:p>
+        </p:txBody>
+      </p:sp>
+      <p:sp>
+        <p:nvSpPr>
+          <p:cNvPr id="3" name="Content Placeholder 2">
+            <a:extLst>
+              <a:ext uri="{FF2B5EF4-FFF2-40B4-BE49-F238E27FC236}">
+                <a16:creationId xmlns:a16="http://schemas.microsoft.com/office/drawing/2014/main" id="{B5BBBE67-A227-884B-BEA3-E8FB3834057F}"/>
+              </a:ext>
+            </a:extLst>
+          </p:cNvPr>
+          <p:cNvSpPr>
+            <a:spLocks noGrp="1"/>
+          </p:cNvSpPr>
+          <p:nvPr>
+            <p:ph idx="1"/>
+          </p:nvPr>
+        </p:nvSpPr>
+        <p:spPr/>
+        <p:txBody>
+          <a:bodyPr/>
+          <a:lstStyle/>
+          <a:p>
+            <a:r>
+              <a:rPr lang="en-US" dirty="0"/>
+              <a:t>Almost everything about the DOM data structure can be changed</a:t>
+            </a:r>
+          </a:p>
+          <a:p>
+            <a:r>
+              <a:rPr lang="en-US" dirty="0"/>
+              <a:t>Element nodes have a number of methods that can be used to change their content</a:t>
+            </a:r>
+          </a:p>
+          <a:p>
+            <a:pPr lvl="1"/>
+            <a:r>
+              <a:rPr lang="en-US" dirty="0"/>
+              <a:t>The </a:t>
+            </a:r>
+            <a:r>
+              <a:rPr lang="en-US" dirty="0" err="1"/>
+              <a:t>removeChild</a:t>
+            </a:r>
+            <a:r>
+              <a:rPr lang="en-US" dirty="0"/>
+              <a:t> method removes the given child node from the document</a:t>
+            </a:r>
+          </a:p>
+          <a:p>
+            <a:pPr lvl="1"/>
+            <a:r>
+              <a:rPr lang="en-US" dirty="0"/>
+              <a:t>To add a child, we can use </a:t>
+            </a:r>
+            <a:r>
+              <a:rPr lang="en-US" dirty="0" err="1"/>
+              <a:t>appendChild</a:t>
+            </a:r>
+            <a:r>
+              <a:rPr lang="en-US" dirty="0"/>
+              <a:t>, which puts it at the end of the list of children, or </a:t>
+            </a:r>
+            <a:r>
+              <a:rPr lang="en-US" dirty="0" err="1"/>
+              <a:t>insertBefore</a:t>
+            </a:r>
+            <a:r>
+              <a:rPr lang="en-US" dirty="0"/>
+              <a:t>, which inserts the node given as the first argument before the node given as the second argument</a:t>
+            </a:r>
+          </a:p>
+          <a:p>
+            <a:pPr lvl="1"/>
+            <a:endParaRPr lang="en-US" dirty="0"/>
+          </a:p>
+        </p:txBody>
+      </p:sp>
+      <p:pic>
+        <p:nvPicPr>
+          <p:cNvPr id="5" name="Picture 4">
+            <a:extLst>
+              <a:ext uri="{FF2B5EF4-FFF2-40B4-BE49-F238E27FC236}">
+                <a16:creationId xmlns:a16="http://schemas.microsoft.com/office/drawing/2014/main" id="{AFE0EBFA-2FD7-1C49-B8BC-DF46B49E3C28}"/>
+              </a:ext>
+            </a:extLst>
+          </p:cNvPr>
+          <p:cNvPicPr>
+            <a:picLocks noChangeAspect="1"/>
+          </p:cNvPicPr>
+          <p:nvPr/>
+        </p:nvPicPr>
+        <p:blipFill>
+          <a:blip r:embed="rId2"/>
+          <a:stretch>
+            <a:fillRect/>
+          </a:stretch>
+        </p:blipFill>
+        <p:spPr>
+          <a:xfrm>
+            <a:off x="3140723" y="4826000"/>
+            <a:ext cx="4871717" cy="1422399"/>
+          </a:xfrm>
+          <a:prstGeom prst="rect">
+            <a:avLst/>
+          </a:prstGeom>
+        </p:spPr>
+      </p:pic>
+    </p:spTree>
+    <p:extLst>
+      <p:ext uri="{BB962C8B-B14F-4D97-AF65-F5344CB8AC3E}">
+        <p14:creationId xmlns:p14="http://schemas.microsoft.com/office/powerpoint/2010/main" val="3545184722"/>
+      </p:ext>
+    </p:extLst>
+  </p:cSld>
+  <p:clrMapOvr>
+    <a:masterClrMapping/>
+  </p:clrMapOvr>
+</p:sld>
+</file>
+
+<file path=ppt/slides/slide31.xml><?xml version="1.0" encoding="utf-8"?>
+<p:sld xmlns:a="http://schemas.openxmlformats.org/drawingml/2006/main" xmlns:r="http://schemas.openxmlformats.org/officeDocument/2006/relationships" xmlns:p="http://schemas.openxmlformats.org/presentationml/2006/main">
+  <p:cSld>
+    <p:bg>
+      <p:bgPr>
+        <a:gradFill>
+          <a:gsLst>
+            <a:gs pos="0">
+              <a:schemeClr val="accent1">
+                <a:lumMod val="75000"/>
+              </a:schemeClr>
+            </a:gs>
+            <a:gs pos="100000">
+              <a:schemeClr val="accent1">
+                <a:lumMod val="45000"/>
+                <a:lumOff val="55000"/>
+              </a:schemeClr>
+            </a:gs>
+            <a:gs pos="100000">
+              <a:schemeClr val="accent1">
+                <a:lumMod val="45000"/>
+                <a:lumOff val="55000"/>
+              </a:schemeClr>
+            </a:gs>
+            <a:gs pos="100000">
+              <a:schemeClr val="accent1">
+                <a:lumMod val="30000"/>
+                <a:lumOff val="70000"/>
+              </a:schemeClr>
+            </a:gs>
+          </a:gsLst>
+          <a:lin ang="5400000" scaled="1"/>
+        </a:gradFill>
+        <a:effectLst/>
+      </p:bgPr>
+    </p:bg>
+    <p:spTree>
+      <p:nvGrpSpPr>
+        <p:cNvPr id="1" name=""/>
+        <p:cNvGrpSpPr/>
+        <p:nvPr/>
+      </p:nvGrpSpPr>
+      <p:grpSpPr>
+        <a:xfrm>
+          <a:off x="0" y="0"/>
+          <a:ext cx="0" cy="0"/>
+          <a:chOff x="0" y="0"/>
+          <a:chExt cx="0" cy="0"/>
+        </a:xfrm>
+      </p:grpSpPr>
+      <p:sp>
+        <p:nvSpPr>
+          <p:cNvPr id="2" name="Title 1">
+            <a:extLst>
+              <a:ext uri="{FF2B5EF4-FFF2-40B4-BE49-F238E27FC236}">
+                <a16:creationId xmlns:a16="http://schemas.microsoft.com/office/drawing/2014/main" id="{A7AEB4FA-55EB-DE44-97B7-9EF2AE97E681}"/>
+              </a:ext>
+            </a:extLst>
+          </p:cNvPr>
+          <p:cNvSpPr>
+            <a:spLocks noGrp="1"/>
+          </p:cNvSpPr>
+          <p:nvPr>
+            <p:ph type="title"/>
+          </p:nvPr>
+        </p:nvSpPr>
+        <p:spPr/>
+        <p:txBody>
+          <a:bodyPr/>
+          <a:lstStyle/>
+          <a:p>
+            <a:r>
+              <a:rPr lang="en-US" dirty="0"/>
+              <a:t>Changing the document (cont’d)</a:t>
+            </a:r>
+          </a:p>
+        </p:txBody>
+      </p:sp>
+      <p:sp>
+        <p:nvSpPr>
+          <p:cNvPr id="3" name="Content Placeholder 2">
+            <a:extLst>
+              <a:ext uri="{FF2B5EF4-FFF2-40B4-BE49-F238E27FC236}">
+                <a16:creationId xmlns:a16="http://schemas.microsoft.com/office/drawing/2014/main" id="{E19656A1-34D4-7548-B666-16C018BEBD34}"/>
+              </a:ext>
+            </a:extLst>
+          </p:cNvPr>
+          <p:cNvSpPr>
+            <a:spLocks noGrp="1"/>
+          </p:cNvSpPr>
+          <p:nvPr>
+            <p:ph idx="1"/>
+          </p:nvPr>
+        </p:nvSpPr>
+        <p:spPr/>
+        <p:txBody>
+          <a:bodyPr>
+            <a:normAutofit fontScale="92500" lnSpcReduction="10000"/>
+          </a:bodyPr>
+          <a:lstStyle/>
+          <a:p>
+            <a:r>
+              <a:rPr lang="en-US" dirty="0"/>
+              <a:t>A node can exist in the document in only one place</a:t>
+            </a:r>
+          </a:p>
+          <a:p>
+            <a:pPr lvl="1"/>
+            <a:r>
+              <a:rPr lang="en-US" dirty="0"/>
+              <a:t>Inserting paragraph “Three” in front of paragraph “One” will first remove it from the end of the document and then insert it at the front, resulting in “Three/One/Two”</a:t>
+            </a:r>
+          </a:p>
+          <a:p>
+            <a:pPr lvl="1"/>
+            <a:r>
+              <a:rPr lang="en-US" dirty="0"/>
+              <a:t>All operations that insert a node somewhere will, as a side effect, cause it to be removed from its current position (if it has one)</a:t>
+            </a:r>
+          </a:p>
+          <a:p>
+            <a:r>
+              <a:rPr lang="en-US" dirty="0"/>
+              <a:t>The </a:t>
+            </a:r>
+            <a:r>
+              <a:rPr lang="en-US" dirty="0" err="1"/>
+              <a:t>replaceChild</a:t>
+            </a:r>
+            <a:r>
+              <a:rPr lang="en-US" dirty="0"/>
+              <a:t> method is used to replace a child node with another one</a:t>
+            </a:r>
+          </a:p>
+          <a:p>
+            <a:pPr lvl="1"/>
+            <a:r>
+              <a:rPr lang="en-US" dirty="0"/>
+              <a:t>It takes as arguments two nodes: the new node and the node to be replaced</a:t>
+            </a:r>
+          </a:p>
+          <a:p>
+            <a:pPr lvl="1"/>
+            <a:r>
+              <a:rPr lang="en-US" dirty="0"/>
+              <a:t>The replaced node must be a child of the element the method is called on</a:t>
+            </a:r>
+          </a:p>
+          <a:p>
+            <a:pPr lvl="1"/>
+            <a:r>
+              <a:rPr lang="en-US" dirty="0"/>
+              <a:t>Both </a:t>
+            </a:r>
+            <a:r>
+              <a:rPr lang="en-US" dirty="0" err="1"/>
+              <a:t>replaceChild</a:t>
+            </a:r>
+            <a:r>
+              <a:rPr lang="en-US" dirty="0"/>
+              <a:t> and </a:t>
+            </a:r>
+            <a:r>
+              <a:rPr lang="en-US" dirty="0" err="1"/>
+              <a:t>insertBefore</a:t>
+            </a:r>
+            <a:r>
+              <a:rPr lang="en-US" dirty="0"/>
+              <a:t> expect the new node as their first argument</a:t>
+            </a:r>
+          </a:p>
+        </p:txBody>
+      </p:sp>
+    </p:spTree>
+    <p:extLst>
+      <p:ext uri="{BB962C8B-B14F-4D97-AF65-F5344CB8AC3E}">
+        <p14:creationId xmlns:p14="http://schemas.microsoft.com/office/powerpoint/2010/main" val="1311924091"/>
+      </p:ext>
+    </p:extLst>
+  </p:cSld>
+  <p:clrMapOvr>
+    <a:masterClrMapping/>
+  </p:clrMapOvr>
+</p:sld>
+</file>
+
+<file path=ppt/slides/slide32.xml><?xml version="1.0" encoding="utf-8"?>
+<p:sld xmlns:a="http://schemas.openxmlformats.org/drawingml/2006/main" xmlns:r="http://schemas.openxmlformats.org/officeDocument/2006/relationships" xmlns:p="http://schemas.openxmlformats.org/presentationml/2006/main">
+  <p:cSld>
+    <p:bg>
+      <p:bgPr>
+        <a:gradFill>
+          <a:gsLst>
+            <a:gs pos="0">
+              <a:schemeClr val="accent1">
+                <a:lumMod val="75000"/>
+              </a:schemeClr>
+            </a:gs>
+            <a:gs pos="100000">
+              <a:schemeClr val="accent1">
+                <a:lumMod val="45000"/>
+                <a:lumOff val="55000"/>
+              </a:schemeClr>
+            </a:gs>
+            <a:gs pos="100000">
+              <a:schemeClr val="accent1">
+                <a:lumMod val="45000"/>
+                <a:lumOff val="55000"/>
+              </a:schemeClr>
+            </a:gs>
+            <a:gs pos="100000">
+              <a:schemeClr val="accent1">
+                <a:lumMod val="30000"/>
+                <a:lumOff val="70000"/>
+              </a:schemeClr>
+            </a:gs>
+          </a:gsLst>
+          <a:lin ang="5400000" scaled="1"/>
+        </a:gradFill>
+        <a:effectLst/>
+      </p:bgPr>
+    </p:bg>
+    <p:spTree>
+      <p:nvGrpSpPr>
+        <p:cNvPr id="1" name=""/>
+        <p:cNvGrpSpPr/>
+        <p:nvPr/>
+      </p:nvGrpSpPr>
+      <p:grpSpPr>
+        <a:xfrm>
+          <a:off x="0" y="0"/>
+          <a:ext cx="0" cy="0"/>
+          <a:chOff x="0" y="0"/>
+          <a:chExt cx="0" cy="0"/>
+        </a:xfrm>
+      </p:grpSpPr>
+      <p:sp>
+        <p:nvSpPr>
+          <p:cNvPr id="2" name="Title 1">
+            <a:extLst>
+              <a:ext uri="{FF2B5EF4-FFF2-40B4-BE49-F238E27FC236}">
+                <a16:creationId xmlns:a16="http://schemas.microsoft.com/office/drawing/2014/main" id="{ED1C6734-D260-0E45-B7B4-D078DA05BF7A}"/>
+              </a:ext>
+            </a:extLst>
+          </p:cNvPr>
+          <p:cNvSpPr>
+            <a:spLocks noGrp="1"/>
+          </p:cNvSpPr>
+          <p:nvPr>
+            <p:ph type="title"/>
+          </p:nvPr>
+        </p:nvSpPr>
+        <p:spPr/>
+        <p:txBody>
+          <a:bodyPr/>
+          <a:lstStyle/>
+          <a:p>
+            <a:r>
+              <a:rPr lang="en-US" dirty="0"/>
+              <a:t>Creating nodes</a:t>
+            </a:r>
+          </a:p>
+        </p:txBody>
+      </p:sp>
+      <p:sp>
+        <p:nvSpPr>
+          <p:cNvPr id="3" name="Content Placeholder 2">
+            <a:extLst>
+              <a:ext uri="{FF2B5EF4-FFF2-40B4-BE49-F238E27FC236}">
+                <a16:creationId xmlns:a16="http://schemas.microsoft.com/office/drawing/2014/main" id="{B3A5394A-658D-E54D-BD4D-942621B18F98}"/>
+              </a:ext>
+            </a:extLst>
+          </p:cNvPr>
+          <p:cNvSpPr>
+            <a:spLocks noGrp="1"/>
+          </p:cNvSpPr>
+          <p:nvPr>
+            <p:ph idx="1"/>
+          </p:nvPr>
+        </p:nvSpPr>
+        <p:spPr/>
+        <p:txBody>
+          <a:bodyPr/>
+          <a:lstStyle/>
+          <a:p>
+            <a:r>
+              <a:rPr lang="en-US" dirty="0"/>
+              <a:t>In the example on the following slide, we want to write a script that replaces all images (&lt;</a:t>
+            </a:r>
+            <a:r>
+              <a:rPr lang="en-US" dirty="0" err="1"/>
+              <a:t>img</a:t>
+            </a:r>
+            <a:r>
+              <a:rPr lang="en-US" dirty="0"/>
+              <a:t>&gt; tags) in the document with the text held in their alt attributes, which specifies an alternative textual representation of the image</a:t>
+            </a:r>
+          </a:p>
+          <a:p>
+            <a:r>
+              <a:rPr lang="en-US" dirty="0"/>
+              <a:t>This involves not only removing the images but adding a new text node to replace them. For this, we use the </a:t>
+            </a:r>
+            <a:r>
+              <a:rPr lang="en-US" dirty="0" err="1"/>
+              <a:t>document.createTextNode</a:t>
+            </a:r>
+            <a:r>
+              <a:rPr lang="en-US" dirty="0"/>
+              <a:t> method</a:t>
+            </a:r>
+          </a:p>
+        </p:txBody>
+      </p:sp>
+    </p:spTree>
+    <p:extLst>
+      <p:ext uri="{BB962C8B-B14F-4D97-AF65-F5344CB8AC3E}">
+        <p14:creationId xmlns:p14="http://schemas.microsoft.com/office/powerpoint/2010/main" val="2703322385"/>
+      </p:ext>
+    </p:extLst>
+  </p:cSld>
+  <p:clrMapOvr>
+    <a:masterClrMapping/>
+  </p:clrMapOvr>
+</p:sld>
+</file>
+
+<file path=ppt/slides/slide33.xml><?xml version="1.0" encoding="utf-8"?>
+<p:sld xmlns:a="http://schemas.openxmlformats.org/drawingml/2006/main" xmlns:r="http://schemas.openxmlformats.org/officeDocument/2006/relationships" xmlns:p="http://schemas.openxmlformats.org/presentationml/2006/main">
+  <p:cSld>
+    <p:bg>
+      <p:bgPr>
+        <a:gradFill>
+          <a:gsLst>
+            <a:gs pos="0">
+              <a:schemeClr val="accent1">
+                <a:lumMod val="75000"/>
+              </a:schemeClr>
+            </a:gs>
+            <a:gs pos="100000">
+              <a:schemeClr val="accent1">
+                <a:lumMod val="45000"/>
+                <a:lumOff val="55000"/>
+              </a:schemeClr>
+            </a:gs>
+            <a:gs pos="100000">
+              <a:schemeClr val="accent1">
+                <a:lumMod val="45000"/>
+                <a:lumOff val="55000"/>
+              </a:schemeClr>
+            </a:gs>
+            <a:gs pos="100000">
+              <a:schemeClr val="accent1">
+                <a:lumMod val="30000"/>
+                <a:lumOff val="70000"/>
+              </a:schemeClr>
+            </a:gs>
+          </a:gsLst>
+          <a:lin ang="5400000" scaled="1"/>
+        </a:gradFill>
+        <a:effectLst/>
+      </p:bgPr>
+    </p:bg>
+    <p:spTree>
+      <p:nvGrpSpPr>
+        <p:cNvPr id="1" name=""/>
+        <p:cNvGrpSpPr/>
+        <p:nvPr/>
+      </p:nvGrpSpPr>
+      <p:grpSpPr>
+        <a:xfrm>
+          <a:off x="0" y="0"/>
+          <a:ext cx="0" cy="0"/>
+          <a:chOff x="0" y="0"/>
+          <a:chExt cx="0" cy="0"/>
+        </a:xfrm>
+      </p:grpSpPr>
+      <p:sp>
+        <p:nvSpPr>
+          <p:cNvPr id="2" name="Title 1">
+            <a:extLst>
+              <a:ext uri="{FF2B5EF4-FFF2-40B4-BE49-F238E27FC236}">
+                <a16:creationId xmlns:a16="http://schemas.microsoft.com/office/drawing/2014/main" id="{4A282AAC-0EB7-6B47-8C42-E777283595D7}"/>
+              </a:ext>
+            </a:extLst>
+          </p:cNvPr>
+          <p:cNvSpPr>
+            <a:spLocks noGrp="1"/>
+          </p:cNvSpPr>
+          <p:nvPr>
+            <p:ph type="title"/>
+          </p:nvPr>
+        </p:nvSpPr>
+        <p:spPr/>
+        <p:txBody>
+          <a:bodyPr/>
+          <a:lstStyle/>
+          <a:p>
+            <a:r>
+              <a:rPr lang="en-US" dirty="0"/>
+              <a:t>Creating nodes (cont’d)</a:t>
+            </a:r>
+          </a:p>
+        </p:txBody>
+      </p:sp>
+      <p:sp>
+        <p:nvSpPr>
+          <p:cNvPr id="3" name="Content Placeholder 2">
+            <a:extLst>
+              <a:ext uri="{FF2B5EF4-FFF2-40B4-BE49-F238E27FC236}">
+                <a16:creationId xmlns:a16="http://schemas.microsoft.com/office/drawing/2014/main" id="{F4929148-87A0-C445-B3F9-75CE6EFE276B}"/>
+              </a:ext>
+            </a:extLst>
+          </p:cNvPr>
+          <p:cNvSpPr>
+            <a:spLocks noGrp="1"/>
+          </p:cNvSpPr>
+          <p:nvPr>
+            <p:ph idx="1"/>
+          </p:nvPr>
+        </p:nvSpPr>
+        <p:spPr/>
+        <p:txBody>
+          <a:bodyPr/>
+          <a:lstStyle/>
+          <a:p>
+            <a:endParaRPr lang="en-US"/>
+          </a:p>
+        </p:txBody>
+      </p:sp>
+      <p:pic>
+        <p:nvPicPr>
+          <p:cNvPr id="4" name="Picture 3">
+            <a:extLst>
+              <a:ext uri="{FF2B5EF4-FFF2-40B4-BE49-F238E27FC236}">
+                <a16:creationId xmlns:a16="http://schemas.microsoft.com/office/drawing/2014/main" id="{B83089F8-1306-644E-A0A2-31A4E18BAB8D}"/>
+              </a:ext>
+            </a:extLst>
+          </p:cNvPr>
+          <p:cNvPicPr>
+            <a:picLocks noChangeAspect="1"/>
+          </p:cNvPicPr>
+          <p:nvPr/>
+        </p:nvPicPr>
+        <p:blipFill>
+          <a:blip r:embed="rId2"/>
+          <a:stretch>
+            <a:fillRect/>
+          </a:stretch>
+        </p:blipFill>
+        <p:spPr>
+          <a:xfrm>
+            <a:off x="1895385" y="2052917"/>
+            <a:ext cx="7362393" cy="4195481"/>
+          </a:xfrm>
+          <a:prstGeom prst="rect">
+            <a:avLst/>
+          </a:prstGeom>
+        </p:spPr>
+      </p:pic>
+    </p:spTree>
+    <p:extLst>
+      <p:ext uri="{BB962C8B-B14F-4D97-AF65-F5344CB8AC3E}">
+        <p14:creationId xmlns:p14="http://schemas.microsoft.com/office/powerpoint/2010/main" val="2290108901"/>
+      </p:ext>
+    </p:extLst>
+  </p:cSld>
+  <p:clrMapOvr>
+    <a:masterClrMapping/>
+  </p:clrMapOvr>
+</p:sld>
+</file>
+
+<file path=ppt/slides/slide34.xml><?xml version="1.0" encoding="utf-8"?>
+<p:sld xmlns:a="http://schemas.openxmlformats.org/drawingml/2006/main" xmlns:r="http://schemas.openxmlformats.org/officeDocument/2006/relationships" xmlns:p="http://schemas.openxmlformats.org/presentationml/2006/main">
+  <p:cSld>
+    <p:bg>
+      <p:bgPr>
+        <a:gradFill>
+          <a:gsLst>
+            <a:gs pos="0">
+              <a:schemeClr val="accent1">
+                <a:lumMod val="75000"/>
+              </a:schemeClr>
+            </a:gs>
+            <a:gs pos="100000">
+              <a:schemeClr val="accent1">
+                <a:lumMod val="45000"/>
+                <a:lumOff val="55000"/>
+              </a:schemeClr>
+            </a:gs>
+            <a:gs pos="100000">
+              <a:schemeClr val="accent1">
+                <a:lumMod val="45000"/>
+                <a:lumOff val="55000"/>
+              </a:schemeClr>
+            </a:gs>
+            <a:gs pos="100000">
+              <a:schemeClr val="accent1">
+                <a:lumMod val="30000"/>
+                <a:lumOff val="70000"/>
+              </a:schemeClr>
+            </a:gs>
+          </a:gsLst>
+          <a:lin ang="5400000" scaled="1"/>
+        </a:gradFill>
+        <a:effectLst/>
+      </p:bgPr>
+    </p:bg>
+    <p:spTree>
+      <p:nvGrpSpPr>
+        <p:cNvPr id="1" name=""/>
+        <p:cNvGrpSpPr/>
+        <p:nvPr/>
+      </p:nvGrpSpPr>
+      <p:grpSpPr>
+        <a:xfrm>
+          <a:off x="0" y="0"/>
+          <a:ext cx="0" cy="0"/>
+          <a:chOff x="0" y="0"/>
+          <a:chExt cx="0" cy="0"/>
+        </a:xfrm>
+      </p:grpSpPr>
+      <p:sp>
+        <p:nvSpPr>
+          <p:cNvPr id="2" name="Title 1">
+            <a:extLst>
+              <a:ext uri="{FF2B5EF4-FFF2-40B4-BE49-F238E27FC236}">
+                <a16:creationId xmlns:a16="http://schemas.microsoft.com/office/drawing/2014/main" id="{996B6542-0A7D-C940-B355-7D1540548D40}"/>
+              </a:ext>
+            </a:extLst>
+          </p:cNvPr>
+          <p:cNvSpPr>
+            <a:spLocks noGrp="1"/>
+          </p:cNvSpPr>
+          <p:nvPr>
+            <p:ph type="title"/>
+          </p:nvPr>
+        </p:nvSpPr>
+        <p:spPr/>
+        <p:txBody>
+          <a:bodyPr/>
+          <a:lstStyle/>
+          <a:p>
+            <a:r>
+              <a:rPr lang="en-US" dirty="0"/>
+              <a:t>Creating nodes (cont’d)</a:t>
+            </a:r>
+          </a:p>
+        </p:txBody>
+      </p:sp>
+      <p:sp>
+        <p:nvSpPr>
+          <p:cNvPr id="3" name="Content Placeholder 2">
+            <a:extLst>
+              <a:ext uri="{FF2B5EF4-FFF2-40B4-BE49-F238E27FC236}">
+                <a16:creationId xmlns:a16="http://schemas.microsoft.com/office/drawing/2014/main" id="{29E9532A-B824-8A4D-951C-1C4F5C535CFC}"/>
+              </a:ext>
+            </a:extLst>
+          </p:cNvPr>
+          <p:cNvSpPr>
+            <a:spLocks noGrp="1"/>
+          </p:cNvSpPr>
+          <p:nvPr>
+            <p:ph idx="1"/>
+          </p:nvPr>
+        </p:nvSpPr>
+        <p:spPr/>
+        <p:txBody>
+          <a:bodyPr/>
+          <a:lstStyle/>
+          <a:p>
+            <a:r>
+              <a:rPr lang="en-US" dirty="0"/>
+              <a:t>Given a string, </a:t>
+            </a:r>
+            <a:r>
+              <a:rPr lang="en-US" dirty="0" err="1"/>
+              <a:t>createTextNode</a:t>
+            </a:r>
+            <a:r>
+              <a:rPr lang="en-US" dirty="0"/>
+              <a:t> gives us a type 3 DOM node (a text node), which we can insert into the document to make it show up on the screen</a:t>
+            </a:r>
+          </a:p>
+          <a:p>
+            <a:r>
+              <a:rPr lang="en-US" dirty="0"/>
+              <a:t>The loop that goes over the images in the previous slide starts at the end of the list of nodes</a:t>
+            </a:r>
+          </a:p>
+          <a:p>
+            <a:pPr lvl="1"/>
+            <a:r>
+              <a:rPr lang="en-US" dirty="0"/>
+              <a:t>This is necessary because the node list returned by a method like </a:t>
+            </a:r>
+            <a:r>
+              <a:rPr lang="en-US" dirty="0" err="1"/>
+              <a:t>getElementsByTagName</a:t>
+            </a:r>
+            <a:r>
+              <a:rPr lang="en-US" dirty="0"/>
+              <a:t> or a property like childNodes is live, meaning it is updated as the document changes</a:t>
+            </a:r>
+          </a:p>
+          <a:p>
+            <a:pPr lvl="1"/>
+            <a:r>
+              <a:rPr lang="en-US" dirty="0"/>
+              <a:t>If we started from the front, removing the first image would cause the list to lose its first element so that the second time the loop repeats, </a:t>
+            </a:r>
+            <a:r>
+              <a:rPr lang="en-US" dirty="0" err="1"/>
+              <a:t>wher</a:t>
+            </a:r>
+            <a:r>
+              <a:rPr lang="en-US" dirty="0"/>
+              <a:t> I is 1, it would stop because the length of the collection is now also 1</a:t>
+            </a:r>
+          </a:p>
+        </p:txBody>
+      </p:sp>
+    </p:spTree>
+    <p:extLst>
+      <p:ext uri="{BB962C8B-B14F-4D97-AF65-F5344CB8AC3E}">
+        <p14:creationId xmlns:p14="http://schemas.microsoft.com/office/powerpoint/2010/main" val="1958666731"/>
+      </p:ext>
+    </p:extLst>
+  </p:cSld>
+  <p:clrMapOvr>
+    <a:masterClrMapping/>
+  </p:clrMapOvr>
+</p:sld>
+</file>
+
+<file path=ppt/slides/slide35.xml><?xml version="1.0" encoding="utf-8"?>
+<p:sld xmlns:a="http://schemas.openxmlformats.org/drawingml/2006/main" xmlns:r="http://schemas.openxmlformats.org/officeDocument/2006/relationships" xmlns:p="http://schemas.openxmlformats.org/presentationml/2006/main">
+  <p:cSld>
+    <p:bg>
+      <p:bgPr>
+        <a:gradFill>
+          <a:gsLst>
+            <a:gs pos="0">
+              <a:schemeClr val="accent1">
+                <a:lumMod val="75000"/>
+              </a:schemeClr>
+            </a:gs>
+            <a:gs pos="100000">
+              <a:schemeClr val="accent1">
+                <a:lumMod val="45000"/>
+                <a:lumOff val="55000"/>
+              </a:schemeClr>
+            </a:gs>
+            <a:gs pos="100000">
+              <a:schemeClr val="accent1">
+                <a:lumMod val="45000"/>
+                <a:lumOff val="55000"/>
+              </a:schemeClr>
+            </a:gs>
+            <a:gs pos="100000">
+              <a:schemeClr val="accent1">
+                <a:lumMod val="30000"/>
+                <a:lumOff val="70000"/>
+              </a:schemeClr>
+            </a:gs>
+          </a:gsLst>
+          <a:lin ang="5400000" scaled="1"/>
+        </a:gradFill>
+        <a:effectLst/>
+      </p:bgPr>
+    </p:bg>
+    <p:spTree>
+      <p:nvGrpSpPr>
+        <p:cNvPr id="1" name=""/>
+        <p:cNvGrpSpPr/>
+        <p:nvPr/>
+      </p:nvGrpSpPr>
+      <p:grpSpPr>
+        <a:xfrm>
+          <a:off x="0" y="0"/>
+          <a:ext cx="0" cy="0"/>
+          <a:chOff x="0" y="0"/>
+          <a:chExt cx="0" cy="0"/>
+        </a:xfrm>
+      </p:grpSpPr>
+      <p:sp>
+        <p:nvSpPr>
+          <p:cNvPr id="2" name="Title 1">
+            <a:extLst>
+              <a:ext uri="{FF2B5EF4-FFF2-40B4-BE49-F238E27FC236}">
+                <a16:creationId xmlns:a16="http://schemas.microsoft.com/office/drawing/2014/main" id="{1CB7E8D9-B542-2347-8D6C-AA7F6365DE34}"/>
+              </a:ext>
+            </a:extLst>
+          </p:cNvPr>
+          <p:cNvSpPr>
+            <a:spLocks noGrp="1"/>
+          </p:cNvSpPr>
+          <p:nvPr>
+            <p:ph type="title"/>
+          </p:nvPr>
+        </p:nvSpPr>
+        <p:spPr/>
+        <p:txBody>
+          <a:bodyPr/>
+          <a:lstStyle/>
+          <a:p>
+            <a:r>
+              <a:rPr lang="en-US" dirty="0"/>
+              <a:t>Creating nodes (cont’d)</a:t>
+            </a:r>
+          </a:p>
+        </p:txBody>
+      </p:sp>
+      <p:sp>
+        <p:nvSpPr>
+          <p:cNvPr id="3" name="Content Placeholder 2">
+            <a:extLst>
+              <a:ext uri="{FF2B5EF4-FFF2-40B4-BE49-F238E27FC236}">
+                <a16:creationId xmlns:a16="http://schemas.microsoft.com/office/drawing/2014/main" id="{7C46BE5A-66D9-AC44-9694-14029F6E945B}"/>
+              </a:ext>
+            </a:extLst>
+          </p:cNvPr>
+          <p:cNvSpPr>
+            <a:spLocks noGrp="1"/>
+          </p:cNvSpPr>
+          <p:nvPr>
+            <p:ph idx="1"/>
+          </p:nvPr>
+        </p:nvSpPr>
+        <p:spPr/>
+        <p:txBody>
+          <a:bodyPr/>
+          <a:lstStyle/>
+          <a:p>
+            <a:r>
+              <a:rPr lang="en-US" dirty="0"/>
+              <a:t>If you want a solid collection of nodes, as opposed to a live one, you can convert the collection to a real array by calling the array slice method on it</a:t>
+            </a:r>
+          </a:p>
+          <a:p>
+            <a:endParaRPr lang="en-US" dirty="0"/>
+          </a:p>
+        </p:txBody>
+      </p:sp>
+      <p:pic>
+        <p:nvPicPr>
+          <p:cNvPr id="4" name="Picture 3">
+            <a:extLst>
+              <a:ext uri="{FF2B5EF4-FFF2-40B4-BE49-F238E27FC236}">
+                <a16:creationId xmlns:a16="http://schemas.microsoft.com/office/drawing/2014/main" id="{E2150B2D-CCF1-264B-B5E6-3EEBB5956CBE}"/>
+              </a:ext>
+            </a:extLst>
+          </p:cNvPr>
+          <p:cNvPicPr>
+            <a:picLocks noChangeAspect="1"/>
+          </p:cNvPicPr>
+          <p:nvPr/>
+        </p:nvPicPr>
+        <p:blipFill>
+          <a:blip r:embed="rId2"/>
+          <a:stretch>
+            <a:fillRect/>
+          </a:stretch>
+        </p:blipFill>
+        <p:spPr>
+          <a:xfrm>
+            <a:off x="1619249" y="3429000"/>
+            <a:ext cx="7408985" cy="1625600"/>
+          </a:xfrm>
+          <a:prstGeom prst="rect">
+            <a:avLst/>
+          </a:prstGeom>
+        </p:spPr>
+      </p:pic>
+    </p:spTree>
+    <p:extLst>
+      <p:ext uri="{BB962C8B-B14F-4D97-AF65-F5344CB8AC3E}">
+        <p14:creationId xmlns:p14="http://schemas.microsoft.com/office/powerpoint/2010/main" val="4255256458"/>
+      </p:ext>
+    </p:extLst>
+  </p:cSld>
+  <p:clrMapOvr>
+    <a:masterClrMapping/>
+  </p:clrMapOvr>
+</p:sld>
+</file>
+
+<file path=ppt/slides/slide36.xml><?xml version="1.0" encoding="utf-8"?>
+<p:sld xmlns:a="http://schemas.openxmlformats.org/drawingml/2006/main" xmlns:r="http://schemas.openxmlformats.org/officeDocument/2006/relationships" xmlns:p="http://schemas.openxmlformats.org/presentationml/2006/main">
+  <p:cSld>
+    <p:bg>
+      <p:bgPr>
+        <a:gradFill>
+          <a:gsLst>
+            <a:gs pos="0">
+              <a:schemeClr val="accent1">
+                <a:lumMod val="75000"/>
+              </a:schemeClr>
+            </a:gs>
+            <a:gs pos="100000">
+              <a:schemeClr val="accent1">
+                <a:lumMod val="45000"/>
+                <a:lumOff val="55000"/>
+              </a:schemeClr>
+            </a:gs>
+            <a:gs pos="100000">
+              <a:schemeClr val="accent1">
+                <a:lumMod val="45000"/>
+                <a:lumOff val="55000"/>
+              </a:schemeClr>
+            </a:gs>
+            <a:gs pos="100000">
+              <a:schemeClr val="accent1">
+                <a:lumMod val="30000"/>
+                <a:lumOff val="70000"/>
+              </a:schemeClr>
+            </a:gs>
+          </a:gsLst>
+          <a:lin ang="5400000" scaled="1"/>
+        </a:gradFill>
+        <a:effectLst/>
+      </p:bgPr>
+    </p:bg>
+    <p:spTree>
+      <p:nvGrpSpPr>
+        <p:cNvPr id="1" name=""/>
+        <p:cNvGrpSpPr/>
+        <p:nvPr/>
+      </p:nvGrpSpPr>
+      <p:grpSpPr>
+        <a:xfrm>
+          <a:off x="0" y="0"/>
+          <a:ext cx="0" cy="0"/>
+          <a:chOff x="0" y="0"/>
+          <a:chExt cx="0" cy="0"/>
+        </a:xfrm>
+      </p:grpSpPr>
+      <p:sp>
+        <p:nvSpPr>
+          <p:cNvPr id="2" name="Title 1">
+            <a:extLst>
+              <a:ext uri="{FF2B5EF4-FFF2-40B4-BE49-F238E27FC236}">
+                <a16:creationId xmlns:a16="http://schemas.microsoft.com/office/drawing/2014/main" id="{C7C8A6C8-2A8A-1A4E-9506-F194392C1632}"/>
+              </a:ext>
+            </a:extLst>
+          </p:cNvPr>
+          <p:cNvSpPr>
+            <a:spLocks noGrp="1"/>
+          </p:cNvSpPr>
+          <p:nvPr>
+            <p:ph type="title"/>
+          </p:nvPr>
+        </p:nvSpPr>
+        <p:spPr/>
+        <p:txBody>
+          <a:bodyPr/>
+          <a:lstStyle/>
+          <a:p>
+            <a:r>
+              <a:rPr lang="en-US" dirty="0"/>
+              <a:t>Creating nodes (cont’d)</a:t>
+            </a:r>
+          </a:p>
+        </p:txBody>
+      </p:sp>
+      <p:sp>
+        <p:nvSpPr>
+          <p:cNvPr id="3" name="Content Placeholder 2">
+            <a:extLst>
+              <a:ext uri="{FF2B5EF4-FFF2-40B4-BE49-F238E27FC236}">
+                <a16:creationId xmlns:a16="http://schemas.microsoft.com/office/drawing/2014/main" id="{3E04E4F8-D080-C74D-A3ED-6D303FB93216}"/>
+              </a:ext>
+            </a:extLst>
+          </p:cNvPr>
+          <p:cNvSpPr>
+            <a:spLocks noGrp="1"/>
+          </p:cNvSpPr>
+          <p:nvPr>
+            <p:ph idx="1"/>
+          </p:nvPr>
+        </p:nvSpPr>
+        <p:spPr/>
+        <p:txBody>
+          <a:bodyPr/>
+          <a:lstStyle/>
+          <a:p>
+            <a:r>
+              <a:rPr lang="en-US" dirty="0"/>
+              <a:t>To create regular element nodes, you can use the </a:t>
+            </a:r>
+            <a:r>
+              <a:rPr lang="en-US" dirty="0" err="1"/>
+              <a:t>document.createElement</a:t>
+            </a:r>
+            <a:r>
+              <a:rPr lang="en-US" dirty="0"/>
+              <a:t> method</a:t>
+            </a:r>
+          </a:p>
+          <a:p>
+            <a:pPr lvl="1"/>
+            <a:r>
+              <a:rPr lang="en-US" dirty="0"/>
+              <a:t>Takes a tag name and returns a new empty node of the given type</a:t>
+            </a:r>
+          </a:p>
+          <a:p>
+            <a:r>
+              <a:rPr lang="en-US" dirty="0"/>
+              <a:t>The example on the next slide defines a utility </a:t>
+            </a:r>
+            <a:r>
+              <a:rPr lang="en-US" dirty="0" err="1"/>
+              <a:t>elt</a:t>
+            </a:r>
+            <a:r>
+              <a:rPr lang="en-US" dirty="0"/>
+              <a:t>, which creates an element node and treats the rest of its arguments as children to that node</a:t>
+            </a:r>
+          </a:p>
+          <a:p>
+            <a:r>
+              <a:rPr lang="en-US" dirty="0"/>
+              <a:t>The function is then used to add a simple attribution to a quote</a:t>
+            </a:r>
+          </a:p>
+        </p:txBody>
+      </p:sp>
+    </p:spTree>
+    <p:extLst>
+      <p:ext uri="{BB962C8B-B14F-4D97-AF65-F5344CB8AC3E}">
+        <p14:creationId xmlns:p14="http://schemas.microsoft.com/office/powerpoint/2010/main" val="4200642013"/>
+      </p:ext>
+    </p:extLst>
+  </p:cSld>
+  <p:clrMapOvr>
+    <a:masterClrMapping/>
+  </p:clrMapOvr>
+</p:sld>
+</file>
+
+<file path=ppt/slides/slide37.xml><?xml version="1.0" encoding="utf-8"?>
+<p:sld xmlns:a="http://schemas.openxmlformats.org/drawingml/2006/main" xmlns:r="http://schemas.openxmlformats.org/officeDocument/2006/relationships" xmlns:p="http://schemas.openxmlformats.org/presentationml/2006/main">
+  <p:cSld>
+    <p:bg>
+      <p:bgPr>
+        <a:gradFill>
+          <a:gsLst>
+            <a:gs pos="0">
+              <a:schemeClr val="accent1">
+                <a:lumMod val="75000"/>
+              </a:schemeClr>
+            </a:gs>
+            <a:gs pos="100000">
+              <a:schemeClr val="accent1">
+                <a:lumMod val="45000"/>
+                <a:lumOff val="55000"/>
+              </a:schemeClr>
+            </a:gs>
+            <a:gs pos="100000">
+              <a:schemeClr val="accent1">
+                <a:lumMod val="45000"/>
+                <a:lumOff val="55000"/>
+              </a:schemeClr>
+            </a:gs>
+            <a:gs pos="100000">
+              <a:schemeClr val="accent1">
+                <a:lumMod val="30000"/>
+                <a:lumOff val="70000"/>
+              </a:schemeClr>
+            </a:gs>
+          </a:gsLst>
+          <a:lin ang="5400000" scaled="1"/>
+        </a:gradFill>
+        <a:effectLst/>
+      </p:bgPr>
+    </p:bg>
+    <p:spTree>
+      <p:nvGrpSpPr>
+        <p:cNvPr id="1" name=""/>
+        <p:cNvGrpSpPr/>
+        <p:nvPr/>
+      </p:nvGrpSpPr>
+      <p:grpSpPr>
+        <a:xfrm>
+          <a:off x="0" y="0"/>
+          <a:ext cx="0" cy="0"/>
+          <a:chOff x="0" y="0"/>
+          <a:chExt cx="0" cy="0"/>
+        </a:xfrm>
+      </p:grpSpPr>
+      <p:sp>
+        <p:nvSpPr>
+          <p:cNvPr id="2" name="Title 1">
+            <a:extLst>
+              <a:ext uri="{FF2B5EF4-FFF2-40B4-BE49-F238E27FC236}">
+                <a16:creationId xmlns:a16="http://schemas.microsoft.com/office/drawing/2014/main" id="{E076AC2E-D2C6-4A4B-AC51-F1FFF93DCC76}"/>
+              </a:ext>
+            </a:extLst>
+          </p:cNvPr>
+          <p:cNvSpPr>
+            <a:spLocks noGrp="1"/>
+          </p:cNvSpPr>
+          <p:nvPr>
+            <p:ph type="title"/>
+          </p:nvPr>
+        </p:nvSpPr>
+        <p:spPr/>
+        <p:txBody>
+          <a:bodyPr/>
+          <a:lstStyle/>
+          <a:p>
+            <a:r>
+              <a:rPr lang="en-US" dirty="0"/>
+              <a:t>Creating nodes (cont’d)</a:t>
+            </a:r>
+          </a:p>
+        </p:txBody>
+      </p:sp>
+      <p:sp>
+        <p:nvSpPr>
+          <p:cNvPr id="3" name="Content Placeholder 2">
+            <a:extLst>
+              <a:ext uri="{FF2B5EF4-FFF2-40B4-BE49-F238E27FC236}">
+                <a16:creationId xmlns:a16="http://schemas.microsoft.com/office/drawing/2014/main" id="{6665C339-69F6-4742-9916-73F1BE10C422}"/>
+              </a:ext>
+            </a:extLst>
+          </p:cNvPr>
+          <p:cNvSpPr>
+            <a:spLocks noGrp="1"/>
+          </p:cNvSpPr>
+          <p:nvPr>
+            <p:ph idx="1"/>
+          </p:nvPr>
+        </p:nvSpPr>
+        <p:spPr/>
+        <p:txBody>
+          <a:bodyPr/>
+          <a:lstStyle/>
+          <a:p>
+            <a:endParaRPr lang="en-US"/>
+          </a:p>
+        </p:txBody>
+      </p:sp>
+      <p:pic>
+        <p:nvPicPr>
+          <p:cNvPr id="4" name="Picture 3">
+            <a:extLst>
+              <a:ext uri="{FF2B5EF4-FFF2-40B4-BE49-F238E27FC236}">
+                <a16:creationId xmlns:a16="http://schemas.microsoft.com/office/drawing/2014/main" id="{811F2E29-3829-CA4D-8457-44CC3372CA45}"/>
+              </a:ext>
+            </a:extLst>
+          </p:cNvPr>
+          <p:cNvPicPr>
+            <a:picLocks noChangeAspect="1"/>
+          </p:cNvPicPr>
+          <p:nvPr/>
+        </p:nvPicPr>
+        <p:blipFill>
+          <a:blip r:embed="rId2"/>
+          <a:stretch>
+            <a:fillRect/>
+          </a:stretch>
+        </p:blipFill>
+        <p:spPr>
+          <a:xfrm>
+            <a:off x="3175000" y="2052918"/>
+            <a:ext cx="4787900" cy="4146044"/>
+          </a:xfrm>
+          <a:prstGeom prst="rect">
+            <a:avLst/>
+          </a:prstGeom>
+        </p:spPr>
+      </p:pic>
+    </p:spTree>
+    <p:extLst>
+      <p:ext uri="{BB962C8B-B14F-4D97-AF65-F5344CB8AC3E}">
+        <p14:creationId xmlns:p14="http://schemas.microsoft.com/office/powerpoint/2010/main" val="2388719237"/>
+      </p:ext>
+    </p:extLst>
+  </p:cSld>
+  <p:clrMapOvr>
+    <a:masterClrMapping/>
+  </p:clrMapOvr>
+</p:sld>
+</file>
+
+<file path=ppt/slides/slide4.xml><?xml version="1.0" encoding="utf-8"?>
+<p:sld xmlns:a="http://schemas.openxmlformats.org/drawingml/2006/main" xmlns:r="http://schemas.openxmlformats.org/officeDocument/2006/relationships" xmlns:p="http://schemas.openxmlformats.org/presentationml/2006/main">
+  <p:cSld>
+    <p:bg>
+      <p:bgPr>
+        <a:gradFill>
+          <a:gsLst>
+            <a:gs pos="0">
+              <a:schemeClr val="accent1">
+                <a:lumMod val="75000"/>
+              </a:schemeClr>
+            </a:gs>
+            <a:gs pos="97000">
+              <a:schemeClr val="accent1">
+                <a:lumMod val="45000"/>
+                <a:lumOff val="55000"/>
+              </a:schemeClr>
+            </a:gs>
+            <a:gs pos="100000">
+              <a:schemeClr val="accent1">
+                <a:lumMod val="45000"/>
+                <a:lumOff val="55000"/>
+              </a:schemeClr>
+            </a:gs>
+            <a:gs pos="100000">
+              <a:schemeClr val="accent1">
+                <a:lumMod val="30000"/>
+                <a:lumOff val="70000"/>
+              </a:schemeClr>
+            </a:gs>
+          </a:gsLst>
+          <a:lin ang="5400000" scaled="1"/>
+        </a:gradFill>
+        <a:effectLst/>
+      </p:bgPr>
+    </p:bg>
+    <p:spTree>
+      <p:nvGrpSpPr>
+        <p:cNvPr id="1" name=""/>
+        <p:cNvGrpSpPr/>
+        <p:nvPr/>
+      </p:nvGrpSpPr>
+      <p:grpSpPr>
+        <a:xfrm>
+          <a:off x="0" y="0"/>
+          <a:ext cx="0" cy="0"/>
+          <a:chOff x="0" y="0"/>
+          <a:chExt cx="0" cy="0"/>
+        </a:xfrm>
+      </p:grpSpPr>
+      <p:sp>
+        <p:nvSpPr>
+          <p:cNvPr id="2" name="Title 1">
+            <a:extLst>
+              <a:ext uri="{FF2B5EF4-FFF2-40B4-BE49-F238E27FC236}">
+                <a16:creationId xmlns:a16="http://schemas.microsoft.com/office/drawing/2014/main" id="{B0B14238-9C7F-4FA2-B830-8AFD28B8C674}"/>
+              </a:ext>
+            </a:extLst>
+          </p:cNvPr>
+          <p:cNvSpPr>
+            <a:spLocks noGrp="1"/>
+          </p:cNvSpPr>
+          <p:nvPr>
+            <p:ph type="title"/>
+          </p:nvPr>
+        </p:nvSpPr>
+        <p:spPr>
+          <a:xfrm>
+            <a:off x="1145980" y="1143000"/>
+            <a:ext cx="5092906" cy="1866014"/>
+          </a:xfrm>
+        </p:spPr>
+        <p:txBody>
+          <a:bodyPr>
+            <a:normAutofit fontScale="90000"/>
+          </a:bodyPr>
+          <a:lstStyle/>
+          <a:p>
+            <a:r>
+              <a:rPr lang="en-US" sz="2400" dirty="0"/>
+              <a:t>An HTML document is like a series of nested boxes. Tags such as &lt;body&gt; and &lt;/body&gt; enclose other tags, which in turn contain other tags or text.</a:t>
+            </a:r>
+          </a:p>
+        </p:txBody>
+      </p:sp>
+      <p:pic>
+        <p:nvPicPr>
+          <p:cNvPr id="12" name="Picture Placeholder 11">
+            <a:extLst>
+              <a:ext uri="{FF2B5EF4-FFF2-40B4-BE49-F238E27FC236}">
+                <a16:creationId xmlns:a16="http://schemas.microsoft.com/office/drawing/2014/main" id="{806BF373-8AC6-44F7-85BE-A3F642888CBC}"/>
+              </a:ext>
+            </a:extLst>
+          </p:cNvPr>
+          <p:cNvPicPr>
+            <a:picLocks noGrp="1" noChangeAspect="1"/>
+          </p:cNvPicPr>
+          <p:nvPr>
+            <p:ph type="pic" idx="1"/>
+          </p:nvPr>
+        </p:nvPicPr>
+        <p:blipFill>
+          <a:blip r:embed="rId2"/>
+          <a:srcRect l="313" r="313"/>
+          <a:stretch>
+            <a:fillRect/>
+          </a:stretch>
+        </p:blipFill>
+        <p:spPr>
+          <a:xfrm>
+            <a:off x="6950075" y="1143000"/>
+            <a:ext cx="4095750" cy="4572000"/>
+          </a:xfrm>
+          <a:prstGeom prst="rect">
+            <a:avLst/>
+          </a:prstGeom>
+        </p:spPr>
+      </p:pic>
+      <p:pic>
+        <p:nvPicPr>
+          <p:cNvPr id="5" name="Picture 4">
+            <a:extLst>
+              <a:ext uri="{FF2B5EF4-FFF2-40B4-BE49-F238E27FC236}">
+                <a16:creationId xmlns:a16="http://schemas.microsoft.com/office/drawing/2014/main" id="{62BC1D03-AA72-45B4-BD6D-75526F4A4EA7}"/>
+              </a:ext>
+            </a:extLst>
+          </p:cNvPr>
+          <p:cNvPicPr>
+            <a:picLocks noChangeAspect="1"/>
+          </p:cNvPicPr>
+          <p:nvPr/>
+        </p:nvPicPr>
+        <p:blipFill>
+          <a:blip r:embed="rId3"/>
+          <a:stretch>
+            <a:fillRect/>
+          </a:stretch>
+        </p:blipFill>
+        <p:spPr>
+          <a:xfrm>
+            <a:off x="1379907" y="3657600"/>
+            <a:ext cx="4556158" cy="2057400"/>
+          </a:xfrm>
+          <a:prstGeom prst="rect">
+            <a:avLst/>
+          </a:prstGeom>
+        </p:spPr>
+      </p:pic>
+      <p:sp>
+        <p:nvSpPr>
+          <p:cNvPr id="4" name="Text Placeholder 3">
+            <a:extLst>
+              <a:ext uri="{FF2B5EF4-FFF2-40B4-BE49-F238E27FC236}">
+                <a16:creationId xmlns:a16="http://schemas.microsoft.com/office/drawing/2014/main" id="{EB87F9A1-9D24-4F40-A93A-F5CD85B84267}"/>
+              </a:ext>
+            </a:extLst>
+          </p:cNvPr>
+          <p:cNvSpPr>
+            <a:spLocks noGrp="1"/>
+          </p:cNvSpPr>
+          <p:nvPr>
+            <p:ph type="body" sz="half" idx="2"/>
+          </p:nvPr>
+        </p:nvSpPr>
+        <p:spPr>
+          <a:xfrm>
+            <a:off x="1145980" y="3636335"/>
+            <a:ext cx="5084979" cy="2057400"/>
+          </a:xfrm>
+        </p:spPr>
+        <p:txBody>
+          <a:bodyPr/>
+          <a:lstStyle/>
+          <a:p>
+            <a:endParaRPr lang="en-US" dirty="0"/>
+          </a:p>
+        </p:txBody>
+      </p:sp>
+    </p:spTree>
+    <p:extLst>
+      <p:ext uri="{BB962C8B-B14F-4D97-AF65-F5344CB8AC3E}">
+        <p14:creationId xmlns:p14="http://schemas.microsoft.com/office/powerpoint/2010/main" val="220680698"/>
+      </p:ext>
+    </p:extLst>
+  </p:cSld>
+  <p:clrMapOvr>
+    <a:masterClrMapping/>
+  </p:clrMapOvr>
+</p:sld>
+</file>
+
+<file path=ppt/slides/slide5.xml><?xml version="1.0" encoding="utf-8"?>
+<p:sld xmlns:a="http://schemas.openxmlformats.org/drawingml/2006/main" xmlns:r="http://schemas.openxmlformats.org/officeDocument/2006/relationships" xmlns:p="http://schemas.openxmlformats.org/presentationml/2006/main">
+  <p:cSld>
+    <p:bg>
+      <p:bgPr>
+        <a:gradFill>
+          <a:gsLst>
+            <a:gs pos="0">
+              <a:schemeClr val="accent1">
+                <a:lumMod val="75000"/>
+              </a:schemeClr>
+            </a:gs>
+            <a:gs pos="97000">
+              <a:schemeClr val="accent1">
+                <a:lumMod val="45000"/>
+                <a:lumOff val="55000"/>
+              </a:schemeClr>
+            </a:gs>
+            <a:gs pos="100000">
+              <a:schemeClr val="accent1">
+                <a:lumMod val="45000"/>
+                <a:lumOff val="55000"/>
+              </a:schemeClr>
+            </a:gs>
+            <a:gs pos="100000">
+              <a:schemeClr val="accent1">
+                <a:lumMod val="30000"/>
+                <a:lumOff val="70000"/>
+              </a:schemeClr>
+            </a:gs>
+          </a:gsLst>
+          <a:lin ang="5400000" scaled="1"/>
+        </a:gradFill>
+        <a:effectLst/>
+      </p:bgPr>
+    </p:bg>
+    <p:spTree>
+      <p:nvGrpSpPr>
+        <p:cNvPr id="1" name=""/>
+        <p:cNvGrpSpPr/>
+        <p:nvPr/>
+      </p:nvGrpSpPr>
+      <p:grpSpPr>
+        <a:xfrm>
+          <a:off x="0" y="0"/>
+          <a:ext cx="0" cy="0"/>
+          <a:chOff x="0" y="0"/>
+          <a:chExt cx="0" cy="0"/>
+        </a:xfrm>
+      </p:grpSpPr>
+      <p:sp>
+        <p:nvSpPr>
+          <p:cNvPr id="2" name="Title 1">
+            <a:extLst>
+              <a:ext uri="{FF2B5EF4-FFF2-40B4-BE49-F238E27FC236}">
+                <a16:creationId xmlns:a16="http://schemas.microsoft.com/office/drawing/2014/main" id="{433C1B78-F334-442C-9331-24E3E236AF4A}"/>
+              </a:ext>
+            </a:extLst>
+          </p:cNvPr>
+          <p:cNvSpPr>
+            <a:spLocks noGrp="1"/>
+          </p:cNvSpPr>
+          <p:nvPr>
+            <p:ph type="title"/>
+          </p:nvPr>
+        </p:nvSpPr>
+        <p:spPr/>
+        <p:txBody>
+          <a:bodyPr/>
+          <a:lstStyle/>
+          <a:p>
+            <a:r>
+              <a:rPr lang="en-US" dirty="0"/>
+              <a:t>What is the Document Object Model (DOM)? (cont’d)</a:t>
+            </a:r>
+          </a:p>
+        </p:txBody>
+      </p:sp>
+      <p:sp>
+        <p:nvSpPr>
+          <p:cNvPr id="3" name="Content Placeholder 2">
+            <a:extLst>
+              <a:ext uri="{FF2B5EF4-FFF2-40B4-BE49-F238E27FC236}">
+                <a16:creationId xmlns:a16="http://schemas.microsoft.com/office/drawing/2014/main" id="{D07E4ED4-F70C-48BB-B4AE-E3092B97912D}"/>
+              </a:ext>
+            </a:extLst>
+          </p:cNvPr>
+          <p:cNvSpPr>
+            <a:spLocks noGrp="1"/>
+          </p:cNvSpPr>
+          <p:nvPr>
+            <p:ph idx="1"/>
+          </p:nvPr>
+        </p:nvSpPr>
+        <p:spPr>
+          <a:xfrm>
+            <a:off x="645130" y="2052918"/>
+            <a:ext cx="10444628" cy="4195481"/>
+          </a:xfrm>
+        </p:spPr>
+        <p:txBody>
+          <a:bodyPr/>
+          <a:lstStyle/>
+          <a:p>
+            <a:r>
+              <a:rPr lang="en-US" dirty="0"/>
+              <a:t>The data structure the browser uses to represent the HTML document follows this nested box shape</a:t>
+            </a:r>
+          </a:p>
+          <a:p>
+            <a:r>
+              <a:rPr lang="en-US" dirty="0"/>
+              <a:t>For each box, there is an object with which we can interact to find out things such as:</a:t>
+            </a:r>
+          </a:p>
+          <a:p>
+            <a:pPr lvl="1"/>
+            <a:r>
+              <a:rPr lang="en-US" dirty="0"/>
+              <a:t>What HTML tag it represents</a:t>
+            </a:r>
+          </a:p>
+          <a:p>
+            <a:pPr lvl="1"/>
+            <a:r>
+              <a:rPr lang="en-US" dirty="0"/>
+              <a:t>Which boxes and text it contains</a:t>
+            </a:r>
+          </a:p>
+          <a:p>
+            <a:r>
+              <a:rPr lang="en-US" dirty="0"/>
+              <a:t>This representation is called the Document Object Model, or DOM, for short</a:t>
+            </a:r>
+          </a:p>
+          <a:p>
+            <a:r>
+              <a:rPr lang="en-US" dirty="0"/>
+              <a:t>The global variable </a:t>
+            </a:r>
+            <a:r>
+              <a:rPr lang="en-US" dirty="0">
+                <a:solidFill>
+                  <a:schemeClr val="bg1"/>
+                </a:solidFill>
+                <a:highlight>
+                  <a:srgbClr val="C0C0C0"/>
+                </a:highlight>
+              </a:rPr>
+              <a:t>document</a:t>
+            </a:r>
+            <a:r>
+              <a:rPr lang="en-US" dirty="0"/>
+              <a:t> gives us access to these objects</a:t>
+            </a:r>
+          </a:p>
+          <a:p>
+            <a:pPr lvl="1"/>
+            <a:r>
+              <a:rPr lang="en-US" dirty="0"/>
+              <a:t>Its </a:t>
+            </a:r>
+            <a:r>
+              <a:rPr lang="en-US" dirty="0" err="1">
+                <a:solidFill>
+                  <a:schemeClr val="bg1"/>
+                </a:solidFill>
+                <a:highlight>
+                  <a:srgbClr val="C0C0C0"/>
+                </a:highlight>
+              </a:rPr>
+              <a:t>documentElement</a:t>
+            </a:r>
+            <a:r>
+              <a:rPr lang="en-US" dirty="0"/>
+              <a:t> property refers to the object representing the HTML tag</a:t>
+            </a:r>
+          </a:p>
+          <a:p>
+            <a:pPr lvl="1"/>
+            <a:r>
+              <a:rPr lang="en-US" dirty="0"/>
+              <a:t>It also provides the properties </a:t>
+            </a:r>
+            <a:r>
+              <a:rPr lang="en-US" dirty="0">
+                <a:solidFill>
+                  <a:schemeClr val="bg1"/>
+                </a:solidFill>
+                <a:highlight>
+                  <a:srgbClr val="C0C0C0"/>
+                </a:highlight>
+              </a:rPr>
+              <a:t>head</a:t>
+            </a:r>
+            <a:r>
+              <a:rPr lang="en-US" dirty="0"/>
+              <a:t> and </a:t>
+            </a:r>
+            <a:r>
+              <a:rPr lang="en-US" dirty="0">
+                <a:solidFill>
+                  <a:schemeClr val="bg1"/>
+                </a:solidFill>
+                <a:highlight>
+                  <a:srgbClr val="C0C0C0"/>
+                </a:highlight>
+              </a:rPr>
+              <a:t>body</a:t>
+            </a:r>
+            <a:r>
+              <a:rPr lang="en-US" dirty="0"/>
+              <a:t>, which hold the objects for those elements</a:t>
+            </a:r>
+          </a:p>
+        </p:txBody>
+      </p:sp>
+    </p:spTree>
+    <p:extLst>
+      <p:ext uri="{BB962C8B-B14F-4D97-AF65-F5344CB8AC3E}">
+        <p14:creationId xmlns:p14="http://schemas.microsoft.com/office/powerpoint/2010/main" val="135501056"/>
+      </p:ext>
+    </p:extLst>
+  </p:cSld>
+  <p:clrMapOvr>
+    <a:masterClrMapping/>
+  </p:clrMapOvr>
+</p:sld>
+</file>
+
+<file path=ppt/slides/slide6.xml><?xml version="1.0" encoding="utf-8"?>
+<p:sld xmlns:a="http://schemas.openxmlformats.org/drawingml/2006/main" xmlns:r="http://schemas.openxmlformats.org/officeDocument/2006/relationships" xmlns:p="http://schemas.openxmlformats.org/presentationml/2006/main">
+  <p:cSld>
+    <p:bg>
+      <p:bgPr>
+        <a:gradFill>
+          <a:gsLst>
+            <a:gs pos="0">
+              <a:schemeClr val="accent1">
+                <a:lumMod val="75000"/>
+              </a:schemeClr>
+            </a:gs>
+            <a:gs pos="97000">
+              <a:schemeClr val="accent1">
+                <a:lumMod val="45000"/>
+                <a:lumOff val="55000"/>
+              </a:schemeClr>
+            </a:gs>
+            <a:gs pos="100000">
+              <a:schemeClr val="accent1">
+                <a:lumMod val="45000"/>
+                <a:lumOff val="55000"/>
+              </a:schemeClr>
+            </a:gs>
+            <a:gs pos="100000">
+              <a:schemeClr val="accent1">
+                <a:lumMod val="30000"/>
+                <a:lumOff val="70000"/>
+              </a:schemeClr>
+            </a:gs>
+          </a:gsLst>
+          <a:lin ang="5400000" scaled="1"/>
+        </a:gradFill>
+        <a:effectLst/>
+      </p:bgPr>
+    </p:bg>
+    <p:spTree>
+      <p:nvGrpSpPr>
+        <p:cNvPr id="1" name=""/>
+        <p:cNvGrpSpPr/>
+        <p:nvPr/>
+      </p:nvGrpSpPr>
+      <p:grpSpPr>
+        <a:xfrm>
+          <a:off x="0" y="0"/>
+          <a:ext cx="0" cy="0"/>
+          <a:chOff x="0" y="0"/>
+          <a:chExt cx="0" cy="0"/>
+        </a:xfrm>
+      </p:grpSpPr>
+      <p:sp>
+        <p:nvSpPr>
+          <p:cNvPr id="2" name="Title 1">
+            <a:extLst>
+              <a:ext uri="{FF2B5EF4-FFF2-40B4-BE49-F238E27FC236}">
+                <a16:creationId xmlns:a16="http://schemas.microsoft.com/office/drawing/2014/main" id="{BEB40535-72A7-4FE0-908A-6FA4DF4DD2B8}"/>
+              </a:ext>
+            </a:extLst>
+          </p:cNvPr>
+          <p:cNvSpPr>
+            <a:spLocks noGrp="1"/>
+          </p:cNvSpPr>
+          <p:nvPr>
+            <p:ph type="title"/>
+          </p:nvPr>
+        </p:nvSpPr>
+        <p:spPr/>
+        <p:txBody>
+          <a:bodyPr/>
+          <a:lstStyle/>
+          <a:p>
+            <a:r>
+              <a:rPr lang="en-US" dirty="0"/>
+              <a:t>Trees</a:t>
+            </a:r>
+          </a:p>
+        </p:txBody>
+      </p:sp>
+      <p:sp>
+        <p:nvSpPr>
+          <p:cNvPr id="3" name="Content Placeholder 2">
+            <a:extLst>
+              <a:ext uri="{FF2B5EF4-FFF2-40B4-BE49-F238E27FC236}">
+                <a16:creationId xmlns:a16="http://schemas.microsoft.com/office/drawing/2014/main" id="{C4286D64-92C4-4843-A46B-C845B0A5B354}"/>
+              </a:ext>
+            </a:extLst>
+          </p:cNvPr>
+          <p:cNvSpPr>
+            <a:spLocks noGrp="1"/>
+          </p:cNvSpPr>
+          <p:nvPr>
+            <p:ph idx="1"/>
+          </p:nvPr>
+        </p:nvSpPr>
+        <p:spPr/>
+        <p:txBody>
+          <a:bodyPr/>
+          <a:lstStyle/>
+          <a:p>
+            <a:r>
+              <a:rPr lang="en-US" dirty="0"/>
+              <a:t>A DOM is like a tree in that it is composed of many branches</a:t>
+            </a:r>
+          </a:p>
+          <a:p>
+            <a:pPr lvl="1"/>
+            <a:r>
+              <a:rPr lang="en-US" dirty="0"/>
+              <a:t>Each element is referred to as a node</a:t>
+            </a:r>
+          </a:p>
+          <a:p>
+            <a:pPr lvl="1"/>
+            <a:r>
+              <a:rPr lang="en-US" dirty="0"/>
+              <a:t>Each node may refer to other nodes, referred to as children, which in turn may have their own children</a:t>
+            </a:r>
+          </a:p>
+          <a:p>
+            <a:r>
+              <a:rPr lang="en-US" dirty="0"/>
+              <a:t>For a data structure to be a tree, it must have the following:</a:t>
+            </a:r>
+          </a:p>
+          <a:p>
+            <a:pPr lvl="1"/>
+            <a:r>
+              <a:rPr lang="en-US" dirty="0"/>
+              <a:t>A branching structure</a:t>
+            </a:r>
+          </a:p>
+          <a:p>
+            <a:pPr lvl="1"/>
+            <a:r>
+              <a:rPr lang="en-US" dirty="0"/>
+              <a:t>No cycles (a node may not contain itself, directly or indirectly)</a:t>
+            </a:r>
+          </a:p>
+          <a:p>
+            <a:pPr lvl="1"/>
+            <a:r>
+              <a:rPr lang="en-US" dirty="0"/>
+              <a:t>A single, well-defined root (the root of the DOM is </a:t>
+            </a:r>
+            <a:br>
+              <a:rPr lang="en-US" dirty="0"/>
+            </a:br>
+            <a:r>
+              <a:rPr lang="en-US" dirty="0" err="1">
+                <a:solidFill>
+                  <a:schemeClr val="bg1"/>
+                </a:solidFill>
+                <a:highlight>
+                  <a:srgbClr val="C0C0C0"/>
+                </a:highlight>
+              </a:rPr>
+              <a:t>document.documentElement</a:t>
+            </a:r>
+            <a:endParaRPr lang="en-US" dirty="0">
+              <a:solidFill>
+                <a:schemeClr val="bg1"/>
+              </a:solidFill>
+              <a:highlight>
+                <a:srgbClr val="C0C0C0"/>
+              </a:highlight>
+            </a:endParaRPr>
+          </a:p>
+        </p:txBody>
+      </p:sp>
+    </p:spTree>
+    <p:extLst>
+      <p:ext uri="{BB962C8B-B14F-4D97-AF65-F5344CB8AC3E}">
+        <p14:creationId xmlns:p14="http://schemas.microsoft.com/office/powerpoint/2010/main" val="616886538"/>
+      </p:ext>
+    </p:extLst>
+  </p:cSld>
+  <p:clrMapOvr>
+    <a:masterClrMapping/>
+  </p:clrMapOvr>
+</p:sld>
+</file>
+
+<file path=ppt/slides/slide7.xml><?xml version="1.0" encoding="utf-8"?>
+<p:sld xmlns:a="http://schemas.openxmlformats.org/drawingml/2006/main" xmlns:r="http://schemas.openxmlformats.org/officeDocument/2006/relationships" xmlns:p="http://schemas.openxmlformats.org/presentationml/2006/main">
+  <p:cSld>
+    <p:bg>
+      <p:bgPr>
+        <a:gradFill>
+          <a:gsLst>
+            <a:gs pos="0">
+              <a:schemeClr val="accent1">
+                <a:lumMod val="75000"/>
+              </a:schemeClr>
+            </a:gs>
+            <a:gs pos="97000">
+              <a:schemeClr val="accent1">
+                <a:lumMod val="45000"/>
+                <a:lumOff val="55000"/>
+              </a:schemeClr>
+            </a:gs>
+            <a:gs pos="100000">
+              <a:schemeClr val="accent1">
+                <a:lumMod val="45000"/>
+                <a:lumOff val="55000"/>
+              </a:schemeClr>
+            </a:gs>
+            <a:gs pos="100000">
+              <a:schemeClr val="accent1">
+                <a:lumMod val="30000"/>
+                <a:lumOff val="70000"/>
+              </a:schemeClr>
+            </a:gs>
+          </a:gsLst>
+          <a:lin ang="5400000" scaled="1"/>
+        </a:gradFill>
+        <a:effectLst/>
+      </p:bgPr>
+    </p:bg>
+    <p:spTree>
+      <p:nvGrpSpPr>
+        <p:cNvPr id="1" name=""/>
+        <p:cNvGrpSpPr/>
+        <p:nvPr/>
+      </p:nvGrpSpPr>
+      <p:grpSpPr>
+        <a:xfrm>
+          <a:off x="0" y="0"/>
+          <a:ext cx="0" cy="0"/>
+          <a:chOff x="0" y="0"/>
+          <a:chExt cx="0" cy="0"/>
+        </a:xfrm>
+      </p:grpSpPr>
+      <p:sp>
+        <p:nvSpPr>
+          <p:cNvPr id="2" name="Title 1">
+            <a:extLst>
+              <a:ext uri="{FF2B5EF4-FFF2-40B4-BE49-F238E27FC236}">
+                <a16:creationId xmlns:a16="http://schemas.microsoft.com/office/drawing/2014/main" id="{C6E4371E-D99F-43BE-9734-E137760C7A83}"/>
+              </a:ext>
+            </a:extLst>
+          </p:cNvPr>
+          <p:cNvSpPr>
+            <a:spLocks noGrp="1"/>
+          </p:cNvSpPr>
+          <p:nvPr>
+            <p:ph type="title"/>
+          </p:nvPr>
+        </p:nvSpPr>
+        <p:spPr/>
+        <p:txBody>
+          <a:bodyPr/>
+          <a:lstStyle/>
+          <a:p>
+            <a:r>
+              <a:rPr lang="en-US" dirty="0"/>
+              <a:t>Trees (cont’d)</a:t>
+            </a:r>
+          </a:p>
+        </p:txBody>
+      </p:sp>
+      <p:sp>
+        <p:nvSpPr>
+          <p:cNvPr id="3" name="Content Placeholder 2">
+            <a:extLst>
+              <a:ext uri="{FF2B5EF4-FFF2-40B4-BE49-F238E27FC236}">
+                <a16:creationId xmlns:a16="http://schemas.microsoft.com/office/drawing/2014/main" id="{487D44D3-97BD-43C1-9549-FFC5519B057F}"/>
+              </a:ext>
+            </a:extLst>
+          </p:cNvPr>
+          <p:cNvSpPr>
+            <a:spLocks noGrp="1"/>
+          </p:cNvSpPr>
+          <p:nvPr>
+            <p:ph sz="half" idx="1"/>
+          </p:nvPr>
+        </p:nvSpPr>
+        <p:spPr/>
+        <p:txBody>
+          <a:bodyPr/>
+          <a:lstStyle/>
+          <a:p>
+            <a:r>
+              <a:rPr lang="en-US" dirty="0"/>
+              <a:t>Nodes for regular elements, which represent HTML tags, determine the structure of the document</a:t>
+            </a:r>
+          </a:p>
+          <a:p>
+            <a:r>
+              <a:rPr lang="en-US" dirty="0"/>
+              <a:t>Those nodes can have child nodes. An example is </a:t>
+            </a:r>
+            <a:r>
+              <a:rPr lang="en-US" dirty="0" err="1">
+                <a:solidFill>
+                  <a:schemeClr val="bg1"/>
+                </a:solidFill>
+                <a:highlight>
+                  <a:srgbClr val="C0C0C0"/>
+                </a:highlight>
+              </a:rPr>
+              <a:t>document.body</a:t>
+            </a:r>
+            <a:endParaRPr lang="en-US" dirty="0">
+              <a:solidFill>
+                <a:schemeClr val="bg1"/>
+              </a:solidFill>
+              <a:highlight>
+                <a:srgbClr val="C0C0C0"/>
+              </a:highlight>
+            </a:endParaRPr>
+          </a:p>
+          <a:p>
+            <a:r>
+              <a:rPr lang="en-US" dirty="0"/>
+              <a:t>Some child nodes can be leaf nodes containing pieces of text or HTML comments</a:t>
+            </a:r>
+          </a:p>
+          <a:p>
+            <a:r>
+              <a:rPr lang="en-US" dirty="0"/>
+              <a:t>In the picture, the leaves are text nodes, and the arrows indicate parent-child relationships between nodes</a:t>
+            </a:r>
+          </a:p>
+        </p:txBody>
+      </p:sp>
+      <p:pic>
+        <p:nvPicPr>
+          <p:cNvPr id="5" name="Content Placeholder 4">
+            <a:extLst>
+              <a:ext uri="{FF2B5EF4-FFF2-40B4-BE49-F238E27FC236}">
+                <a16:creationId xmlns:a16="http://schemas.microsoft.com/office/drawing/2014/main" id="{F353E70E-F42F-469C-B7DD-EF4325B6A5D7}"/>
+              </a:ext>
+            </a:extLst>
+          </p:cNvPr>
+          <p:cNvPicPr>
+            <a:picLocks noGrp="1" noChangeAspect="1"/>
+          </p:cNvPicPr>
+          <p:nvPr>
+            <p:ph sz="half" idx="2"/>
+          </p:nvPr>
+        </p:nvPicPr>
+        <p:blipFill>
+          <a:blip r:embed="rId2"/>
+          <a:stretch>
+            <a:fillRect/>
+          </a:stretch>
+        </p:blipFill>
+        <p:spPr>
+          <a:xfrm>
+            <a:off x="5724953" y="2663720"/>
+            <a:ext cx="4395788" cy="2691760"/>
+          </a:xfrm>
+          <a:prstGeom prst="rect">
+            <a:avLst/>
+          </a:prstGeom>
+        </p:spPr>
+      </p:pic>
+    </p:spTree>
+    <p:extLst>
+      <p:ext uri="{BB962C8B-B14F-4D97-AF65-F5344CB8AC3E}">
+        <p14:creationId xmlns:p14="http://schemas.microsoft.com/office/powerpoint/2010/main" val="3727558411"/>
+      </p:ext>
+    </p:extLst>
+  </p:cSld>
+  <p:clrMapOvr>
+    <a:masterClrMapping/>
+  </p:clrMapOvr>
+</p:sld>
+</file>
+
+<file path=ppt/slides/slide8.xml><?xml version="1.0" encoding="utf-8"?>
+<p:sld xmlns:a="http://schemas.openxmlformats.org/drawingml/2006/main" xmlns:r="http://schemas.openxmlformats.org/officeDocument/2006/relationships" xmlns:p="http://schemas.openxmlformats.org/presentationml/2006/main">
+  <p:cSld>
+    <p:bg>
+      <p:bgPr>
+        <a:gradFill>
+          <a:gsLst>
+            <a:gs pos="0">
+              <a:schemeClr val="accent1">
+                <a:lumMod val="75000"/>
+              </a:schemeClr>
+            </a:gs>
+            <a:gs pos="97000">
+              <a:schemeClr val="accent1">
+                <a:lumMod val="45000"/>
+                <a:lumOff val="55000"/>
+              </a:schemeClr>
+            </a:gs>
+            <a:gs pos="100000">
+              <a:schemeClr val="accent1">
+                <a:lumMod val="45000"/>
+                <a:lumOff val="55000"/>
+              </a:schemeClr>
+            </a:gs>
+            <a:gs pos="100000">
+              <a:schemeClr val="accent1">
+                <a:lumMod val="30000"/>
+                <a:lumOff val="70000"/>
+              </a:schemeClr>
+            </a:gs>
+          </a:gsLst>
+          <a:lin ang="5400000" scaled="1"/>
+        </a:gradFill>
+        <a:effectLst/>
+      </p:bgPr>
+    </p:bg>
+    <p:spTree>
+      <p:nvGrpSpPr>
+        <p:cNvPr id="1" name=""/>
+        <p:cNvGrpSpPr/>
+        <p:nvPr/>
+      </p:nvGrpSpPr>
+      <p:grpSpPr>
+        <a:xfrm>
+          <a:off x="0" y="0"/>
+          <a:ext cx="0" cy="0"/>
+          <a:chOff x="0" y="0"/>
+          <a:chExt cx="0" cy="0"/>
+        </a:xfrm>
+      </p:grpSpPr>
+      <p:sp>
+        <p:nvSpPr>
+          <p:cNvPr id="2" name="Title 1">
+            <a:extLst>
+              <a:ext uri="{FF2B5EF4-FFF2-40B4-BE49-F238E27FC236}">
+                <a16:creationId xmlns:a16="http://schemas.microsoft.com/office/drawing/2014/main" id="{345E8175-EFF7-42FA-82B2-916DEBE8E8C5}"/>
+              </a:ext>
+            </a:extLst>
+          </p:cNvPr>
+          <p:cNvSpPr>
+            <a:spLocks noGrp="1"/>
+          </p:cNvSpPr>
+          <p:nvPr>
+            <p:ph type="title"/>
+          </p:nvPr>
+        </p:nvSpPr>
+        <p:spPr>
+          <a:xfrm>
+            <a:off x="646111" y="452718"/>
+            <a:ext cx="9404723" cy="759394"/>
+          </a:xfrm>
+        </p:spPr>
+        <p:txBody>
+          <a:bodyPr/>
+          <a:lstStyle/>
+          <a:p>
+            <a:r>
+              <a:rPr lang="en-US" dirty="0"/>
+              <a:t>Quiz Time!!!</a:t>
+            </a:r>
+          </a:p>
+        </p:txBody>
+      </p:sp>
+      <p:pic>
+        <p:nvPicPr>
+          <p:cNvPr id="9" name="Content Placeholder 8">
+            <a:extLst>
+              <a:ext uri="{FF2B5EF4-FFF2-40B4-BE49-F238E27FC236}">
+                <a16:creationId xmlns:a16="http://schemas.microsoft.com/office/drawing/2014/main" id="{305C1D8C-BCE8-4671-B6B0-3E78415AA552}"/>
+              </a:ext>
+            </a:extLst>
+          </p:cNvPr>
+          <p:cNvPicPr>
+            <a:picLocks noGrp="1" noChangeAspect="1"/>
+          </p:cNvPicPr>
+          <p:nvPr>
+            <p:ph idx="1"/>
+          </p:nvPr>
+        </p:nvPicPr>
+        <p:blipFill>
+          <a:blip r:embed="rId2"/>
+          <a:stretch>
+            <a:fillRect/>
+          </a:stretch>
+        </p:blipFill>
+        <p:spPr>
+          <a:xfrm>
+            <a:off x="1011800" y="1212850"/>
+            <a:ext cx="8672976" cy="2419350"/>
+          </a:xfrm>
+          <a:prstGeom prst="rect">
+            <a:avLst/>
+          </a:prstGeom>
+        </p:spPr>
+      </p:pic>
+      <p:sp>
+        <p:nvSpPr>
+          <p:cNvPr id="10" name="TextBox 9">
+            <a:extLst>
+              <a:ext uri="{FF2B5EF4-FFF2-40B4-BE49-F238E27FC236}">
+                <a16:creationId xmlns:a16="http://schemas.microsoft.com/office/drawing/2014/main" id="{DA07C276-87A2-4240-B21F-999CF9BA3FDD}"/>
+              </a:ext>
+            </a:extLst>
+          </p:cNvPr>
+          <p:cNvSpPr txBox="1"/>
+          <p:nvPr/>
+        </p:nvSpPr>
+        <p:spPr>
+          <a:xfrm>
+            <a:off x="1011800" y="3632200"/>
+            <a:ext cx="8672975" cy="2031325"/>
+          </a:xfrm>
+          <a:prstGeom prst="rect">
+            <a:avLst/>
+          </a:prstGeom>
+          <a:noFill/>
+        </p:spPr>
+        <p:txBody>
+          <a:bodyPr wrap="square" rtlCol="0">
+            <a:spAutoFit/>
+          </a:bodyPr>
+          <a:lstStyle/>
+          <a:p>
+            <a:endParaRPr lang="en-US" dirty="0"/>
+          </a:p>
+          <a:p>
+            <a:r>
+              <a:rPr lang="en-US" dirty="0"/>
+              <a:t>How many children does the body have?</a:t>
+            </a:r>
+          </a:p>
+          <a:p>
+            <a:r>
+              <a:rPr lang="en-US" dirty="0"/>
+              <a:t>How many root nodes are there?</a:t>
+            </a:r>
+          </a:p>
+          <a:p>
+            <a:r>
+              <a:rPr lang="en-US" dirty="0"/>
+              <a:t>Is DOCTYPE the root element?</a:t>
+            </a:r>
+          </a:p>
+          <a:p>
+            <a:r>
+              <a:rPr lang="en-US" dirty="0"/>
+              <a:t>Is the </a:t>
+            </a:r>
+            <a:r>
+              <a:rPr lang="en-US" dirty="0" err="1"/>
+              <a:t>img</a:t>
+            </a:r>
+            <a:r>
+              <a:rPr lang="en-US" dirty="0"/>
+              <a:t> element a node, given that it’s self closing?</a:t>
+            </a:r>
+          </a:p>
+          <a:p>
+            <a:r>
+              <a:rPr lang="en-US" dirty="0"/>
+              <a:t>Is the a node a child of anyone? If so, who?</a:t>
+            </a:r>
+          </a:p>
+          <a:p>
+            <a:r>
+              <a:rPr lang="en-US" dirty="0"/>
+              <a:t>How many total nodes are there in the tree?</a:t>
+            </a:r>
+          </a:p>
+        </p:txBody>
+      </p:sp>
+    </p:spTree>
+    <p:extLst>
+      <p:ext uri="{BB962C8B-B14F-4D97-AF65-F5344CB8AC3E}">
+        <p14:creationId xmlns:p14="http://schemas.microsoft.com/office/powerpoint/2010/main" val="3497845698"/>
+      </p:ext>
+    </p:extLst>
+  </p:cSld>
+  <p:clrMapOvr>
+    <a:masterClrMapping/>
+  </p:clrMapOvr>
+</p:sld>
+</file>
+
+<file path=ppt/slides/slide9.xml><?xml version="1.0" encoding="utf-8"?>
+<p:sld xmlns:a="http://schemas.openxmlformats.org/drawingml/2006/main" xmlns:r="http://schemas.openxmlformats.org/officeDocument/2006/relationships" xmlns:p="http://schemas.openxmlformats.org/presentationml/2006/main">
+  <p:cSld>
+    <p:bg>
+      <p:bgPr>
+        <a:gradFill>
+          <a:gsLst>
+            <a:gs pos="0">
+              <a:schemeClr val="accent1">
+                <a:lumMod val="75000"/>
+              </a:schemeClr>
+            </a:gs>
+            <a:gs pos="97000">
+              <a:schemeClr val="accent1">
+                <a:lumMod val="45000"/>
+                <a:lumOff val="55000"/>
+              </a:schemeClr>
+            </a:gs>
+            <a:gs pos="100000">
+              <a:schemeClr val="accent1">
+                <a:lumMod val="45000"/>
+                <a:lumOff val="55000"/>
+              </a:schemeClr>
+            </a:gs>
+            <a:gs pos="100000">
+              <a:schemeClr val="accent1">
+                <a:lumMod val="30000"/>
+                <a:lumOff val="70000"/>
+              </a:schemeClr>
+            </a:gs>
+          </a:gsLst>
+          <a:lin ang="5400000" scaled="1"/>
+        </a:gradFill>
+        <a:effectLst/>
+      </p:bgPr>
+    </p:bg>
+    <p:spTree>
+      <p:nvGrpSpPr>
+        <p:cNvPr id="1" name=""/>
+        <p:cNvGrpSpPr/>
+        <p:nvPr/>
+      </p:nvGrpSpPr>
+      <p:grpSpPr>
+        <a:xfrm>
+          <a:off x="0" y="0"/>
+          <a:ext cx="0" cy="0"/>
+          <a:chOff x="0" y="0"/>
+          <a:chExt cx="0" cy="0"/>
+        </a:xfrm>
+      </p:grpSpPr>
+      <p:sp>
+        <p:nvSpPr>
+          <p:cNvPr id="2" name="Title 1">
+            <a:extLst>
+              <a:ext uri="{FF2B5EF4-FFF2-40B4-BE49-F238E27FC236}">
+                <a16:creationId xmlns:a16="http://schemas.microsoft.com/office/drawing/2014/main" id="{A0720861-641D-4807-8777-B0120BA5D55B}"/>
+              </a:ext>
+            </a:extLst>
+          </p:cNvPr>
+          <p:cNvSpPr>
+            <a:spLocks noGrp="1"/>
+          </p:cNvSpPr>
+          <p:nvPr>
+            <p:ph type="title"/>
+          </p:nvPr>
+        </p:nvSpPr>
+        <p:spPr/>
+        <p:txBody>
+          <a:bodyPr/>
+          <a:lstStyle/>
+          <a:p>
+            <a:r>
+              <a:rPr lang="en-US" dirty="0"/>
+              <a:t>DOM Construction Order</a:t>
+            </a:r>
+          </a:p>
+        </p:txBody>
+      </p:sp>
+      <p:sp>
+        <p:nvSpPr>
+          <p:cNvPr id="3" name="Content Placeholder 2">
+            <a:extLst>
+              <a:ext uri="{FF2B5EF4-FFF2-40B4-BE49-F238E27FC236}">
+                <a16:creationId xmlns:a16="http://schemas.microsoft.com/office/drawing/2014/main" id="{81AB9AE7-38E5-4994-AA32-2A26BE6043DB}"/>
+              </a:ext>
+            </a:extLst>
+          </p:cNvPr>
+          <p:cNvSpPr>
+            <a:spLocks noGrp="1"/>
+          </p:cNvSpPr>
+          <p:nvPr>
+            <p:ph idx="1"/>
+          </p:nvPr>
+        </p:nvSpPr>
+        <p:spPr>
+          <a:xfrm>
+            <a:off x="1103312" y="2052919"/>
+            <a:ext cx="8946541" cy="1478222"/>
+          </a:xfrm>
+        </p:spPr>
+        <p:txBody>
+          <a:bodyPr/>
+          <a:lstStyle/>
+          <a:p>
+            <a:r>
+              <a:rPr lang="en-US" dirty="0"/>
+              <a:t>Once the HTML is parsed in the browser, the DOM gets constructed </a:t>
+            </a:r>
+            <a:r>
+              <a:rPr lang="en-US" i="1" dirty="0"/>
+              <a:t>depth first</a:t>
+            </a:r>
+            <a:r>
+              <a:rPr lang="en-US" dirty="0"/>
+              <a:t> from top to bottom</a:t>
+            </a:r>
+          </a:p>
+          <a:p>
+            <a:r>
+              <a:rPr lang="en-US" dirty="0"/>
+              <a:t>This means the browser starts at the top, then includes elements down and deeper into nested elements before going down</a:t>
+            </a:r>
+          </a:p>
+        </p:txBody>
+      </p:sp>
+      <p:pic>
+        <p:nvPicPr>
+          <p:cNvPr id="5" name="Picture 4">
+            <a:extLst>
+              <a:ext uri="{FF2B5EF4-FFF2-40B4-BE49-F238E27FC236}">
+                <a16:creationId xmlns:a16="http://schemas.microsoft.com/office/drawing/2014/main" id="{742BEB23-F960-4282-8800-223000DF3302}"/>
+              </a:ext>
+            </a:extLst>
+          </p:cNvPr>
+          <p:cNvPicPr>
+            <a:picLocks noChangeAspect="1"/>
+          </p:cNvPicPr>
+          <p:nvPr/>
+        </p:nvPicPr>
+        <p:blipFill>
+          <a:blip r:embed="rId2"/>
+          <a:stretch>
+            <a:fillRect/>
+          </a:stretch>
+        </p:blipFill>
+        <p:spPr>
+          <a:xfrm>
+            <a:off x="1103313" y="3654155"/>
+            <a:ext cx="4992688" cy="2253799"/>
+          </a:xfrm>
+          <a:prstGeom prst="rect">
+            <a:avLst/>
+          </a:prstGeom>
+        </p:spPr>
+      </p:pic>
+      <p:sp>
+        <p:nvSpPr>
+          <p:cNvPr id="6" name="TextBox 5">
+            <a:extLst>
+              <a:ext uri="{FF2B5EF4-FFF2-40B4-BE49-F238E27FC236}">
+                <a16:creationId xmlns:a16="http://schemas.microsoft.com/office/drawing/2014/main" id="{9F0924CA-3A16-4725-9014-E91F113DC942}"/>
+              </a:ext>
+            </a:extLst>
+          </p:cNvPr>
+          <p:cNvSpPr txBox="1"/>
+          <p:nvPr/>
+        </p:nvSpPr>
+        <p:spPr>
+          <a:xfrm>
+            <a:off x="6760723" y="3628417"/>
+            <a:ext cx="2898843" cy="2308324"/>
+          </a:xfrm>
+          <a:prstGeom prst="rect">
+            <a:avLst/>
+          </a:prstGeom>
+          <a:noFill/>
+        </p:spPr>
+        <p:txBody>
+          <a:bodyPr wrap="square" rtlCol="0">
+            <a:spAutoFit/>
+          </a:bodyPr>
+          <a:lstStyle/>
+          <a:p>
+            <a:r>
+              <a:rPr lang="en-US" dirty="0"/>
+              <a:t>html</a:t>
+            </a:r>
+          </a:p>
+          <a:p>
+            <a:r>
+              <a:rPr lang="en-US" dirty="0"/>
+              <a:t>--head</a:t>
+            </a:r>
+          </a:p>
+          <a:p>
+            <a:r>
+              <a:rPr lang="en-US" dirty="0"/>
+              <a:t>----title</a:t>
+            </a:r>
+          </a:p>
+          <a:p>
+            <a:r>
+              <a:rPr lang="en-US" dirty="0"/>
+              <a:t>--body</a:t>
+            </a:r>
+          </a:p>
+          <a:p>
+            <a:r>
+              <a:rPr lang="en-US" dirty="0"/>
+              <a:t>----h1</a:t>
+            </a:r>
+          </a:p>
+          <a:p>
+            <a:r>
+              <a:rPr lang="en-US" dirty="0"/>
+              <a:t>----p (first one)</a:t>
+            </a:r>
+          </a:p>
+          <a:p>
+            <a:r>
+              <a:rPr lang="en-US" dirty="0"/>
+              <a:t>----p (second one)</a:t>
+            </a:r>
+          </a:p>
+          <a:p>
+            <a:r>
+              <a:rPr lang="en-US" dirty="0"/>
+              <a:t>------a</a:t>
+            </a:r>
+          </a:p>
+        </p:txBody>
+      </p:sp>
+    </p:spTree>
+    <p:extLst>
+      <p:ext uri="{BB962C8B-B14F-4D97-AF65-F5344CB8AC3E}">
+        <p14:creationId xmlns:p14="http://schemas.microsoft.com/office/powerpoint/2010/main" val="3836352291"/>
+      </p:ext>
+    </p:extLst>
+  </p:cSld>
+  <p:clrMapOvr>
+    <a:masterClrMapping/>
+  </p:clrMapOvr>
+</p:sld>
+</file>
+
 <file path=ppt/theme/theme1.xml><?xml version="1.0" encoding="utf-8"?>
 <a:theme xmlns:a="http://schemas.openxmlformats.org/drawingml/2006/main" name="Ion">
   <a:themeElements>

--- a/document-object-model-presentation/Document Object Model.pptx
+++ b/document-object-model-presentation/Document Object Model.pptx
@@ -42,6 +42,12 @@
     <p:sldId id="291" r:id="rId36"/>
     <p:sldId id="292" r:id="rId37"/>
     <p:sldId id="293" r:id="rId38"/>
+    <p:sldId id="294" r:id="rId39"/>
+    <p:sldId id="295" r:id="rId40"/>
+    <p:sldId id="296" r:id="rId41"/>
+    <p:sldId id="297" r:id="rId42"/>
+    <p:sldId id="298" r:id="rId43"/>
+    <p:sldId id="299" r:id="rId44"/>
   </p:sldIdLst>
   <p:sldSz cx="12192000" cy="6858000"/>
   <p:notesSz cx="6858000" cy="9144000"/>
@@ -186,6 +192,12 @@
             <p14:sldId id="291"/>
             <p14:sldId id="292"/>
             <p14:sldId id="293"/>
+            <p14:sldId id="294"/>
+            <p14:sldId id="295"/>
+            <p14:sldId id="296"/>
+            <p14:sldId id="297"/>
+            <p14:sldId id="298"/>
+            <p14:sldId id="299"/>
           </p14:sldIdLst>
         </p14:section>
       </p14:sectionLst>
@@ -383,7 +395,7 @@
           <a:p>
             <a:fld id="{3212B134-D57A-47B0-9FC8-42672359FFDA}" type="datetimeFigureOut">
               <a:rPr lang="en-US" smtClean="0"/>
-              <a:t>4/5/22</a:t>
+              <a:t>4/21/2022</a:t>
             </a:fld>
             <a:endParaRPr lang="en-US"/>
           </a:p>
@@ -658,7 +670,7 @@
           <a:p>
             <a:fld id="{3212B134-D57A-47B0-9FC8-42672359FFDA}" type="datetimeFigureOut">
               <a:rPr lang="en-US" smtClean="0"/>
-              <a:t>4/5/22</a:t>
+              <a:t>4/21/2022</a:t>
             </a:fld>
             <a:endParaRPr lang="en-US"/>
           </a:p>
@@ -852,7 +864,7 @@
           <a:p>
             <a:fld id="{3212B134-D57A-47B0-9FC8-42672359FFDA}" type="datetimeFigureOut">
               <a:rPr lang="en-US" smtClean="0"/>
-              <a:t>4/5/22</a:t>
+              <a:t>4/21/2022</a:t>
             </a:fld>
             <a:endParaRPr lang="en-US"/>
           </a:p>
@@ -1125,7 +1137,7 @@
           <a:p>
             <a:fld id="{3212B134-D57A-47B0-9FC8-42672359FFDA}" type="datetimeFigureOut">
               <a:rPr lang="en-US" smtClean="0"/>
-              <a:t>4/5/22</a:t>
+              <a:t>4/21/2022</a:t>
             </a:fld>
             <a:endParaRPr lang="en-US"/>
           </a:p>
@@ -1466,7 +1478,7 @@
           <a:p>
             <a:fld id="{3212B134-D57A-47B0-9FC8-42672359FFDA}" type="datetimeFigureOut">
               <a:rPr lang="en-US" smtClean="0"/>
-              <a:t>4/5/22</a:t>
+              <a:t>4/21/2022</a:t>
             </a:fld>
             <a:endParaRPr lang="en-US"/>
           </a:p>
@@ -2089,7 +2101,7 @@
           <a:p>
             <a:fld id="{3212B134-D57A-47B0-9FC8-42672359FFDA}" type="datetimeFigureOut">
               <a:rPr lang="en-US" smtClean="0"/>
-              <a:t>4/5/22</a:t>
+              <a:t>4/21/2022</a:t>
             </a:fld>
             <a:endParaRPr lang="en-US"/>
           </a:p>
@@ -2949,7 +2961,7 @@
           <a:p>
             <a:fld id="{3212B134-D57A-47B0-9FC8-42672359FFDA}" type="datetimeFigureOut">
               <a:rPr lang="en-US" smtClean="0"/>
-              <a:t>4/5/22</a:t>
+              <a:t>4/21/2022</a:t>
             </a:fld>
             <a:endParaRPr lang="en-US"/>
           </a:p>
@@ -3119,7 +3131,7 @@
           <a:p>
             <a:fld id="{3212B134-D57A-47B0-9FC8-42672359FFDA}" type="datetimeFigureOut">
               <a:rPr lang="en-US" smtClean="0"/>
-              <a:t>4/5/22</a:t>
+              <a:t>4/21/2022</a:t>
             </a:fld>
             <a:endParaRPr lang="en-US"/>
           </a:p>
@@ -3299,7 +3311,7 @@
           <a:p>
             <a:fld id="{3212B134-D57A-47B0-9FC8-42672359FFDA}" type="datetimeFigureOut">
               <a:rPr lang="en-US" smtClean="0"/>
-              <a:t>4/5/22</a:t>
+              <a:t>4/21/2022</a:t>
             </a:fld>
             <a:endParaRPr lang="en-US"/>
           </a:p>
@@ -3469,7 +3481,7 @@
           <a:p>
             <a:fld id="{3212B134-D57A-47B0-9FC8-42672359FFDA}" type="datetimeFigureOut">
               <a:rPr lang="en-US" smtClean="0"/>
-              <a:t>4/5/22</a:t>
+              <a:t>4/21/2022</a:t>
             </a:fld>
             <a:endParaRPr lang="en-US"/>
           </a:p>
@@ -3716,7 +3728,7 @@
           <a:p>
             <a:fld id="{3212B134-D57A-47B0-9FC8-42672359FFDA}" type="datetimeFigureOut">
               <a:rPr lang="en-US" smtClean="0"/>
-              <a:t>4/5/22</a:t>
+              <a:t>4/21/2022</a:t>
             </a:fld>
             <a:endParaRPr lang="en-US"/>
           </a:p>
@@ -4008,7 +4020,7 @@
           <a:p>
             <a:fld id="{3212B134-D57A-47B0-9FC8-42672359FFDA}" type="datetimeFigureOut">
               <a:rPr lang="en-US" smtClean="0"/>
-              <a:t>4/5/22</a:t>
+              <a:t>4/21/2022</a:t>
             </a:fld>
             <a:endParaRPr lang="en-US"/>
           </a:p>
@@ -4452,7 +4464,7 @@
           <a:p>
             <a:fld id="{3212B134-D57A-47B0-9FC8-42672359FFDA}" type="datetimeFigureOut">
               <a:rPr lang="en-US" smtClean="0"/>
-              <a:t>4/5/22</a:t>
+              <a:t>4/21/2022</a:t>
             </a:fld>
             <a:endParaRPr lang="en-US"/>
           </a:p>
@@ -4570,7 +4582,7 @@
           <a:p>
             <a:fld id="{3212B134-D57A-47B0-9FC8-42672359FFDA}" type="datetimeFigureOut">
               <a:rPr lang="en-US" smtClean="0"/>
-              <a:t>4/5/22</a:t>
+              <a:t>4/21/2022</a:t>
             </a:fld>
             <a:endParaRPr lang="en-US"/>
           </a:p>
@@ -4665,7 +4677,7 @@
           <a:p>
             <a:fld id="{3212B134-D57A-47B0-9FC8-42672359FFDA}" type="datetimeFigureOut">
               <a:rPr lang="en-US" smtClean="0"/>
-              <a:t>4/5/22</a:t>
+              <a:t>4/21/2022</a:t>
             </a:fld>
             <a:endParaRPr lang="en-US"/>
           </a:p>
@@ -4944,7 +4956,7 @@
           <a:p>
             <a:fld id="{3212B134-D57A-47B0-9FC8-42672359FFDA}" type="datetimeFigureOut">
               <a:rPr lang="en-US" smtClean="0"/>
-              <a:t>4/5/22</a:t>
+              <a:t>4/21/2022</a:t>
             </a:fld>
             <a:endParaRPr lang="en-US"/>
           </a:p>
@@ -5219,7 +5231,7 @@
           <a:p>
             <a:fld id="{3212B134-D57A-47B0-9FC8-42672359FFDA}" type="datetimeFigureOut">
               <a:rPr lang="en-US" smtClean="0"/>
-              <a:t>4/5/22</a:t>
+              <a:t>4/21/2022</a:t>
             </a:fld>
             <a:endParaRPr lang="en-US"/>
           </a:p>
@@ -5284,9 +5296,38 @@
 <p:sldMaster xmlns:a="http://schemas.openxmlformats.org/drawingml/2006/main" xmlns:r="http://schemas.openxmlformats.org/officeDocument/2006/relationships" xmlns:p="http://schemas.openxmlformats.org/presentationml/2006/main">
   <p:cSld>
     <p:bg>
-      <p:bgRef idx="1003">
-        <a:schemeClr val="bg2"/>
-      </p:bgRef>
+      <p:bgPr>
+        <a:gradFill flip="none" rotWithShape="1">
+          <a:gsLst>
+            <a:gs pos="0">
+              <a:schemeClr val="accent1">
+                <a:lumMod val="5000"/>
+                <a:lumOff val="95000"/>
+              </a:schemeClr>
+            </a:gs>
+            <a:gs pos="100000">
+              <a:schemeClr val="accent1">
+                <a:lumMod val="45000"/>
+                <a:lumOff val="55000"/>
+              </a:schemeClr>
+            </a:gs>
+            <a:gs pos="0">
+              <a:schemeClr val="accent1">
+                <a:lumMod val="75000"/>
+              </a:schemeClr>
+            </a:gs>
+            <a:gs pos="100000">
+              <a:schemeClr val="accent1">
+                <a:lumMod val="30000"/>
+                <a:lumOff val="70000"/>
+              </a:schemeClr>
+            </a:gs>
+          </a:gsLst>
+          <a:lin ang="5400000" scaled="1"/>
+          <a:tileRect/>
+        </a:gradFill>
+        <a:effectLst/>
+      </p:bgPr>
     </p:bg>
     <p:spTree>
       <p:nvGrpSpPr>
@@ -5648,7 +5689,7 @@
           <a:p>
             <a:fld id="{3212B134-D57A-47B0-9FC8-42672359FFDA}" type="datetimeFigureOut">
               <a:rPr lang="en-US" smtClean="0"/>
-              <a:t>4/5/22</a:t>
+              <a:t>4/21/2022</a:t>
             </a:fld>
             <a:endParaRPr lang="en-US"/>
           </a:p>
@@ -6162,39 +6203,6 @@
 <file path=ppt/slides/slide1.xml><?xml version="1.0" encoding="utf-8"?>
 <p:sld xmlns:a="http://schemas.openxmlformats.org/drawingml/2006/main" xmlns:r="http://schemas.openxmlformats.org/officeDocument/2006/relationships" xmlns:p="http://schemas.openxmlformats.org/presentationml/2006/main">
   <p:cSld>
-    <p:bg>
-      <p:bgPr>
-        <a:gradFill>
-          <a:gsLst>
-            <a:gs pos="0">
-              <a:schemeClr val="accent1">
-                <a:lumMod val="75000"/>
-              </a:schemeClr>
-            </a:gs>
-            <a:gs pos="97000">
-              <a:schemeClr val="accent1">
-                <a:lumMod val="45000"/>
-                <a:lumOff val="55000"/>
-              </a:schemeClr>
-            </a:gs>
-            <a:gs pos="100000">
-              <a:schemeClr val="accent1">
-                <a:lumMod val="45000"/>
-                <a:lumOff val="55000"/>
-              </a:schemeClr>
-            </a:gs>
-            <a:gs pos="100000">
-              <a:schemeClr val="accent1">
-                <a:lumMod val="30000"/>
-                <a:lumOff val="70000"/>
-              </a:schemeClr>
-            </a:gs>
-          </a:gsLst>
-          <a:lin ang="5400000" scaled="1"/>
-        </a:gradFill>
-        <a:effectLst/>
-      </p:bgPr>
-    </p:bg>
     <p:spTree>
       <p:nvGrpSpPr>
         <p:cNvPr id="1" name=""/>
@@ -6325,39 +6333,6 @@
 <file path=ppt/slides/slide10.xml><?xml version="1.0" encoding="utf-8"?>
 <p:sld xmlns:a="http://schemas.openxmlformats.org/drawingml/2006/main" xmlns:r="http://schemas.openxmlformats.org/officeDocument/2006/relationships" xmlns:p="http://schemas.openxmlformats.org/presentationml/2006/main">
   <p:cSld>
-    <p:bg>
-      <p:bgPr>
-        <a:gradFill>
-          <a:gsLst>
-            <a:gs pos="0">
-              <a:schemeClr val="accent1">
-                <a:lumMod val="75000"/>
-              </a:schemeClr>
-            </a:gs>
-            <a:gs pos="97000">
-              <a:schemeClr val="accent1">
-                <a:lumMod val="45000"/>
-                <a:lumOff val="55000"/>
-              </a:schemeClr>
-            </a:gs>
-            <a:gs pos="100000">
-              <a:schemeClr val="accent1">
-                <a:lumMod val="45000"/>
-                <a:lumOff val="55000"/>
-              </a:schemeClr>
-            </a:gs>
-            <a:gs pos="100000">
-              <a:schemeClr val="accent1">
-                <a:lumMod val="30000"/>
-                <a:lumOff val="70000"/>
-              </a:schemeClr>
-            </a:gs>
-          </a:gsLst>
-          <a:lin ang="5400000" scaled="1"/>
-        </a:gradFill>
-        <a:effectLst/>
-      </p:bgPr>
-    </p:bg>
     <p:spTree>
       <p:nvGrpSpPr>
         <p:cNvPr id="1" name=""/>
@@ -6932,39 +6907,6 @@
 <file path=ppt/slides/slide11.xml><?xml version="1.0" encoding="utf-8"?>
 <p:sld xmlns:a="http://schemas.openxmlformats.org/drawingml/2006/main" xmlns:r="http://schemas.openxmlformats.org/officeDocument/2006/relationships" xmlns:p="http://schemas.openxmlformats.org/presentationml/2006/main">
   <p:cSld>
-    <p:bg>
-      <p:bgPr>
-        <a:gradFill>
-          <a:gsLst>
-            <a:gs pos="0">
-              <a:schemeClr val="accent1">
-                <a:lumMod val="75000"/>
-              </a:schemeClr>
-            </a:gs>
-            <a:gs pos="74000">
-              <a:schemeClr val="accent1">
-                <a:lumMod val="45000"/>
-                <a:lumOff val="55000"/>
-              </a:schemeClr>
-            </a:gs>
-            <a:gs pos="83000">
-              <a:schemeClr val="accent1">
-                <a:lumMod val="45000"/>
-                <a:lumOff val="55000"/>
-              </a:schemeClr>
-            </a:gs>
-            <a:gs pos="100000">
-              <a:schemeClr val="accent1">
-                <a:lumMod val="30000"/>
-                <a:lumOff val="70000"/>
-              </a:schemeClr>
-            </a:gs>
-          </a:gsLst>
-          <a:lin ang="5400000" scaled="1"/>
-        </a:gradFill>
-        <a:effectLst/>
-      </p:bgPr>
-    </p:bg>
     <p:spTree>
       <p:nvGrpSpPr>
         <p:cNvPr id="1" name=""/>
@@ -7063,39 +7005,6 @@
 <file path=ppt/slides/slide12.xml><?xml version="1.0" encoding="utf-8"?>
 <p:sld xmlns:a="http://schemas.openxmlformats.org/drawingml/2006/main" xmlns:r="http://schemas.openxmlformats.org/officeDocument/2006/relationships" xmlns:p="http://schemas.openxmlformats.org/presentationml/2006/main">
   <p:cSld>
-    <p:bg>
-      <p:bgPr>
-        <a:gradFill>
-          <a:gsLst>
-            <a:gs pos="0">
-              <a:schemeClr val="accent1">
-                <a:lumMod val="75000"/>
-              </a:schemeClr>
-            </a:gs>
-            <a:gs pos="74000">
-              <a:schemeClr val="accent1">
-                <a:lumMod val="45000"/>
-                <a:lumOff val="55000"/>
-              </a:schemeClr>
-            </a:gs>
-            <a:gs pos="83000">
-              <a:schemeClr val="accent1">
-                <a:lumMod val="45000"/>
-                <a:lumOff val="55000"/>
-              </a:schemeClr>
-            </a:gs>
-            <a:gs pos="100000">
-              <a:schemeClr val="accent1">
-                <a:lumMod val="30000"/>
-                <a:lumOff val="70000"/>
-              </a:schemeClr>
-            </a:gs>
-          </a:gsLst>
-          <a:lin ang="5400000" scaled="1"/>
-        </a:gradFill>
-        <a:effectLst/>
-      </p:bgPr>
-    </p:bg>
     <p:spTree>
       <p:nvGrpSpPr>
         <p:cNvPr id="1" name=""/>
@@ -7238,39 +7147,6 @@
 <file path=ppt/slides/slide13.xml><?xml version="1.0" encoding="utf-8"?>
 <p:sld xmlns:a="http://schemas.openxmlformats.org/drawingml/2006/main" xmlns:r="http://schemas.openxmlformats.org/officeDocument/2006/relationships" xmlns:p="http://schemas.openxmlformats.org/presentationml/2006/main">
   <p:cSld>
-    <p:bg>
-      <p:bgPr>
-        <a:gradFill>
-          <a:gsLst>
-            <a:gs pos="0">
-              <a:schemeClr val="accent1">
-                <a:lumMod val="75000"/>
-              </a:schemeClr>
-            </a:gs>
-            <a:gs pos="74000">
-              <a:schemeClr val="accent1">
-                <a:lumMod val="45000"/>
-                <a:lumOff val="55000"/>
-              </a:schemeClr>
-            </a:gs>
-            <a:gs pos="83000">
-              <a:schemeClr val="accent1">
-                <a:lumMod val="45000"/>
-                <a:lumOff val="55000"/>
-              </a:schemeClr>
-            </a:gs>
-            <a:gs pos="100000">
-              <a:schemeClr val="accent1">
-                <a:lumMod val="30000"/>
-                <a:lumOff val="70000"/>
-              </a:schemeClr>
-            </a:gs>
-          </a:gsLst>
-          <a:lin ang="5400000" scaled="1"/>
-        </a:gradFill>
-        <a:effectLst/>
-      </p:bgPr>
-    </p:bg>
     <p:spTree>
       <p:nvGrpSpPr>
         <p:cNvPr id="1" name=""/>
@@ -7378,39 +7254,6 @@
 <file path=ppt/slides/slide14.xml><?xml version="1.0" encoding="utf-8"?>
 <p:sld xmlns:a="http://schemas.openxmlformats.org/drawingml/2006/main" xmlns:r="http://schemas.openxmlformats.org/officeDocument/2006/relationships" xmlns:p="http://schemas.openxmlformats.org/presentationml/2006/main">
   <p:cSld>
-    <p:bg>
-      <p:bgPr>
-        <a:gradFill>
-          <a:gsLst>
-            <a:gs pos="0">
-              <a:schemeClr val="accent1">
-                <a:lumMod val="75000"/>
-              </a:schemeClr>
-            </a:gs>
-            <a:gs pos="74000">
-              <a:schemeClr val="accent1">
-                <a:lumMod val="45000"/>
-                <a:lumOff val="55000"/>
-              </a:schemeClr>
-            </a:gs>
-            <a:gs pos="83000">
-              <a:schemeClr val="accent1">
-                <a:lumMod val="45000"/>
-                <a:lumOff val="55000"/>
-              </a:schemeClr>
-            </a:gs>
-            <a:gs pos="100000">
-              <a:schemeClr val="accent1">
-                <a:lumMod val="30000"/>
-                <a:lumOff val="70000"/>
-              </a:schemeClr>
-            </a:gs>
-          </a:gsLst>
-          <a:lin ang="5400000" scaled="1"/>
-        </a:gradFill>
-        <a:effectLst/>
-      </p:bgPr>
-    </p:bg>
     <p:spTree>
       <p:nvGrpSpPr>
         <p:cNvPr id="1" name=""/>
@@ -7518,39 +7361,6 @@
 <file path=ppt/slides/slide15.xml><?xml version="1.0" encoding="utf-8"?>
 <p:sld xmlns:a="http://schemas.openxmlformats.org/drawingml/2006/main" xmlns:r="http://schemas.openxmlformats.org/officeDocument/2006/relationships" xmlns:p="http://schemas.openxmlformats.org/presentationml/2006/main">
   <p:cSld>
-    <p:bg>
-      <p:bgPr>
-        <a:gradFill>
-          <a:gsLst>
-            <a:gs pos="0">
-              <a:schemeClr val="accent1">
-                <a:lumMod val="75000"/>
-              </a:schemeClr>
-            </a:gs>
-            <a:gs pos="74000">
-              <a:schemeClr val="accent1">
-                <a:lumMod val="45000"/>
-                <a:lumOff val="55000"/>
-              </a:schemeClr>
-            </a:gs>
-            <a:gs pos="83000">
-              <a:schemeClr val="accent1">
-                <a:lumMod val="45000"/>
-                <a:lumOff val="55000"/>
-              </a:schemeClr>
-            </a:gs>
-            <a:gs pos="100000">
-              <a:schemeClr val="accent1">
-                <a:lumMod val="30000"/>
-                <a:lumOff val="70000"/>
-              </a:schemeClr>
-            </a:gs>
-          </a:gsLst>
-          <a:lin ang="5400000" scaled="1"/>
-        </a:gradFill>
-        <a:effectLst/>
-      </p:bgPr>
-    </p:bg>
     <p:spTree>
       <p:nvGrpSpPr>
         <p:cNvPr id="1" name=""/>
@@ -7664,39 +7474,6 @@
 <file path=ppt/slides/slide16.xml><?xml version="1.0" encoding="utf-8"?>
 <p:sld xmlns:a="http://schemas.openxmlformats.org/drawingml/2006/main" xmlns:r="http://schemas.openxmlformats.org/officeDocument/2006/relationships" xmlns:p="http://schemas.openxmlformats.org/presentationml/2006/main">
   <p:cSld>
-    <p:bg>
-      <p:bgPr>
-        <a:gradFill>
-          <a:gsLst>
-            <a:gs pos="0">
-              <a:schemeClr val="accent1">
-                <a:lumMod val="75000"/>
-              </a:schemeClr>
-            </a:gs>
-            <a:gs pos="74000">
-              <a:schemeClr val="accent1">
-                <a:lumMod val="45000"/>
-                <a:lumOff val="55000"/>
-              </a:schemeClr>
-            </a:gs>
-            <a:gs pos="83000">
-              <a:schemeClr val="accent1">
-                <a:lumMod val="45000"/>
-                <a:lumOff val="55000"/>
-              </a:schemeClr>
-            </a:gs>
-            <a:gs pos="100000">
-              <a:schemeClr val="accent1">
-                <a:lumMod val="30000"/>
-                <a:lumOff val="70000"/>
-              </a:schemeClr>
-            </a:gs>
-          </a:gsLst>
-          <a:lin ang="5400000" scaled="1"/>
-        </a:gradFill>
-        <a:effectLst/>
-      </p:bgPr>
-    </p:bg>
     <p:spTree>
       <p:nvGrpSpPr>
         <p:cNvPr id="1" name=""/>
@@ -7815,39 +7592,6 @@
 <file path=ppt/slides/slide17.xml><?xml version="1.0" encoding="utf-8"?>
 <p:sld xmlns:a="http://schemas.openxmlformats.org/drawingml/2006/main" xmlns:r="http://schemas.openxmlformats.org/officeDocument/2006/relationships" xmlns:p="http://schemas.openxmlformats.org/presentationml/2006/main">
   <p:cSld>
-    <p:bg>
-      <p:bgPr>
-        <a:gradFill>
-          <a:gsLst>
-            <a:gs pos="0">
-              <a:schemeClr val="accent1">
-                <a:lumMod val="75000"/>
-              </a:schemeClr>
-            </a:gs>
-            <a:gs pos="74000">
-              <a:schemeClr val="accent1">
-                <a:lumMod val="45000"/>
-                <a:lumOff val="55000"/>
-              </a:schemeClr>
-            </a:gs>
-            <a:gs pos="83000">
-              <a:schemeClr val="accent1">
-                <a:lumMod val="45000"/>
-                <a:lumOff val="55000"/>
-              </a:schemeClr>
-            </a:gs>
-            <a:gs pos="100000">
-              <a:schemeClr val="accent1">
-                <a:lumMod val="30000"/>
-                <a:lumOff val="70000"/>
-              </a:schemeClr>
-            </a:gs>
-          </a:gsLst>
-          <a:lin ang="5400000" scaled="1"/>
-        </a:gradFill>
-        <a:effectLst/>
-      </p:bgPr>
-    </p:bg>
     <p:spTree>
       <p:nvGrpSpPr>
         <p:cNvPr id="1" name=""/>
@@ -8022,39 +7766,6 @@
 <file path=ppt/slides/slide18.xml><?xml version="1.0" encoding="utf-8"?>
 <p:sld xmlns:a="http://schemas.openxmlformats.org/drawingml/2006/main" xmlns:r="http://schemas.openxmlformats.org/officeDocument/2006/relationships" xmlns:p="http://schemas.openxmlformats.org/presentationml/2006/main">
   <p:cSld>
-    <p:bg>
-      <p:bgPr>
-        <a:gradFill>
-          <a:gsLst>
-            <a:gs pos="0">
-              <a:schemeClr val="accent1">
-                <a:lumMod val="75000"/>
-              </a:schemeClr>
-            </a:gs>
-            <a:gs pos="74000">
-              <a:schemeClr val="accent1">
-                <a:lumMod val="45000"/>
-                <a:lumOff val="55000"/>
-              </a:schemeClr>
-            </a:gs>
-            <a:gs pos="83000">
-              <a:schemeClr val="accent1">
-                <a:lumMod val="45000"/>
-                <a:lumOff val="55000"/>
-              </a:schemeClr>
-            </a:gs>
-            <a:gs pos="100000">
-              <a:schemeClr val="accent1">
-                <a:lumMod val="30000"/>
-                <a:lumOff val="70000"/>
-              </a:schemeClr>
-            </a:gs>
-          </a:gsLst>
-          <a:lin ang="5400000" scaled="1"/>
-        </a:gradFill>
-        <a:effectLst/>
-      </p:bgPr>
-    </p:bg>
     <p:spTree>
       <p:nvGrpSpPr>
         <p:cNvPr id="1" name=""/>
@@ -8188,39 +7899,6 @@
 <file path=ppt/slides/slide19.xml><?xml version="1.0" encoding="utf-8"?>
 <p:sld xmlns:a="http://schemas.openxmlformats.org/drawingml/2006/main" xmlns:r="http://schemas.openxmlformats.org/officeDocument/2006/relationships" xmlns:p="http://schemas.openxmlformats.org/presentationml/2006/main">
   <p:cSld>
-    <p:bg>
-      <p:bgPr>
-        <a:gradFill>
-          <a:gsLst>
-            <a:gs pos="0">
-              <a:schemeClr val="accent1">
-                <a:lumMod val="75000"/>
-              </a:schemeClr>
-            </a:gs>
-            <a:gs pos="74000">
-              <a:schemeClr val="accent1">
-                <a:lumMod val="45000"/>
-                <a:lumOff val="55000"/>
-              </a:schemeClr>
-            </a:gs>
-            <a:gs pos="83000">
-              <a:schemeClr val="accent1">
-                <a:lumMod val="45000"/>
-                <a:lumOff val="55000"/>
-              </a:schemeClr>
-            </a:gs>
-            <a:gs pos="100000">
-              <a:schemeClr val="accent1">
-                <a:lumMod val="30000"/>
-                <a:lumOff val="70000"/>
-              </a:schemeClr>
-            </a:gs>
-          </a:gsLst>
-          <a:lin ang="5400000" scaled="1"/>
-        </a:gradFill>
-        <a:effectLst/>
-      </p:bgPr>
-    </p:bg>
     <p:spTree>
       <p:nvGrpSpPr>
         <p:cNvPr id="1" name=""/>
@@ -8319,38 +7997,6 @@
 <file path=ppt/slides/slide2.xml><?xml version="1.0" encoding="utf-8"?>
 <p:sld xmlns:a="http://schemas.openxmlformats.org/drawingml/2006/main" xmlns:r="http://schemas.openxmlformats.org/officeDocument/2006/relationships" xmlns:p="http://schemas.openxmlformats.org/presentationml/2006/main">
   <p:cSld>
-    <p:bg>
-      <p:bgPr>
-        <a:gradFill>
-          <a:gsLst>
-            <a:gs pos="0">
-              <a:schemeClr val="accent1">
-                <a:lumMod val="75000"/>
-              </a:schemeClr>
-            </a:gs>
-            <a:gs pos="100000">
-              <a:schemeClr val="accent1">
-                <a:lumMod val="45000"/>
-                <a:lumOff val="55000"/>
-              </a:schemeClr>
-            </a:gs>
-            <a:gs pos="100000">
-              <a:schemeClr val="accent1">
-                <a:lumMod val="75000"/>
-              </a:schemeClr>
-            </a:gs>
-            <a:gs pos="100000">
-              <a:schemeClr val="accent1">
-                <a:lumMod val="30000"/>
-                <a:lumOff val="70000"/>
-              </a:schemeClr>
-            </a:gs>
-          </a:gsLst>
-          <a:lin ang="5400000" scaled="1"/>
-        </a:gradFill>
-        <a:effectLst/>
-      </p:bgPr>
-    </p:bg>
     <p:spTree>
       <p:nvGrpSpPr>
         <p:cNvPr id="1" name=""/>
@@ -8485,39 +8131,6 @@
 <file path=ppt/slides/slide20.xml><?xml version="1.0" encoding="utf-8"?>
 <p:sld xmlns:a="http://schemas.openxmlformats.org/drawingml/2006/main" xmlns:r="http://schemas.openxmlformats.org/officeDocument/2006/relationships" xmlns:p="http://schemas.openxmlformats.org/presentationml/2006/main">
   <p:cSld>
-    <p:bg>
-      <p:bgPr>
-        <a:gradFill>
-          <a:gsLst>
-            <a:gs pos="0">
-              <a:schemeClr val="accent1">
-                <a:lumMod val="75000"/>
-              </a:schemeClr>
-            </a:gs>
-            <a:gs pos="74000">
-              <a:schemeClr val="accent1">
-                <a:lumMod val="45000"/>
-                <a:lumOff val="55000"/>
-              </a:schemeClr>
-            </a:gs>
-            <a:gs pos="83000">
-              <a:schemeClr val="accent1">
-                <a:lumMod val="45000"/>
-                <a:lumOff val="55000"/>
-              </a:schemeClr>
-            </a:gs>
-            <a:gs pos="100000">
-              <a:schemeClr val="accent1">
-                <a:lumMod val="30000"/>
-                <a:lumOff val="70000"/>
-              </a:schemeClr>
-            </a:gs>
-          </a:gsLst>
-          <a:lin ang="5400000" scaled="1"/>
-        </a:gradFill>
-        <a:effectLst/>
-      </p:bgPr>
-    </p:bg>
     <p:spTree>
       <p:nvGrpSpPr>
         <p:cNvPr id="1" name=""/>
@@ -8669,39 +8282,6 @@
 <file path=ppt/slides/slide21.xml><?xml version="1.0" encoding="utf-8"?>
 <p:sld xmlns:a="http://schemas.openxmlformats.org/drawingml/2006/main" xmlns:r="http://schemas.openxmlformats.org/officeDocument/2006/relationships" xmlns:p="http://schemas.openxmlformats.org/presentationml/2006/main">
   <p:cSld>
-    <p:bg>
-      <p:bgPr>
-        <a:gradFill>
-          <a:gsLst>
-            <a:gs pos="0">
-              <a:schemeClr val="accent1">
-                <a:lumMod val="75000"/>
-              </a:schemeClr>
-            </a:gs>
-            <a:gs pos="100000">
-              <a:schemeClr val="accent1">
-                <a:lumMod val="45000"/>
-                <a:lumOff val="55000"/>
-              </a:schemeClr>
-            </a:gs>
-            <a:gs pos="100000">
-              <a:schemeClr val="accent1">
-                <a:lumMod val="45000"/>
-                <a:lumOff val="55000"/>
-              </a:schemeClr>
-            </a:gs>
-            <a:gs pos="100000">
-              <a:schemeClr val="accent1">
-                <a:lumMod val="30000"/>
-                <a:lumOff val="70000"/>
-              </a:schemeClr>
-            </a:gs>
-          </a:gsLst>
-          <a:lin ang="5400000" scaled="1"/>
-        </a:gradFill>
-        <a:effectLst/>
-      </p:bgPr>
-    </p:bg>
     <p:spTree>
       <p:nvGrpSpPr>
         <p:cNvPr id="1" name=""/>
@@ -8796,39 +8376,6 @@
 <file path=ppt/slides/slide22.xml><?xml version="1.0" encoding="utf-8"?>
 <p:sld xmlns:a="http://schemas.openxmlformats.org/drawingml/2006/main" xmlns:r="http://schemas.openxmlformats.org/officeDocument/2006/relationships" xmlns:p="http://schemas.openxmlformats.org/presentationml/2006/main">
   <p:cSld>
-    <p:bg>
-      <p:bgPr>
-        <a:gradFill>
-          <a:gsLst>
-            <a:gs pos="0">
-              <a:schemeClr val="accent1">
-                <a:lumMod val="75000"/>
-              </a:schemeClr>
-            </a:gs>
-            <a:gs pos="100000">
-              <a:schemeClr val="accent1">
-                <a:lumMod val="45000"/>
-                <a:lumOff val="55000"/>
-              </a:schemeClr>
-            </a:gs>
-            <a:gs pos="100000">
-              <a:schemeClr val="accent1">
-                <a:lumMod val="45000"/>
-                <a:lumOff val="55000"/>
-              </a:schemeClr>
-            </a:gs>
-            <a:gs pos="100000">
-              <a:schemeClr val="accent1">
-                <a:lumMod val="30000"/>
-                <a:lumOff val="70000"/>
-              </a:schemeClr>
-            </a:gs>
-          </a:gsLst>
-          <a:lin ang="5400000" scaled="1"/>
-        </a:gradFill>
-        <a:effectLst/>
-      </p:bgPr>
-    </p:bg>
     <p:spTree>
       <p:nvGrpSpPr>
         <p:cNvPr id="1" name=""/>
@@ -8959,39 +8506,6 @@
 <file path=ppt/slides/slide23.xml><?xml version="1.0" encoding="utf-8"?>
 <p:sld xmlns:a="http://schemas.openxmlformats.org/drawingml/2006/main" xmlns:r="http://schemas.openxmlformats.org/officeDocument/2006/relationships" xmlns:p="http://schemas.openxmlformats.org/presentationml/2006/main">
   <p:cSld>
-    <p:bg>
-      <p:bgPr>
-        <a:gradFill>
-          <a:gsLst>
-            <a:gs pos="0">
-              <a:schemeClr val="accent1">
-                <a:lumMod val="75000"/>
-              </a:schemeClr>
-            </a:gs>
-            <a:gs pos="100000">
-              <a:schemeClr val="accent1">
-                <a:lumMod val="45000"/>
-                <a:lumOff val="55000"/>
-              </a:schemeClr>
-            </a:gs>
-            <a:gs pos="100000">
-              <a:schemeClr val="accent1">
-                <a:lumMod val="45000"/>
-                <a:lumOff val="55000"/>
-              </a:schemeClr>
-            </a:gs>
-            <a:gs pos="100000">
-              <a:schemeClr val="accent1">
-                <a:lumMod val="30000"/>
-                <a:lumOff val="70000"/>
-              </a:schemeClr>
-            </a:gs>
-          </a:gsLst>
-          <a:lin ang="5400000" scaled="1"/>
-        </a:gradFill>
-        <a:effectLst/>
-      </p:bgPr>
-    </p:bg>
     <p:spTree>
       <p:nvGrpSpPr>
         <p:cNvPr id="1" name=""/>
@@ -9193,39 +8707,6 @@
 <file path=ppt/slides/slide24.xml><?xml version="1.0" encoding="utf-8"?>
 <p:sld xmlns:a="http://schemas.openxmlformats.org/drawingml/2006/main" xmlns:r="http://schemas.openxmlformats.org/officeDocument/2006/relationships" xmlns:p="http://schemas.openxmlformats.org/presentationml/2006/main">
   <p:cSld>
-    <p:bg>
-      <p:bgPr>
-        <a:gradFill>
-          <a:gsLst>
-            <a:gs pos="0">
-              <a:schemeClr val="accent1">
-                <a:lumMod val="75000"/>
-              </a:schemeClr>
-            </a:gs>
-            <a:gs pos="100000">
-              <a:schemeClr val="accent1">
-                <a:lumMod val="45000"/>
-                <a:lumOff val="55000"/>
-              </a:schemeClr>
-            </a:gs>
-            <a:gs pos="100000">
-              <a:schemeClr val="accent1">
-                <a:lumMod val="45000"/>
-                <a:lumOff val="55000"/>
-              </a:schemeClr>
-            </a:gs>
-            <a:gs pos="100000">
-              <a:schemeClr val="accent1">
-                <a:lumMod val="30000"/>
-                <a:lumOff val="70000"/>
-              </a:schemeClr>
-            </a:gs>
-          </a:gsLst>
-          <a:lin ang="5400000" scaled="1"/>
-        </a:gradFill>
-        <a:effectLst/>
-      </p:bgPr>
-    </p:bg>
     <p:spTree>
       <p:nvGrpSpPr>
         <p:cNvPr id="1" name=""/>
@@ -9360,39 +8841,6 @@
 <file path=ppt/slides/slide25.xml><?xml version="1.0" encoding="utf-8"?>
 <p:sld xmlns:a="http://schemas.openxmlformats.org/drawingml/2006/main" xmlns:r="http://schemas.openxmlformats.org/officeDocument/2006/relationships" xmlns:p="http://schemas.openxmlformats.org/presentationml/2006/main">
   <p:cSld>
-    <p:bg>
-      <p:bgPr>
-        <a:gradFill>
-          <a:gsLst>
-            <a:gs pos="0">
-              <a:schemeClr val="accent1">
-                <a:lumMod val="75000"/>
-              </a:schemeClr>
-            </a:gs>
-            <a:gs pos="100000">
-              <a:schemeClr val="accent1">
-                <a:lumMod val="45000"/>
-                <a:lumOff val="55000"/>
-              </a:schemeClr>
-            </a:gs>
-            <a:gs pos="100000">
-              <a:schemeClr val="accent1">
-                <a:lumMod val="45000"/>
-                <a:lumOff val="55000"/>
-              </a:schemeClr>
-            </a:gs>
-            <a:gs pos="100000">
-              <a:schemeClr val="accent1">
-                <a:lumMod val="30000"/>
-                <a:lumOff val="70000"/>
-              </a:schemeClr>
-            </a:gs>
-          </a:gsLst>
-          <a:lin ang="5400000" scaled="1"/>
-        </a:gradFill>
-        <a:effectLst/>
-      </p:bgPr>
-    </p:bg>
     <p:spTree>
       <p:nvGrpSpPr>
         <p:cNvPr id="1" name=""/>
@@ -9527,39 +8975,6 @@
 <file path=ppt/slides/slide26.xml><?xml version="1.0" encoding="utf-8"?>
 <p:sld xmlns:a="http://schemas.openxmlformats.org/drawingml/2006/main" xmlns:r="http://schemas.openxmlformats.org/officeDocument/2006/relationships" xmlns:p="http://schemas.openxmlformats.org/presentationml/2006/main">
   <p:cSld>
-    <p:bg>
-      <p:bgPr>
-        <a:gradFill>
-          <a:gsLst>
-            <a:gs pos="0">
-              <a:schemeClr val="accent1">
-                <a:lumMod val="75000"/>
-              </a:schemeClr>
-            </a:gs>
-            <a:gs pos="100000">
-              <a:schemeClr val="accent1">
-                <a:lumMod val="45000"/>
-                <a:lumOff val="55000"/>
-              </a:schemeClr>
-            </a:gs>
-            <a:gs pos="100000">
-              <a:schemeClr val="accent1">
-                <a:lumMod val="45000"/>
-                <a:lumOff val="55000"/>
-              </a:schemeClr>
-            </a:gs>
-            <a:gs pos="100000">
-              <a:schemeClr val="accent1">
-                <a:lumMod val="30000"/>
-                <a:lumOff val="70000"/>
-              </a:schemeClr>
-            </a:gs>
-          </a:gsLst>
-          <a:lin ang="5400000" scaled="1"/>
-        </a:gradFill>
-        <a:effectLst/>
-      </p:bgPr>
-    </p:bg>
     <p:spTree>
       <p:nvGrpSpPr>
         <p:cNvPr id="1" name=""/>
@@ -9708,39 +9123,6 @@
 <file path=ppt/slides/slide27.xml><?xml version="1.0" encoding="utf-8"?>
 <p:sld xmlns:a="http://schemas.openxmlformats.org/drawingml/2006/main" xmlns:r="http://schemas.openxmlformats.org/officeDocument/2006/relationships" xmlns:p="http://schemas.openxmlformats.org/presentationml/2006/main">
   <p:cSld>
-    <p:bg>
-      <p:bgPr>
-        <a:gradFill>
-          <a:gsLst>
-            <a:gs pos="0">
-              <a:schemeClr val="accent1">
-                <a:lumMod val="75000"/>
-              </a:schemeClr>
-            </a:gs>
-            <a:gs pos="100000">
-              <a:schemeClr val="accent1">
-                <a:lumMod val="45000"/>
-                <a:lumOff val="55000"/>
-              </a:schemeClr>
-            </a:gs>
-            <a:gs pos="100000">
-              <a:schemeClr val="accent1">
-                <a:lumMod val="45000"/>
-                <a:lumOff val="55000"/>
-              </a:schemeClr>
-            </a:gs>
-            <a:gs pos="100000">
-              <a:schemeClr val="accent1">
-                <a:lumMod val="30000"/>
-                <a:lumOff val="70000"/>
-              </a:schemeClr>
-            </a:gs>
-          </a:gsLst>
-          <a:lin ang="5400000" scaled="1"/>
-        </a:gradFill>
-        <a:effectLst/>
-      </p:bgPr>
-    </p:bg>
     <p:spTree>
       <p:nvGrpSpPr>
         <p:cNvPr id="1" name=""/>
@@ -9886,39 +9268,6 @@
 <file path=ppt/slides/slide28.xml><?xml version="1.0" encoding="utf-8"?>
 <p:sld xmlns:a="http://schemas.openxmlformats.org/drawingml/2006/main" xmlns:r="http://schemas.openxmlformats.org/officeDocument/2006/relationships" xmlns:p="http://schemas.openxmlformats.org/presentationml/2006/main">
   <p:cSld>
-    <p:bg>
-      <p:bgPr>
-        <a:gradFill>
-          <a:gsLst>
-            <a:gs pos="0">
-              <a:schemeClr val="accent1">
-                <a:lumMod val="75000"/>
-              </a:schemeClr>
-            </a:gs>
-            <a:gs pos="100000">
-              <a:schemeClr val="accent1">
-                <a:lumMod val="45000"/>
-                <a:lumOff val="55000"/>
-              </a:schemeClr>
-            </a:gs>
-            <a:gs pos="100000">
-              <a:schemeClr val="accent1">
-                <a:lumMod val="45000"/>
-                <a:lumOff val="55000"/>
-              </a:schemeClr>
-            </a:gs>
-            <a:gs pos="100000">
-              <a:schemeClr val="accent1">
-                <a:lumMod val="30000"/>
-                <a:lumOff val="70000"/>
-              </a:schemeClr>
-            </a:gs>
-          </a:gsLst>
-          <a:lin ang="5400000" scaled="1"/>
-        </a:gradFill>
-        <a:effectLst/>
-      </p:bgPr>
-    </p:bg>
     <p:spTree>
       <p:nvGrpSpPr>
         <p:cNvPr id="1" name=""/>
@@ -10070,39 +9419,6 @@
 <file path=ppt/slides/slide29.xml><?xml version="1.0" encoding="utf-8"?>
 <p:sld xmlns:a="http://schemas.openxmlformats.org/drawingml/2006/main" xmlns:r="http://schemas.openxmlformats.org/officeDocument/2006/relationships" xmlns:p="http://schemas.openxmlformats.org/presentationml/2006/main">
   <p:cSld>
-    <p:bg>
-      <p:bgPr>
-        <a:gradFill>
-          <a:gsLst>
-            <a:gs pos="0">
-              <a:schemeClr val="accent1">
-                <a:lumMod val="75000"/>
-              </a:schemeClr>
-            </a:gs>
-            <a:gs pos="100000">
-              <a:schemeClr val="accent1">
-                <a:lumMod val="45000"/>
-                <a:lumOff val="55000"/>
-              </a:schemeClr>
-            </a:gs>
-            <a:gs pos="100000">
-              <a:schemeClr val="accent1">
-                <a:lumMod val="45000"/>
-                <a:lumOff val="55000"/>
-              </a:schemeClr>
-            </a:gs>
-            <a:gs pos="100000">
-              <a:schemeClr val="accent1">
-                <a:lumMod val="30000"/>
-                <a:lumOff val="70000"/>
-              </a:schemeClr>
-            </a:gs>
-          </a:gsLst>
-          <a:lin ang="5400000" scaled="1"/>
-        </a:gradFill>
-        <a:effectLst/>
-      </p:bgPr>
-    </p:bg>
     <p:spTree>
       <p:nvGrpSpPr>
         <p:cNvPr id="1" name=""/>
@@ -10236,39 +9552,6 @@
 <file path=ppt/slides/slide3.xml><?xml version="1.0" encoding="utf-8"?>
 <p:sld xmlns:a="http://schemas.openxmlformats.org/drawingml/2006/main" xmlns:r="http://schemas.openxmlformats.org/officeDocument/2006/relationships" xmlns:p="http://schemas.openxmlformats.org/presentationml/2006/main">
   <p:cSld>
-    <p:bg>
-      <p:bgPr>
-        <a:gradFill>
-          <a:gsLst>
-            <a:gs pos="0">
-              <a:schemeClr val="accent1">
-                <a:lumMod val="75000"/>
-              </a:schemeClr>
-            </a:gs>
-            <a:gs pos="97000">
-              <a:schemeClr val="accent1">
-                <a:lumMod val="45000"/>
-                <a:lumOff val="55000"/>
-              </a:schemeClr>
-            </a:gs>
-            <a:gs pos="100000">
-              <a:schemeClr val="accent1">
-                <a:lumMod val="45000"/>
-                <a:lumOff val="55000"/>
-              </a:schemeClr>
-            </a:gs>
-            <a:gs pos="100000">
-              <a:schemeClr val="accent1">
-                <a:lumMod val="30000"/>
-                <a:lumOff val="70000"/>
-              </a:schemeClr>
-            </a:gs>
-          </a:gsLst>
-          <a:lin ang="5400000" scaled="1"/>
-        </a:gradFill>
-        <a:effectLst/>
-      </p:bgPr>
-    </p:bg>
     <p:spTree>
       <p:nvGrpSpPr>
         <p:cNvPr id="1" name=""/>
@@ -10465,39 +9748,6 @@
 <file path=ppt/slides/slide30.xml><?xml version="1.0" encoding="utf-8"?>
 <p:sld xmlns:a="http://schemas.openxmlformats.org/drawingml/2006/main" xmlns:r="http://schemas.openxmlformats.org/officeDocument/2006/relationships" xmlns:p="http://schemas.openxmlformats.org/presentationml/2006/main">
   <p:cSld>
-    <p:bg>
-      <p:bgPr>
-        <a:gradFill>
-          <a:gsLst>
-            <a:gs pos="0">
-              <a:schemeClr val="accent1">
-                <a:lumMod val="75000"/>
-              </a:schemeClr>
-            </a:gs>
-            <a:gs pos="100000">
-              <a:schemeClr val="accent1">
-                <a:lumMod val="45000"/>
-                <a:lumOff val="55000"/>
-              </a:schemeClr>
-            </a:gs>
-            <a:gs pos="100000">
-              <a:schemeClr val="accent1">
-                <a:lumMod val="45000"/>
-                <a:lumOff val="55000"/>
-              </a:schemeClr>
-            </a:gs>
-            <a:gs pos="100000">
-              <a:schemeClr val="accent1">
-                <a:lumMod val="30000"/>
-                <a:lumOff val="70000"/>
-              </a:schemeClr>
-            </a:gs>
-          </a:gsLst>
-          <a:lin ang="5400000" scaled="1"/>
-        </a:gradFill>
-        <a:effectLst/>
-      </p:bgPr>
-    </p:bg>
     <p:spTree>
       <p:nvGrpSpPr>
         <p:cNvPr id="1" name=""/>
@@ -10662,39 +9912,6 @@
 <file path=ppt/slides/slide31.xml><?xml version="1.0" encoding="utf-8"?>
 <p:sld xmlns:a="http://schemas.openxmlformats.org/drawingml/2006/main" xmlns:r="http://schemas.openxmlformats.org/officeDocument/2006/relationships" xmlns:p="http://schemas.openxmlformats.org/presentationml/2006/main">
   <p:cSld>
-    <p:bg>
-      <p:bgPr>
-        <a:gradFill>
-          <a:gsLst>
-            <a:gs pos="0">
-              <a:schemeClr val="accent1">
-                <a:lumMod val="75000"/>
-              </a:schemeClr>
-            </a:gs>
-            <a:gs pos="100000">
-              <a:schemeClr val="accent1">
-                <a:lumMod val="45000"/>
-                <a:lumOff val="55000"/>
-              </a:schemeClr>
-            </a:gs>
-            <a:gs pos="100000">
-              <a:schemeClr val="accent1">
-                <a:lumMod val="45000"/>
-                <a:lumOff val="55000"/>
-              </a:schemeClr>
-            </a:gs>
-            <a:gs pos="100000">
-              <a:schemeClr val="accent1">
-                <a:lumMod val="30000"/>
-                <a:lumOff val="70000"/>
-              </a:schemeClr>
-            </a:gs>
-          </a:gsLst>
-          <a:lin ang="5400000" scaled="1"/>
-        </a:gradFill>
-        <a:effectLst/>
-      </p:bgPr>
-    </p:bg>
     <p:spTree>
       <p:nvGrpSpPr>
         <p:cNvPr id="1" name=""/>
@@ -10848,39 +10065,6 @@
 <file path=ppt/slides/slide32.xml><?xml version="1.0" encoding="utf-8"?>
 <p:sld xmlns:a="http://schemas.openxmlformats.org/drawingml/2006/main" xmlns:r="http://schemas.openxmlformats.org/officeDocument/2006/relationships" xmlns:p="http://schemas.openxmlformats.org/presentationml/2006/main">
   <p:cSld>
-    <p:bg>
-      <p:bgPr>
-        <a:gradFill>
-          <a:gsLst>
-            <a:gs pos="0">
-              <a:schemeClr val="accent1">
-                <a:lumMod val="75000"/>
-              </a:schemeClr>
-            </a:gs>
-            <a:gs pos="100000">
-              <a:schemeClr val="accent1">
-                <a:lumMod val="45000"/>
-                <a:lumOff val="55000"/>
-              </a:schemeClr>
-            </a:gs>
-            <a:gs pos="100000">
-              <a:schemeClr val="accent1">
-                <a:lumMod val="45000"/>
-                <a:lumOff val="55000"/>
-              </a:schemeClr>
-            </a:gs>
-            <a:gs pos="100000">
-              <a:schemeClr val="accent1">
-                <a:lumMod val="30000"/>
-                <a:lumOff val="70000"/>
-              </a:schemeClr>
-            </a:gs>
-          </a:gsLst>
-          <a:lin ang="5400000" scaled="1"/>
-        </a:gradFill>
-        <a:effectLst/>
-      </p:bgPr>
-    </p:bg>
     <p:spTree>
       <p:nvGrpSpPr>
         <p:cNvPr id="1" name=""/>
@@ -10989,39 +10173,6 @@
 <file path=ppt/slides/slide33.xml><?xml version="1.0" encoding="utf-8"?>
 <p:sld xmlns:a="http://schemas.openxmlformats.org/drawingml/2006/main" xmlns:r="http://schemas.openxmlformats.org/officeDocument/2006/relationships" xmlns:p="http://schemas.openxmlformats.org/presentationml/2006/main">
   <p:cSld>
-    <p:bg>
-      <p:bgPr>
-        <a:gradFill>
-          <a:gsLst>
-            <a:gs pos="0">
-              <a:schemeClr val="accent1">
-                <a:lumMod val="75000"/>
-              </a:schemeClr>
-            </a:gs>
-            <a:gs pos="100000">
-              <a:schemeClr val="accent1">
-                <a:lumMod val="45000"/>
-                <a:lumOff val="55000"/>
-              </a:schemeClr>
-            </a:gs>
-            <a:gs pos="100000">
-              <a:schemeClr val="accent1">
-                <a:lumMod val="45000"/>
-                <a:lumOff val="55000"/>
-              </a:schemeClr>
-            </a:gs>
-            <a:gs pos="100000">
-              <a:schemeClr val="accent1">
-                <a:lumMod val="30000"/>
-                <a:lumOff val="70000"/>
-              </a:schemeClr>
-            </a:gs>
-          </a:gsLst>
-          <a:lin ang="5400000" scaled="1"/>
-        </a:gradFill>
-        <a:effectLst/>
-      </p:bgPr>
-    </p:bg>
     <p:spTree>
       <p:nvGrpSpPr>
         <p:cNvPr id="1" name=""/>
@@ -11135,39 +10286,6 @@
 <file path=ppt/slides/slide34.xml><?xml version="1.0" encoding="utf-8"?>
 <p:sld xmlns:a="http://schemas.openxmlformats.org/drawingml/2006/main" xmlns:r="http://schemas.openxmlformats.org/officeDocument/2006/relationships" xmlns:p="http://schemas.openxmlformats.org/presentationml/2006/main">
   <p:cSld>
-    <p:bg>
-      <p:bgPr>
-        <a:gradFill>
-          <a:gsLst>
-            <a:gs pos="0">
-              <a:schemeClr val="accent1">
-                <a:lumMod val="75000"/>
-              </a:schemeClr>
-            </a:gs>
-            <a:gs pos="100000">
-              <a:schemeClr val="accent1">
-                <a:lumMod val="45000"/>
-                <a:lumOff val="55000"/>
-              </a:schemeClr>
-            </a:gs>
-            <a:gs pos="100000">
-              <a:schemeClr val="accent1">
-                <a:lumMod val="45000"/>
-                <a:lumOff val="55000"/>
-              </a:schemeClr>
-            </a:gs>
-            <a:gs pos="100000">
-              <a:schemeClr val="accent1">
-                <a:lumMod val="30000"/>
-                <a:lumOff val="70000"/>
-              </a:schemeClr>
-            </a:gs>
-          </a:gsLst>
-          <a:lin ang="5400000" scaled="1"/>
-        </a:gradFill>
-        <a:effectLst/>
-      </p:bgPr>
-    </p:bg>
     <p:spTree>
       <p:nvGrpSpPr>
         <p:cNvPr id="1" name=""/>
@@ -11298,39 +10416,6 @@
 <file path=ppt/slides/slide35.xml><?xml version="1.0" encoding="utf-8"?>
 <p:sld xmlns:a="http://schemas.openxmlformats.org/drawingml/2006/main" xmlns:r="http://schemas.openxmlformats.org/officeDocument/2006/relationships" xmlns:p="http://schemas.openxmlformats.org/presentationml/2006/main">
   <p:cSld>
-    <p:bg>
-      <p:bgPr>
-        <a:gradFill>
-          <a:gsLst>
-            <a:gs pos="0">
-              <a:schemeClr val="accent1">
-                <a:lumMod val="75000"/>
-              </a:schemeClr>
-            </a:gs>
-            <a:gs pos="100000">
-              <a:schemeClr val="accent1">
-                <a:lumMod val="45000"/>
-                <a:lumOff val="55000"/>
-              </a:schemeClr>
-            </a:gs>
-            <a:gs pos="100000">
-              <a:schemeClr val="accent1">
-                <a:lumMod val="45000"/>
-                <a:lumOff val="55000"/>
-              </a:schemeClr>
-            </a:gs>
-            <a:gs pos="100000">
-              <a:schemeClr val="accent1">
-                <a:lumMod val="30000"/>
-                <a:lumOff val="70000"/>
-              </a:schemeClr>
-            </a:gs>
-          </a:gsLst>
-          <a:lin ang="5400000" scaled="1"/>
-        </a:gradFill>
-        <a:effectLst/>
-      </p:bgPr>
-    </p:bg>
     <p:spTree>
       <p:nvGrpSpPr>
         <p:cNvPr id="1" name=""/>
@@ -11450,39 +10535,6 @@
 <file path=ppt/slides/slide36.xml><?xml version="1.0" encoding="utf-8"?>
 <p:sld xmlns:a="http://schemas.openxmlformats.org/drawingml/2006/main" xmlns:r="http://schemas.openxmlformats.org/officeDocument/2006/relationships" xmlns:p="http://schemas.openxmlformats.org/presentationml/2006/main">
   <p:cSld>
-    <p:bg>
-      <p:bgPr>
-        <a:gradFill>
-          <a:gsLst>
-            <a:gs pos="0">
-              <a:schemeClr val="accent1">
-                <a:lumMod val="75000"/>
-              </a:schemeClr>
-            </a:gs>
-            <a:gs pos="100000">
-              <a:schemeClr val="accent1">
-                <a:lumMod val="45000"/>
-                <a:lumOff val="55000"/>
-              </a:schemeClr>
-            </a:gs>
-            <a:gs pos="100000">
-              <a:schemeClr val="accent1">
-                <a:lumMod val="45000"/>
-                <a:lumOff val="55000"/>
-              </a:schemeClr>
-            </a:gs>
-            <a:gs pos="100000">
-              <a:schemeClr val="accent1">
-                <a:lumMod val="30000"/>
-                <a:lumOff val="70000"/>
-              </a:schemeClr>
-            </a:gs>
-          </a:gsLst>
-          <a:lin ang="5400000" scaled="1"/>
-        </a:gradFill>
-        <a:effectLst/>
-      </p:bgPr>
-    </p:bg>
     <p:spTree>
       <p:nvGrpSpPr>
         <p:cNvPr id="1" name=""/>
@@ -11604,39 +10656,6 @@
 <file path=ppt/slides/slide37.xml><?xml version="1.0" encoding="utf-8"?>
 <p:sld xmlns:a="http://schemas.openxmlformats.org/drawingml/2006/main" xmlns:r="http://schemas.openxmlformats.org/officeDocument/2006/relationships" xmlns:p="http://schemas.openxmlformats.org/presentationml/2006/main">
   <p:cSld>
-    <p:bg>
-      <p:bgPr>
-        <a:gradFill>
-          <a:gsLst>
-            <a:gs pos="0">
-              <a:schemeClr val="accent1">
-                <a:lumMod val="75000"/>
-              </a:schemeClr>
-            </a:gs>
-            <a:gs pos="100000">
-              <a:schemeClr val="accent1">
-                <a:lumMod val="45000"/>
-                <a:lumOff val="55000"/>
-              </a:schemeClr>
-            </a:gs>
-            <a:gs pos="100000">
-              <a:schemeClr val="accent1">
-                <a:lumMod val="45000"/>
-                <a:lumOff val="55000"/>
-              </a:schemeClr>
-            </a:gs>
-            <a:gs pos="100000">
-              <a:schemeClr val="accent1">
-                <a:lumMod val="30000"/>
-                <a:lumOff val="70000"/>
-              </a:schemeClr>
-            </a:gs>
-          </a:gsLst>
-          <a:lin ang="5400000" scaled="1"/>
-        </a:gradFill>
-        <a:effectLst/>
-      </p:bgPr>
-    </p:bg>
     <p:spTree>
       <p:nvGrpSpPr>
         <p:cNvPr id="1" name=""/>
@@ -11747,42 +10766,240 @@
 </p:sld>
 </file>
 
+<file path=ppt/slides/slide38.xml><?xml version="1.0" encoding="utf-8"?>
+<p:sld xmlns:a="http://schemas.openxmlformats.org/drawingml/2006/main" xmlns:r="http://schemas.openxmlformats.org/officeDocument/2006/relationships" xmlns:p="http://schemas.openxmlformats.org/presentationml/2006/main">
+  <p:cSld>
+    <p:spTree>
+      <p:nvGrpSpPr>
+        <p:cNvPr id="1" name=""/>
+        <p:cNvGrpSpPr/>
+        <p:nvPr/>
+      </p:nvGrpSpPr>
+      <p:grpSpPr>
+        <a:xfrm>
+          <a:off x="0" y="0"/>
+          <a:ext cx="0" cy="0"/>
+          <a:chOff x="0" y="0"/>
+          <a:chExt cx="0" cy="0"/>
+        </a:xfrm>
+      </p:grpSpPr>
+      <p:sp>
+        <p:nvSpPr>
+          <p:cNvPr id="2" name="Title 1">
+            <a:extLst>
+              <a:ext uri="{FF2B5EF4-FFF2-40B4-BE49-F238E27FC236}">
+                <a16:creationId xmlns:a16="http://schemas.microsoft.com/office/drawing/2014/main" id="{CD4D9A14-8E72-45D9-A916-0131C20B819F}"/>
+              </a:ext>
+            </a:extLst>
+          </p:cNvPr>
+          <p:cNvSpPr>
+            <a:spLocks noGrp="1"/>
+          </p:cNvSpPr>
+          <p:nvPr>
+            <p:ph type="ctrTitle"/>
+          </p:nvPr>
+        </p:nvSpPr>
+        <p:spPr/>
+        <p:txBody>
+          <a:bodyPr/>
+          <a:lstStyle/>
+          <a:p>
+            <a:r>
+              <a:rPr lang="en-US" dirty="0"/>
+              <a:t>Events in the DOM</a:t>
+            </a:r>
+            <a:br>
+              <a:rPr lang="en-US" dirty="0"/>
+            </a:br>
+            <a:br>
+              <a:rPr lang="en-US" dirty="0"/>
+            </a:br>
+            <a:endParaRPr lang="en-US" dirty="0"/>
+          </a:p>
+        </p:txBody>
+      </p:sp>
+      <p:sp>
+        <p:nvSpPr>
+          <p:cNvPr id="3" name="Subtitle 2">
+            <a:extLst>
+              <a:ext uri="{FF2B5EF4-FFF2-40B4-BE49-F238E27FC236}">
+                <a16:creationId xmlns:a16="http://schemas.microsoft.com/office/drawing/2014/main" id="{FE17F4CC-50B2-4A48-8CDD-932B70436FA3}"/>
+              </a:ext>
+            </a:extLst>
+          </p:cNvPr>
+          <p:cNvSpPr>
+            <a:spLocks noGrp="1"/>
+          </p:cNvSpPr>
+          <p:nvPr>
+            <p:ph type="subTitle" idx="1"/>
+          </p:nvPr>
+        </p:nvSpPr>
+        <p:spPr/>
+        <p:txBody>
+          <a:bodyPr/>
+          <a:lstStyle/>
+          <a:p>
+            <a:endParaRPr lang="en-US"/>
+          </a:p>
+        </p:txBody>
+      </p:sp>
+    </p:spTree>
+    <p:extLst>
+      <p:ext uri="{BB962C8B-B14F-4D97-AF65-F5344CB8AC3E}">
+        <p14:creationId xmlns:p14="http://schemas.microsoft.com/office/powerpoint/2010/main" val="3778530891"/>
+      </p:ext>
+    </p:extLst>
+  </p:cSld>
+  <p:clrMapOvr>
+    <a:masterClrMapping/>
+  </p:clrMapOvr>
+</p:sld>
+</file>
+
+<file path=ppt/slides/slide39.xml><?xml version="1.0" encoding="utf-8"?>
+<p:sld xmlns:a="http://schemas.openxmlformats.org/drawingml/2006/main" xmlns:r="http://schemas.openxmlformats.org/officeDocument/2006/relationships" xmlns:p="http://schemas.openxmlformats.org/presentationml/2006/main">
+  <p:cSld>
+    <p:spTree>
+      <p:nvGrpSpPr>
+        <p:cNvPr id="1" name=""/>
+        <p:cNvGrpSpPr/>
+        <p:nvPr/>
+      </p:nvGrpSpPr>
+      <p:grpSpPr>
+        <a:xfrm>
+          <a:off x="0" y="0"/>
+          <a:ext cx="0" cy="0"/>
+          <a:chOff x="0" y="0"/>
+          <a:chExt cx="0" cy="0"/>
+        </a:xfrm>
+      </p:grpSpPr>
+      <p:sp>
+        <p:nvSpPr>
+          <p:cNvPr id="2" name="Title 1">
+            <a:extLst>
+              <a:ext uri="{FF2B5EF4-FFF2-40B4-BE49-F238E27FC236}">
+                <a16:creationId xmlns:a16="http://schemas.microsoft.com/office/drawing/2014/main" id="{1D6FB69D-0B45-4517-8D83-648A1164F683}"/>
+              </a:ext>
+            </a:extLst>
+          </p:cNvPr>
+          <p:cNvSpPr>
+            <a:spLocks noGrp="1"/>
+          </p:cNvSpPr>
+          <p:nvPr>
+            <p:ph type="title"/>
+          </p:nvPr>
+        </p:nvSpPr>
+        <p:spPr/>
+        <p:txBody>
+          <a:bodyPr/>
+          <a:lstStyle/>
+          <a:p>
+            <a:r>
+              <a:rPr lang="en-US" dirty="0"/>
+              <a:t>Adding and removing an event listener</a:t>
+            </a:r>
+          </a:p>
+        </p:txBody>
+      </p:sp>
+      <p:sp>
+        <p:nvSpPr>
+          <p:cNvPr id="3" name="Content Placeholder 2">
+            <a:extLst>
+              <a:ext uri="{FF2B5EF4-FFF2-40B4-BE49-F238E27FC236}">
+                <a16:creationId xmlns:a16="http://schemas.microsoft.com/office/drawing/2014/main" id="{E7089CAE-6E52-417F-A3D2-15D2524B172A}"/>
+              </a:ext>
+            </a:extLst>
+          </p:cNvPr>
+          <p:cNvSpPr>
+            <a:spLocks noGrp="1"/>
+          </p:cNvSpPr>
+          <p:nvPr>
+            <p:ph idx="1"/>
+          </p:nvPr>
+        </p:nvSpPr>
+        <p:spPr/>
+        <p:txBody>
+          <a:bodyPr/>
+          <a:lstStyle/>
+          <a:p>
+            <a:r>
+              <a:rPr lang="en-US" dirty="0"/>
+              <a:t>Every DOM element has its own </a:t>
+            </a:r>
+            <a:r>
+              <a:rPr lang="en-US" dirty="0" err="1"/>
+              <a:t>addEventListener</a:t>
+            </a:r>
+            <a:r>
+              <a:rPr lang="en-US" dirty="0"/>
+              <a:t> method, which allows you to listen specifically on that element</a:t>
+            </a:r>
+          </a:p>
+          <a:p>
+            <a:r>
+              <a:rPr lang="en-US" dirty="0"/>
+              <a:t>In the following example, a handler is attached to the button node</a:t>
+            </a:r>
+          </a:p>
+          <a:p>
+            <a:pPr lvl="1"/>
+            <a:r>
+              <a:rPr lang="en-US" dirty="0"/>
+              <a:t>Clicks on the button cause that handler to run, whereas clicks on the rest of the document do not</a:t>
+            </a:r>
+          </a:p>
+          <a:p>
+            <a:pPr lvl="1"/>
+            <a:endParaRPr lang="en-US" dirty="0"/>
+          </a:p>
+        </p:txBody>
+      </p:sp>
+      <p:pic>
+        <p:nvPicPr>
+          <p:cNvPr id="4" name="Picture 3">
+            <a:extLst>
+              <a:ext uri="{FF2B5EF4-FFF2-40B4-BE49-F238E27FC236}">
+                <a16:creationId xmlns:a16="http://schemas.microsoft.com/office/drawing/2014/main" id="{18122E01-D566-474D-9DAF-66172581BFD2}"/>
+              </a:ext>
+            </a:extLst>
+          </p:cNvPr>
+          <p:cNvPicPr>
+            <a:picLocks noChangeAspect="1"/>
+          </p:cNvPicPr>
+          <p:nvPr/>
+        </p:nvPicPr>
+        <p:blipFill>
+          <a:blip r:embed="rId2"/>
+          <a:stretch>
+            <a:fillRect/>
+          </a:stretch>
+        </p:blipFill>
+        <p:spPr>
+          <a:xfrm>
+            <a:off x="2671947" y="4150658"/>
+            <a:ext cx="5353050" cy="1943100"/>
+          </a:xfrm>
+          <a:prstGeom prst="rect">
+            <a:avLst/>
+          </a:prstGeom>
+        </p:spPr>
+      </p:pic>
+    </p:spTree>
+    <p:extLst>
+      <p:ext uri="{BB962C8B-B14F-4D97-AF65-F5344CB8AC3E}">
+        <p14:creationId xmlns:p14="http://schemas.microsoft.com/office/powerpoint/2010/main" val="596634714"/>
+      </p:ext>
+    </p:extLst>
+  </p:cSld>
+  <p:clrMapOvr>
+    <a:masterClrMapping/>
+  </p:clrMapOvr>
+</p:sld>
+</file>
+
 <file path=ppt/slides/slide4.xml><?xml version="1.0" encoding="utf-8"?>
 <p:sld xmlns:a="http://schemas.openxmlformats.org/drawingml/2006/main" xmlns:r="http://schemas.openxmlformats.org/officeDocument/2006/relationships" xmlns:p="http://schemas.openxmlformats.org/presentationml/2006/main">
   <p:cSld>
-    <p:bg>
-      <p:bgPr>
-        <a:gradFill>
-          <a:gsLst>
-            <a:gs pos="0">
-              <a:schemeClr val="accent1">
-                <a:lumMod val="75000"/>
-              </a:schemeClr>
-            </a:gs>
-            <a:gs pos="97000">
-              <a:schemeClr val="accent1">
-                <a:lumMod val="45000"/>
-                <a:lumOff val="55000"/>
-              </a:schemeClr>
-            </a:gs>
-            <a:gs pos="100000">
-              <a:schemeClr val="accent1">
-                <a:lumMod val="45000"/>
-                <a:lumOff val="55000"/>
-              </a:schemeClr>
-            </a:gs>
-            <a:gs pos="100000">
-              <a:schemeClr val="accent1">
-                <a:lumMod val="30000"/>
-                <a:lumOff val="70000"/>
-              </a:schemeClr>
-            </a:gs>
-          </a:gsLst>
-          <a:lin ang="5400000" scaled="1"/>
-        </a:gradFill>
-        <a:effectLst/>
-      </p:bgPr>
-    </p:bg>
     <p:spTree>
       <p:nvGrpSpPr>
         <p:cNvPr id="1" name=""/>
@@ -11938,42 +11155,450 @@
 </p:sld>
 </file>
 
+<file path=ppt/slides/slide40.xml><?xml version="1.0" encoding="utf-8"?>
+<p:sld xmlns:a="http://schemas.openxmlformats.org/drawingml/2006/main" xmlns:r="http://schemas.openxmlformats.org/officeDocument/2006/relationships" xmlns:p="http://schemas.openxmlformats.org/presentationml/2006/main">
+  <p:cSld>
+    <p:spTree>
+      <p:nvGrpSpPr>
+        <p:cNvPr id="1" name=""/>
+        <p:cNvGrpSpPr/>
+        <p:nvPr/>
+      </p:nvGrpSpPr>
+      <p:grpSpPr>
+        <a:xfrm>
+          <a:off x="0" y="0"/>
+          <a:ext cx="0" cy="0"/>
+          <a:chOff x="0" y="0"/>
+          <a:chExt cx="0" cy="0"/>
+        </a:xfrm>
+      </p:grpSpPr>
+      <p:sp>
+        <p:nvSpPr>
+          <p:cNvPr id="2" name="Title 1">
+            <a:extLst>
+              <a:ext uri="{FF2B5EF4-FFF2-40B4-BE49-F238E27FC236}">
+                <a16:creationId xmlns:a16="http://schemas.microsoft.com/office/drawing/2014/main" id="{DD0B538F-5029-4996-B275-783252492547}"/>
+              </a:ext>
+            </a:extLst>
+          </p:cNvPr>
+          <p:cNvSpPr>
+            <a:spLocks noGrp="1"/>
+          </p:cNvSpPr>
+          <p:nvPr>
+            <p:ph type="title"/>
+          </p:nvPr>
+        </p:nvSpPr>
+        <p:spPr/>
+        <p:txBody>
+          <a:bodyPr/>
+          <a:lstStyle/>
+          <a:p>
+            <a:r>
+              <a:rPr lang="en-US" dirty="0"/>
+              <a:t>Adding and removing an event listener (cont’d)</a:t>
+            </a:r>
+          </a:p>
+        </p:txBody>
+      </p:sp>
+      <p:sp>
+        <p:nvSpPr>
+          <p:cNvPr id="3" name="Content Placeholder 2">
+            <a:extLst>
+              <a:ext uri="{FF2B5EF4-FFF2-40B4-BE49-F238E27FC236}">
+                <a16:creationId xmlns:a16="http://schemas.microsoft.com/office/drawing/2014/main" id="{397E43D2-825A-463E-B188-397AADF39E4A}"/>
+              </a:ext>
+            </a:extLst>
+          </p:cNvPr>
+          <p:cNvSpPr>
+            <a:spLocks noGrp="1"/>
+          </p:cNvSpPr>
+          <p:nvPr>
+            <p:ph idx="1"/>
+          </p:nvPr>
+        </p:nvSpPr>
+        <p:spPr/>
+        <p:txBody>
+          <a:bodyPr/>
+          <a:lstStyle/>
+          <a:p>
+            <a:r>
+              <a:rPr lang="en-US" dirty="0"/>
+              <a:t>The </a:t>
+            </a:r>
+            <a:r>
+              <a:rPr lang="en-US" dirty="0" err="1"/>
+              <a:t>removeEventListener</a:t>
+            </a:r>
+            <a:r>
+              <a:rPr lang="en-US" dirty="0"/>
+              <a:t> method, called with arguments similar to as </a:t>
+            </a:r>
+            <a:r>
+              <a:rPr lang="en-US" dirty="0" err="1"/>
+              <a:t>addEventListener</a:t>
+            </a:r>
+            <a:r>
+              <a:rPr lang="en-US" dirty="0"/>
+              <a:t>, removes a handler</a:t>
+            </a:r>
+          </a:p>
+          <a:p>
+            <a:r>
+              <a:rPr lang="en-US" dirty="0"/>
+              <a:t>To be able to unregister a handler function, we give it a name (such as “once”) so that we can pass it to both </a:t>
+            </a:r>
+            <a:r>
+              <a:rPr lang="en-US" dirty="0" err="1"/>
+              <a:t>addEventListener</a:t>
+            </a:r>
+            <a:r>
+              <a:rPr lang="en-US" dirty="0"/>
+              <a:t> and </a:t>
+            </a:r>
+            <a:r>
+              <a:rPr lang="en-US" dirty="0" err="1"/>
+              <a:t>removeEventListener</a:t>
+            </a:r>
+            <a:endParaRPr lang="en-US" dirty="0"/>
+          </a:p>
+          <a:p>
+            <a:endParaRPr lang="en-US" dirty="0"/>
+          </a:p>
+        </p:txBody>
+      </p:sp>
+      <p:pic>
+        <p:nvPicPr>
+          <p:cNvPr id="4" name="Picture 3">
+            <a:extLst>
+              <a:ext uri="{FF2B5EF4-FFF2-40B4-BE49-F238E27FC236}">
+                <a16:creationId xmlns:a16="http://schemas.microsoft.com/office/drawing/2014/main" id="{25AACDCD-31CB-4A4A-AF24-3B22EC0E51E7}"/>
+              </a:ext>
+            </a:extLst>
+          </p:cNvPr>
+          <p:cNvPicPr>
+            <a:picLocks noChangeAspect="1"/>
+          </p:cNvPicPr>
+          <p:nvPr/>
+        </p:nvPicPr>
+        <p:blipFill>
+          <a:blip r:embed="rId2"/>
+          <a:stretch>
+            <a:fillRect/>
+          </a:stretch>
+        </p:blipFill>
+        <p:spPr>
+          <a:xfrm>
+            <a:off x="2919107" y="3907221"/>
+            <a:ext cx="5314950" cy="2133600"/>
+          </a:xfrm>
+          <a:prstGeom prst="rect">
+            <a:avLst/>
+          </a:prstGeom>
+        </p:spPr>
+      </p:pic>
+    </p:spTree>
+    <p:extLst>
+      <p:ext uri="{BB962C8B-B14F-4D97-AF65-F5344CB8AC3E}">
+        <p14:creationId xmlns:p14="http://schemas.microsoft.com/office/powerpoint/2010/main" val="3544084577"/>
+      </p:ext>
+    </p:extLst>
+  </p:cSld>
+  <p:clrMapOvr>
+    <a:masterClrMapping/>
+  </p:clrMapOvr>
+</p:sld>
+</file>
+
+<file path=ppt/slides/slide41.xml><?xml version="1.0" encoding="utf-8"?>
+<p:sld xmlns:a="http://schemas.openxmlformats.org/drawingml/2006/main" xmlns:r="http://schemas.openxmlformats.org/officeDocument/2006/relationships" xmlns:p="http://schemas.openxmlformats.org/presentationml/2006/main">
+  <p:cSld>
+    <p:spTree>
+      <p:nvGrpSpPr>
+        <p:cNvPr id="1" name=""/>
+        <p:cNvGrpSpPr/>
+        <p:nvPr/>
+      </p:nvGrpSpPr>
+      <p:grpSpPr>
+        <a:xfrm>
+          <a:off x="0" y="0"/>
+          <a:ext cx="0" cy="0"/>
+          <a:chOff x="0" y="0"/>
+          <a:chExt cx="0" cy="0"/>
+        </a:xfrm>
+      </p:grpSpPr>
+      <p:sp>
+        <p:nvSpPr>
+          <p:cNvPr id="2" name="Title 1">
+            <a:extLst>
+              <a:ext uri="{FF2B5EF4-FFF2-40B4-BE49-F238E27FC236}">
+                <a16:creationId xmlns:a16="http://schemas.microsoft.com/office/drawing/2014/main" id="{2C850310-4126-416A-AF06-E588C3B3C8F0}"/>
+              </a:ext>
+            </a:extLst>
+          </p:cNvPr>
+          <p:cNvSpPr>
+            <a:spLocks noGrp="1"/>
+          </p:cNvSpPr>
+          <p:nvPr>
+            <p:ph type="title"/>
+          </p:nvPr>
+        </p:nvSpPr>
+        <p:spPr/>
+        <p:txBody>
+          <a:bodyPr/>
+          <a:lstStyle/>
+          <a:p>
+            <a:r>
+              <a:rPr lang="en-US" dirty="0"/>
+              <a:t>Event objects</a:t>
+            </a:r>
+          </a:p>
+        </p:txBody>
+      </p:sp>
+      <p:sp>
+        <p:nvSpPr>
+          <p:cNvPr id="3" name="Content Placeholder 2">
+            <a:extLst>
+              <a:ext uri="{FF2B5EF4-FFF2-40B4-BE49-F238E27FC236}">
+                <a16:creationId xmlns:a16="http://schemas.microsoft.com/office/drawing/2014/main" id="{5E959471-1937-48ED-9BE1-73EA073E6279}"/>
+              </a:ext>
+            </a:extLst>
+          </p:cNvPr>
+          <p:cNvSpPr>
+            <a:spLocks noGrp="1"/>
+          </p:cNvSpPr>
+          <p:nvPr>
+            <p:ph idx="1"/>
+          </p:nvPr>
+        </p:nvSpPr>
+        <p:spPr/>
+        <p:txBody>
+          <a:bodyPr/>
+          <a:lstStyle/>
+          <a:p>
+            <a:r>
+              <a:rPr lang="en-US" dirty="0"/>
+              <a:t>Event handler functions are passed an argument, called the event object, which gives us additional information about the event</a:t>
+            </a:r>
+          </a:p>
+          <a:p>
+            <a:pPr lvl="1"/>
+            <a:r>
+              <a:rPr lang="en-US" dirty="0"/>
+              <a:t>For example, if we want to know which mouse button was pressed, we can look at an event object’s which property</a:t>
+            </a:r>
+          </a:p>
+          <a:p>
+            <a:pPr lvl="1"/>
+            <a:r>
+              <a:rPr lang="en-US" dirty="0"/>
+              <a:t>The object’s type property always holds a string identifying the event (for example “click” or “</a:t>
+            </a:r>
+            <a:r>
+              <a:rPr lang="en-US" dirty="0" err="1"/>
+              <a:t>mousedown</a:t>
+            </a:r>
+            <a:r>
+              <a:rPr lang="en-US" dirty="0"/>
+              <a:t>”)</a:t>
+            </a:r>
+          </a:p>
+          <a:p>
+            <a:r>
+              <a:rPr lang="en-US" dirty="0"/>
+              <a:t>The information stored in an event object differs per type of event</a:t>
+            </a:r>
+          </a:p>
+        </p:txBody>
+      </p:sp>
+    </p:spTree>
+    <p:extLst>
+      <p:ext uri="{BB962C8B-B14F-4D97-AF65-F5344CB8AC3E}">
+        <p14:creationId xmlns:p14="http://schemas.microsoft.com/office/powerpoint/2010/main" val="1472300602"/>
+      </p:ext>
+    </p:extLst>
+  </p:cSld>
+  <p:clrMapOvr>
+    <a:masterClrMapping/>
+  </p:clrMapOvr>
+</p:sld>
+</file>
+
+<file path=ppt/slides/slide42.xml><?xml version="1.0" encoding="utf-8"?>
+<p:sld xmlns:a="http://schemas.openxmlformats.org/drawingml/2006/main" xmlns:r="http://schemas.openxmlformats.org/officeDocument/2006/relationships" xmlns:p="http://schemas.openxmlformats.org/presentationml/2006/main">
+  <p:cSld>
+    <p:spTree>
+      <p:nvGrpSpPr>
+        <p:cNvPr id="1" name=""/>
+        <p:cNvGrpSpPr/>
+        <p:nvPr/>
+      </p:nvGrpSpPr>
+      <p:grpSpPr>
+        <a:xfrm>
+          <a:off x="0" y="0"/>
+          <a:ext cx="0" cy="0"/>
+          <a:chOff x="0" y="0"/>
+          <a:chExt cx="0" cy="0"/>
+        </a:xfrm>
+      </p:grpSpPr>
+      <p:sp>
+        <p:nvSpPr>
+          <p:cNvPr id="2" name="Title 1">
+            <a:extLst>
+              <a:ext uri="{FF2B5EF4-FFF2-40B4-BE49-F238E27FC236}">
+                <a16:creationId xmlns:a16="http://schemas.microsoft.com/office/drawing/2014/main" id="{D472F580-17C4-4EBA-93B5-72862B711F70}"/>
+              </a:ext>
+            </a:extLst>
+          </p:cNvPr>
+          <p:cNvSpPr>
+            <a:spLocks noGrp="1"/>
+          </p:cNvSpPr>
+          <p:nvPr>
+            <p:ph type="title"/>
+          </p:nvPr>
+        </p:nvSpPr>
+        <p:spPr/>
+        <p:txBody>
+          <a:bodyPr/>
+          <a:lstStyle/>
+          <a:p>
+            <a:r>
+              <a:rPr lang="en-US" dirty="0"/>
+              <a:t>Event object (cont’d)</a:t>
+            </a:r>
+          </a:p>
+        </p:txBody>
+      </p:sp>
+      <p:pic>
+        <p:nvPicPr>
+          <p:cNvPr id="4" name="Content Placeholder 3">
+            <a:extLst>
+              <a:ext uri="{FF2B5EF4-FFF2-40B4-BE49-F238E27FC236}">
+                <a16:creationId xmlns:a16="http://schemas.microsoft.com/office/drawing/2014/main" id="{D057D660-31C9-4D24-BEBB-481C49FA8C14}"/>
+              </a:ext>
+            </a:extLst>
+          </p:cNvPr>
+          <p:cNvPicPr>
+            <a:picLocks noGrp="1" noChangeAspect="1"/>
+          </p:cNvPicPr>
+          <p:nvPr>
+            <p:ph idx="1"/>
+          </p:nvPr>
+        </p:nvPicPr>
+        <p:blipFill>
+          <a:blip r:embed="rId2"/>
+          <a:stretch>
+            <a:fillRect/>
+          </a:stretch>
+        </p:blipFill>
+        <p:spPr>
+          <a:xfrm>
+            <a:off x="3109912" y="2204403"/>
+            <a:ext cx="5972175" cy="2800350"/>
+          </a:xfrm>
+          <a:prstGeom prst="rect">
+            <a:avLst/>
+          </a:prstGeom>
+        </p:spPr>
+      </p:pic>
+    </p:spTree>
+    <p:extLst>
+      <p:ext uri="{BB962C8B-B14F-4D97-AF65-F5344CB8AC3E}">
+        <p14:creationId xmlns:p14="http://schemas.microsoft.com/office/powerpoint/2010/main" val="3736110650"/>
+      </p:ext>
+    </p:extLst>
+  </p:cSld>
+  <p:clrMapOvr>
+    <a:masterClrMapping/>
+  </p:clrMapOvr>
+</p:sld>
+</file>
+
+<file path=ppt/slides/slide43.xml><?xml version="1.0" encoding="utf-8"?>
+<p:sld xmlns:a="http://schemas.openxmlformats.org/drawingml/2006/main" xmlns:r="http://schemas.openxmlformats.org/officeDocument/2006/relationships" xmlns:p="http://schemas.openxmlformats.org/presentationml/2006/main">
+  <p:cSld>
+    <p:spTree>
+      <p:nvGrpSpPr>
+        <p:cNvPr id="1" name=""/>
+        <p:cNvGrpSpPr/>
+        <p:nvPr/>
+      </p:nvGrpSpPr>
+      <p:grpSpPr>
+        <a:xfrm>
+          <a:off x="0" y="0"/>
+          <a:ext cx="0" cy="0"/>
+          <a:chOff x="0" y="0"/>
+          <a:chExt cx="0" cy="0"/>
+        </a:xfrm>
+      </p:grpSpPr>
+      <p:sp>
+        <p:nvSpPr>
+          <p:cNvPr id="2" name="Title 1">
+            <a:extLst>
+              <a:ext uri="{FF2B5EF4-FFF2-40B4-BE49-F238E27FC236}">
+                <a16:creationId xmlns:a16="http://schemas.microsoft.com/office/drawing/2014/main" id="{DFB17008-A9A8-4944-9748-0B0362A2F781}"/>
+              </a:ext>
+            </a:extLst>
+          </p:cNvPr>
+          <p:cNvSpPr>
+            <a:spLocks noGrp="1"/>
+          </p:cNvSpPr>
+          <p:nvPr>
+            <p:ph type="title"/>
+          </p:nvPr>
+        </p:nvSpPr>
+        <p:spPr/>
+        <p:txBody>
+          <a:bodyPr/>
+          <a:lstStyle/>
+          <a:p>
+            <a:r>
+              <a:rPr lang="en-US" dirty="0"/>
+              <a:t>Key events</a:t>
+            </a:r>
+          </a:p>
+        </p:txBody>
+      </p:sp>
+      <p:sp>
+        <p:nvSpPr>
+          <p:cNvPr id="3" name="Content Placeholder 2">
+            <a:extLst>
+              <a:ext uri="{FF2B5EF4-FFF2-40B4-BE49-F238E27FC236}">
+                <a16:creationId xmlns:a16="http://schemas.microsoft.com/office/drawing/2014/main" id="{54F7D103-FBE7-4DCC-8B30-0F12128967F6}"/>
+              </a:ext>
+            </a:extLst>
+          </p:cNvPr>
+          <p:cNvSpPr>
+            <a:spLocks noGrp="1"/>
+          </p:cNvSpPr>
+          <p:nvPr>
+            <p:ph idx="1"/>
+          </p:nvPr>
+        </p:nvSpPr>
+        <p:spPr/>
+        <p:txBody>
+          <a:bodyPr/>
+          <a:lstStyle/>
+          <a:p>
+            <a:endParaRPr lang="en-US"/>
+          </a:p>
+        </p:txBody>
+      </p:sp>
+    </p:spTree>
+    <p:extLst>
+      <p:ext uri="{BB962C8B-B14F-4D97-AF65-F5344CB8AC3E}">
+        <p14:creationId xmlns:p14="http://schemas.microsoft.com/office/powerpoint/2010/main" val="3516681535"/>
+      </p:ext>
+    </p:extLst>
+  </p:cSld>
+  <p:clrMapOvr>
+    <a:masterClrMapping/>
+  </p:clrMapOvr>
+</p:sld>
+</file>
+
 <file path=ppt/slides/slide5.xml><?xml version="1.0" encoding="utf-8"?>
 <p:sld xmlns:a="http://schemas.openxmlformats.org/drawingml/2006/main" xmlns:r="http://schemas.openxmlformats.org/officeDocument/2006/relationships" xmlns:p="http://schemas.openxmlformats.org/presentationml/2006/main">
   <p:cSld>
-    <p:bg>
-      <p:bgPr>
-        <a:gradFill>
-          <a:gsLst>
-            <a:gs pos="0">
-              <a:schemeClr val="accent1">
-                <a:lumMod val="75000"/>
-              </a:schemeClr>
-            </a:gs>
-            <a:gs pos="97000">
-              <a:schemeClr val="accent1">
-                <a:lumMod val="45000"/>
-                <a:lumOff val="55000"/>
-              </a:schemeClr>
-            </a:gs>
-            <a:gs pos="100000">
-              <a:schemeClr val="accent1">
-                <a:lumMod val="45000"/>
-                <a:lumOff val="55000"/>
-              </a:schemeClr>
-            </a:gs>
-            <a:gs pos="100000">
-              <a:schemeClr val="accent1">
-                <a:lumMod val="30000"/>
-                <a:lumOff val="70000"/>
-              </a:schemeClr>
-            </a:gs>
-          </a:gsLst>
-          <a:lin ang="5400000" scaled="1"/>
-        </a:gradFill>
-        <a:effectLst/>
-      </p:bgPr>
-    </p:bg>
     <p:spTree>
       <p:nvGrpSpPr>
         <p:cNvPr id="1" name=""/>
@@ -12171,39 +11796,6 @@
 <file path=ppt/slides/slide6.xml><?xml version="1.0" encoding="utf-8"?>
 <p:sld xmlns:a="http://schemas.openxmlformats.org/drawingml/2006/main" xmlns:r="http://schemas.openxmlformats.org/officeDocument/2006/relationships" xmlns:p="http://schemas.openxmlformats.org/presentationml/2006/main">
   <p:cSld>
-    <p:bg>
-      <p:bgPr>
-        <a:gradFill>
-          <a:gsLst>
-            <a:gs pos="0">
-              <a:schemeClr val="accent1">
-                <a:lumMod val="75000"/>
-              </a:schemeClr>
-            </a:gs>
-            <a:gs pos="97000">
-              <a:schemeClr val="accent1">
-                <a:lumMod val="45000"/>
-                <a:lumOff val="55000"/>
-              </a:schemeClr>
-            </a:gs>
-            <a:gs pos="100000">
-              <a:schemeClr val="accent1">
-                <a:lumMod val="45000"/>
-                <a:lumOff val="55000"/>
-              </a:schemeClr>
-            </a:gs>
-            <a:gs pos="100000">
-              <a:schemeClr val="accent1">
-                <a:lumMod val="30000"/>
-                <a:lumOff val="70000"/>
-              </a:schemeClr>
-            </a:gs>
-          </a:gsLst>
-          <a:lin ang="5400000" scaled="1"/>
-        </a:gradFill>
-        <a:effectLst/>
-      </p:bgPr>
-    </p:bg>
     <p:spTree>
       <p:nvGrpSpPr>
         <p:cNvPr id="1" name=""/>
@@ -12353,39 +11945,6 @@
 <file path=ppt/slides/slide7.xml><?xml version="1.0" encoding="utf-8"?>
 <p:sld xmlns:a="http://schemas.openxmlformats.org/drawingml/2006/main" xmlns:r="http://schemas.openxmlformats.org/officeDocument/2006/relationships" xmlns:p="http://schemas.openxmlformats.org/presentationml/2006/main">
   <p:cSld>
-    <p:bg>
-      <p:bgPr>
-        <a:gradFill>
-          <a:gsLst>
-            <a:gs pos="0">
-              <a:schemeClr val="accent1">
-                <a:lumMod val="75000"/>
-              </a:schemeClr>
-            </a:gs>
-            <a:gs pos="97000">
-              <a:schemeClr val="accent1">
-                <a:lumMod val="45000"/>
-                <a:lumOff val="55000"/>
-              </a:schemeClr>
-            </a:gs>
-            <a:gs pos="100000">
-              <a:schemeClr val="accent1">
-                <a:lumMod val="45000"/>
-                <a:lumOff val="55000"/>
-              </a:schemeClr>
-            </a:gs>
-            <a:gs pos="100000">
-              <a:schemeClr val="accent1">
-                <a:lumMod val="30000"/>
-                <a:lumOff val="70000"/>
-              </a:schemeClr>
-            </a:gs>
-          </a:gsLst>
-          <a:lin ang="5400000" scaled="1"/>
-        </a:gradFill>
-        <a:effectLst/>
-      </p:bgPr>
-    </p:bg>
     <p:spTree>
       <p:nvGrpSpPr>
         <p:cNvPr id="1" name=""/>
@@ -12541,39 +12100,6 @@
 <file path=ppt/slides/slide8.xml><?xml version="1.0" encoding="utf-8"?>
 <p:sld xmlns:a="http://schemas.openxmlformats.org/drawingml/2006/main" xmlns:r="http://schemas.openxmlformats.org/officeDocument/2006/relationships" xmlns:p="http://schemas.openxmlformats.org/presentationml/2006/main">
   <p:cSld>
-    <p:bg>
-      <p:bgPr>
-        <a:gradFill>
-          <a:gsLst>
-            <a:gs pos="0">
-              <a:schemeClr val="accent1">
-                <a:lumMod val="75000"/>
-              </a:schemeClr>
-            </a:gs>
-            <a:gs pos="97000">
-              <a:schemeClr val="accent1">
-                <a:lumMod val="45000"/>
-                <a:lumOff val="55000"/>
-              </a:schemeClr>
-            </a:gs>
-            <a:gs pos="100000">
-              <a:schemeClr val="accent1">
-                <a:lumMod val="45000"/>
-                <a:lumOff val="55000"/>
-              </a:schemeClr>
-            </a:gs>
-            <a:gs pos="100000">
-              <a:schemeClr val="accent1">
-                <a:lumMod val="30000"/>
-                <a:lumOff val="70000"/>
-              </a:schemeClr>
-            </a:gs>
-          </a:gsLst>
-          <a:lin ang="5400000" scaled="1"/>
-        </a:gradFill>
-        <a:effectLst/>
-      </p:bgPr>
-    </p:bg>
     <p:spTree>
       <p:nvGrpSpPr>
         <p:cNvPr id="1" name=""/>
@@ -12745,39 +12271,6 @@
 <file path=ppt/slides/slide9.xml><?xml version="1.0" encoding="utf-8"?>
 <p:sld xmlns:a="http://schemas.openxmlformats.org/drawingml/2006/main" xmlns:r="http://schemas.openxmlformats.org/officeDocument/2006/relationships" xmlns:p="http://schemas.openxmlformats.org/presentationml/2006/main">
   <p:cSld>
-    <p:bg>
-      <p:bgPr>
-        <a:gradFill>
-          <a:gsLst>
-            <a:gs pos="0">
-              <a:schemeClr val="accent1">
-                <a:lumMod val="75000"/>
-              </a:schemeClr>
-            </a:gs>
-            <a:gs pos="97000">
-              <a:schemeClr val="accent1">
-                <a:lumMod val="45000"/>
-                <a:lumOff val="55000"/>
-              </a:schemeClr>
-            </a:gs>
-            <a:gs pos="100000">
-              <a:schemeClr val="accent1">
-                <a:lumMod val="45000"/>
-                <a:lumOff val="55000"/>
-              </a:schemeClr>
-            </a:gs>
-            <a:gs pos="100000">
-              <a:schemeClr val="accent1">
-                <a:lumMod val="30000"/>
-                <a:lumOff val="70000"/>
-              </a:schemeClr>
-            </a:gs>
-          </a:gsLst>
-          <a:lin ang="5400000" scaled="1"/>
-        </a:gradFill>
-        <a:effectLst/>
-      </p:bgPr>
-    </p:bg>
     <p:spTree>
       <p:nvGrpSpPr>
         <p:cNvPr id="1" name=""/>
